--- a/images/FeltorStructure.pptx
+++ b/images/FeltorStructure.pptx
@@ -106,7 +106,18 @@
   </p:defaultTextStyle>
   <p:extLst>
     <p:ext uri="{EFAFB233-063F-42B5-8137-9DF3F51BA10A}">
-      <p15:sldGuideLst xmlns:p15="http://schemas.microsoft.com/office/powerpoint/2012/main"/>
+      <p15:sldGuideLst xmlns:p15="http://schemas.microsoft.com/office/powerpoint/2012/main">
+        <p15:guide id="1" orient="horz" pos="2160" userDrawn="1">
+          <p15:clr>
+            <a:srgbClr val="A4A3A4"/>
+          </p15:clr>
+        </p15:guide>
+        <p15:guide id="2" pos="3840" userDrawn="1">
+          <p15:clr>
+            <a:srgbClr val="A4A3A4"/>
+          </p15:clr>
+        </p15:guide>
+      </p15:sldGuideLst>
     </p:ext>
   </p:extLst>
 </p:presentation>
@@ -2981,8 +2992,8 @@
         </p:nvSpPr>
         <p:spPr>
           <a:xfrm>
-            <a:off x="-2295898" y="-2531110"/>
-            <a:ext cx="15479836" cy="11108267"/>
+            <a:off x="-2699337" y="-2038335"/>
+            <a:ext cx="15999573" cy="10453926"/>
           </a:xfrm>
           <a:prstGeom prst="rect">
             <a:avLst/>
@@ -2992,426 +3003,6 @@
               <a:lumMod val="40000"/>
               <a:lumOff val="60000"/>
             </a:schemeClr>
-          </a:solidFill>
-        </p:spPr>
-        <p:style>
-          <a:lnRef idx="2">
-            <a:schemeClr val="accent1">
-              <a:shade val="50000"/>
-            </a:schemeClr>
-          </a:lnRef>
-          <a:fillRef idx="1">
-            <a:schemeClr val="accent1"/>
-          </a:fillRef>
-          <a:effectRef idx="0">
-            <a:schemeClr val="accent1"/>
-          </a:effectRef>
-          <a:fontRef idx="minor">
-            <a:schemeClr val="lt1"/>
-          </a:fontRef>
-        </p:style>
-        <p:txBody>
-          <a:bodyPr rot="0" spcFirstLastPara="0" vertOverflow="overflow" horzOverflow="overflow" vert="horz" wrap="square" lIns="162560" tIns="81280" rIns="162560" bIns="81280" numCol="1" spcCol="0" rtlCol="0" fromWordArt="0" anchor="t" anchorCtr="0" forceAA="0" compatLnSpc="1">
-            <a:prstTxWarp prst="textNoShape">
-              <a:avLst/>
-            </a:prstTxWarp>
-            <a:noAutofit/>
-          </a:bodyPr>
-          <a:lstStyle/>
-          <a:p>
-            <a:pPr algn="ctr"/>
-            <a:r>
-              <a:rPr lang="en-GB" sz="3200" b="1" dirty="0"/>
-              <a:t>FELTOR</a:t>
-            </a:r>
-          </a:p>
-        </p:txBody>
-      </p:sp>
-      <p:sp>
-        <p:nvSpPr>
-          <p:cNvPr id="72" name="Rectangle 71"/>
-          <p:cNvSpPr/>
-          <p:nvPr/>
-        </p:nvSpPr>
-        <p:spPr>
-          <a:xfrm>
-            <a:off x="-2096724" y="347909"/>
-            <a:ext cx="15012624" cy="7985692"/>
-          </a:xfrm>
-          <a:prstGeom prst="rect">
-            <a:avLst/>
-          </a:prstGeom>
-          <a:solidFill>
-            <a:schemeClr val="accent1"/>
-          </a:solidFill>
-        </p:spPr>
-        <p:style>
-          <a:lnRef idx="2">
-            <a:schemeClr val="accent1">
-              <a:shade val="50000"/>
-            </a:schemeClr>
-          </a:lnRef>
-          <a:fillRef idx="1">
-            <a:schemeClr val="accent1"/>
-          </a:fillRef>
-          <a:effectRef idx="0">
-            <a:schemeClr val="accent1"/>
-          </a:effectRef>
-          <a:fontRef idx="minor">
-            <a:schemeClr val="lt1"/>
-          </a:fontRef>
-        </p:style>
-        <p:txBody>
-          <a:bodyPr rtlCol="0" anchor="t"/>
-          <a:lstStyle/>
-          <a:p>
-            <a:pPr algn="ctr"/>
-            <a:r>
-              <a:rPr lang="en-GB" sz="2489" b="1" dirty="0"/>
-              <a:t>d</a:t>
-            </a:r>
-            <a:r>
-              <a:rPr lang="en-GB" sz="2489" b="1" dirty="0"/>
-              <a:t>g library</a:t>
-            </a:r>
-            <a:endParaRPr lang="en-GB" sz="2489" b="1" dirty="0"/>
-          </a:p>
-        </p:txBody>
-      </p:sp>
-      <p:sp>
-        <p:nvSpPr>
-          <p:cNvPr id="73" name="Rectangle 72"/>
-          <p:cNvSpPr/>
-          <p:nvPr/>
-        </p:nvSpPr>
-        <p:spPr>
-          <a:xfrm>
-            <a:off x="5800277" y="985940"/>
-            <a:ext cx="4781075" cy="2688139"/>
-          </a:xfrm>
-          <a:prstGeom prst="rect">
-            <a:avLst/>
-          </a:prstGeom>
-          <a:solidFill>
-            <a:srgbClr val="00B0F0"/>
-          </a:solidFill>
-        </p:spPr>
-        <p:style>
-          <a:lnRef idx="2">
-            <a:schemeClr val="accent1">
-              <a:shade val="50000"/>
-            </a:schemeClr>
-          </a:lnRef>
-          <a:fillRef idx="1">
-            <a:schemeClr val="accent1"/>
-          </a:fillRef>
-          <a:effectRef idx="0">
-            <a:schemeClr val="accent1"/>
-          </a:effectRef>
-          <a:fontRef idx="minor">
-            <a:schemeClr val="lt1"/>
-          </a:fontRef>
-        </p:style>
-        <p:txBody>
-          <a:bodyPr rot="0" spcFirstLastPara="0" vertOverflow="overflow" horzOverflow="overflow" vert="horz" wrap="square" lIns="91440" tIns="45721" rIns="91440" bIns="45721" numCol="1" spcCol="0" rtlCol="0" fromWordArt="0" anchor="t" anchorCtr="0" forceAA="0" compatLnSpc="1">
-            <a:prstTxWarp prst="textNoShape">
-              <a:avLst/>
-            </a:prstTxWarp>
-            <a:noAutofit/>
-          </a:bodyPr>
-          <a:lstStyle/>
-          <a:p>
-            <a:pPr algn="ctr"/>
-            <a:r>
-              <a:rPr lang="en-GB" sz="2133" dirty="0"/>
-              <a:t>Geometries extension</a:t>
-            </a:r>
-            <a:endParaRPr lang="en-GB" sz="2133" dirty="0"/>
-          </a:p>
-        </p:txBody>
-      </p:sp>
-      <p:sp>
-        <p:nvSpPr>
-          <p:cNvPr id="4" name="Rectangle 3"/>
-          <p:cNvSpPr/>
-          <p:nvPr/>
-        </p:nvSpPr>
-        <p:spPr>
-          <a:xfrm>
-            <a:off x="-1825202" y="5883225"/>
-            <a:ext cx="7460800" cy="2233346"/>
-          </a:xfrm>
-          <a:prstGeom prst="rect">
-            <a:avLst/>
-          </a:prstGeom>
-          <a:solidFill>
-            <a:schemeClr val="accent1">
-              <a:lumMod val="75000"/>
-            </a:schemeClr>
-          </a:solidFill>
-        </p:spPr>
-        <p:style>
-          <a:lnRef idx="2">
-            <a:schemeClr val="accent1">
-              <a:shade val="50000"/>
-            </a:schemeClr>
-          </a:lnRef>
-          <a:fillRef idx="1">
-            <a:schemeClr val="accent1"/>
-          </a:fillRef>
-          <a:effectRef idx="0">
-            <a:schemeClr val="accent1"/>
-          </a:effectRef>
-          <a:fontRef idx="minor">
-            <a:schemeClr val="lt1"/>
-          </a:fontRef>
-        </p:style>
-        <p:txBody>
-          <a:bodyPr rot="0" spcFirstLastPara="0" vertOverflow="overflow" horzOverflow="overflow" vert="horz" wrap="square" lIns="91440" tIns="45721" rIns="91440" bIns="45721" numCol="1" spcCol="0" rtlCol="0" fromWordArt="0" anchor="t" anchorCtr="0" forceAA="0" compatLnSpc="1">
-            <a:prstTxWarp prst="textNoShape">
-              <a:avLst/>
-            </a:prstTxWarp>
-            <a:noAutofit/>
-          </a:bodyPr>
-          <a:lstStyle/>
-          <a:p>
-            <a:pPr algn="ctr"/>
-            <a:r>
-              <a:rPr lang="en-GB" sz="2133" dirty="0"/>
-              <a:t>Basic parallel operations</a:t>
-            </a:r>
-          </a:p>
-          <a:p>
-            <a:pPr algn="ctr"/>
-            <a:endParaRPr lang="en-GB" sz="2133" dirty="0"/>
-          </a:p>
-        </p:txBody>
-      </p:sp>
-      <p:sp>
-        <p:nvSpPr>
-          <p:cNvPr id="79" name="Rectangle 78"/>
-          <p:cNvSpPr/>
-          <p:nvPr/>
-        </p:nvSpPr>
-        <p:spPr>
-          <a:xfrm>
-            <a:off x="918256" y="7157024"/>
-            <a:ext cx="2053544" cy="901125"/>
-          </a:xfrm>
-          <a:prstGeom prst="rect">
-            <a:avLst/>
-          </a:prstGeom>
-          <a:solidFill>
-            <a:srgbClr val="00B0F0"/>
-          </a:solidFill>
-        </p:spPr>
-        <p:style>
-          <a:lnRef idx="2">
-            <a:schemeClr val="accent1">
-              <a:shade val="50000"/>
-            </a:schemeClr>
-          </a:lnRef>
-          <a:fillRef idx="1">
-            <a:schemeClr val="accent1"/>
-          </a:fillRef>
-          <a:effectRef idx="0">
-            <a:schemeClr val="accent1"/>
-          </a:effectRef>
-          <a:fontRef idx="minor">
-            <a:schemeClr val="lt1"/>
-          </a:fontRef>
-        </p:style>
-        <p:txBody>
-          <a:bodyPr rot="0" spcFirstLastPara="0" vertOverflow="overflow" horzOverflow="overflow" vert="horz" wrap="square" lIns="91440" tIns="45721" rIns="91440" bIns="45721" numCol="1" spcCol="0" rtlCol="0" fromWordArt="0" anchor="t" anchorCtr="0" forceAA="0" compatLnSpc="1">
-            <a:prstTxWarp prst="textNoShape">
-              <a:avLst/>
-            </a:prstTxWarp>
-            <a:noAutofit/>
-          </a:bodyPr>
-          <a:lstStyle/>
-          <a:p>
-            <a:pPr algn="ctr"/>
-            <a:endParaRPr lang="en-GB" sz="2133" dirty="0"/>
-          </a:p>
-        </p:txBody>
-      </p:sp>
-      <p:sp>
-        <p:nvSpPr>
-          <p:cNvPr id="7" name="Rectangle 6"/>
-          <p:cNvSpPr/>
-          <p:nvPr/>
-        </p:nvSpPr>
-        <p:spPr>
-          <a:xfrm>
-            <a:off x="-1831321" y="3921929"/>
-            <a:ext cx="7466919" cy="1744265"/>
-          </a:xfrm>
-          <a:prstGeom prst="rect">
-            <a:avLst/>
-          </a:prstGeom>
-          <a:solidFill>
-            <a:schemeClr val="accent1">
-              <a:lumMod val="75000"/>
-            </a:schemeClr>
-          </a:solidFill>
-        </p:spPr>
-        <p:style>
-          <a:lnRef idx="2">
-            <a:schemeClr val="accent1">
-              <a:shade val="50000"/>
-            </a:schemeClr>
-          </a:lnRef>
-          <a:fillRef idx="1">
-            <a:schemeClr val="accent1"/>
-          </a:fillRef>
-          <a:effectRef idx="0">
-            <a:schemeClr val="accent1"/>
-          </a:effectRef>
-          <a:fontRef idx="minor">
-            <a:schemeClr val="lt1"/>
-          </a:fontRef>
-        </p:style>
-        <p:txBody>
-          <a:bodyPr rot="0" spcFirstLastPara="0" vertOverflow="overflow" horzOverflow="overflow" vert="horz" wrap="square" lIns="91440" tIns="45721" rIns="91440" bIns="45721" numCol="1" spcCol="0" rtlCol="0" fromWordArt="0" anchor="t" anchorCtr="0" forceAA="0" compatLnSpc="1">
-            <a:prstTxWarp prst="textNoShape">
-              <a:avLst/>
-            </a:prstTxWarp>
-            <a:noAutofit/>
-          </a:bodyPr>
-          <a:lstStyle/>
-          <a:p>
-            <a:pPr algn="ctr"/>
-            <a:r>
-              <a:rPr lang="en-GB" sz="2133" dirty="0"/>
-              <a:t>Basic numerical algorithms</a:t>
-            </a:r>
-            <a:endParaRPr lang="en-GB" sz="2133" dirty="0"/>
-          </a:p>
-        </p:txBody>
-      </p:sp>
-      <p:sp>
-        <p:nvSpPr>
-          <p:cNvPr id="8" name="Rectangle 7"/>
-          <p:cNvSpPr/>
-          <p:nvPr/>
-        </p:nvSpPr>
-        <p:spPr>
-          <a:xfrm>
-            <a:off x="5800279" y="3920703"/>
-            <a:ext cx="6772471" cy="4195868"/>
-          </a:xfrm>
-          <a:prstGeom prst="rect">
-            <a:avLst/>
-          </a:prstGeom>
-          <a:solidFill>
-            <a:schemeClr val="accent1">
-              <a:lumMod val="75000"/>
-            </a:schemeClr>
-          </a:solidFill>
-        </p:spPr>
-        <p:style>
-          <a:lnRef idx="2">
-            <a:schemeClr val="accent1">
-              <a:shade val="50000"/>
-            </a:schemeClr>
-          </a:lnRef>
-          <a:fillRef idx="1">
-            <a:schemeClr val="accent1"/>
-          </a:fillRef>
-          <a:effectRef idx="0">
-            <a:schemeClr val="accent1"/>
-          </a:effectRef>
-          <a:fontRef idx="minor">
-            <a:schemeClr val="lt1"/>
-          </a:fontRef>
-        </p:style>
-        <p:txBody>
-          <a:bodyPr rot="0" spcFirstLastPara="0" vertOverflow="overflow" horzOverflow="overflow" vert="horz" wrap="square" lIns="91440" tIns="45721" rIns="91440" bIns="45721" numCol="1" spcCol="0" rtlCol="0" fromWordArt="0" anchor="t" anchorCtr="0" forceAA="0" compatLnSpc="1">
-            <a:prstTxWarp prst="textNoShape">
-              <a:avLst/>
-            </a:prstTxWarp>
-            <a:noAutofit/>
-          </a:bodyPr>
-          <a:lstStyle/>
-          <a:p>
-            <a:pPr algn="ctr"/>
-            <a:r>
-              <a:rPr lang="en-GB" sz="2133" dirty="0"/>
-              <a:t>Basic Topology and Geometry</a:t>
-            </a:r>
-          </a:p>
-        </p:txBody>
-      </p:sp>
-      <p:sp>
-        <p:nvSpPr>
-          <p:cNvPr id="9" name="Rectangle 8"/>
-          <p:cNvSpPr/>
-          <p:nvPr/>
-        </p:nvSpPr>
-        <p:spPr>
-          <a:xfrm>
-            <a:off x="689048" y="986501"/>
-            <a:ext cx="4946551" cy="2688139"/>
-          </a:xfrm>
-          <a:prstGeom prst="rect">
-            <a:avLst/>
-          </a:prstGeom>
-          <a:solidFill>
-            <a:schemeClr val="accent1">
-              <a:lumMod val="75000"/>
-            </a:schemeClr>
-          </a:solidFill>
-        </p:spPr>
-        <p:style>
-          <a:lnRef idx="2">
-            <a:schemeClr val="accent1">
-              <a:shade val="50000"/>
-            </a:schemeClr>
-          </a:lnRef>
-          <a:fillRef idx="1">
-            <a:schemeClr val="accent1"/>
-          </a:fillRef>
-          <a:effectRef idx="0">
-            <a:schemeClr val="accent1"/>
-          </a:effectRef>
-          <a:fontRef idx="minor">
-            <a:schemeClr val="lt1"/>
-          </a:fontRef>
-        </p:style>
-        <p:txBody>
-          <a:bodyPr rot="0" spcFirstLastPara="0" vertOverflow="overflow" horzOverflow="overflow" vert="horz" wrap="square" lIns="91440" tIns="45721" rIns="91440" bIns="45721" numCol="1" spcCol="0" rtlCol="0" fromWordArt="0" anchor="t" anchorCtr="0" forceAA="0" compatLnSpc="1">
-            <a:prstTxWarp prst="textNoShape">
-              <a:avLst/>
-            </a:prstTxWarp>
-            <a:noAutofit/>
-          </a:bodyPr>
-          <a:lstStyle/>
-          <a:p>
-            <a:pPr algn="ctr"/>
-            <a:r>
-              <a:rPr lang="en-GB" sz="2133" dirty="0"/>
-              <a:t>Advanced numerical algorithms</a:t>
-            </a:r>
-            <a:endParaRPr lang="en-GB" sz="2133" dirty="0"/>
-          </a:p>
-        </p:txBody>
-      </p:sp>
-      <p:sp>
-        <p:nvSpPr>
-          <p:cNvPr id="10" name="Rectangle 9"/>
-          <p:cNvSpPr/>
-          <p:nvPr/>
-        </p:nvSpPr>
-        <p:spPr>
-          <a:xfrm>
-            <a:off x="-2096724" y="-1858917"/>
-            <a:ext cx="15012624" cy="1927476"/>
-          </a:xfrm>
-          <a:prstGeom prst="rect">
-            <a:avLst/>
-          </a:prstGeom>
-          <a:solidFill>
-            <a:schemeClr val="accent1"/>
           </a:solidFill>
           <a:ln>
             <a:noFill/>
@@ -3434,7 +3025,7 @@
           </a:fontRef>
         </p:style>
         <p:txBody>
-          <a:bodyPr rot="0" spcFirstLastPara="0" vertOverflow="overflow" horzOverflow="overflow" vert="horz" wrap="square" lIns="91440" tIns="45721" rIns="91440" bIns="45721" numCol="1" spcCol="0" rtlCol="0" fromWordArt="0" anchor="t" anchorCtr="0" forceAA="0" compatLnSpc="1">
+          <a:bodyPr rot="0" spcFirstLastPara="0" vertOverflow="overflow" horzOverflow="overflow" vert="horz" wrap="square" lIns="162560" tIns="81280" rIns="162560" bIns="81280" numCol="1" spcCol="0" rtlCol="0" fromWordArt="0" anchor="t" anchorCtr="0" forceAA="0" compatLnSpc="1">
             <a:prstTxWarp prst="textNoShape">
               <a:avLst/>
             </a:prstTxWarp>
@@ -3443,33 +3034,41 @@
           <a:lstStyle/>
           <a:p>
             <a:pPr algn="ctr"/>
-            <a:r>
-              <a:rPr lang="en-GB" sz="2489" b="1" dirty="0"/>
-              <a:t>Application codes</a:t>
-            </a:r>
-            <a:endParaRPr lang="en-GB" sz="1779" b="1" dirty="0"/>
-          </a:p>
-        </p:txBody>
-      </p:sp>
-      <p:sp>
-        <p:nvSpPr>
-          <p:cNvPr id="11" name="Rounded Rectangle 10"/>
+            <a:endParaRPr lang="en-GB" sz="3200" b="1" dirty="0"/>
+          </a:p>
+        </p:txBody>
+      </p:sp>
+      <p:sp>
+        <p:nvSpPr>
+          <p:cNvPr id="10" name="Rectangle 9"/>
           <p:cNvSpPr/>
           <p:nvPr/>
         </p:nvSpPr>
         <p:spPr>
           <a:xfrm>
-            <a:off x="989828" y="6376123"/>
-            <a:ext cx="1919111" cy="764713"/>
+            <a:off x="-2049874" y="-740015"/>
+            <a:ext cx="14773150" cy="1240615"/>
           </a:xfrm>
-          <a:prstGeom prst="roundRect">
+          <a:prstGeom prst="rect">
             <a:avLst/>
           </a:prstGeom>
           <a:solidFill>
             <a:schemeClr val="accent1">
-              <a:lumMod val="50000"/>
+              <a:lumMod val="60000"/>
+              <a:lumOff val="40000"/>
+              <a:alpha val="30000"/>
             </a:schemeClr>
           </a:solidFill>
+          <a:ln>
+            <a:noFill/>
+          </a:ln>
+          <a:effectLst>
+            <a:outerShdw blurRad="50800" dist="38100" dir="8100000" algn="tr" rotWithShape="0">
+              <a:prstClr val="black">
+                <a:alpha val="40000"/>
+              </a:prstClr>
+            </a:outerShdw>
+          </a:effectLst>
         </p:spPr>
         <p:style>
           <a:lnRef idx="2">
@@ -3488,37 +3087,41 @@
           </a:fontRef>
         </p:style>
         <p:txBody>
-          <a:bodyPr rtlCol="0" anchor="ctr"/>
+          <a:bodyPr rot="0" spcFirstLastPara="0" vertOverflow="overflow" horzOverflow="overflow" vert="horz" wrap="square" lIns="91440" tIns="45721" rIns="91440" bIns="45721" numCol="1" spcCol="0" rtlCol="0" fromWordArt="0" anchor="t" anchorCtr="0" forceAA="0" compatLnSpc="1">
+            <a:prstTxWarp prst="textNoShape">
+              <a:avLst/>
+            </a:prstTxWarp>
+            <a:noAutofit/>
+          </a:bodyPr>
           <a:lstStyle/>
           <a:p>
             <a:pPr algn="ctr"/>
-            <a:r>
-              <a:rPr lang="en-GB" sz="1956" dirty="0"/>
-              <a:t>Reduction</a:t>
-            </a:r>
-            <a:endParaRPr lang="en-GB" sz="1956" dirty="0"/>
-          </a:p>
-        </p:txBody>
-      </p:sp>
-      <p:sp>
-        <p:nvSpPr>
-          <p:cNvPr id="12" name="Rounded Rectangle 11"/>
+            <a:endParaRPr lang="en-GB" sz="2133" dirty="0"/>
+          </a:p>
+        </p:txBody>
+      </p:sp>
+      <p:sp>
+        <p:nvSpPr>
+          <p:cNvPr id="25" name="Rounded Rectangle 24"/>
           <p:cNvSpPr/>
           <p:nvPr/>
         </p:nvSpPr>
         <p:spPr>
           <a:xfrm>
-            <a:off x="-1445703" y="6376123"/>
-            <a:ext cx="1919111" cy="764713"/>
+            <a:off x="5639668" y="8595053"/>
+            <a:ext cx="1800000" cy="720000"/>
           </a:xfrm>
           <a:prstGeom prst="roundRect">
             <a:avLst/>
           </a:prstGeom>
           <a:solidFill>
-            <a:schemeClr val="accent1">
-              <a:lumMod val="50000"/>
+            <a:schemeClr val="accent6">
+              <a:alpha val="60000"/>
             </a:schemeClr>
           </a:solidFill>
+          <a:ln>
+            <a:noFill/>
+          </a:ln>
         </p:spPr>
         <p:style>
           <a:lnRef idx="2">
@@ -3543,31 +3146,33 @@
             <a:pPr algn="ctr"/>
             <a:r>
               <a:rPr lang="en-GB" sz="1956" dirty="0"/>
-              <a:t>Vector-Vector</a:t>
-            </a:r>
-            <a:endParaRPr lang="en-GB" sz="1956" dirty="0"/>
-          </a:p>
-        </p:txBody>
-      </p:sp>
-      <p:sp>
-        <p:nvSpPr>
-          <p:cNvPr id="13" name="Rounded Rectangle 12"/>
+              <a:t>thrust</a:t>
+            </a:r>
+          </a:p>
+        </p:txBody>
+      </p:sp>
+      <p:sp>
+        <p:nvSpPr>
+          <p:cNvPr id="26" name="Rounded Rectangle 25"/>
           <p:cNvSpPr/>
           <p:nvPr/>
         </p:nvSpPr>
         <p:spPr>
           <a:xfrm>
-            <a:off x="3425360" y="6376123"/>
-            <a:ext cx="1919111" cy="780901"/>
+            <a:off x="8090222" y="8595053"/>
+            <a:ext cx="1800000" cy="720000"/>
           </a:xfrm>
           <a:prstGeom prst="roundRect">
             <a:avLst/>
           </a:prstGeom>
           <a:solidFill>
-            <a:schemeClr val="accent1">
-              <a:lumMod val="50000"/>
+            <a:schemeClr val="accent6">
+              <a:alpha val="60000"/>
             </a:schemeClr>
           </a:solidFill>
+          <a:ln>
+            <a:noFill/>
+          </a:ln>
         </p:spPr>
         <p:style>
           <a:lnRef idx="2">
@@ -3591,8 +3196,8 @@
           <a:p>
             <a:pPr algn="ctr"/>
             <a:r>
-              <a:rPr lang="en-GB" sz="1956" dirty="0"/>
-              <a:t>Matrix-Vector</a:t>
+              <a:rPr lang="en-GB" sz="1956" dirty="0" err="1"/>
+              <a:t>cusplibrary</a:t>
             </a:r>
             <a:endParaRPr lang="en-GB" sz="1956" dirty="0"/>
           </a:p>
@@ -3600,23 +3205,26 @@
       </p:sp>
       <p:sp>
         <p:nvSpPr>
-          <p:cNvPr id="17" name="Rounded Rectangle 16"/>
+          <p:cNvPr id="30" name="Rounded Rectangle 29"/>
           <p:cNvSpPr/>
           <p:nvPr/>
         </p:nvSpPr>
         <p:spPr>
           <a:xfrm>
-            <a:off x="7328636" y="6655447"/>
-            <a:ext cx="4419614" cy="700439"/>
+            <a:off x="13782249" y="1855494"/>
+            <a:ext cx="1800000" cy="720000"/>
           </a:xfrm>
           <a:prstGeom prst="roundRect">
             <a:avLst/>
           </a:prstGeom>
           <a:solidFill>
-            <a:schemeClr val="accent1">
-              <a:lumMod val="50000"/>
+            <a:schemeClr val="accent6">
+              <a:alpha val="60000"/>
             </a:schemeClr>
           </a:solidFill>
+          <a:ln>
+            <a:noFill/>
+          </a:ln>
         </p:spPr>
         <p:style>
           <a:lnRef idx="2">
@@ -3640,16 +3248,8 @@
           <a:p>
             <a:pPr algn="ctr"/>
             <a:r>
-              <a:rPr lang="en-GB" sz="1956" dirty="0"/>
-              <a:t>Structured discontinuous </a:t>
-            </a:r>
-            <a:r>
               <a:rPr lang="en-GB" sz="1956" dirty="0" err="1"/>
-              <a:t>Galerkin</a:t>
-            </a:r>
-            <a:r>
-              <a:rPr lang="en-GB" sz="1956" dirty="0"/>
-              <a:t> Topology 1d, 2d, 3d</a:t>
+              <a:t>NetCDF</a:t>
             </a:r>
             <a:endParaRPr lang="en-GB" sz="1956" dirty="0"/>
           </a:p>
@@ -3657,23 +3257,26 @@
       </p:sp>
       <p:sp>
         <p:nvSpPr>
-          <p:cNvPr id="20" name="Rounded Rectangle 19"/>
+          <p:cNvPr id="31" name="Rounded Rectangle 30"/>
           <p:cNvSpPr/>
           <p:nvPr/>
         </p:nvSpPr>
         <p:spPr>
           <a:xfrm>
-            <a:off x="5937401" y="5143264"/>
-            <a:ext cx="2269155" cy="764713"/>
+            <a:off x="13782249" y="2842250"/>
+            <a:ext cx="1800000" cy="720000"/>
           </a:xfrm>
           <a:prstGeom prst="roundRect">
             <a:avLst/>
           </a:prstGeom>
           <a:solidFill>
-            <a:schemeClr val="accent1">
-              <a:lumMod val="50000"/>
+            <a:schemeClr val="accent6">
+              <a:alpha val="60000"/>
             </a:schemeClr>
           </a:solidFill>
+          <a:ln>
+            <a:noFill/>
+          </a:ln>
         </p:spPr>
         <p:style>
           <a:lnRef idx="2">
@@ -3697,32 +3300,256 @@
           <a:p>
             <a:pPr algn="ctr"/>
             <a:r>
-              <a:rPr lang="en-GB" sz="1956" dirty="0"/>
-              <a:t>Simple derivatives</a:t>
+              <a:rPr lang="en-GB" sz="1956" dirty="0" err="1"/>
+              <a:t>jsoncpp</a:t>
             </a:r>
             <a:endParaRPr lang="en-GB" sz="1956" dirty="0"/>
           </a:p>
         </p:txBody>
       </p:sp>
-      <p:sp>
-        <p:nvSpPr>
-          <p:cNvPr id="23" name="Rounded Rectangle 22"/>
+      <p:grpSp>
+        <p:nvGrpSpPr>
+          <p:cNvPr id="48" name="Group 47"/>
+          <p:cNvGrpSpPr/>
+          <p:nvPr/>
+        </p:nvGrpSpPr>
+        <p:grpSpPr>
+          <a:xfrm>
+            <a:off x="-1332933" y="-480526"/>
+            <a:ext cx="13266762" cy="720000"/>
+            <a:chOff x="-1611024" y="-720000"/>
+            <a:chExt cx="13266762" cy="720000"/>
+          </a:xfrm>
+        </p:grpSpPr>
+        <p:sp>
+          <p:nvSpPr>
+            <p:cNvPr id="32" name="Rectangle 31"/>
+            <p:cNvSpPr/>
+            <p:nvPr/>
+          </p:nvSpPr>
+          <p:spPr>
+            <a:xfrm>
+              <a:off x="-1611024" y="-720000"/>
+              <a:ext cx="2520000" cy="720000"/>
+            </a:xfrm>
+            <a:prstGeom prst="rect">
+              <a:avLst/>
+            </a:prstGeom>
+            <a:solidFill>
+              <a:schemeClr val="tx2">
+                <a:lumMod val="75000"/>
+              </a:schemeClr>
+            </a:solidFill>
+            <a:ln>
+              <a:noFill/>
+            </a:ln>
+          </p:spPr>
+          <p:style>
+            <a:lnRef idx="2">
+              <a:schemeClr val="accent1">
+                <a:shade val="50000"/>
+              </a:schemeClr>
+            </a:lnRef>
+            <a:fillRef idx="1">
+              <a:schemeClr val="accent1"/>
+            </a:fillRef>
+            <a:effectRef idx="0">
+              <a:schemeClr val="accent1"/>
+            </a:effectRef>
+            <a:fontRef idx="minor">
+              <a:schemeClr val="lt1"/>
+            </a:fontRef>
+          </p:style>
+          <p:txBody>
+            <a:bodyPr rtlCol="0" anchor="ctr"/>
+            <a:lstStyle/>
+            <a:p>
+              <a:pPr algn="ctr"/>
+              <a:r>
+                <a:rPr lang="en-GB" sz="1956" dirty="0" err="1"/>
+                <a:t>Feltor</a:t>
+              </a:r>
+              <a:endParaRPr lang="en-GB" sz="1956" dirty="0"/>
+            </a:p>
+          </p:txBody>
+        </p:sp>
+        <p:sp>
+          <p:nvSpPr>
+            <p:cNvPr id="33" name="Rectangle 32"/>
+            <p:cNvSpPr/>
+            <p:nvPr/>
+          </p:nvSpPr>
+          <p:spPr>
+            <a:xfrm>
+              <a:off x="1971230" y="-720000"/>
+              <a:ext cx="2520000" cy="720000"/>
+            </a:xfrm>
+            <a:prstGeom prst="rect">
+              <a:avLst/>
+            </a:prstGeom>
+            <a:solidFill>
+              <a:schemeClr val="tx2">
+                <a:lumMod val="75000"/>
+              </a:schemeClr>
+            </a:solidFill>
+            <a:ln>
+              <a:noFill/>
+            </a:ln>
+          </p:spPr>
+          <p:style>
+            <a:lnRef idx="2">
+              <a:schemeClr val="accent1">
+                <a:shade val="50000"/>
+              </a:schemeClr>
+            </a:lnRef>
+            <a:fillRef idx="1">
+              <a:schemeClr val="accent1"/>
+            </a:fillRef>
+            <a:effectRef idx="0">
+              <a:schemeClr val="accent1"/>
+            </a:effectRef>
+            <a:fontRef idx="minor">
+              <a:schemeClr val="lt1"/>
+            </a:fontRef>
+          </p:style>
+          <p:txBody>
+            <a:bodyPr rtlCol="0" anchor="ctr"/>
+            <a:lstStyle/>
+            <a:p>
+              <a:pPr algn="ctr"/>
+              <a:r>
+                <a:rPr lang="en-GB" sz="1956" dirty="0" err="1"/>
+                <a:t>Toefl</a:t>
+              </a:r>
+              <a:endParaRPr lang="en-GB" sz="1956" dirty="0"/>
+            </a:p>
+          </p:txBody>
+        </p:sp>
+        <p:sp>
+          <p:nvSpPr>
+            <p:cNvPr id="34" name="Rectangle 33"/>
+            <p:cNvSpPr/>
+            <p:nvPr/>
+          </p:nvSpPr>
+          <p:spPr>
+            <a:xfrm>
+              <a:off x="5553484" y="-720000"/>
+              <a:ext cx="2520000" cy="720000"/>
+            </a:xfrm>
+            <a:prstGeom prst="rect">
+              <a:avLst/>
+            </a:prstGeom>
+            <a:solidFill>
+              <a:schemeClr val="tx2">
+                <a:lumMod val="75000"/>
+              </a:schemeClr>
+            </a:solidFill>
+            <a:ln>
+              <a:noFill/>
+            </a:ln>
+          </p:spPr>
+          <p:style>
+            <a:lnRef idx="2">
+              <a:schemeClr val="accent1">
+                <a:shade val="50000"/>
+              </a:schemeClr>
+            </a:lnRef>
+            <a:fillRef idx="1">
+              <a:schemeClr val="accent1"/>
+            </a:fillRef>
+            <a:effectRef idx="0">
+              <a:schemeClr val="accent1"/>
+            </a:effectRef>
+            <a:fontRef idx="minor">
+              <a:schemeClr val="lt1"/>
+            </a:fontRef>
+          </p:style>
+          <p:txBody>
+            <a:bodyPr rtlCol="0" anchor="ctr"/>
+            <a:lstStyle/>
+            <a:p>
+              <a:pPr algn="ctr"/>
+              <a:r>
+                <a:rPr lang="en-GB" sz="1956" dirty="0"/>
+                <a:t>Lamb dipole</a:t>
+              </a:r>
+            </a:p>
+          </p:txBody>
+        </p:sp>
+        <p:sp>
+          <p:nvSpPr>
+            <p:cNvPr id="35" name="Rectangle 34"/>
+            <p:cNvSpPr/>
+            <p:nvPr/>
+          </p:nvSpPr>
+          <p:spPr>
+            <a:xfrm>
+              <a:off x="9135738" y="-720000"/>
+              <a:ext cx="2520000" cy="720000"/>
+            </a:xfrm>
+            <a:prstGeom prst="rect">
+              <a:avLst/>
+            </a:prstGeom>
+            <a:solidFill>
+              <a:schemeClr val="tx2">
+                <a:lumMod val="75000"/>
+              </a:schemeClr>
+            </a:solidFill>
+            <a:ln>
+              <a:noFill/>
+            </a:ln>
+          </p:spPr>
+          <p:style>
+            <a:lnRef idx="2">
+              <a:schemeClr val="accent1">
+                <a:shade val="50000"/>
+              </a:schemeClr>
+            </a:lnRef>
+            <a:fillRef idx="1">
+              <a:schemeClr val="accent1"/>
+            </a:fillRef>
+            <a:effectRef idx="0">
+              <a:schemeClr val="accent1"/>
+            </a:effectRef>
+            <a:fontRef idx="minor">
+              <a:schemeClr val="lt1"/>
+            </a:fontRef>
+          </p:style>
+          <p:txBody>
+            <a:bodyPr rtlCol="0" anchor="ctr"/>
+            <a:lstStyle/>
+            <a:p>
+              <a:pPr algn="ctr"/>
+              <a:r>
+                <a:rPr lang="en-GB" sz="2400" b="1" dirty="0"/>
+                <a:t>…</a:t>
+              </a:r>
+            </a:p>
+          </p:txBody>
+        </p:sp>
+      </p:grpSp>
+      <p:sp>
+        <p:nvSpPr>
+          <p:cNvPr id="51" name="Rounded Rectangle 50"/>
           <p:cNvSpPr/>
           <p:nvPr/>
         </p:nvSpPr>
         <p:spPr>
           <a:xfrm>
-            <a:off x="2308529" y="1581889"/>
-            <a:ext cx="2190044" cy="764713"/>
+            <a:off x="3189114" y="8595053"/>
+            <a:ext cx="1800000" cy="720000"/>
           </a:xfrm>
           <a:prstGeom prst="roundRect">
             <a:avLst/>
           </a:prstGeom>
           <a:solidFill>
-            <a:schemeClr val="accent1">
-              <a:lumMod val="50000"/>
+            <a:schemeClr val="accent6">
+              <a:alpha val="60000"/>
             </a:schemeClr>
           </a:solidFill>
+          <a:ln>
+            <a:noFill/>
+          </a:ln>
         </p:spPr>
         <p:style>
           <a:lnRef idx="2">
@@ -3747,31 +3574,33 @@
             <a:pPr algn="ctr"/>
             <a:r>
               <a:rPr lang="en-GB" sz="1956" dirty="0"/>
-              <a:t>Multigrid methods</a:t>
-            </a:r>
-            <a:endParaRPr lang="en-GB" sz="1956" dirty="0"/>
-          </a:p>
-        </p:txBody>
-      </p:sp>
-      <p:sp>
-        <p:nvSpPr>
-          <p:cNvPr id="24" name="Rounded Rectangle 23"/>
+              <a:t>C++ STL</a:t>
+            </a:r>
+          </a:p>
+        </p:txBody>
+      </p:sp>
+      <p:sp>
+        <p:nvSpPr>
+          <p:cNvPr id="52" name="Rounded Rectangle 51"/>
           <p:cNvSpPr/>
           <p:nvPr/>
         </p:nvSpPr>
         <p:spPr>
           <a:xfrm>
-            <a:off x="989828" y="7238144"/>
-            <a:ext cx="1919111" cy="764713"/>
+            <a:off x="738560" y="8595053"/>
+            <a:ext cx="1800000" cy="720000"/>
           </a:xfrm>
           <a:prstGeom prst="roundRect">
             <a:avLst/>
           </a:prstGeom>
           <a:solidFill>
-            <a:schemeClr val="accent1">
-              <a:lumMod val="50000"/>
+            <a:schemeClr val="accent6">
+              <a:alpha val="60000"/>
             </a:schemeClr>
           </a:solidFill>
+          <a:ln>
+            <a:noFill/>
+          </a:ln>
         </p:spPr>
         <p:style>
           <a:lnRef idx="2">
@@ -3795,30 +3624,34 @@
           <a:p>
             <a:pPr algn="ctr"/>
             <a:r>
-              <a:rPr lang="en-GB" sz="1956" dirty="0" err="1"/>
-              <a:t>ExBlas</a:t>
-            </a:r>
-            <a:endParaRPr lang="en-GB" sz="1956" dirty="0"/>
-          </a:p>
-        </p:txBody>
-      </p:sp>
-      <p:sp>
-        <p:nvSpPr>
-          <p:cNvPr id="25" name="Rounded Rectangle 24"/>
+              <a:rPr lang="en-GB" sz="1956" dirty="0"/>
+              <a:t>CUDA</a:t>
+            </a:r>
+          </a:p>
+        </p:txBody>
+      </p:sp>
+      <p:sp>
+        <p:nvSpPr>
+          <p:cNvPr id="53" name="Rounded Rectangle 52"/>
           <p:cNvSpPr/>
           <p:nvPr/>
         </p:nvSpPr>
         <p:spPr>
           <a:xfrm>
-            <a:off x="4643604" y="8816518"/>
-            <a:ext cx="1919111" cy="587922"/>
+            <a:off x="10540774" y="8595053"/>
+            <a:ext cx="1800000" cy="720000"/>
           </a:xfrm>
           <a:prstGeom prst="roundRect">
             <a:avLst/>
           </a:prstGeom>
           <a:solidFill>
-            <a:schemeClr val="accent6"/>
+            <a:schemeClr val="accent6">
+              <a:alpha val="60000"/>
+            </a:schemeClr>
           </a:solidFill>
+          <a:ln>
+            <a:noFill/>
+          </a:ln>
         </p:spPr>
         <p:style>
           <a:lnRef idx="2">
@@ -3843,29 +3676,33 @@
             <a:pPr algn="ctr"/>
             <a:r>
               <a:rPr lang="en-GB" sz="1956" dirty="0"/>
-              <a:t>thrust</a:t>
-            </a:r>
-            <a:endParaRPr lang="en-GB" sz="1956" dirty="0"/>
-          </a:p>
-        </p:txBody>
-      </p:sp>
-      <p:sp>
-        <p:nvSpPr>
-          <p:cNvPr id="26" name="Rounded Rectangle 25"/>
+              <a:t>MPI</a:t>
+            </a:r>
+          </a:p>
+        </p:txBody>
+      </p:sp>
+      <p:sp>
+        <p:nvSpPr>
+          <p:cNvPr id="55" name="Rounded Rectangle 54"/>
           <p:cNvSpPr/>
           <p:nvPr/>
         </p:nvSpPr>
         <p:spPr>
           <a:xfrm>
-            <a:off x="7246999" y="8816518"/>
-            <a:ext cx="1919111" cy="587922"/>
+            <a:off x="-4922073" y="2819644"/>
+            <a:ext cx="1800000" cy="720000"/>
           </a:xfrm>
           <a:prstGeom prst="roundRect">
             <a:avLst/>
           </a:prstGeom>
           <a:solidFill>
-            <a:schemeClr val="accent6"/>
+            <a:schemeClr val="accent6">
+              <a:alpha val="60000"/>
+            </a:schemeClr>
           </a:solidFill>
+          <a:ln>
+            <a:noFill/>
+          </a:ln>
         </p:spPr>
         <p:style>
           <a:lnRef idx="2">
@@ -3890,7 +3727,7 @@
             <a:pPr algn="ctr"/>
             <a:r>
               <a:rPr lang="en-GB" sz="1956" dirty="0" err="1"/>
-              <a:t>cusplibrary</a:t>
+              <a:t>lapack</a:t>
             </a:r>
             <a:endParaRPr lang="en-GB" sz="1956" dirty="0"/>
           </a:p>
@@ -3898,21 +3735,26 @@
       </p:sp>
       <p:sp>
         <p:nvSpPr>
-          <p:cNvPr id="27" name="Rectangle 26"/>
+          <p:cNvPr id="58" name="Rounded Rectangle 57"/>
           <p:cNvSpPr/>
           <p:nvPr/>
         </p:nvSpPr>
         <p:spPr>
           <a:xfrm>
-            <a:off x="10771663" y="985940"/>
-            <a:ext cx="1801087" cy="2686659"/>
+            <a:off x="-4922073" y="1855494"/>
+            <a:ext cx="1800000" cy="720000"/>
           </a:xfrm>
-          <a:prstGeom prst="rect">
+          <a:prstGeom prst="roundRect">
             <a:avLst/>
           </a:prstGeom>
           <a:solidFill>
-            <a:srgbClr val="00B0F0"/>
+            <a:schemeClr val="accent6">
+              <a:alpha val="60000"/>
+            </a:schemeClr>
           </a:solidFill>
+          <a:ln>
+            <a:noFill/>
+          </a:ln>
         </p:spPr>
         <p:style>
           <a:lnRef idx="2">
@@ -3931,42 +3773,2286 @@
           </a:fontRef>
         </p:style>
         <p:txBody>
-          <a:bodyPr rot="0" spcFirstLastPara="0" vertOverflow="overflow" horzOverflow="overflow" vert="horz" wrap="square" lIns="91440" tIns="45721" rIns="91440" bIns="45721" numCol="1" spcCol="0" rtlCol="0" fromWordArt="0" anchor="t" anchorCtr="0" forceAA="0" compatLnSpc="1">
-            <a:prstTxWarp prst="textNoShape">
-              <a:avLst/>
-            </a:prstTxWarp>
-            <a:noAutofit/>
+          <a:bodyPr rtlCol="0" anchor="ctr"/>
+          <a:lstStyle/>
+          <a:p>
+            <a:pPr algn="ctr"/>
+            <a:r>
+              <a:rPr lang="en-GB" sz="1956" dirty="0"/>
+              <a:t>boost</a:t>
+            </a:r>
+          </a:p>
+        </p:txBody>
+      </p:sp>
+      <p:sp>
+        <p:nvSpPr>
+          <p:cNvPr id="64" name="Rectangle 63"/>
+          <p:cNvSpPr/>
+          <p:nvPr/>
+        </p:nvSpPr>
+        <p:spPr>
+          <a:xfrm>
+            <a:off x="4749649" y="688988"/>
+            <a:ext cx="1261885" cy="420564"/>
+          </a:xfrm>
+          <a:prstGeom prst="rect">
+            <a:avLst/>
+          </a:prstGeom>
+        </p:spPr>
+        <p:txBody>
+          <a:bodyPr wrap="none">
+            <a:spAutoFit/>
           </a:bodyPr>
           <a:lstStyle/>
           <a:p>
             <a:pPr algn="ctr"/>
             <a:r>
-              <a:rPr lang="en-GB" sz="2133" dirty="0"/>
-              <a:t>File I/O operations</a:t>
-            </a:r>
-            <a:endParaRPr lang="en-GB" sz="2133" dirty="0"/>
-          </a:p>
-        </p:txBody>
-      </p:sp>
-      <p:sp>
-        <p:nvSpPr>
-          <p:cNvPr id="28" name="Rounded Rectangle 27"/>
+              <a:rPr lang="en-US" sz="2133" b="1" dirty="0" smtClean="0">
+                <a:solidFill>
+                  <a:prstClr val="white"/>
+                </a:solidFill>
+              </a:rPr>
+              <a:t>dg library</a:t>
+            </a:r>
+            <a:endParaRPr lang="en-GB" sz="2133" b="1" dirty="0">
+              <a:solidFill>
+                <a:prstClr val="white"/>
+              </a:solidFill>
+            </a:endParaRPr>
+          </a:p>
+        </p:txBody>
+      </p:sp>
+      <p:sp>
+        <p:nvSpPr>
+          <p:cNvPr id="65" name="Rectangle 64"/>
           <p:cNvSpPr/>
           <p:nvPr/>
         </p:nvSpPr>
         <p:spPr>
           <a:xfrm>
-            <a:off x="11015289" y="1790262"/>
-            <a:ext cx="1157319" cy="776935"/>
+            <a:off x="4201782" y="-1324254"/>
+            <a:ext cx="2197333" cy="420564"/>
+          </a:xfrm>
+          <a:prstGeom prst="rect">
+            <a:avLst/>
+          </a:prstGeom>
+        </p:spPr>
+        <p:txBody>
+          <a:bodyPr wrap="none">
+            <a:spAutoFit/>
+          </a:bodyPr>
+          <a:lstStyle/>
+          <a:p>
+            <a:pPr algn="ctr"/>
+            <a:r>
+              <a:rPr lang="en-GB" sz="2133" b="1" dirty="0" smtClean="0">
+                <a:solidFill>
+                  <a:prstClr val="white"/>
+                </a:solidFill>
+              </a:rPr>
+              <a:t>Application </a:t>
+            </a:r>
+            <a:r>
+              <a:rPr lang="en-GB" sz="2133" b="1" dirty="0">
+                <a:solidFill>
+                  <a:prstClr val="white"/>
+                </a:solidFill>
+              </a:rPr>
+              <a:t>codes</a:t>
+            </a:r>
+            <a:endParaRPr lang="en-GB" sz="2133" b="1" dirty="0">
+              <a:solidFill>
+                <a:prstClr val="white"/>
+              </a:solidFill>
+            </a:endParaRPr>
+          </a:p>
+        </p:txBody>
+      </p:sp>
+      <p:grpSp>
+        <p:nvGrpSpPr>
+          <p:cNvPr id="50" name="Group 49"/>
+          <p:cNvGrpSpPr/>
+          <p:nvPr/>
+        </p:nvGrpSpPr>
+        <p:grpSpPr>
+          <a:xfrm>
+            <a:off x="-2049874" y="1173963"/>
+            <a:ext cx="14803345" cy="2689311"/>
+            <a:chOff x="-2049874" y="1173440"/>
+            <a:chExt cx="14803345" cy="2689311"/>
+          </a:xfrm>
+        </p:grpSpPr>
+        <p:grpSp>
+          <p:nvGrpSpPr>
+            <p:cNvPr id="18" name="Group 17"/>
+            <p:cNvGrpSpPr/>
+            <p:nvPr/>
+          </p:nvGrpSpPr>
+          <p:grpSpPr>
+            <a:xfrm>
+              <a:off x="-2049874" y="1176093"/>
+              <a:ext cx="2301076" cy="2686658"/>
+              <a:chOff x="-1831321" y="985941"/>
+              <a:chExt cx="2301076" cy="2686658"/>
+            </a:xfrm>
+          </p:grpSpPr>
+          <p:sp>
+            <p:nvSpPr>
+              <p:cNvPr id="54" name="Rectangle 53"/>
+              <p:cNvSpPr/>
+              <p:nvPr/>
+            </p:nvSpPr>
+            <p:spPr>
+              <a:xfrm>
+                <a:off x="-1831321" y="985941"/>
+                <a:ext cx="2301076" cy="2686658"/>
+              </a:xfrm>
+              <a:prstGeom prst="rect">
+                <a:avLst/>
+              </a:prstGeom>
+              <a:solidFill>
+                <a:srgbClr val="00B0F0">
+                  <a:alpha val="30000"/>
+                </a:srgbClr>
+              </a:solidFill>
+              <a:ln>
+                <a:noFill/>
+              </a:ln>
+              <a:effectLst>
+                <a:outerShdw blurRad="50800" dist="38100" dir="8100000" algn="tr" rotWithShape="0">
+                  <a:prstClr val="black">
+                    <a:alpha val="40000"/>
+                  </a:prstClr>
+                </a:outerShdw>
+              </a:effectLst>
+            </p:spPr>
+            <p:style>
+              <a:lnRef idx="2">
+                <a:schemeClr val="accent1">
+                  <a:shade val="50000"/>
+                </a:schemeClr>
+              </a:lnRef>
+              <a:fillRef idx="1">
+                <a:schemeClr val="accent1"/>
+              </a:fillRef>
+              <a:effectRef idx="0">
+                <a:schemeClr val="accent1"/>
+              </a:effectRef>
+              <a:fontRef idx="minor">
+                <a:schemeClr val="lt1"/>
+              </a:fontRef>
+            </p:style>
+            <p:txBody>
+              <a:bodyPr rot="0" spcFirstLastPara="0" vertOverflow="overflow" horzOverflow="overflow" vert="horz" wrap="square" lIns="91440" tIns="45721" rIns="91440" bIns="45721" numCol="1" spcCol="0" rtlCol="0" fromWordArt="0" anchor="t" anchorCtr="0" forceAA="0" compatLnSpc="1">
+                <a:prstTxWarp prst="textNoShape">
+                  <a:avLst/>
+                </a:prstTxWarp>
+                <a:noAutofit/>
+              </a:bodyPr>
+              <a:lstStyle/>
+              <a:p>
+                <a:pPr algn="ctr"/>
+                <a:endParaRPr lang="en-GB" sz="2133" dirty="0"/>
+              </a:p>
+            </p:txBody>
+          </p:sp>
+          <p:sp>
+            <p:nvSpPr>
+              <p:cNvPr id="56" name="Rounded Rectangle 55"/>
+              <p:cNvSpPr/>
+              <p:nvPr/>
+            </p:nvSpPr>
+            <p:spPr>
+              <a:xfrm>
+                <a:off x="-1582638" y="1672399"/>
+                <a:ext cx="1800000" cy="720000"/>
+              </a:xfrm>
+              <a:prstGeom prst="roundRect">
+                <a:avLst/>
+              </a:prstGeom>
+              <a:solidFill>
+                <a:schemeClr val="accent1">
+                  <a:lumMod val="50000"/>
+                </a:schemeClr>
+              </a:solidFill>
+              <a:ln>
+                <a:noFill/>
+              </a:ln>
+            </p:spPr>
+            <p:style>
+              <a:lnRef idx="2">
+                <a:schemeClr val="accent1">
+                  <a:shade val="50000"/>
+                </a:schemeClr>
+              </a:lnRef>
+              <a:fillRef idx="1">
+                <a:schemeClr val="accent1"/>
+              </a:fillRef>
+              <a:effectRef idx="0">
+                <a:schemeClr val="accent1"/>
+              </a:effectRef>
+              <a:fontRef idx="minor">
+                <a:schemeClr val="lt1"/>
+              </a:fontRef>
+            </p:style>
+            <p:txBody>
+              <a:bodyPr rtlCol="0" anchor="ctr"/>
+              <a:lstStyle/>
+              <a:p>
+                <a:pPr algn="ctr"/>
+                <a:r>
+                  <a:rPr lang="en-GB" sz="1956" dirty="0"/>
+                  <a:t>Exponential integrators</a:t>
+                </a:r>
+              </a:p>
+            </p:txBody>
+          </p:sp>
+          <p:sp>
+            <p:nvSpPr>
+              <p:cNvPr id="57" name="Rounded Rectangle 56"/>
+              <p:cNvSpPr/>
+              <p:nvPr/>
+            </p:nvSpPr>
+            <p:spPr>
+              <a:xfrm>
+                <a:off x="-1582638" y="2657249"/>
+                <a:ext cx="1800000" cy="720000"/>
+              </a:xfrm>
+              <a:prstGeom prst="roundRect">
+                <a:avLst/>
+              </a:prstGeom>
+              <a:solidFill>
+                <a:schemeClr val="accent1">
+                  <a:lumMod val="50000"/>
+                </a:schemeClr>
+              </a:solidFill>
+              <a:ln>
+                <a:noFill/>
+              </a:ln>
+            </p:spPr>
+            <p:style>
+              <a:lnRef idx="2">
+                <a:schemeClr val="accent1">
+                  <a:shade val="50000"/>
+                </a:schemeClr>
+              </a:lnRef>
+              <a:fillRef idx="1">
+                <a:schemeClr val="accent1"/>
+              </a:fillRef>
+              <a:effectRef idx="0">
+                <a:schemeClr val="accent1"/>
+              </a:effectRef>
+              <a:fontRef idx="minor">
+                <a:schemeClr val="lt1"/>
+              </a:fontRef>
+            </p:style>
+            <p:txBody>
+              <a:bodyPr rtlCol="0" anchor="ctr"/>
+              <a:lstStyle/>
+              <a:p>
+                <a:pPr algn="ctr"/>
+                <a:r>
+                  <a:rPr lang="en-GB" sz="1956" dirty="0"/>
+                  <a:t>Matrix functions</a:t>
+                </a:r>
+              </a:p>
+            </p:txBody>
+          </p:sp>
+          <p:sp>
+            <p:nvSpPr>
+              <p:cNvPr id="16" name="Rectangle 15"/>
+              <p:cNvSpPr/>
+              <p:nvPr/>
+            </p:nvSpPr>
+            <p:spPr>
+              <a:xfrm>
+                <a:off x="-1685551" y="1157760"/>
+                <a:ext cx="2014334" cy="420564"/>
+              </a:xfrm>
+              <a:prstGeom prst="rect">
+                <a:avLst/>
+              </a:prstGeom>
+            </p:spPr>
+            <p:txBody>
+              <a:bodyPr wrap="none">
+                <a:spAutoFit/>
+              </a:bodyPr>
+              <a:lstStyle/>
+              <a:p>
+                <a:pPr lvl="0" algn="ctr"/>
+                <a:r>
+                  <a:rPr lang="en-GB" sz="2133" dirty="0">
+                    <a:solidFill>
+                      <a:prstClr val="white"/>
+                    </a:solidFill>
+                  </a:rPr>
+                  <a:t>Matrix functions</a:t>
+                </a:r>
+                <a:endParaRPr lang="en-GB" sz="2133" dirty="0">
+                  <a:solidFill>
+                    <a:prstClr val="white"/>
+                  </a:solidFill>
+                </a:endParaRPr>
+              </a:p>
+            </p:txBody>
+          </p:sp>
+        </p:grpSp>
+        <p:grpSp>
+          <p:nvGrpSpPr>
+            <p:cNvPr id="39" name="Group 38"/>
+            <p:cNvGrpSpPr/>
+            <p:nvPr/>
+          </p:nvGrpSpPr>
+          <p:grpSpPr>
+            <a:xfrm>
+              <a:off x="353899" y="1173440"/>
+              <a:ext cx="4946551" cy="2689310"/>
+              <a:chOff x="-7535775" y="-2554564"/>
+              <a:chExt cx="4946551" cy="2713678"/>
+            </a:xfrm>
+          </p:grpSpPr>
+          <p:sp>
+            <p:nvSpPr>
+              <p:cNvPr id="9" name="Rectangle 8"/>
+              <p:cNvSpPr/>
+              <p:nvPr/>
+            </p:nvSpPr>
+            <p:spPr>
+              <a:xfrm>
+                <a:off x="-7535775" y="-2554564"/>
+                <a:ext cx="4946551" cy="2713678"/>
+              </a:xfrm>
+              <a:prstGeom prst="rect">
+                <a:avLst/>
+              </a:prstGeom>
+              <a:solidFill>
+                <a:schemeClr val="accent1">
+                  <a:lumMod val="60000"/>
+                  <a:lumOff val="40000"/>
+                  <a:alpha val="30000"/>
+                </a:schemeClr>
+              </a:solidFill>
+              <a:ln>
+                <a:noFill/>
+              </a:ln>
+              <a:effectLst>
+                <a:outerShdw blurRad="50800" dist="38100" dir="8100000" algn="tr" rotWithShape="0">
+                  <a:prstClr val="black">
+                    <a:alpha val="40000"/>
+                  </a:prstClr>
+                </a:outerShdw>
+              </a:effectLst>
+            </p:spPr>
+            <p:style>
+              <a:lnRef idx="2">
+                <a:schemeClr val="accent1">
+                  <a:shade val="50000"/>
+                </a:schemeClr>
+              </a:lnRef>
+              <a:fillRef idx="1">
+                <a:schemeClr val="accent1"/>
+              </a:fillRef>
+              <a:effectRef idx="0">
+                <a:schemeClr val="accent1"/>
+              </a:effectRef>
+              <a:fontRef idx="minor">
+                <a:schemeClr val="lt1"/>
+              </a:fontRef>
+            </p:style>
+            <p:txBody>
+              <a:bodyPr rot="0" spcFirstLastPara="0" vertOverflow="overflow" horzOverflow="overflow" vert="horz" wrap="square" lIns="91440" tIns="45721" rIns="91440" bIns="45721" numCol="1" spcCol="0" rtlCol="0" fromWordArt="0" anchor="t" anchorCtr="0" forceAA="0" compatLnSpc="1">
+                <a:prstTxWarp prst="textNoShape">
+                  <a:avLst/>
+                </a:prstTxWarp>
+                <a:noAutofit/>
+              </a:bodyPr>
+              <a:lstStyle/>
+              <a:p>
+                <a:pPr algn="ctr"/>
+                <a:endParaRPr lang="en-GB" sz="2133" dirty="0"/>
+              </a:p>
+            </p:txBody>
+          </p:sp>
+          <p:sp>
+            <p:nvSpPr>
+              <p:cNvPr id="23" name="Rounded Rectangle 22"/>
+              <p:cNvSpPr/>
+              <p:nvPr/>
+            </p:nvSpPr>
+            <p:spPr>
+              <a:xfrm>
+                <a:off x="-6019116" y="-1871507"/>
+                <a:ext cx="1800000" cy="720000"/>
+              </a:xfrm>
+              <a:prstGeom prst="roundRect">
+                <a:avLst/>
+              </a:prstGeom>
+              <a:solidFill>
+                <a:schemeClr val="accent1">
+                  <a:lumMod val="50000"/>
+                </a:schemeClr>
+              </a:solidFill>
+              <a:ln>
+                <a:noFill/>
+              </a:ln>
+            </p:spPr>
+            <p:style>
+              <a:lnRef idx="2">
+                <a:schemeClr val="accent1">
+                  <a:shade val="50000"/>
+                </a:schemeClr>
+              </a:lnRef>
+              <a:fillRef idx="1">
+                <a:schemeClr val="accent1"/>
+              </a:fillRef>
+              <a:effectRef idx="0">
+                <a:schemeClr val="accent1"/>
+              </a:effectRef>
+              <a:fontRef idx="minor">
+                <a:schemeClr val="lt1"/>
+              </a:fontRef>
+            </p:style>
+            <p:txBody>
+              <a:bodyPr rtlCol="0" anchor="ctr"/>
+              <a:lstStyle/>
+              <a:p>
+                <a:pPr algn="ctr"/>
+                <a:r>
+                  <a:rPr lang="en-GB" sz="1956" dirty="0"/>
+                  <a:t>Multigrid methods</a:t>
+                </a:r>
+              </a:p>
+            </p:txBody>
+          </p:sp>
+          <p:grpSp>
+            <p:nvGrpSpPr>
+              <p:cNvPr id="38" name="Group 37"/>
+              <p:cNvGrpSpPr/>
+              <p:nvPr/>
+            </p:nvGrpSpPr>
+            <p:grpSpPr>
+              <a:xfrm>
+                <a:off x="-6944258" y="-887448"/>
+                <a:ext cx="3763515" cy="720000"/>
+                <a:chOff x="-7035843" y="-887123"/>
+                <a:chExt cx="3763515" cy="720000"/>
+              </a:xfrm>
+            </p:grpSpPr>
+            <p:sp>
+              <p:nvSpPr>
+                <p:cNvPr id="21" name="Rounded Rectangle 20"/>
+                <p:cNvSpPr/>
+                <p:nvPr/>
+              </p:nvSpPr>
+              <p:spPr>
+                <a:xfrm>
+                  <a:off x="-7035843" y="-887123"/>
+                  <a:ext cx="1800000" cy="720000"/>
+                </a:xfrm>
+                <a:prstGeom prst="roundRect">
+                  <a:avLst/>
+                </a:prstGeom>
+                <a:solidFill>
+                  <a:schemeClr val="accent1">
+                    <a:lumMod val="50000"/>
+                  </a:schemeClr>
+                </a:solidFill>
+                <a:ln>
+                  <a:noFill/>
+                </a:ln>
+              </p:spPr>
+              <p:style>
+                <a:lnRef idx="2">
+                  <a:schemeClr val="accent1">
+                    <a:shade val="50000"/>
+                  </a:schemeClr>
+                </a:lnRef>
+                <a:fillRef idx="1">
+                  <a:schemeClr val="accent1"/>
+                </a:fillRef>
+                <a:effectRef idx="0">
+                  <a:schemeClr val="accent1"/>
+                </a:effectRef>
+                <a:fontRef idx="minor">
+                  <a:schemeClr val="lt1"/>
+                </a:fontRef>
+              </p:style>
+              <p:txBody>
+                <a:bodyPr rtlCol="0" anchor="ctr"/>
+                <a:lstStyle/>
+                <a:p>
+                  <a:pPr algn="ctr"/>
+                  <a:r>
+                    <a:rPr lang="en-GB" sz="1956" dirty="0"/>
+                    <a:t>Advection methods</a:t>
+                  </a:r>
+                </a:p>
+              </p:txBody>
+            </p:sp>
+            <p:sp>
+              <p:nvSpPr>
+                <p:cNvPr id="22" name="Rounded Rectangle 21"/>
+                <p:cNvSpPr/>
+                <p:nvPr/>
+              </p:nvSpPr>
+              <p:spPr>
+                <a:xfrm>
+                  <a:off x="-5072328" y="-887123"/>
+                  <a:ext cx="1800000" cy="720000"/>
+                </a:xfrm>
+                <a:prstGeom prst="roundRect">
+                  <a:avLst/>
+                </a:prstGeom>
+                <a:solidFill>
+                  <a:schemeClr val="accent1">
+                    <a:lumMod val="50000"/>
+                  </a:schemeClr>
+                </a:solidFill>
+                <a:ln>
+                  <a:noFill/>
+                </a:ln>
+              </p:spPr>
+              <p:style>
+                <a:lnRef idx="2">
+                  <a:schemeClr val="accent1">
+                    <a:shade val="50000"/>
+                  </a:schemeClr>
+                </a:lnRef>
+                <a:fillRef idx="1">
+                  <a:schemeClr val="accent1"/>
+                </a:fillRef>
+                <a:effectRef idx="0">
+                  <a:schemeClr val="accent1"/>
+                </a:effectRef>
+                <a:fontRef idx="minor">
+                  <a:schemeClr val="lt1"/>
+                </a:fontRef>
+              </p:style>
+              <p:txBody>
+                <a:bodyPr rtlCol="0" anchor="ctr"/>
+                <a:lstStyle/>
+                <a:p>
+                  <a:pPr algn="ctr"/>
+                  <a:r>
+                    <a:rPr lang="en-GB" sz="1956" dirty="0"/>
+                    <a:t>Elliptic operators</a:t>
+                  </a:r>
+                </a:p>
+              </p:txBody>
+            </p:sp>
+          </p:grpSp>
+          <p:sp>
+            <p:nvSpPr>
+              <p:cNvPr id="62" name="Rectangle 61"/>
+              <p:cNvSpPr/>
+              <p:nvPr/>
+            </p:nvSpPr>
+            <p:spPr>
+              <a:xfrm>
+                <a:off x="-6928289" y="-2380074"/>
+                <a:ext cx="3693575" cy="420564"/>
+              </a:xfrm>
+              <a:prstGeom prst="rect">
+                <a:avLst/>
+              </a:prstGeom>
+            </p:spPr>
+            <p:txBody>
+              <a:bodyPr wrap="none">
+                <a:spAutoFit/>
+              </a:bodyPr>
+              <a:lstStyle/>
+              <a:p>
+                <a:pPr algn="ctr"/>
+                <a:r>
+                  <a:rPr lang="en-GB" sz="2133" dirty="0" smtClean="0">
+                    <a:solidFill>
+                      <a:prstClr val="white"/>
+                    </a:solidFill>
+                  </a:rPr>
+                  <a:t>Advanced </a:t>
+                </a:r>
+                <a:r>
+                  <a:rPr lang="en-GB" sz="2133" dirty="0">
+                    <a:solidFill>
+                      <a:prstClr val="white"/>
+                    </a:solidFill>
+                  </a:rPr>
+                  <a:t>numerical </a:t>
+                </a:r>
+                <a:r>
+                  <a:rPr lang="en-GB" sz="2133" dirty="0" smtClean="0">
+                    <a:solidFill>
+                      <a:prstClr val="white"/>
+                    </a:solidFill>
+                  </a:rPr>
+                  <a:t>algorithms</a:t>
+                </a:r>
+                <a:endParaRPr lang="en-GB" sz="2133" dirty="0">
+                  <a:solidFill>
+                    <a:prstClr val="white"/>
+                  </a:solidFill>
+                </a:endParaRPr>
+              </a:p>
+            </p:txBody>
+          </p:sp>
+        </p:grpSp>
+        <p:grpSp>
+          <p:nvGrpSpPr>
+            <p:cNvPr id="70" name="Group 69"/>
+            <p:cNvGrpSpPr/>
+            <p:nvPr/>
+          </p:nvGrpSpPr>
+          <p:grpSpPr>
+            <a:xfrm>
+              <a:off x="10452395" y="1173440"/>
+              <a:ext cx="2301076" cy="2689310"/>
+              <a:chOff x="-1831321" y="983302"/>
+              <a:chExt cx="2301076" cy="2676021"/>
+            </a:xfrm>
+          </p:grpSpPr>
+          <p:sp>
+            <p:nvSpPr>
+              <p:cNvPr id="71" name="Rectangle 70"/>
+              <p:cNvSpPr/>
+              <p:nvPr/>
+            </p:nvSpPr>
+            <p:spPr>
+              <a:xfrm>
+                <a:off x="-1831321" y="983302"/>
+                <a:ext cx="2301076" cy="2676021"/>
+              </a:xfrm>
+              <a:prstGeom prst="rect">
+                <a:avLst/>
+              </a:prstGeom>
+              <a:solidFill>
+                <a:srgbClr val="00B0F0">
+                  <a:alpha val="30000"/>
+                </a:srgbClr>
+              </a:solidFill>
+              <a:ln>
+                <a:noFill/>
+              </a:ln>
+              <a:effectLst>
+                <a:outerShdw blurRad="50800" dist="38100" dir="8100000" algn="tr" rotWithShape="0">
+                  <a:prstClr val="black">
+                    <a:alpha val="40000"/>
+                  </a:prstClr>
+                </a:outerShdw>
+              </a:effectLst>
+            </p:spPr>
+            <p:style>
+              <a:lnRef idx="2">
+                <a:schemeClr val="accent1">
+                  <a:shade val="50000"/>
+                </a:schemeClr>
+              </a:lnRef>
+              <a:fillRef idx="1">
+                <a:schemeClr val="accent1"/>
+              </a:fillRef>
+              <a:effectRef idx="0">
+                <a:schemeClr val="accent1"/>
+              </a:effectRef>
+              <a:fontRef idx="minor">
+                <a:schemeClr val="lt1"/>
+              </a:fontRef>
+            </p:style>
+            <p:txBody>
+              <a:bodyPr rot="0" spcFirstLastPara="0" vertOverflow="overflow" horzOverflow="overflow" vert="horz" wrap="square" lIns="91440" tIns="45721" rIns="91440" bIns="45721" numCol="1" spcCol="0" rtlCol="0" fromWordArt="0" anchor="t" anchorCtr="0" forceAA="0" compatLnSpc="1">
+                <a:prstTxWarp prst="textNoShape">
+                  <a:avLst/>
+                </a:prstTxWarp>
+                <a:noAutofit/>
+              </a:bodyPr>
+              <a:lstStyle/>
+              <a:p>
+                <a:pPr algn="ctr"/>
+                <a:endParaRPr lang="en-GB" sz="2133" dirty="0"/>
+              </a:p>
+            </p:txBody>
+          </p:sp>
+          <p:sp>
+            <p:nvSpPr>
+              <p:cNvPr id="80" name="Rounded Rectangle 79"/>
+              <p:cNvSpPr/>
+              <p:nvPr/>
+            </p:nvSpPr>
+            <p:spPr>
+              <a:xfrm>
+                <a:off x="-1582638" y="1672399"/>
+                <a:ext cx="1800000" cy="716442"/>
+              </a:xfrm>
+              <a:prstGeom prst="roundRect">
+                <a:avLst/>
+              </a:prstGeom>
+              <a:solidFill>
+                <a:schemeClr val="accent1">
+                  <a:lumMod val="50000"/>
+                </a:schemeClr>
+              </a:solidFill>
+              <a:ln>
+                <a:noFill/>
+              </a:ln>
+            </p:spPr>
+            <p:style>
+              <a:lnRef idx="2">
+                <a:schemeClr val="accent1">
+                  <a:shade val="50000"/>
+                </a:schemeClr>
+              </a:lnRef>
+              <a:fillRef idx="1">
+                <a:schemeClr val="accent1"/>
+              </a:fillRef>
+              <a:effectRef idx="0">
+                <a:schemeClr val="accent1"/>
+              </a:effectRef>
+              <a:fontRef idx="minor">
+                <a:schemeClr val="lt1"/>
+              </a:fontRef>
+            </p:style>
+            <p:txBody>
+              <a:bodyPr rtlCol="0" anchor="ctr"/>
+              <a:lstStyle/>
+              <a:p>
+                <a:pPr algn="ctr"/>
+                <a:endParaRPr lang="en-GB" sz="1956" dirty="0" smtClean="0"/>
+              </a:p>
+              <a:p>
+                <a:pPr algn="ctr"/>
+                <a:r>
+                  <a:rPr lang="en-GB" sz="1956" dirty="0" err="1" smtClean="0"/>
+                  <a:t>netcdf</a:t>
+                </a:r>
+                <a:r>
+                  <a:rPr lang="en-GB" sz="1956" dirty="0" smtClean="0"/>
+                  <a:t> </a:t>
+                </a:r>
+              </a:p>
+              <a:p>
+                <a:pPr algn="ctr"/>
+                <a:r>
+                  <a:rPr lang="en-GB" sz="1956" dirty="0" smtClean="0"/>
+                  <a:t>utilities</a:t>
+                </a:r>
+                <a:endParaRPr lang="en-GB" sz="1956" dirty="0"/>
+              </a:p>
+              <a:p>
+                <a:pPr algn="ctr"/>
+                <a:endParaRPr lang="en-GB" sz="1956" dirty="0"/>
+              </a:p>
+            </p:txBody>
+          </p:sp>
+          <p:sp>
+            <p:nvSpPr>
+              <p:cNvPr id="81" name="Rounded Rectangle 80"/>
+              <p:cNvSpPr/>
+              <p:nvPr/>
+            </p:nvSpPr>
+            <p:spPr>
+              <a:xfrm>
+                <a:off x="-1582638" y="2643345"/>
+                <a:ext cx="1800000" cy="716442"/>
+              </a:xfrm>
+              <a:prstGeom prst="roundRect">
+                <a:avLst/>
+              </a:prstGeom>
+              <a:solidFill>
+                <a:schemeClr val="accent1">
+                  <a:lumMod val="50000"/>
+                </a:schemeClr>
+              </a:solidFill>
+              <a:ln>
+                <a:noFill/>
+              </a:ln>
+            </p:spPr>
+            <p:style>
+              <a:lnRef idx="2">
+                <a:schemeClr val="accent1">
+                  <a:shade val="50000"/>
+                </a:schemeClr>
+              </a:lnRef>
+              <a:fillRef idx="1">
+                <a:schemeClr val="accent1"/>
+              </a:fillRef>
+              <a:effectRef idx="0">
+                <a:schemeClr val="accent1"/>
+              </a:effectRef>
+              <a:fontRef idx="minor">
+                <a:schemeClr val="lt1"/>
+              </a:fontRef>
+            </p:style>
+            <p:txBody>
+              <a:bodyPr rtlCol="0" anchor="ctr"/>
+              <a:lstStyle/>
+              <a:p>
+                <a:pPr algn="ctr"/>
+                <a:endParaRPr lang="en-GB" sz="1956" dirty="0" smtClean="0"/>
+              </a:p>
+              <a:p>
+                <a:pPr algn="ctr"/>
+                <a:r>
+                  <a:rPr lang="en-GB" sz="1956" dirty="0" err="1" smtClean="0"/>
+                  <a:t>jsoncpp</a:t>
+                </a:r>
+                <a:r>
+                  <a:rPr lang="en-GB" sz="1956" dirty="0" smtClean="0"/>
+                  <a:t> </a:t>
+                </a:r>
+                <a:r>
+                  <a:rPr lang="en-GB" sz="1956" dirty="0"/>
+                  <a:t>utilities</a:t>
+                </a:r>
+              </a:p>
+              <a:p>
+                <a:pPr algn="ctr"/>
+                <a:endParaRPr lang="en-GB" sz="1956" dirty="0"/>
+              </a:p>
+            </p:txBody>
+          </p:sp>
+          <p:sp>
+            <p:nvSpPr>
+              <p:cNvPr id="82" name="Rectangle 81"/>
+              <p:cNvSpPr/>
+              <p:nvPr/>
+            </p:nvSpPr>
+            <p:spPr>
+              <a:xfrm>
+                <a:off x="-1804836" y="1155973"/>
+                <a:ext cx="2244396" cy="420564"/>
+              </a:xfrm>
+              <a:prstGeom prst="rect">
+                <a:avLst/>
+              </a:prstGeom>
+            </p:spPr>
+            <p:txBody>
+              <a:bodyPr wrap="none">
+                <a:spAutoFit/>
+              </a:bodyPr>
+              <a:lstStyle/>
+              <a:p>
+                <a:pPr algn="ctr"/>
+                <a:r>
+                  <a:rPr lang="en-GB" sz="2133" dirty="0" smtClean="0">
+                    <a:solidFill>
+                      <a:prstClr val="white"/>
+                    </a:solidFill>
+                  </a:rPr>
+                  <a:t>File </a:t>
+                </a:r>
+                <a:r>
+                  <a:rPr lang="en-GB" sz="2133" dirty="0">
+                    <a:solidFill>
+                      <a:prstClr val="white"/>
+                    </a:solidFill>
+                  </a:rPr>
+                  <a:t>I/O operations</a:t>
+                </a:r>
+              </a:p>
+            </p:txBody>
+          </p:sp>
+        </p:grpSp>
+        <p:grpSp>
+          <p:nvGrpSpPr>
+            <p:cNvPr id="83" name="Group 82"/>
+            <p:cNvGrpSpPr/>
+            <p:nvPr/>
+          </p:nvGrpSpPr>
+          <p:grpSpPr>
+            <a:xfrm>
+              <a:off x="5403147" y="1173441"/>
+              <a:ext cx="4946551" cy="2689309"/>
+              <a:chOff x="-7535775" y="-2555734"/>
+              <a:chExt cx="4946551" cy="2689309"/>
+            </a:xfrm>
+          </p:grpSpPr>
+          <p:sp>
+            <p:nvSpPr>
+              <p:cNvPr id="84" name="Rectangle 83"/>
+              <p:cNvSpPr/>
+              <p:nvPr/>
+            </p:nvSpPr>
+            <p:spPr>
+              <a:xfrm>
+                <a:off x="-7535775" y="-2555734"/>
+                <a:ext cx="4946551" cy="2689309"/>
+              </a:xfrm>
+              <a:prstGeom prst="rect">
+                <a:avLst/>
+              </a:prstGeom>
+              <a:solidFill>
+                <a:srgbClr val="00B0F0">
+                  <a:alpha val="30000"/>
+                </a:srgbClr>
+              </a:solidFill>
+              <a:ln>
+                <a:noFill/>
+              </a:ln>
+              <a:effectLst>
+                <a:outerShdw blurRad="50800" dist="38100" dir="8100000" algn="tr" rotWithShape="0">
+                  <a:prstClr val="black">
+                    <a:alpha val="40000"/>
+                  </a:prstClr>
+                </a:outerShdw>
+              </a:effectLst>
+            </p:spPr>
+            <p:style>
+              <a:lnRef idx="2">
+                <a:schemeClr val="accent1">
+                  <a:shade val="50000"/>
+                </a:schemeClr>
+              </a:lnRef>
+              <a:fillRef idx="1">
+                <a:schemeClr val="accent1"/>
+              </a:fillRef>
+              <a:effectRef idx="0">
+                <a:schemeClr val="accent1"/>
+              </a:effectRef>
+              <a:fontRef idx="minor">
+                <a:schemeClr val="lt1"/>
+              </a:fontRef>
+            </p:style>
+            <p:txBody>
+              <a:bodyPr rot="0" spcFirstLastPara="0" vertOverflow="overflow" horzOverflow="overflow" vert="horz" wrap="square" lIns="91440" tIns="45721" rIns="91440" bIns="45721" numCol="1" spcCol="0" rtlCol="0" fromWordArt="0" anchor="t" anchorCtr="0" forceAA="0" compatLnSpc="1">
+                <a:prstTxWarp prst="textNoShape">
+                  <a:avLst/>
+                </a:prstTxWarp>
+                <a:noAutofit/>
+              </a:bodyPr>
+              <a:lstStyle/>
+              <a:p>
+                <a:pPr algn="ctr"/>
+                <a:endParaRPr lang="en-GB" sz="2133" dirty="0"/>
+              </a:p>
+            </p:txBody>
+          </p:sp>
+          <p:sp>
+            <p:nvSpPr>
+              <p:cNvPr id="85" name="Rounded Rectangle 84"/>
+              <p:cNvSpPr/>
+              <p:nvPr/>
+            </p:nvSpPr>
+            <p:spPr>
+              <a:xfrm>
+                <a:off x="-6019116" y="-1871507"/>
+                <a:ext cx="1800000" cy="720000"/>
+              </a:xfrm>
+              <a:prstGeom prst="roundRect">
+                <a:avLst/>
+              </a:prstGeom>
+              <a:solidFill>
+                <a:schemeClr val="accent1">
+                  <a:lumMod val="50000"/>
+                </a:schemeClr>
+              </a:solidFill>
+              <a:ln>
+                <a:noFill/>
+              </a:ln>
+            </p:spPr>
+            <p:style>
+              <a:lnRef idx="2">
+                <a:schemeClr val="accent1">
+                  <a:shade val="50000"/>
+                </a:schemeClr>
+              </a:lnRef>
+              <a:fillRef idx="1">
+                <a:schemeClr val="accent1"/>
+              </a:fillRef>
+              <a:effectRef idx="0">
+                <a:schemeClr val="accent1"/>
+              </a:effectRef>
+              <a:fontRef idx="minor">
+                <a:schemeClr val="lt1"/>
+              </a:fontRef>
+            </p:style>
+            <p:txBody>
+              <a:bodyPr rtlCol="0" anchor="ctr"/>
+              <a:lstStyle/>
+              <a:p>
+                <a:pPr algn="ctr"/>
+                <a:r>
+                  <a:rPr lang="en-GB" sz="1956" dirty="0"/>
+                  <a:t>FCI method</a:t>
+                </a:r>
+                <a:endParaRPr lang="en-GB" sz="1956" dirty="0"/>
+              </a:p>
+            </p:txBody>
+          </p:sp>
+          <p:grpSp>
+            <p:nvGrpSpPr>
+              <p:cNvPr id="86" name="Group 85"/>
+              <p:cNvGrpSpPr/>
+              <p:nvPr/>
+            </p:nvGrpSpPr>
+            <p:grpSpPr>
+              <a:xfrm>
+                <a:off x="-6944258" y="-887448"/>
+                <a:ext cx="3763515" cy="720000"/>
+                <a:chOff x="-7035843" y="-887123"/>
+                <a:chExt cx="3763515" cy="720000"/>
+              </a:xfrm>
+            </p:grpSpPr>
+            <p:sp>
+              <p:nvSpPr>
+                <p:cNvPr id="88" name="Rounded Rectangle 87"/>
+                <p:cNvSpPr/>
+                <p:nvPr/>
+              </p:nvSpPr>
+              <p:spPr>
+                <a:xfrm>
+                  <a:off x="-7035843" y="-887123"/>
+                  <a:ext cx="1800000" cy="720000"/>
+                </a:xfrm>
+                <a:prstGeom prst="roundRect">
+                  <a:avLst/>
+                </a:prstGeom>
+                <a:solidFill>
+                  <a:schemeClr val="accent1">
+                    <a:lumMod val="50000"/>
+                  </a:schemeClr>
+                </a:solidFill>
+                <a:ln>
+                  <a:noFill/>
+                </a:ln>
+              </p:spPr>
+              <p:style>
+                <a:lnRef idx="2">
+                  <a:schemeClr val="accent1">
+                    <a:shade val="50000"/>
+                  </a:schemeClr>
+                </a:lnRef>
+                <a:fillRef idx="1">
+                  <a:schemeClr val="accent1"/>
+                </a:fillRef>
+                <a:effectRef idx="0">
+                  <a:schemeClr val="accent1"/>
+                </a:effectRef>
+                <a:fontRef idx="minor">
+                  <a:schemeClr val="lt1"/>
+                </a:fontRef>
+              </p:style>
+              <p:txBody>
+                <a:bodyPr rtlCol="0" anchor="ctr"/>
+                <a:lstStyle/>
+                <a:p>
+                  <a:pPr algn="ctr"/>
+                  <a:r>
+                    <a:rPr lang="en-GB" sz="1956" dirty="0"/>
+                    <a:t>Curvilinear grid generators</a:t>
+                  </a:r>
+                  <a:endParaRPr lang="en-GB" sz="1956" dirty="0"/>
+                </a:p>
+              </p:txBody>
+            </p:sp>
+            <p:sp>
+              <p:nvSpPr>
+                <p:cNvPr id="89" name="Rounded Rectangle 88"/>
+                <p:cNvSpPr/>
+                <p:nvPr/>
+              </p:nvSpPr>
+              <p:spPr>
+                <a:xfrm>
+                  <a:off x="-5072328" y="-887123"/>
+                  <a:ext cx="1800000" cy="720000"/>
+                </a:xfrm>
+                <a:prstGeom prst="roundRect">
+                  <a:avLst/>
+                </a:prstGeom>
+                <a:solidFill>
+                  <a:schemeClr val="accent1">
+                    <a:lumMod val="50000"/>
+                  </a:schemeClr>
+                </a:solidFill>
+                <a:ln>
+                  <a:noFill/>
+                </a:ln>
+              </p:spPr>
+              <p:style>
+                <a:lnRef idx="2">
+                  <a:schemeClr val="accent1">
+                    <a:shade val="50000"/>
+                  </a:schemeClr>
+                </a:lnRef>
+                <a:fillRef idx="1">
+                  <a:schemeClr val="accent1"/>
+                </a:fillRef>
+                <a:effectRef idx="0">
+                  <a:schemeClr val="accent1"/>
+                </a:effectRef>
+                <a:fontRef idx="minor">
+                  <a:schemeClr val="lt1"/>
+                </a:fontRef>
+              </p:style>
+              <p:txBody>
+                <a:bodyPr rtlCol="0" anchor="ctr"/>
+                <a:lstStyle/>
+                <a:p>
+                  <a:pPr algn="ctr"/>
+                  <a:r>
+                    <a:rPr lang="en-GB" sz="1956" dirty="0"/>
+                    <a:t>Magnetic field representation</a:t>
+                  </a:r>
+                  <a:endParaRPr lang="en-GB" sz="1956" dirty="0"/>
+                </a:p>
+              </p:txBody>
+            </p:sp>
+          </p:grpSp>
+          <p:sp>
+            <p:nvSpPr>
+              <p:cNvPr id="87" name="Rectangle 86"/>
+              <p:cNvSpPr/>
+              <p:nvPr/>
+            </p:nvSpPr>
+            <p:spPr>
+              <a:xfrm>
+                <a:off x="-6431431" y="-2382812"/>
+                <a:ext cx="2624629" cy="420564"/>
+              </a:xfrm>
+              <a:prstGeom prst="rect">
+                <a:avLst/>
+              </a:prstGeom>
+            </p:spPr>
+            <p:txBody>
+              <a:bodyPr wrap="none">
+                <a:spAutoFit/>
+              </a:bodyPr>
+              <a:lstStyle/>
+              <a:p>
+                <a:pPr algn="ctr"/>
+                <a:r>
+                  <a:rPr lang="en-GB" sz="2133" dirty="0" smtClean="0">
+                    <a:solidFill>
+                      <a:prstClr val="white"/>
+                    </a:solidFill>
+                  </a:rPr>
+                  <a:t>Geometries extension</a:t>
+                </a:r>
+                <a:endParaRPr lang="en-GB" sz="2133" dirty="0">
+                  <a:solidFill>
+                    <a:prstClr val="white"/>
+                  </a:solidFill>
+                </a:endParaRPr>
+              </a:p>
+            </p:txBody>
+          </p:sp>
+        </p:grpSp>
+      </p:grpSp>
+      <p:grpSp>
+        <p:nvGrpSpPr>
+          <p:cNvPr id="41" name="Group 40"/>
+          <p:cNvGrpSpPr/>
+          <p:nvPr/>
+        </p:nvGrpSpPr>
+        <p:grpSpPr>
+          <a:xfrm>
+            <a:off x="-2049874" y="3973638"/>
+            <a:ext cx="7350324" cy="1716733"/>
+            <a:chOff x="1116450" y="-4340417"/>
+            <a:chExt cx="7389615" cy="1716733"/>
+          </a:xfrm>
+        </p:grpSpPr>
+        <p:sp>
+          <p:nvSpPr>
+            <p:cNvPr id="7" name="Rectangle 6"/>
+            <p:cNvSpPr/>
+            <p:nvPr/>
+          </p:nvSpPr>
+          <p:spPr>
+            <a:xfrm>
+              <a:off x="1116450" y="-4340417"/>
+              <a:ext cx="7389615" cy="1716733"/>
+            </a:xfrm>
+            <a:prstGeom prst="rect">
+              <a:avLst/>
+            </a:prstGeom>
+            <a:solidFill>
+              <a:schemeClr val="accent1">
+                <a:lumMod val="60000"/>
+                <a:lumOff val="40000"/>
+                <a:alpha val="30000"/>
+              </a:schemeClr>
+            </a:solidFill>
+            <a:ln>
+              <a:noFill/>
+            </a:ln>
+            <a:effectLst>
+              <a:outerShdw blurRad="50800" dist="38100" dir="8100000" algn="tr" rotWithShape="0">
+                <a:prstClr val="black">
+                  <a:alpha val="40000"/>
+                </a:prstClr>
+              </a:outerShdw>
+            </a:effectLst>
+          </p:spPr>
+          <p:style>
+            <a:lnRef idx="2">
+              <a:schemeClr val="accent1">
+                <a:shade val="50000"/>
+              </a:schemeClr>
+            </a:lnRef>
+            <a:fillRef idx="1">
+              <a:schemeClr val="accent1"/>
+            </a:fillRef>
+            <a:effectRef idx="0">
+              <a:schemeClr val="accent1"/>
+            </a:effectRef>
+            <a:fontRef idx="minor">
+              <a:schemeClr val="lt1"/>
+            </a:fontRef>
+          </p:style>
+          <p:txBody>
+            <a:bodyPr rot="0" spcFirstLastPara="0" vertOverflow="overflow" horzOverflow="overflow" vert="horz" wrap="square" lIns="91440" tIns="45721" rIns="91440" bIns="45721" numCol="1" spcCol="0" rtlCol="0" fromWordArt="0" anchor="t" anchorCtr="0" forceAA="0" compatLnSpc="1">
+              <a:prstTxWarp prst="textNoShape">
+                <a:avLst/>
+              </a:prstTxWarp>
+              <a:noAutofit/>
+            </a:bodyPr>
+            <a:lstStyle/>
+            <a:p>
+              <a:pPr algn="ctr"/>
+              <a:endParaRPr lang="en-GB" sz="2133" dirty="0"/>
+            </a:p>
+          </p:txBody>
+        </p:sp>
+        <p:grpSp>
+          <p:nvGrpSpPr>
+            <p:cNvPr id="40" name="Group 39"/>
+            <p:cNvGrpSpPr/>
+            <p:nvPr/>
+          </p:nvGrpSpPr>
+          <p:grpSpPr>
+            <a:xfrm>
+              <a:off x="2107354" y="-3703377"/>
+              <a:ext cx="5155901" cy="720000"/>
+              <a:chOff x="1969068" y="-3667758"/>
+              <a:chExt cx="5155901" cy="720000"/>
+            </a:xfrm>
+          </p:grpSpPr>
+          <p:sp>
+            <p:nvSpPr>
+              <p:cNvPr id="14" name="Rounded Rectangle 13"/>
+              <p:cNvSpPr/>
+              <p:nvPr/>
+            </p:nvSpPr>
+            <p:spPr>
+              <a:xfrm>
+                <a:off x="4748969" y="-3667758"/>
+                <a:ext cx="2376000" cy="720000"/>
+              </a:xfrm>
+              <a:prstGeom prst="roundRect">
+                <a:avLst/>
+              </a:prstGeom>
+              <a:solidFill>
+                <a:schemeClr val="accent1">
+                  <a:lumMod val="50000"/>
+                </a:schemeClr>
+              </a:solidFill>
+              <a:ln>
+                <a:noFill/>
+              </a:ln>
+            </p:spPr>
+            <p:style>
+              <a:lnRef idx="2">
+                <a:schemeClr val="accent1">
+                  <a:shade val="50000"/>
+                </a:schemeClr>
+              </a:lnRef>
+              <a:fillRef idx="1">
+                <a:schemeClr val="accent1"/>
+              </a:fillRef>
+              <a:effectRef idx="0">
+                <a:schemeClr val="accent1"/>
+              </a:effectRef>
+              <a:fontRef idx="minor">
+                <a:schemeClr val="lt1"/>
+              </a:fontRef>
+            </p:style>
+            <p:txBody>
+              <a:bodyPr rtlCol="0" anchor="ctr"/>
+              <a:lstStyle/>
+              <a:p>
+                <a:pPr algn="ctr"/>
+                <a:r>
+                  <a:rPr lang="en-GB" sz="1956" dirty="0"/>
+                  <a:t>E</a:t>
+                </a:r>
+                <a:r>
+                  <a:rPr lang="en-GB" sz="1956" dirty="0" smtClean="0"/>
+                  <a:t>xplicit </a:t>
+                </a:r>
+                <a:r>
+                  <a:rPr lang="en-GB" sz="1956" dirty="0"/>
+                  <a:t>and </a:t>
+                </a:r>
+                <a:r>
+                  <a:rPr lang="en-GB" sz="1956" dirty="0"/>
+                  <a:t>I</a:t>
+                </a:r>
+                <a:r>
+                  <a:rPr lang="en-GB" sz="1956" dirty="0" smtClean="0"/>
+                  <a:t>mplicit </a:t>
+                </a:r>
+                <a:r>
+                  <a:rPr lang="en-GB" sz="1956" dirty="0"/>
+                  <a:t>ODE integrators</a:t>
+                </a:r>
+              </a:p>
+            </p:txBody>
+          </p:sp>
+          <p:sp>
+            <p:nvSpPr>
+              <p:cNvPr id="15" name="Rounded Rectangle 14"/>
+              <p:cNvSpPr/>
+              <p:nvPr/>
+            </p:nvSpPr>
+            <p:spPr>
+              <a:xfrm>
+                <a:off x="1969068" y="-3667758"/>
+                <a:ext cx="2376000" cy="720000"/>
+              </a:xfrm>
+              <a:prstGeom prst="roundRect">
+                <a:avLst/>
+              </a:prstGeom>
+              <a:solidFill>
+                <a:schemeClr val="accent1">
+                  <a:lumMod val="50000"/>
+                </a:schemeClr>
+              </a:solidFill>
+              <a:ln>
+                <a:noFill/>
+              </a:ln>
+            </p:spPr>
+            <p:style>
+              <a:lnRef idx="2">
+                <a:schemeClr val="accent1">
+                  <a:shade val="50000"/>
+                </a:schemeClr>
+              </a:lnRef>
+              <a:fillRef idx="1">
+                <a:schemeClr val="accent1"/>
+              </a:fillRef>
+              <a:effectRef idx="0">
+                <a:schemeClr val="accent1"/>
+              </a:effectRef>
+              <a:fontRef idx="minor">
+                <a:schemeClr val="lt1"/>
+              </a:fontRef>
+            </p:style>
+            <p:txBody>
+              <a:bodyPr rtlCol="0" anchor="ctr"/>
+              <a:lstStyle/>
+              <a:p>
+                <a:pPr algn="ctr"/>
+                <a:r>
+                  <a:rPr lang="en-GB" sz="1956" dirty="0"/>
+                  <a:t>Linear and non-linear solvers</a:t>
+                </a:r>
+              </a:p>
+            </p:txBody>
+          </p:sp>
+        </p:grpSp>
+        <p:sp>
+          <p:nvSpPr>
+            <p:cNvPr id="90" name="Rectangle 89"/>
+            <p:cNvSpPr/>
+            <p:nvPr/>
+          </p:nvSpPr>
+          <p:spPr>
+            <a:xfrm>
+              <a:off x="3041838" y="-4248811"/>
+              <a:ext cx="3165354" cy="420564"/>
+            </a:xfrm>
+            <a:prstGeom prst="rect">
+              <a:avLst/>
+            </a:prstGeom>
+          </p:spPr>
+          <p:txBody>
+            <a:bodyPr wrap="none">
+              <a:spAutoFit/>
+            </a:bodyPr>
+            <a:lstStyle/>
+            <a:p>
+              <a:pPr algn="ctr"/>
+              <a:r>
+                <a:rPr lang="en-GB" sz="2133" dirty="0" smtClean="0">
+                  <a:solidFill>
+                    <a:prstClr val="white"/>
+                  </a:solidFill>
+                </a:rPr>
+                <a:t>Basic </a:t>
+              </a:r>
+              <a:r>
+                <a:rPr lang="en-GB" sz="2133" dirty="0">
+                  <a:solidFill>
+                    <a:prstClr val="white"/>
+                  </a:solidFill>
+                </a:rPr>
+                <a:t>numerical </a:t>
+              </a:r>
+              <a:r>
+                <a:rPr lang="en-GB" sz="2133" dirty="0" smtClean="0">
+                  <a:solidFill>
+                    <a:prstClr val="white"/>
+                  </a:solidFill>
+                </a:rPr>
+                <a:t>algorithms</a:t>
+              </a:r>
+              <a:endParaRPr lang="en-GB" sz="2133" dirty="0">
+                <a:solidFill>
+                  <a:prstClr val="white"/>
+                </a:solidFill>
+              </a:endParaRPr>
+            </a:p>
+          </p:txBody>
+        </p:sp>
+      </p:grpSp>
+      <p:grpSp>
+        <p:nvGrpSpPr>
+          <p:cNvPr id="95" name="Group 94"/>
+          <p:cNvGrpSpPr/>
+          <p:nvPr/>
+        </p:nvGrpSpPr>
+        <p:grpSpPr>
+          <a:xfrm>
+            <a:off x="-2049874" y="5800736"/>
+            <a:ext cx="7350324" cy="2351702"/>
+            <a:chOff x="-2049874" y="5952059"/>
+            <a:chExt cx="7311242" cy="2351702"/>
+          </a:xfrm>
+        </p:grpSpPr>
+        <p:sp>
+          <p:nvSpPr>
+            <p:cNvPr id="4" name="Rectangle 3"/>
+            <p:cNvSpPr/>
+            <p:nvPr/>
+          </p:nvSpPr>
+          <p:spPr>
+            <a:xfrm>
+              <a:off x="-2049874" y="5952059"/>
+              <a:ext cx="7311242" cy="2351702"/>
+            </a:xfrm>
+            <a:prstGeom prst="rect">
+              <a:avLst/>
+            </a:prstGeom>
+            <a:solidFill>
+              <a:schemeClr val="accent1">
+                <a:lumMod val="60000"/>
+                <a:lumOff val="40000"/>
+                <a:alpha val="30000"/>
+              </a:schemeClr>
+            </a:solidFill>
+            <a:ln>
+              <a:noFill/>
+            </a:ln>
+            <a:effectLst>
+              <a:outerShdw blurRad="50800" dist="38100" dir="8100000" algn="tr" rotWithShape="0">
+                <a:prstClr val="black">
+                  <a:alpha val="40000"/>
+                </a:prstClr>
+              </a:outerShdw>
+            </a:effectLst>
+          </p:spPr>
+          <p:style>
+            <a:lnRef idx="2">
+              <a:schemeClr val="accent1">
+                <a:shade val="50000"/>
+              </a:schemeClr>
+            </a:lnRef>
+            <a:fillRef idx="1">
+              <a:schemeClr val="accent1"/>
+            </a:fillRef>
+            <a:effectRef idx="0">
+              <a:schemeClr val="accent1"/>
+            </a:effectRef>
+            <a:fontRef idx="minor">
+              <a:schemeClr val="lt1"/>
+            </a:fontRef>
+          </p:style>
+          <p:txBody>
+            <a:bodyPr rot="0" spcFirstLastPara="0" vertOverflow="overflow" horzOverflow="overflow" vert="horz" wrap="square" lIns="91440" tIns="45721" rIns="91440" bIns="45721" numCol="1" spcCol="0" rtlCol="0" fromWordArt="0" anchor="t" anchorCtr="0" forceAA="0" compatLnSpc="1">
+              <a:prstTxWarp prst="textNoShape">
+                <a:avLst/>
+              </a:prstTxWarp>
+              <a:noAutofit/>
+            </a:bodyPr>
+            <a:lstStyle/>
+            <a:p>
+              <a:pPr algn="ctr"/>
+              <a:endParaRPr lang="en-GB" sz="2133" dirty="0"/>
+            </a:p>
+          </p:txBody>
+        </p:sp>
+        <p:grpSp>
+          <p:nvGrpSpPr>
+            <p:cNvPr id="44" name="Group 43"/>
+            <p:cNvGrpSpPr/>
+            <p:nvPr/>
+          </p:nvGrpSpPr>
+          <p:grpSpPr>
+            <a:xfrm>
+              <a:off x="-1572908" y="6571431"/>
+              <a:ext cx="6357310" cy="1600552"/>
+              <a:chOff x="9602721" y="-4047675"/>
+              <a:chExt cx="6357310" cy="1600552"/>
+            </a:xfrm>
+          </p:grpSpPr>
+          <p:sp>
+            <p:nvSpPr>
+              <p:cNvPr id="79" name="Rectangle 78"/>
+              <p:cNvSpPr/>
+              <p:nvPr/>
+            </p:nvSpPr>
+            <p:spPr>
+              <a:xfrm>
+                <a:off x="11768215" y="-3239123"/>
+                <a:ext cx="2088000" cy="792000"/>
+              </a:xfrm>
+              <a:prstGeom prst="rect">
+                <a:avLst/>
+              </a:prstGeom>
+              <a:solidFill>
+                <a:srgbClr val="00B0F0">
+                  <a:alpha val="30000"/>
+                </a:srgbClr>
+              </a:solidFill>
+              <a:ln>
+                <a:noFill/>
+              </a:ln>
+            </p:spPr>
+            <p:style>
+              <a:lnRef idx="2">
+                <a:schemeClr val="accent1">
+                  <a:shade val="50000"/>
+                </a:schemeClr>
+              </a:lnRef>
+              <a:fillRef idx="1">
+                <a:schemeClr val="accent1"/>
+              </a:fillRef>
+              <a:effectRef idx="0">
+                <a:schemeClr val="accent1"/>
+              </a:effectRef>
+              <a:fontRef idx="minor">
+                <a:schemeClr val="lt1"/>
+              </a:fontRef>
+            </p:style>
+            <p:txBody>
+              <a:bodyPr rot="0" spcFirstLastPara="0" vertOverflow="overflow" horzOverflow="overflow" vert="horz" wrap="square" lIns="91440" tIns="45721" rIns="91440" bIns="45721" numCol="1" spcCol="0" rtlCol="0" fromWordArt="0" anchor="t" anchorCtr="0" forceAA="0" compatLnSpc="1">
+                <a:prstTxWarp prst="textNoShape">
+                  <a:avLst/>
+                </a:prstTxWarp>
+                <a:noAutofit/>
+              </a:bodyPr>
+              <a:lstStyle/>
+              <a:p>
+                <a:pPr algn="ctr"/>
+                <a:endParaRPr lang="en-GB" sz="2133" dirty="0"/>
+              </a:p>
+            </p:txBody>
+          </p:sp>
+          <p:grpSp>
+            <p:nvGrpSpPr>
+              <p:cNvPr id="43" name="Group 42"/>
+              <p:cNvGrpSpPr/>
+              <p:nvPr/>
+            </p:nvGrpSpPr>
+            <p:grpSpPr>
+              <a:xfrm>
+                <a:off x="9602721" y="-4047675"/>
+                <a:ext cx="6357310" cy="1568429"/>
+                <a:chOff x="9602721" y="-4085469"/>
+                <a:chExt cx="6357310" cy="1568429"/>
+              </a:xfrm>
+            </p:grpSpPr>
+            <p:grpSp>
+              <p:nvGrpSpPr>
+                <p:cNvPr id="42" name="Group 41"/>
+                <p:cNvGrpSpPr/>
+                <p:nvPr/>
+              </p:nvGrpSpPr>
+              <p:grpSpPr>
+                <a:xfrm>
+                  <a:off x="9602721" y="-4085469"/>
+                  <a:ext cx="6357310" cy="720000"/>
+                  <a:chOff x="9828498" y="-4198021"/>
+                  <a:chExt cx="6357310" cy="720000"/>
+                </a:xfrm>
+              </p:grpSpPr>
+              <p:sp>
+                <p:nvSpPr>
+                  <p:cNvPr id="11" name="Rounded Rectangle 10"/>
+                  <p:cNvSpPr/>
+                  <p:nvPr/>
+                </p:nvSpPr>
+                <p:spPr>
+                  <a:xfrm>
+                    <a:off x="12017153" y="-4198021"/>
+                    <a:ext cx="1980000" cy="720000"/>
+                  </a:xfrm>
+                  <a:prstGeom prst="roundRect">
+                    <a:avLst/>
+                  </a:prstGeom>
+                  <a:solidFill>
+                    <a:schemeClr val="accent1">
+                      <a:lumMod val="50000"/>
+                    </a:schemeClr>
+                  </a:solidFill>
+                  <a:ln>
+                    <a:noFill/>
+                  </a:ln>
+                </p:spPr>
+                <p:style>
+                  <a:lnRef idx="2">
+                    <a:schemeClr val="accent1">
+                      <a:shade val="50000"/>
+                    </a:schemeClr>
+                  </a:lnRef>
+                  <a:fillRef idx="1">
+                    <a:schemeClr val="accent1"/>
+                  </a:fillRef>
+                  <a:effectRef idx="0">
+                    <a:schemeClr val="accent1"/>
+                  </a:effectRef>
+                  <a:fontRef idx="minor">
+                    <a:schemeClr val="lt1"/>
+                  </a:fontRef>
+                </p:style>
+                <p:txBody>
+                  <a:bodyPr rtlCol="0" anchor="ctr"/>
+                  <a:lstStyle/>
+                  <a:p>
+                    <a:pPr algn="ctr"/>
+                    <a:r>
+                      <a:rPr lang="en-GB" sz="1956" dirty="0"/>
+                      <a:t>Reduction</a:t>
+                    </a:r>
+                  </a:p>
+                </p:txBody>
+              </p:sp>
+              <p:sp>
+                <p:nvSpPr>
+                  <p:cNvPr id="12" name="Rounded Rectangle 11"/>
+                  <p:cNvSpPr/>
+                  <p:nvPr/>
+                </p:nvSpPr>
+                <p:spPr>
+                  <a:xfrm>
+                    <a:off x="9828498" y="-4198021"/>
+                    <a:ext cx="1980000" cy="720000"/>
+                  </a:xfrm>
+                  <a:prstGeom prst="roundRect">
+                    <a:avLst/>
+                  </a:prstGeom>
+                  <a:solidFill>
+                    <a:schemeClr val="accent1">
+                      <a:lumMod val="50000"/>
+                    </a:schemeClr>
+                  </a:solidFill>
+                  <a:ln>
+                    <a:noFill/>
+                  </a:ln>
+                </p:spPr>
+                <p:style>
+                  <a:lnRef idx="2">
+                    <a:schemeClr val="accent1">
+                      <a:shade val="50000"/>
+                    </a:schemeClr>
+                  </a:lnRef>
+                  <a:fillRef idx="1">
+                    <a:schemeClr val="accent1"/>
+                  </a:fillRef>
+                  <a:effectRef idx="0">
+                    <a:schemeClr val="accent1"/>
+                  </a:effectRef>
+                  <a:fontRef idx="minor">
+                    <a:schemeClr val="lt1"/>
+                  </a:fontRef>
+                </p:style>
+                <p:txBody>
+                  <a:bodyPr rtlCol="0" anchor="ctr"/>
+                  <a:lstStyle/>
+                  <a:p>
+                    <a:pPr algn="ctr"/>
+                    <a:r>
+                      <a:rPr lang="en-GB" sz="1956" dirty="0"/>
+                      <a:t>Vector-Vector</a:t>
+                    </a:r>
+                  </a:p>
+                </p:txBody>
+              </p:sp>
+              <p:sp>
+                <p:nvSpPr>
+                  <p:cNvPr id="13" name="Rounded Rectangle 12"/>
+                  <p:cNvSpPr/>
+                  <p:nvPr/>
+                </p:nvSpPr>
+                <p:spPr>
+                  <a:xfrm>
+                    <a:off x="14205808" y="-4198021"/>
+                    <a:ext cx="1980000" cy="720000"/>
+                  </a:xfrm>
+                  <a:prstGeom prst="roundRect">
+                    <a:avLst/>
+                  </a:prstGeom>
+                  <a:solidFill>
+                    <a:schemeClr val="accent1">
+                      <a:lumMod val="50000"/>
+                    </a:schemeClr>
+                  </a:solidFill>
+                  <a:ln>
+                    <a:noFill/>
+                  </a:ln>
+                </p:spPr>
+                <p:style>
+                  <a:lnRef idx="2">
+                    <a:schemeClr val="accent1">
+                      <a:shade val="50000"/>
+                    </a:schemeClr>
+                  </a:lnRef>
+                  <a:fillRef idx="1">
+                    <a:schemeClr val="accent1"/>
+                  </a:fillRef>
+                  <a:effectRef idx="0">
+                    <a:schemeClr val="accent1"/>
+                  </a:effectRef>
+                  <a:fontRef idx="minor">
+                    <a:schemeClr val="lt1"/>
+                  </a:fontRef>
+                </p:style>
+                <p:txBody>
+                  <a:bodyPr rtlCol="0" anchor="ctr"/>
+                  <a:lstStyle/>
+                  <a:p>
+                    <a:pPr algn="ctr"/>
+                    <a:r>
+                      <a:rPr lang="en-GB" sz="1956" dirty="0"/>
+                      <a:t>Matrix-Vector</a:t>
+                    </a:r>
+                  </a:p>
+                </p:txBody>
+              </p:sp>
+            </p:grpSp>
+            <p:sp>
+              <p:nvSpPr>
+                <p:cNvPr id="24" name="Rounded Rectangle 23"/>
+                <p:cNvSpPr/>
+                <p:nvPr/>
+              </p:nvSpPr>
+              <p:spPr>
+                <a:xfrm>
+                  <a:off x="11819247" y="-3237040"/>
+                  <a:ext cx="1980000" cy="720000"/>
+                </a:xfrm>
+                <a:prstGeom prst="roundRect">
+                  <a:avLst/>
+                </a:prstGeom>
+                <a:solidFill>
+                  <a:schemeClr val="accent1">
+                    <a:lumMod val="50000"/>
+                  </a:schemeClr>
+                </a:solidFill>
+                <a:ln>
+                  <a:noFill/>
+                </a:ln>
+              </p:spPr>
+              <p:style>
+                <a:lnRef idx="2">
+                  <a:schemeClr val="accent1">
+                    <a:shade val="50000"/>
+                  </a:schemeClr>
+                </a:lnRef>
+                <a:fillRef idx="1">
+                  <a:schemeClr val="accent1"/>
+                </a:fillRef>
+                <a:effectRef idx="0">
+                  <a:schemeClr val="accent1"/>
+                </a:effectRef>
+                <a:fontRef idx="minor">
+                  <a:schemeClr val="lt1"/>
+                </a:fontRef>
+              </p:style>
+              <p:txBody>
+                <a:bodyPr rtlCol="0" anchor="ctr"/>
+                <a:lstStyle/>
+                <a:p>
+                  <a:pPr algn="ctr"/>
+                  <a:r>
+                    <a:rPr lang="en-GB" sz="1956" dirty="0" err="1"/>
+                    <a:t>ExBlas</a:t>
+                  </a:r>
+                  <a:endParaRPr lang="en-GB" sz="1956" dirty="0"/>
+                </a:p>
+              </p:txBody>
+            </p:sp>
+          </p:grpSp>
+        </p:grpSp>
+        <p:sp>
+          <p:nvSpPr>
+            <p:cNvPr id="91" name="Rectangle 90"/>
+            <p:cNvSpPr/>
+            <p:nvPr/>
+          </p:nvSpPr>
+          <p:spPr>
+            <a:xfrm>
+              <a:off x="-23031" y="6058170"/>
+              <a:ext cx="2888034" cy="420564"/>
+            </a:xfrm>
+            <a:prstGeom prst="rect">
+              <a:avLst/>
+            </a:prstGeom>
+          </p:spPr>
+          <p:txBody>
+            <a:bodyPr wrap="none">
+              <a:spAutoFit/>
+            </a:bodyPr>
+            <a:lstStyle/>
+            <a:p>
+              <a:pPr algn="ctr"/>
+              <a:r>
+                <a:rPr lang="en-GB" sz="2133" dirty="0" smtClean="0">
+                  <a:solidFill>
+                    <a:prstClr val="white"/>
+                  </a:solidFill>
+                </a:rPr>
+                <a:t>Basic </a:t>
+              </a:r>
+              <a:r>
+                <a:rPr lang="en-GB" sz="2133" dirty="0">
+                  <a:solidFill>
+                    <a:prstClr val="white"/>
+                  </a:solidFill>
+                </a:rPr>
+                <a:t>parallel operations</a:t>
+              </a:r>
+            </a:p>
+          </p:txBody>
+        </p:sp>
+      </p:grpSp>
+      <p:grpSp>
+        <p:nvGrpSpPr>
+          <p:cNvPr id="94" name="Group 93"/>
+          <p:cNvGrpSpPr/>
+          <p:nvPr/>
+        </p:nvGrpSpPr>
+        <p:grpSpPr>
+          <a:xfrm>
+            <a:off x="5403147" y="3973638"/>
+            <a:ext cx="7350324" cy="4178800"/>
+            <a:chOff x="5403147" y="4124961"/>
+            <a:chExt cx="7350324" cy="4178800"/>
+          </a:xfrm>
+        </p:grpSpPr>
+        <p:sp>
+          <p:nvSpPr>
+            <p:cNvPr id="8" name="Rectangle 7"/>
+            <p:cNvSpPr/>
+            <p:nvPr/>
+          </p:nvSpPr>
+          <p:spPr>
+            <a:xfrm>
+              <a:off x="5403147" y="4124961"/>
+              <a:ext cx="7350324" cy="4178800"/>
+            </a:xfrm>
+            <a:prstGeom prst="rect">
+              <a:avLst/>
+            </a:prstGeom>
+            <a:solidFill>
+              <a:schemeClr val="accent1">
+                <a:lumMod val="60000"/>
+                <a:lumOff val="40000"/>
+                <a:alpha val="30000"/>
+              </a:schemeClr>
+            </a:solidFill>
+            <a:ln>
+              <a:noFill/>
+            </a:ln>
+            <a:effectLst>
+              <a:outerShdw blurRad="50800" dist="38100" dir="8100000" algn="tr" rotWithShape="0">
+                <a:prstClr val="black">
+                  <a:alpha val="40000"/>
+                </a:prstClr>
+              </a:outerShdw>
+            </a:effectLst>
+          </p:spPr>
+          <p:style>
+            <a:lnRef idx="2">
+              <a:schemeClr val="accent1">
+                <a:shade val="50000"/>
+              </a:schemeClr>
+            </a:lnRef>
+            <a:fillRef idx="1">
+              <a:schemeClr val="accent1"/>
+            </a:fillRef>
+            <a:effectRef idx="0">
+              <a:schemeClr val="accent1"/>
+            </a:effectRef>
+            <a:fontRef idx="minor">
+              <a:schemeClr val="lt1"/>
+            </a:fontRef>
+          </p:style>
+          <p:txBody>
+            <a:bodyPr rot="0" spcFirstLastPara="0" vertOverflow="overflow" horzOverflow="overflow" vert="horz" wrap="square" lIns="91440" tIns="45721" rIns="91440" bIns="45721" numCol="1" spcCol="0" rtlCol="0" fromWordArt="0" anchor="t" anchorCtr="0" forceAA="0" compatLnSpc="1">
+              <a:prstTxWarp prst="textNoShape">
+                <a:avLst/>
+              </a:prstTxWarp>
+              <a:noAutofit/>
+            </a:bodyPr>
+            <a:lstStyle/>
+            <a:p>
+              <a:pPr algn="ctr"/>
+              <a:endParaRPr lang="en-GB" sz="2133" dirty="0"/>
+            </a:p>
+          </p:txBody>
+        </p:sp>
+        <p:grpSp>
+          <p:nvGrpSpPr>
+            <p:cNvPr id="93" name="Group 92"/>
+            <p:cNvGrpSpPr/>
+            <p:nvPr/>
+          </p:nvGrpSpPr>
+          <p:grpSpPr>
+            <a:xfrm>
+              <a:off x="5968444" y="4484284"/>
+              <a:ext cx="6223556" cy="2652650"/>
+              <a:chOff x="5968444" y="4484284"/>
+              <a:chExt cx="6223556" cy="2652650"/>
+            </a:xfrm>
+          </p:grpSpPr>
+          <p:grpSp>
+            <p:nvGrpSpPr>
+              <p:cNvPr id="46" name="Group 45"/>
+              <p:cNvGrpSpPr/>
+              <p:nvPr/>
+            </p:nvGrpSpPr>
+            <p:grpSpPr>
+              <a:xfrm>
+                <a:off x="5968444" y="5504259"/>
+                <a:ext cx="6223556" cy="1632675"/>
+                <a:chOff x="13426269" y="1261595"/>
+                <a:chExt cx="6223556" cy="1632675"/>
+              </a:xfrm>
+            </p:grpSpPr>
+            <p:sp>
+              <p:nvSpPr>
+                <p:cNvPr id="17" name="Rounded Rectangle 16"/>
+                <p:cNvSpPr/>
+                <p:nvPr/>
+              </p:nvSpPr>
+              <p:spPr>
+                <a:xfrm>
+                  <a:off x="13426269" y="2174270"/>
+                  <a:ext cx="6223556" cy="720000"/>
+                </a:xfrm>
+                <a:prstGeom prst="roundRect">
+                  <a:avLst/>
+                </a:prstGeom>
+                <a:solidFill>
+                  <a:schemeClr val="accent1">
+                    <a:lumMod val="50000"/>
+                  </a:schemeClr>
+                </a:solidFill>
+                <a:ln>
+                  <a:noFill/>
+                </a:ln>
+              </p:spPr>
+              <p:style>
+                <a:lnRef idx="2">
+                  <a:schemeClr val="accent1">
+                    <a:shade val="50000"/>
+                  </a:schemeClr>
+                </a:lnRef>
+                <a:fillRef idx="1">
+                  <a:schemeClr val="accent1"/>
+                </a:fillRef>
+                <a:effectRef idx="0">
+                  <a:schemeClr val="accent1"/>
+                </a:effectRef>
+                <a:fontRef idx="minor">
+                  <a:schemeClr val="lt1"/>
+                </a:fontRef>
+              </p:style>
+              <p:txBody>
+                <a:bodyPr rtlCol="0" anchor="ctr"/>
+                <a:lstStyle/>
+                <a:p>
+                  <a:pPr algn="ctr"/>
+                  <a:r>
+                    <a:rPr lang="en-GB" sz="1956" dirty="0"/>
+                    <a:t>Structured discontinuous </a:t>
+                  </a:r>
+                  <a:r>
+                    <a:rPr lang="en-GB" sz="1956" dirty="0" err="1"/>
+                    <a:t>Galerkin</a:t>
+                  </a:r>
+                  <a:r>
+                    <a:rPr lang="en-GB" sz="1956" dirty="0"/>
+                    <a:t> </a:t>
+                  </a:r>
+                  <a:endParaRPr lang="en-GB" sz="1956" dirty="0" smtClean="0"/>
+                </a:p>
+                <a:p>
+                  <a:pPr algn="ctr"/>
+                  <a:r>
+                    <a:rPr lang="en-GB" sz="1956" dirty="0" smtClean="0"/>
+                    <a:t>Topology </a:t>
+                  </a:r>
+                  <a:r>
+                    <a:rPr lang="en-GB" sz="1956" dirty="0"/>
+                    <a:t>1d, 2d, 3d</a:t>
+                  </a:r>
+                </a:p>
+              </p:txBody>
+            </p:sp>
+            <p:sp>
+              <p:nvSpPr>
+                <p:cNvPr id="20" name="Rounded Rectangle 19"/>
+                <p:cNvSpPr/>
+                <p:nvPr/>
+              </p:nvSpPr>
+              <p:spPr>
+                <a:xfrm>
+                  <a:off x="13426269" y="1261595"/>
+                  <a:ext cx="1980000" cy="720000"/>
+                </a:xfrm>
+                <a:prstGeom prst="roundRect">
+                  <a:avLst/>
+                </a:prstGeom>
+                <a:solidFill>
+                  <a:schemeClr val="accent1">
+                    <a:lumMod val="50000"/>
+                  </a:schemeClr>
+                </a:solidFill>
+                <a:ln>
+                  <a:noFill/>
+                </a:ln>
+              </p:spPr>
+              <p:style>
+                <a:lnRef idx="2">
+                  <a:schemeClr val="accent1">
+                    <a:shade val="50000"/>
+                  </a:schemeClr>
+                </a:lnRef>
+                <a:fillRef idx="1">
+                  <a:schemeClr val="accent1"/>
+                </a:fillRef>
+                <a:effectRef idx="0">
+                  <a:schemeClr val="accent1"/>
+                </a:effectRef>
+                <a:fontRef idx="minor">
+                  <a:schemeClr val="lt1"/>
+                </a:fontRef>
+              </p:style>
+              <p:txBody>
+                <a:bodyPr rtlCol="0" anchor="ctr"/>
+                <a:lstStyle/>
+                <a:p>
+                  <a:pPr algn="ctr"/>
+                  <a:r>
+                    <a:rPr lang="en-GB" sz="1956" dirty="0"/>
+                    <a:t>Simple derivatives</a:t>
+                  </a:r>
+                </a:p>
+              </p:txBody>
+            </p:sp>
+            <p:sp>
+              <p:nvSpPr>
+                <p:cNvPr id="36" name="Rounded Rectangle 35"/>
+                <p:cNvSpPr/>
+                <p:nvPr/>
+              </p:nvSpPr>
+              <p:spPr>
+                <a:xfrm>
+                  <a:off x="15548047" y="1261595"/>
+                  <a:ext cx="1980000" cy="720000"/>
+                </a:xfrm>
+                <a:prstGeom prst="roundRect">
+                  <a:avLst/>
+                </a:prstGeom>
+                <a:solidFill>
+                  <a:schemeClr val="accent1">
+                    <a:lumMod val="50000"/>
+                  </a:schemeClr>
+                </a:solidFill>
+                <a:ln>
+                  <a:noFill/>
+                </a:ln>
+              </p:spPr>
+              <p:style>
+                <a:lnRef idx="2">
+                  <a:schemeClr val="accent1">
+                    <a:shade val="50000"/>
+                  </a:schemeClr>
+                </a:lnRef>
+                <a:fillRef idx="1">
+                  <a:schemeClr val="accent1"/>
+                </a:fillRef>
+                <a:effectRef idx="0">
+                  <a:schemeClr val="accent1"/>
+                </a:effectRef>
+                <a:fontRef idx="minor">
+                  <a:schemeClr val="lt1"/>
+                </a:fontRef>
+              </p:style>
+              <p:txBody>
+                <a:bodyPr rtlCol="0" anchor="ctr"/>
+                <a:lstStyle/>
+                <a:p>
+                  <a:pPr algn="ctr"/>
+                  <a:r>
+                    <a:rPr lang="en-GB" sz="1956" dirty="0"/>
+                    <a:t>Geometry and metric tensor</a:t>
+                  </a:r>
+                </a:p>
+              </p:txBody>
+            </p:sp>
+            <p:sp>
+              <p:nvSpPr>
+                <p:cNvPr id="37" name="Rounded Rectangle 36"/>
+                <p:cNvSpPr/>
+                <p:nvPr/>
+              </p:nvSpPr>
+              <p:spPr>
+                <a:xfrm>
+                  <a:off x="17669825" y="1261595"/>
+                  <a:ext cx="1980000" cy="720000"/>
+                </a:xfrm>
+                <a:prstGeom prst="roundRect">
+                  <a:avLst/>
+                </a:prstGeom>
+                <a:solidFill>
+                  <a:schemeClr val="accent1">
+                    <a:lumMod val="50000"/>
+                  </a:schemeClr>
+                </a:solidFill>
+                <a:ln>
+                  <a:noFill/>
+                </a:ln>
+              </p:spPr>
+              <p:style>
+                <a:lnRef idx="2">
+                  <a:schemeClr val="accent1">
+                    <a:shade val="50000"/>
+                  </a:schemeClr>
+                </a:lnRef>
+                <a:fillRef idx="1">
+                  <a:schemeClr val="accent1"/>
+                </a:fillRef>
+                <a:effectRef idx="0">
+                  <a:schemeClr val="accent1"/>
+                </a:effectRef>
+                <a:fontRef idx="minor">
+                  <a:schemeClr val="lt1"/>
+                </a:fontRef>
+              </p:style>
+              <p:txBody>
+                <a:bodyPr rtlCol="0" anchor="ctr"/>
+                <a:lstStyle/>
+                <a:p>
+                  <a:pPr algn="ctr"/>
+                  <a:r>
+                    <a:rPr lang="en-GB" sz="1956" dirty="0"/>
+                    <a:t>Interpolation and projection</a:t>
+                  </a:r>
+                </a:p>
+              </p:txBody>
+            </p:sp>
+          </p:grpSp>
+          <p:sp>
+            <p:nvSpPr>
+              <p:cNvPr id="92" name="Rectangle 91"/>
+              <p:cNvSpPr/>
+              <p:nvPr/>
+            </p:nvSpPr>
+            <p:spPr>
+              <a:xfrm>
+                <a:off x="7334699" y="4484284"/>
+                <a:ext cx="3475247" cy="420564"/>
+              </a:xfrm>
+              <a:prstGeom prst="rect">
+                <a:avLst/>
+              </a:prstGeom>
+            </p:spPr>
+            <p:txBody>
+              <a:bodyPr wrap="none">
+                <a:spAutoFit/>
+              </a:bodyPr>
+              <a:lstStyle/>
+              <a:p>
+                <a:pPr lvl="0" algn="ctr"/>
+                <a:r>
+                  <a:rPr lang="en-GB" sz="2133" dirty="0">
+                    <a:solidFill>
+                      <a:prstClr val="white"/>
+                    </a:solidFill>
+                  </a:rPr>
+                  <a:t>Basic Topology and Geometry</a:t>
+                </a:r>
+                <a:endParaRPr lang="en-GB" sz="2133" dirty="0">
+                  <a:solidFill>
+                    <a:prstClr val="white"/>
+                  </a:solidFill>
+                </a:endParaRPr>
+              </a:p>
+            </p:txBody>
+          </p:sp>
+        </p:grpSp>
+      </p:grpSp>
+      <p:sp>
+        <p:nvSpPr>
+          <p:cNvPr id="96" name="Rectangle 95"/>
+          <p:cNvSpPr/>
+          <p:nvPr/>
+        </p:nvSpPr>
+        <p:spPr>
+          <a:xfrm>
+            <a:off x="4669028" y="-1957838"/>
+            <a:ext cx="1262846" cy="523220"/>
+          </a:xfrm>
+          <a:prstGeom prst="rect">
+            <a:avLst/>
+          </a:prstGeom>
+        </p:spPr>
+        <p:txBody>
+          <a:bodyPr wrap="none">
+            <a:spAutoFit/>
+          </a:bodyPr>
+          <a:lstStyle/>
+          <a:p>
+            <a:pPr algn="ctr"/>
+            <a:r>
+              <a:rPr lang="en-GB" sz="2800" b="1" dirty="0" smtClean="0">
+                <a:solidFill>
+                  <a:prstClr val="white"/>
+                </a:solidFill>
+              </a:rPr>
+              <a:t>FELTOR</a:t>
+            </a:r>
+            <a:endParaRPr lang="en-GB" sz="2800" b="1" dirty="0">
+              <a:solidFill>
+                <a:prstClr val="white"/>
+              </a:solidFill>
+            </a:endParaRPr>
+          </a:p>
+        </p:txBody>
+      </p:sp>
+      <p:sp>
+        <p:nvSpPr>
+          <p:cNvPr id="97" name="Rounded Rectangle 96"/>
+          <p:cNvSpPr/>
+          <p:nvPr/>
+        </p:nvSpPr>
+        <p:spPr>
+          <a:xfrm>
+            <a:off x="-1711994" y="8595053"/>
+            <a:ext cx="1800000" cy="720000"/>
           </a:xfrm>
           <a:prstGeom prst="roundRect">
             <a:avLst/>
           </a:prstGeom>
           <a:solidFill>
-            <a:schemeClr val="accent1">
-              <a:lumMod val="50000"/>
+            <a:schemeClr val="accent6">
+              <a:alpha val="60000"/>
             </a:schemeClr>
           </a:solidFill>
+          <a:ln>
+            <a:noFill/>
+          </a:ln>
         </p:spPr>
         <p:style>
           <a:lnRef idx="2">
@@ -3990,1441 +6076,553 @@
           <a:p>
             <a:pPr algn="ctr"/>
             <a:r>
-              <a:rPr lang="en-GB" sz="1956" dirty="0" err="1"/>
-              <a:t>netcdf</a:t>
-            </a:r>
-            <a:r>
-              <a:rPr lang="en-GB" sz="1956" dirty="0"/>
-              <a:t> utilities</a:t>
+              <a:rPr lang="en-GB" sz="1956" dirty="0" smtClean="0"/>
+              <a:t>VCL</a:t>
             </a:r>
             <a:endParaRPr lang="en-GB" sz="1956" dirty="0"/>
           </a:p>
         </p:txBody>
       </p:sp>
-      <p:sp>
-        <p:nvSpPr>
-          <p:cNvPr id="29" name="Rounded Rectangle 28"/>
-          <p:cNvSpPr/>
+      <p:grpSp>
+        <p:nvGrpSpPr>
+          <p:cNvPr id="105" name="Group 104"/>
+          <p:cNvGrpSpPr/>
           <p:nvPr/>
-        </p:nvSpPr>
-        <p:spPr>
+        </p:nvGrpSpPr>
+        <p:grpSpPr>
           <a:xfrm>
-            <a:off x="10939003" y="2710082"/>
-            <a:ext cx="1339735" cy="776935"/>
+            <a:off x="13779752" y="5858255"/>
+            <a:ext cx="2153033" cy="2557336"/>
+            <a:chOff x="13865533" y="5723861"/>
+            <a:chExt cx="2153033" cy="2557336"/>
           </a:xfrm>
-          <a:prstGeom prst="roundRect">
-            <a:avLst/>
-          </a:prstGeom>
-          <a:solidFill>
-            <a:schemeClr val="accent1">
-              <a:lumMod val="50000"/>
-            </a:schemeClr>
-          </a:solidFill>
-        </p:spPr>
-        <p:style>
-          <a:lnRef idx="2">
-            <a:schemeClr val="accent1">
-              <a:shade val="50000"/>
-            </a:schemeClr>
-          </a:lnRef>
-          <a:fillRef idx="1">
-            <a:schemeClr val="accent1"/>
-          </a:fillRef>
-          <a:effectRef idx="0">
-            <a:schemeClr val="accent1"/>
-          </a:effectRef>
-          <a:fontRef idx="minor">
-            <a:schemeClr val="lt1"/>
-          </a:fontRef>
-        </p:style>
-        <p:txBody>
-          <a:bodyPr rtlCol="0" anchor="ctr"/>
-          <a:lstStyle/>
-          <a:p>
-            <a:pPr algn="ctr"/>
-            <a:r>
-              <a:rPr lang="en-GB" sz="1956" dirty="0" err="1"/>
-              <a:t>jsoncpp</a:t>
-            </a:r>
-            <a:r>
-              <a:rPr lang="en-GB" sz="1956" dirty="0"/>
-              <a:t> utilities</a:t>
-            </a:r>
-            <a:endParaRPr lang="en-GB" sz="1956" dirty="0"/>
-          </a:p>
-        </p:txBody>
-      </p:sp>
-      <p:sp>
-        <p:nvSpPr>
-          <p:cNvPr id="30" name="Rounded Rectangle 29"/>
-          <p:cNvSpPr/>
-          <p:nvPr/>
-        </p:nvSpPr>
-        <p:spPr>
-          <a:xfrm>
-            <a:off x="13333597" y="1581889"/>
-            <a:ext cx="1588393" cy="575733"/>
-          </a:xfrm>
-          <a:prstGeom prst="roundRect">
-            <a:avLst/>
-          </a:prstGeom>
-          <a:solidFill>
-            <a:schemeClr val="accent6"/>
-          </a:solidFill>
-        </p:spPr>
-        <p:style>
-          <a:lnRef idx="2">
-            <a:schemeClr val="accent1">
-              <a:shade val="50000"/>
-            </a:schemeClr>
-          </a:lnRef>
-          <a:fillRef idx="1">
-            <a:schemeClr val="accent1"/>
-          </a:fillRef>
-          <a:effectRef idx="0">
-            <a:schemeClr val="accent1"/>
-          </a:effectRef>
-          <a:fontRef idx="minor">
-            <a:schemeClr val="lt1"/>
-          </a:fontRef>
-        </p:style>
-        <p:txBody>
-          <a:bodyPr rtlCol="0" anchor="ctr"/>
-          <a:lstStyle/>
-          <a:p>
-            <a:pPr algn="ctr"/>
-            <a:r>
-              <a:rPr lang="en-GB" sz="1956" dirty="0" err="1"/>
-              <a:t>NetCDF</a:t>
-            </a:r>
-            <a:endParaRPr lang="en-GB" sz="1956" dirty="0"/>
-          </a:p>
-        </p:txBody>
-      </p:sp>
-      <p:sp>
-        <p:nvSpPr>
-          <p:cNvPr id="31" name="Rounded Rectangle 30"/>
-          <p:cNvSpPr/>
-          <p:nvPr/>
-        </p:nvSpPr>
-        <p:spPr>
-          <a:xfrm>
-            <a:off x="13374250" y="2770533"/>
-            <a:ext cx="1588393" cy="575733"/>
-          </a:xfrm>
-          <a:prstGeom prst="roundRect">
-            <a:avLst/>
-          </a:prstGeom>
-          <a:solidFill>
-            <a:schemeClr val="accent6"/>
-          </a:solidFill>
-        </p:spPr>
-        <p:style>
-          <a:lnRef idx="2">
-            <a:schemeClr val="accent1">
-              <a:shade val="50000"/>
-            </a:schemeClr>
-          </a:lnRef>
-          <a:fillRef idx="1">
-            <a:schemeClr val="accent1"/>
-          </a:fillRef>
-          <a:effectRef idx="0">
-            <a:schemeClr val="accent1"/>
-          </a:effectRef>
-          <a:fontRef idx="minor">
-            <a:schemeClr val="lt1"/>
-          </a:fontRef>
-        </p:style>
-        <p:txBody>
-          <a:bodyPr rtlCol="0" anchor="ctr"/>
-          <a:lstStyle/>
-          <a:p>
-            <a:pPr algn="ctr"/>
-            <a:r>
-              <a:rPr lang="en-GB" sz="1956" dirty="0" err="1"/>
-              <a:t>jsoncpp</a:t>
-            </a:r>
-            <a:endParaRPr lang="en-GB" sz="1956" dirty="0"/>
-          </a:p>
-        </p:txBody>
-      </p:sp>
-      <p:sp>
-        <p:nvSpPr>
-          <p:cNvPr id="32" name="Rectangle 31"/>
-          <p:cNvSpPr/>
-          <p:nvPr/>
-        </p:nvSpPr>
-        <p:spPr>
-          <a:xfrm>
-            <a:off x="-1399173" y="-1188509"/>
-            <a:ext cx="2651688" cy="770178"/>
-          </a:xfrm>
-          <a:prstGeom prst="rect">
-            <a:avLst/>
-          </a:prstGeom>
-          <a:solidFill>
-            <a:schemeClr val="tx2">
-              <a:lumMod val="75000"/>
-            </a:schemeClr>
-          </a:solidFill>
-        </p:spPr>
-        <p:style>
-          <a:lnRef idx="2">
-            <a:schemeClr val="accent1">
-              <a:shade val="50000"/>
-            </a:schemeClr>
-          </a:lnRef>
-          <a:fillRef idx="1">
-            <a:schemeClr val="accent1"/>
-          </a:fillRef>
-          <a:effectRef idx="0">
-            <a:schemeClr val="accent1"/>
-          </a:effectRef>
-          <a:fontRef idx="minor">
-            <a:schemeClr val="lt1"/>
-          </a:fontRef>
-        </p:style>
-        <p:txBody>
-          <a:bodyPr rtlCol="0" anchor="ctr"/>
-          <a:lstStyle/>
-          <a:p>
-            <a:pPr algn="ctr"/>
-            <a:r>
-              <a:rPr lang="en-GB" sz="1956" dirty="0" err="1"/>
-              <a:t>Feltor</a:t>
-            </a:r>
-            <a:endParaRPr lang="en-GB" sz="1956" dirty="0"/>
-          </a:p>
-        </p:txBody>
-      </p:sp>
-      <p:sp>
-        <p:nvSpPr>
-          <p:cNvPr id="33" name="Rectangle 32"/>
-          <p:cNvSpPr/>
-          <p:nvPr/>
-        </p:nvSpPr>
-        <p:spPr>
-          <a:xfrm>
-            <a:off x="2204142" y="-1188509"/>
-            <a:ext cx="2651688" cy="770178"/>
-          </a:xfrm>
-          <a:prstGeom prst="rect">
-            <a:avLst/>
-          </a:prstGeom>
-          <a:solidFill>
-            <a:schemeClr val="tx2">
-              <a:lumMod val="75000"/>
-            </a:schemeClr>
-          </a:solidFill>
-        </p:spPr>
-        <p:style>
-          <a:lnRef idx="2">
-            <a:schemeClr val="accent1">
-              <a:shade val="50000"/>
-            </a:schemeClr>
-          </a:lnRef>
-          <a:fillRef idx="1">
-            <a:schemeClr val="accent1"/>
-          </a:fillRef>
-          <a:effectRef idx="0">
-            <a:schemeClr val="accent1"/>
-          </a:effectRef>
-          <a:fontRef idx="minor">
-            <a:schemeClr val="lt1"/>
-          </a:fontRef>
-        </p:style>
-        <p:txBody>
-          <a:bodyPr rtlCol="0" anchor="ctr"/>
-          <a:lstStyle/>
-          <a:p>
-            <a:pPr algn="ctr"/>
-            <a:r>
-              <a:rPr lang="en-GB" sz="1956" dirty="0" err="1"/>
-              <a:t>Toefl</a:t>
-            </a:r>
-            <a:endParaRPr lang="en-GB" sz="1956" dirty="0"/>
-          </a:p>
-        </p:txBody>
-      </p:sp>
-      <p:sp>
-        <p:nvSpPr>
-          <p:cNvPr id="34" name="Rectangle 33"/>
-          <p:cNvSpPr/>
-          <p:nvPr/>
-        </p:nvSpPr>
-        <p:spPr>
-          <a:xfrm>
-            <a:off x="5807457" y="-1188509"/>
-            <a:ext cx="2651688" cy="770178"/>
-          </a:xfrm>
-          <a:prstGeom prst="rect">
-            <a:avLst/>
-          </a:prstGeom>
-          <a:solidFill>
-            <a:schemeClr val="tx2">
-              <a:lumMod val="75000"/>
-            </a:schemeClr>
-          </a:solidFill>
-        </p:spPr>
-        <p:style>
-          <a:lnRef idx="2">
-            <a:schemeClr val="accent1">
-              <a:shade val="50000"/>
-            </a:schemeClr>
-          </a:lnRef>
-          <a:fillRef idx="1">
-            <a:schemeClr val="accent1"/>
-          </a:fillRef>
-          <a:effectRef idx="0">
-            <a:schemeClr val="accent1"/>
-          </a:effectRef>
-          <a:fontRef idx="minor">
-            <a:schemeClr val="lt1"/>
-          </a:fontRef>
-        </p:style>
-        <p:txBody>
-          <a:bodyPr rtlCol="0" anchor="ctr"/>
-          <a:lstStyle/>
-          <a:p>
-            <a:pPr algn="ctr"/>
-            <a:r>
-              <a:rPr lang="en-GB" sz="1956" dirty="0"/>
-              <a:t>Lamb dipole</a:t>
-            </a:r>
-            <a:endParaRPr lang="en-GB" sz="1956" dirty="0"/>
-          </a:p>
-        </p:txBody>
-      </p:sp>
-      <p:sp>
-        <p:nvSpPr>
-          <p:cNvPr id="35" name="Rectangle 34"/>
-          <p:cNvSpPr/>
-          <p:nvPr/>
-        </p:nvSpPr>
-        <p:spPr>
-          <a:xfrm>
-            <a:off x="9410773" y="-1188509"/>
-            <a:ext cx="2651688" cy="770178"/>
-          </a:xfrm>
-          <a:prstGeom prst="rect">
-            <a:avLst/>
-          </a:prstGeom>
-          <a:solidFill>
-            <a:schemeClr val="tx2">
-              <a:lumMod val="75000"/>
-            </a:schemeClr>
-          </a:solidFill>
-        </p:spPr>
-        <p:style>
-          <a:lnRef idx="2">
-            <a:schemeClr val="accent1">
-              <a:shade val="50000"/>
-            </a:schemeClr>
-          </a:lnRef>
-          <a:fillRef idx="1">
-            <a:schemeClr val="accent1"/>
-          </a:fillRef>
-          <a:effectRef idx="0">
-            <a:schemeClr val="accent1"/>
-          </a:effectRef>
-          <a:fontRef idx="minor">
-            <a:schemeClr val="lt1"/>
-          </a:fontRef>
-        </p:style>
-        <p:txBody>
-          <a:bodyPr rtlCol="0" anchor="ctr"/>
-          <a:lstStyle/>
-          <a:p>
-            <a:pPr algn="ctr"/>
-            <a:r>
-              <a:rPr lang="en-GB" sz="1956" dirty="0"/>
-              <a:t>…</a:t>
-            </a:r>
-            <a:endParaRPr lang="en-GB" sz="1956" dirty="0"/>
-          </a:p>
-        </p:txBody>
-      </p:sp>
-      <p:sp>
-        <p:nvSpPr>
-          <p:cNvPr id="36" name="Rounded Rectangle 35"/>
-          <p:cNvSpPr/>
-          <p:nvPr/>
-        </p:nvSpPr>
-        <p:spPr>
-          <a:xfrm>
-            <a:off x="8382803" y="5143264"/>
-            <a:ext cx="1919111" cy="764713"/>
-          </a:xfrm>
-          <a:prstGeom prst="roundRect">
-            <a:avLst/>
-          </a:prstGeom>
-          <a:solidFill>
-            <a:schemeClr val="accent1">
-              <a:lumMod val="50000"/>
-            </a:schemeClr>
-          </a:solidFill>
-        </p:spPr>
-        <p:style>
-          <a:lnRef idx="2">
-            <a:schemeClr val="accent1">
-              <a:shade val="50000"/>
-            </a:schemeClr>
-          </a:lnRef>
-          <a:fillRef idx="1">
-            <a:schemeClr val="accent1"/>
-          </a:fillRef>
-          <a:effectRef idx="0">
-            <a:schemeClr val="accent1"/>
-          </a:effectRef>
-          <a:fontRef idx="minor">
-            <a:schemeClr val="lt1"/>
-          </a:fontRef>
-        </p:style>
-        <p:txBody>
-          <a:bodyPr rtlCol="0" anchor="ctr"/>
-          <a:lstStyle/>
-          <a:p>
-            <a:pPr algn="ctr"/>
-            <a:r>
-              <a:rPr lang="en-GB" sz="1956" dirty="0"/>
-              <a:t>Geometry and metric tensor</a:t>
-            </a:r>
-            <a:endParaRPr lang="en-GB" sz="1956" dirty="0"/>
-          </a:p>
-        </p:txBody>
-      </p:sp>
-      <p:sp>
-        <p:nvSpPr>
-          <p:cNvPr id="37" name="Rounded Rectangle 36"/>
-          <p:cNvSpPr/>
-          <p:nvPr/>
-        </p:nvSpPr>
-        <p:spPr>
-          <a:xfrm>
-            <a:off x="10478159" y="5143264"/>
-            <a:ext cx="1919111" cy="764713"/>
-          </a:xfrm>
-          <a:prstGeom prst="roundRect">
-            <a:avLst/>
-          </a:prstGeom>
-          <a:solidFill>
-            <a:schemeClr val="accent1">
-              <a:lumMod val="50000"/>
-            </a:schemeClr>
-          </a:solidFill>
-        </p:spPr>
-        <p:style>
-          <a:lnRef idx="2">
-            <a:schemeClr val="accent1">
-              <a:shade val="50000"/>
-            </a:schemeClr>
-          </a:lnRef>
-          <a:fillRef idx="1">
-            <a:schemeClr val="accent1"/>
-          </a:fillRef>
-          <a:effectRef idx="0">
-            <a:schemeClr val="accent1"/>
-          </a:effectRef>
-          <a:fontRef idx="minor">
-            <a:schemeClr val="lt1"/>
-          </a:fontRef>
-        </p:style>
-        <p:txBody>
-          <a:bodyPr rtlCol="0" anchor="ctr"/>
-          <a:lstStyle/>
-          <a:p>
-            <a:pPr algn="ctr"/>
-            <a:r>
-              <a:rPr lang="en-GB" sz="1956" dirty="0"/>
-              <a:t>Interpolation and projection</a:t>
-            </a:r>
-            <a:endParaRPr lang="en-GB" sz="1956" dirty="0"/>
-          </a:p>
-        </p:txBody>
-      </p:sp>
-      <p:sp>
-        <p:nvSpPr>
-          <p:cNvPr id="51" name="Rounded Rectangle 50"/>
-          <p:cNvSpPr/>
-          <p:nvPr/>
-        </p:nvSpPr>
-        <p:spPr>
-          <a:xfrm>
-            <a:off x="2040212" y="8816518"/>
-            <a:ext cx="1919111" cy="587922"/>
-          </a:xfrm>
-          <a:prstGeom prst="roundRect">
-            <a:avLst/>
-          </a:prstGeom>
-          <a:solidFill>
-            <a:schemeClr val="accent6"/>
-          </a:solidFill>
-        </p:spPr>
-        <p:style>
-          <a:lnRef idx="2">
-            <a:schemeClr val="accent1">
-              <a:shade val="50000"/>
-            </a:schemeClr>
-          </a:lnRef>
-          <a:fillRef idx="1">
-            <a:schemeClr val="accent1"/>
-          </a:fillRef>
-          <a:effectRef idx="0">
-            <a:schemeClr val="accent1"/>
-          </a:effectRef>
-          <a:fontRef idx="minor">
-            <a:schemeClr val="lt1"/>
-          </a:fontRef>
-        </p:style>
-        <p:txBody>
-          <a:bodyPr rtlCol="0" anchor="ctr"/>
-          <a:lstStyle/>
-          <a:p>
-            <a:pPr algn="ctr"/>
-            <a:r>
-              <a:rPr lang="en-GB" sz="1956" dirty="0"/>
-              <a:t>C++ STL</a:t>
-            </a:r>
-            <a:endParaRPr lang="en-GB" sz="1956" dirty="0"/>
-          </a:p>
-        </p:txBody>
-      </p:sp>
-      <p:sp>
-        <p:nvSpPr>
-          <p:cNvPr id="52" name="Rounded Rectangle 51"/>
-          <p:cNvSpPr/>
-          <p:nvPr/>
-        </p:nvSpPr>
-        <p:spPr>
-          <a:xfrm>
-            <a:off x="-563182" y="8816518"/>
-            <a:ext cx="1919111" cy="587922"/>
-          </a:xfrm>
-          <a:prstGeom prst="roundRect">
-            <a:avLst/>
-          </a:prstGeom>
-          <a:solidFill>
-            <a:schemeClr val="accent6"/>
-          </a:solidFill>
-        </p:spPr>
-        <p:style>
-          <a:lnRef idx="2">
-            <a:schemeClr val="accent1">
-              <a:shade val="50000"/>
-            </a:schemeClr>
-          </a:lnRef>
-          <a:fillRef idx="1">
-            <a:schemeClr val="accent1"/>
-          </a:fillRef>
-          <a:effectRef idx="0">
-            <a:schemeClr val="accent1"/>
-          </a:effectRef>
-          <a:fontRef idx="minor">
-            <a:schemeClr val="lt1"/>
-          </a:fontRef>
-        </p:style>
-        <p:txBody>
-          <a:bodyPr rtlCol="0" anchor="ctr"/>
-          <a:lstStyle/>
-          <a:p>
-            <a:pPr algn="ctr"/>
-            <a:r>
-              <a:rPr lang="en-GB" sz="1956" dirty="0"/>
-              <a:t>CUDA</a:t>
-            </a:r>
-            <a:endParaRPr lang="en-GB" sz="1956" dirty="0"/>
-          </a:p>
-        </p:txBody>
-      </p:sp>
-      <p:sp>
-        <p:nvSpPr>
-          <p:cNvPr id="53" name="Rounded Rectangle 52"/>
-          <p:cNvSpPr/>
-          <p:nvPr/>
-        </p:nvSpPr>
-        <p:spPr>
-          <a:xfrm>
-            <a:off x="9850391" y="8816518"/>
-            <a:ext cx="1919111" cy="587922"/>
-          </a:xfrm>
-          <a:prstGeom prst="roundRect">
-            <a:avLst/>
-          </a:prstGeom>
-          <a:solidFill>
-            <a:schemeClr val="accent6"/>
-          </a:solidFill>
-        </p:spPr>
-        <p:style>
-          <a:lnRef idx="2">
-            <a:schemeClr val="accent1">
-              <a:shade val="50000"/>
-            </a:schemeClr>
-          </a:lnRef>
-          <a:fillRef idx="1">
-            <a:schemeClr val="accent1"/>
-          </a:fillRef>
-          <a:effectRef idx="0">
-            <a:schemeClr val="accent1"/>
-          </a:effectRef>
-          <a:fontRef idx="minor">
-            <a:schemeClr val="lt1"/>
-          </a:fontRef>
-        </p:style>
-        <p:txBody>
-          <a:bodyPr rtlCol="0" anchor="ctr"/>
-          <a:lstStyle/>
-          <a:p>
-            <a:pPr algn="ctr"/>
-            <a:r>
-              <a:rPr lang="en-GB" sz="1956" dirty="0"/>
-              <a:t>MPI</a:t>
-            </a:r>
-            <a:endParaRPr lang="en-GB" sz="1956" dirty="0"/>
-          </a:p>
-        </p:txBody>
-      </p:sp>
-      <p:sp>
-        <p:nvSpPr>
-          <p:cNvPr id="54" name="Rectangle 53"/>
-          <p:cNvSpPr/>
-          <p:nvPr/>
-        </p:nvSpPr>
-        <p:spPr>
-          <a:xfrm>
-            <a:off x="-1831321" y="985941"/>
-            <a:ext cx="2301076" cy="2686658"/>
-          </a:xfrm>
-          <a:prstGeom prst="rect">
-            <a:avLst/>
-          </a:prstGeom>
-          <a:solidFill>
-            <a:srgbClr val="00B0F0"/>
-          </a:solidFill>
-        </p:spPr>
-        <p:style>
-          <a:lnRef idx="2">
-            <a:schemeClr val="accent1">
-              <a:shade val="50000"/>
-            </a:schemeClr>
-          </a:lnRef>
-          <a:fillRef idx="1">
-            <a:schemeClr val="accent1"/>
-          </a:fillRef>
-          <a:effectRef idx="0">
-            <a:schemeClr val="accent1"/>
-          </a:effectRef>
-          <a:fontRef idx="minor">
-            <a:schemeClr val="lt1"/>
-          </a:fontRef>
-        </p:style>
-        <p:txBody>
-          <a:bodyPr rot="0" spcFirstLastPara="0" vertOverflow="overflow" horzOverflow="overflow" vert="horz" wrap="square" lIns="91440" tIns="45721" rIns="91440" bIns="45721" numCol="1" spcCol="0" rtlCol="0" fromWordArt="0" anchor="t" anchorCtr="0" forceAA="0" compatLnSpc="1">
-            <a:prstTxWarp prst="textNoShape">
+        </p:grpSpPr>
+        <p:sp>
+          <p:nvSpPr>
+            <p:cNvPr id="104" name="Rectangle 103"/>
+            <p:cNvSpPr/>
+            <p:nvPr/>
+          </p:nvSpPr>
+          <p:spPr>
+            <a:xfrm>
+              <a:off x="13865533" y="5723861"/>
+              <a:ext cx="2140235" cy="2557336"/>
+            </a:xfrm>
+            <a:prstGeom prst="rect">
               <a:avLst/>
-            </a:prstTxWarp>
-            <a:noAutofit/>
-          </a:bodyPr>
-          <a:lstStyle/>
-          <a:p>
-            <a:pPr algn="ctr"/>
-            <a:r>
-              <a:rPr lang="en-GB" sz="2133" dirty="0"/>
-              <a:t>Matrix functions</a:t>
-            </a:r>
-            <a:endParaRPr lang="en-GB" sz="2133" dirty="0"/>
-          </a:p>
-        </p:txBody>
-      </p:sp>
-      <p:sp>
-        <p:nvSpPr>
-          <p:cNvPr id="55" name="Rounded Rectangle 54"/>
-          <p:cNvSpPr/>
-          <p:nvPr/>
-        </p:nvSpPr>
-        <p:spPr>
-          <a:xfrm>
-            <a:off x="-4402143" y="2770533"/>
-            <a:ext cx="1919111" cy="587922"/>
-          </a:xfrm>
-          <a:prstGeom prst="roundRect">
-            <a:avLst/>
-          </a:prstGeom>
-          <a:solidFill>
-            <a:schemeClr val="accent6"/>
-          </a:solidFill>
-        </p:spPr>
-        <p:style>
-          <a:lnRef idx="2">
-            <a:schemeClr val="accent1">
-              <a:shade val="50000"/>
-            </a:schemeClr>
-          </a:lnRef>
-          <a:fillRef idx="1">
-            <a:schemeClr val="accent1"/>
-          </a:fillRef>
-          <a:effectRef idx="0">
-            <a:schemeClr val="accent1"/>
-          </a:effectRef>
-          <a:fontRef idx="minor">
-            <a:schemeClr val="lt1"/>
-          </a:fontRef>
-        </p:style>
-        <p:txBody>
-          <a:bodyPr rtlCol="0" anchor="ctr"/>
-          <a:lstStyle/>
-          <a:p>
-            <a:pPr algn="ctr"/>
-            <a:r>
-              <a:rPr lang="en-GB" sz="1956" dirty="0" err="1"/>
-              <a:t>lapack</a:t>
-            </a:r>
-            <a:endParaRPr lang="en-GB" sz="1956" dirty="0"/>
-          </a:p>
-        </p:txBody>
-      </p:sp>
-      <p:sp>
-        <p:nvSpPr>
-          <p:cNvPr id="56" name="Rounded Rectangle 55"/>
-          <p:cNvSpPr/>
-          <p:nvPr/>
-        </p:nvSpPr>
-        <p:spPr>
-          <a:xfrm>
-            <a:off x="-1445703" y="1673431"/>
-            <a:ext cx="1604028" cy="764713"/>
-          </a:xfrm>
-          <a:prstGeom prst="roundRect">
-            <a:avLst/>
-          </a:prstGeom>
-          <a:solidFill>
-            <a:schemeClr val="accent1">
-              <a:lumMod val="50000"/>
-            </a:schemeClr>
-          </a:solidFill>
-        </p:spPr>
-        <p:style>
-          <a:lnRef idx="2">
-            <a:schemeClr val="accent1">
-              <a:shade val="50000"/>
-            </a:schemeClr>
-          </a:lnRef>
-          <a:fillRef idx="1">
-            <a:schemeClr val="accent1"/>
-          </a:fillRef>
-          <a:effectRef idx="0">
-            <a:schemeClr val="accent1"/>
-          </a:effectRef>
-          <a:fontRef idx="minor">
-            <a:schemeClr val="lt1"/>
-          </a:fontRef>
-        </p:style>
-        <p:txBody>
-          <a:bodyPr rtlCol="0" anchor="ctr"/>
-          <a:lstStyle/>
-          <a:p>
-            <a:pPr algn="ctr"/>
-            <a:r>
-              <a:rPr lang="en-GB" sz="1956" dirty="0"/>
-              <a:t>Exponential integrators</a:t>
-            </a:r>
-            <a:endParaRPr lang="en-GB" sz="1956" dirty="0"/>
-          </a:p>
-        </p:txBody>
-      </p:sp>
-      <p:sp>
-        <p:nvSpPr>
-          <p:cNvPr id="57" name="Rounded Rectangle 56"/>
-          <p:cNvSpPr/>
-          <p:nvPr/>
-        </p:nvSpPr>
-        <p:spPr>
-          <a:xfrm>
-            <a:off x="-1639495" y="2732057"/>
-            <a:ext cx="1917595" cy="764713"/>
-          </a:xfrm>
-          <a:prstGeom prst="roundRect">
-            <a:avLst/>
-          </a:prstGeom>
-          <a:solidFill>
-            <a:schemeClr val="accent1">
-              <a:lumMod val="50000"/>
-            </a:schemeClr>
-          </a:solidFill>
-        </p:spPr>
-        <p:style>
-          <a:lnRef idx="2">
-            <a:schemeClr val="accent1">
-              <a:shade val="50000"/>
-            </a:schemeClr>
-          </a:lnRef>
-          <a:fillRef idx="1">
-            <a:schemeClr val="accent1"/>
-          </a:fillRef>
-          <a:effectRef idx="0">
-            <a:schemeClr val="accent1"/>
-          </a:effectRef>
-          <a:fontRef idx="minor">
-            <a:schemeClr val="lt1"/>
-          </a:fontRef>
-        </p:style>
-        <p:txBody>
-          <a:bodyPr rtlCol="0" anchor="ctr"/>
-          <a:lstStyle/>
-          <a:p>
-            <a:pPr algn="ctr"/>
-            <a:r>
-              <a:rPr lang="en-GB" sz="1956" dirty="0"/>
-              <a:t>Matrix functions</a:t>
-            </a:r>
-            <a:endParaRPr lang="en-GB" sz="1956" dirty="0"/>
-          </a:p>
-        </p:txBody>
-      </p:sp>
-      <p:sp>
-        <p:nvSpPr>
-          <p:cNvPr id="58" name="Rounded Rectangle 57"/>
-          <p:cNvSpPr/>
-          <p:nvPr/>
-        </p:nvSpPr>
-        <p:spPr>
-          <a:xfrm>
-            <a:off x="-4399199" y="1496301"/>
-            <a:ext cx="1919111" cy="587922"/>
-          </a:xfrm>
-          <a:prstGeom prst="roundRect">
-            <a:avLst/>
-          </a:prstGeom>
-          <a:solidFill>
-            <a:schemeClr val="accent6"/>
-          </a:solidFill>
-        </p:spPr>
-        <p:style>
-          <a:lnRef idx="2">
-            <a:schemeClr val="accent1">
-              <a:shade val="50000"/>
-            </a:schemeClr>
-          </a:lnRef>
-          <a:fillRef idx="1">
-            <a:schemeClr val="accent1"/>
-          </a:fillRef>
-          <a:effectRef idx="0">
-            <a:schemeClr val="accent1"/>
-          </a:effectRef>
-          <a:fontRef idx="minor">
-            <a:schemeClr val="lt1"/>
-          </a:fontRef>
-        </p:style>
-        <p:txBody>
-          <a:bodyPr rtlCol="0" anchor="ctr"/>
-          <a:lstStyle/>
-          <a:p>
-            <a:pPr algn="ctr"/>
-            <a:r>
-              <a:rPr lang="en-GB" sz="1956" dirty="0"/>
-              <a:t>boost</a:t>
-            </a:r>
-            <a:endParaRPr lang="en-GB" sz="1956" dirty="0"/>
-          </a:p>
-        </p:txBody>
-      </p:sp>
-      <p:sp>
-        <p:nvSpPr>
-          <p:cNvPr id="66" name="Rounded Rectangle 65"/>
-          <p:cNvSpPr/>
-          <p:nvPr/>
-        </p:nvSpPr>
-        <p:spPr>
-          <a:xfrm>
-            <a:off x="5999719" y="2734470"/>
-            <a:ext cx="2020677" cy="744471"/>
-          </a:xfrm>
-          <a:prstGeom prst="roundRect">
-            <a:avLst/>
-          </a:prstGeom>
-          <a:solidFill>
-            <a:schemeClr val="accent1">
-              <a:lumMod val="50000"/>
-            </a:schemeClr>
-          </a:solidFill>
-        </p:spPr>
-        <p:style>
-          <a:lnRef idx="2">
-            <a:schemeClr val="accent1">
-              <a:shade val="50000"/>
-            </a:schemeClr>
-          </a:lnRef>
-          <a:fillRef idx="1">
-            <a:schemeClr val="accent1"/>
-          </a:fillRef>
-          <a:effectRef idx="0">
-            <a:schemeClr val="accent1"/>
-          </a:effectRef>
-          <a:fontRef idx="minor">
-            <a:schemeClr val="lt1"/>
-          </a:fontRef>
-        </p:style>
-        <p:txBody>
-          <a:bodyPr rtlCol="0" anchor="ctr"/>
-          <a:lstStyle/>
-          <a:p>
-            <a:pPr algn="ctr"/>
-            <a:r>
-              <a:rPr lang="en-GB" sz="1956" dirty="0"/>
-              <a:t>Curvilinear grid generators</a:t>
-            </a:r>
-            <a:endParaRPr lang="en-GB" sz="1956" dirty="0"/>
-          </a:p>
-        </p:txBody>
-      </p:sp>
-      <p:sp>
-        <p:nvSpPr>
-          <p:cNvPr id="67" name="Rounded Rectangle 66"/>
-          <p:cNvSpPr/>
-          <p:nvPr/>
-        </p:nvSpPr>
-        <p:spPr>
-          <a:xfrm>
-            <a:off x="7244077" y="1581889"/>
-            <a:ext cx="1919111" cy="764713"/>
-          </a:xfrm>
-          <a:prstGeom prst="roundRect">
-            <a:avLst/>
-          </a:prstGeom>
-          <a:solidFill>
-            <a:schemeClr val="accent1">
-              <a:lumMod val="50000"/>
-            </a:schemeClr>
-          </a:solidFill>
-        </p:spPr>
-        <p:style>
-          <a:lnRef idx="2">
-            <a:schemeClr val="accent1">
-              <a:shade val="50000"/>
-            </a:schemeClr>
-          </a:lnRef>
-          <a:fillRef idx="1">
-            <a:schemeClr val="accent1"/>
-          </a:fillRef>
-          <a:effectRef idx="0">
-            <a:schemeClr val="accent1"/>
-          </a:effectRef>
-          <a:fontRef idx="minor">
-            <a:schemeClr val="lt1"/>
-          </a:fontRef>
-        </p:style>
-        <p:txBody>
-          <a:bodyPr rtlCol="0" anchor="ctr"/>
-          <a:lstStyle/>
-          <a:p>
-            <a:pPr algn="ctr"/>
-            <a:r>
-              <a:rPr lang="en-GB" sz="1956" dirty="0"/>
-              <a:t>FCI method</a:t>
-            </a:r>
-            <a:endParaRPr lang="en-GB" sz="1956" dirty="0"/>
-          </a:p>
-        </p:txBody>
-      </p:sp>
-      <p:sp>
-        <p:nvSpPr>
-          <p:cNvPr id="69" name="Rounded Rectangle 68"/>
-          <p:cNvSpPr/>
-          <p:nvPr/>
-        </p:nvSpPr>
-        <p:spPr>
-          <a:xfrm>
-            <a:off x="8362950" y="2724346"/>
-            <a:ext cx="1919111" cy="764713"/>
-          </a:xfrm>
-          <a:prstGeom prst="roundRect">
-            <a:avLst/>
-          </a:prstGeom>
-          <a:solidFill>
-            <a:schemeClr val="accent1">
-              <a:lumMod val="50000"/>
-            </a:schemeClr>
-          </a:solidFill>
-        </p:spPr>
-        <p:style>
-          <a:lnRef idx="2">
-            <a:schemeClr val="accent1">
-              <a:shade val="50000"/>
-            </a:schemeClr>
-          </a:lnRef>
-          <a:fillRef idx="1">
-            <a:schemeClr val="accent1"/>
-          </a:fillRef>
-          <a:effectRef idx="0">
-            <a:schemeClr val="accent1"/>
-          </a:effectRef>
-          <a:fontRef idx="minor">
-            <a:schemeClr val="lt1"/>
-          </a:fontRef>
-        </p:style>
-        <p:txBody>
-          <a:bodyPr rtlCol="0" anchor="ctr"/>
-          <a:lstStyle/>
-          <a:p>
-            <a:pPr algn="ctr"/>
-            <a:r>
-              <a:rPr lang="en-GB" sz="1956" dirty="0"/>
-              <a:t>Magnetic field representation</a:t>
-            </a:r>
-            <a:endParaRPr lang="en-GB" sz="1956" dirty="0"/>
-          </a:p>
-        </p:txBody>
-      </p:sp>
-      <p:sp>
-        <p:nvSpPr>
-          <p:cNvPr id="14" name="Rounded Rectangle 13"/>
-          <p:cNvSpPr/>
-          <p:nvPr/>
-        </p:nvSpPr>
-        <p:spPr>
-          <a:xfrm>
-            <a:off x="2355138" y="4525750"/>
-            <a:ext cx="2540791" cy="800375"/>
-          </a:xfrm>
-          <a:prstGeom prst="roundRect">
-            <a:avLst/>
-          </a:prstGeom>
-          <a:solidFill>
-            <a:schemeClr val="accent1">
-              <a:lumMod val="50000"/>
-            </a:schemeClr>
-          </a:solidFill>
-        </p:spPr>
-        <p:style>
-          <a:lnRef idx="2">
-            <a:schemeClr val="accent1">
-              <a:shade val="50000"/>
-            </a:schemeClr>
-          </a:lnRef>
-          <a:fillRef idx="1">
-            <a:schemeClr val="accent1"/>
-          </a:fillRef>
-          <a:effectRef idx="0">
-            <a:schemeClr val="accent1"/>
-          </a:effectRef>
-          <a:fontRef idx="minor">
-            <a:schemeClr val="lt1"/>
-          </a:fontRef>
-        </p:style>
-        <p:txBody>
-          <a:bodyPr rtlCol="0" anchor="ctr"/>
-          <a:lstStyle/>
-          <a:p>
-            <a:pPr algn="ctr"/>
-            <a:r>
-              <a:rPr lang="en-GB" sz="1956" dirty="0"/>
-              <a:t>(explicit and implicit) ODE integrators</a:t>
-            </a:r>
-            <a:endParaRPr lang="en-GB" sz="1956" dirty="0"/>
-          </a:p>
-        </p:txBody>
-      </p:sp>
-      <p:sp>
-        <p:nvSpPr>
-          <p:cNvPr id="15" name="Rounded Rectangle 14"/>
-          <p:cNvSpPr/>
-          <p:nvPr/>
-        </p:nvSpPr>
-        <p:spPr>
-          <a:xfrm>
-            <a:off x="-834115" y="4525133"/>
-            <a:ext cx="2190044" cy="800990"/>
-          </a:xfrm>
-          <a:prstGeom prst="roundRect">
-            <a:avLst/>
-          </a:prstGeom>
-          <a:solidFill>
-            <a:schemeClr val="accent1">
-              <a:lumMod val="50000"/>
-            </a:schemeClr>
-          </a:solidFill>
-        </p:spPr>
-        <p:style>
-          <a:lnRef idx="2">
-            <a:schemeClr val="accent1">
-              <a:shade val="50000"/>
-            </a:schemeClr>
-          </a:lnRef>
-          <a:fillRef idx="1">
-            <a:schemeClr val="accent1"/>
-          </a:fillRef>
-          <a:effectRef idx="0">
-            <a:schemeClr val="accent1"/>
-          </a:effectRef>
-          <a:fontRef idx="minor">
-            <a:schemeClr val="lt1"/>
-          </a:fontRef>
-        </p:style>
-        <p:txBody>
-          <a:bodyPr rtlCol="0" anchor="ctr"/>
-          <a:lstStyle/>
-          <a:p>
-            <a:pPr algn="ctr"/>
-            <a:r>
-              <a:rPr lang="en-GB" sz="1956" dirty="0"/>
-              <a:t>Linear and non-linear solvers</a:t>
-            </a:r>
-            <a:endParaRPr lang="en-GB" sz="1956" dirty="0"/>
-          </a:p>
-        </p:txBody>
-      </p:sp>
-      <p:sp>
-        <p:nvSpPr>
-          <p:cNvPr id="21" name="Rounded Rectangle 20"/>
-          <p:cNvSpPr/>
-          <p:nvPr/>
-        </p:nvSpPr>
-        <p:spPr>
-          <a:xfrm>
-            <a:off x="871774" y="2710081"/>
-            <a:ext cx="2190044" cy="764713"/>
-          </a:xfrm>
-          <a:prstGeom prst="roundRect">
-            <a:avLst/>
-          </a:prstGeom>
-          <a:solidFill>
-            <a:schemeClr val="accent1">
-              <a:lumMod val="50000"/>
-            </a:schemeClr>
-          </a:solidFill>
-        </p:spPr>
-        <p:style>
-          <a:lnRef idx="2">
-            <a:schemeClr val="accent1">
-              <a:shade val="50000"/>
-            </a:schemeClr>
-          </a:lnRef>
-          <a:fillRef idx="1">
-            <a:schemeClr val="accent1"/>
-          </a:fillRef>
-          <a:effectRef idx="0">
-            <a:schemeClr val="accent1"/>
-          </a:effectRef>
-          <a:fontRef idx="minor">
-            <a:schemeClr val="lt1"/>
-          </a:fontRef>
-        </p:style>
-        <p:txBody>
-          <a:bodyPr rtlCol="0" anchor="ctr"/>
-          <a:lstStyle/>
-          <a:p>
-            <a:pPr algn="ctr"/>
-            <a:r>
-              <a:rPr lang="en-GB" sz="1956" dirty="0"/>
-              <a:t>Advection methods</a:t>
-            </a:r>
-            <a:endParaRPr lang="en-GB" sz="1956" dirty="0"/>
-          </a:p>
-        </p:txBody>
-      </p:sp>
-      <p:sp>
-        <p:nvSpPr>
-          <p:cNvPr id="22" name="Rounded Rectangle 21"/>
-          <p:cNvSpPr/>
-          <p:nvPr/>
-        </p:nvSpPr>
-        <p:spPr>
-          <a:xfrm>
-            <a:off x="3325191" y="2724717"/>
-            <a:ext cx="2190044" cy="764713"/>
-          </a:xfrm>
-          <a:prstGeom prst="roundRect">
-            <a:avLst/>
-          </a:prstGeom>
-          <a:solidFill>
-            <a:schemeClr val="accent1">
-              <a:lumMod val="50000"/>
-            </a:schemeClr>
-          </a:solidFill>
-        </p:spPr>
-        <p:style>
-          <a:lnRef idx="2">
-            <a:schemeClr val="accent1">
-              <a:shade val="50000"/>
-            </a:schemeClr>
-          </a:lnRef>
-          <a:fillRef idx="1">
-            <a:schemeClr val="accent1"/>
-          </a:fillRef>
-          <a:effectRef idx="0">
-            <a:schemeClr val="accent1"/>
-          </a:effectRef>
-          <a:fontRef idx="minor">
-            <a:schemeClr val="lt1"/>
-          </a:fontRef>
-        </p:style>
-        <p:txBody>
-          <a:bodyPr rtlCol="0" anchor="ctr"/>
-          <a:lstStyle/>
-          <a:p>
-            <a:pPr algn="ctr"/>
-            <a:r>
-              <a:rPr lang="en-GB" sz="1956" dirty="0"/>
-              <a:t>Elliptic operators</a:t>
-            </a:r>
-            <a:endParaRPr lang="en-GB" sz="1956" dirty="0"/>
-          </a:p>
-        </p:txBody>
-      </p:sp>
-      <p:sp>
-        <p:nvSpPr>
-          <p:cNvPr id="74" name="Rounded Rectangle 73"/>
-          <p:cNvSpPr/>
-          <p:nvPr/>
-        </p:nvSpPr>
-        <p:spPr>
-          <a:xfrm>
-            <a:off x="-232925" y="9901857"/>
-            <a:ext cx="1919111" cy="587922"/>
-          </a:xfrm>
-          <a:prstGeom prst="roundRect">
-            <a:avLst/>
-          </a:prstGeom>
-          <a:solidFill>
-            <a:schemeClr val="accent6"/>
-          </a:solidFill>
-        </p:spPr>
-        <p:style>
-          <a:lnRef idx="2">
-            <a:schemeClr val="accent1">
-              <a:shade val="50000"/>
-            </a:schemeClr>
-          </a:lnRef>
-          <a:fillRef idx="1">
-            <a:schemeClr val="accent1"/>
-          </a:fillRef>
-          <a:effectRef idx="0">
-            <a:schemeClr val="accent1"/>
-          </a:effectRef>
-          <a:fontRef idx="minor">
-            <a:schemeClr val="lt1"/>
-          </a:fontRef>
-        </p:style>
-        <p:txBody>
-          <a:bodyPr rtlCol="0" anchor="ctr"/>
-          <a:lstStyle/>
-          <a:p>
-            <a:pPr algn="ctr"/>
-            <a:r>
-              <a:rPr lang="en-GB" sz="1956" dirty="0" smtClean="0"/>
-              <a:t>External library</a:t>
-            </a:r>
-            <a:endParaRPr lang="en-GB" sz="1956" dirty="0"/>
-          </a:p>
-        </p:txBody>
-      </p:sp>
-      <p:sp>
-        <p:nvSpPr>
-          <p:cNvPr id="75" name="Rounded Rectangle 74"/>
-          <p:cNvSpPr/>
-          <p:nvPr/>
-        </p:nvSpPr>
-        <p:spPr>
-          <a:xfrm>
-            <a:off x="2069529" y="9799718"/>
-            <a:ext cx="1919111" cy="740204"/>
-          </a:xfrm>
-          <a:prstGeom prst="roundRect">
-            <a:avLst/>
-          </a:prstGeom>
-          <a:solidFill>
-            <a:schemeClr val="accent1">
-              <a:lumMod val="50000"/>
-            </a:schemeClr>
-          </a:solidFill>
-        </p:spPr>
-        <p:style>
-          <a:lnRef idx="2">
-            <a:schemeClr val="accent1">
-              <a:shade val="50000"/>
-            </a:schemeClr>
-          </a:lnRef>
-          <a:fillRef idx="1">
-            <a:schemeClr val="accent1"/>
-          </a:fillRef>
-          <a:effectRef idx="0">
-            <a:schemeClr val="accent1"/>
-          </a:effectRef>
-          <a:fontRef idx="minor">
-            <a:schemeClr val="lt1"/>
-          </a:fontRef>
-        </p:style>
-        <p:txBody>
-          <a:bodyPr rtlCol="0" anchor="ctr"/>
-          <a:lstStyle/>
-          <a:p>
-            <a:pPr algn="ctr"/>
-            <a:r>
-              <a:rPr lang="en-GB" sz="1956" dirty="0" smtClean="0"/>
-              <a:t>Sub-Module</a:t>
-            </a:r>
-            <a:endParaRPr lang="en-GB" sz="1956" dirty="0"/>
-          </a:p>
-        </p:txBody>
-      </p:sp>
-      <p:sp>
-        <p:nvSpPr>
-          <p:cNvPr id="76" name="Rectangle 75"/>
-          <p:cNvSpPr/>
-          <p:nvPr/>
-        </p:nvSpPr>
-        <p:spPr>
-          <a:xfrm>
-            <a:off x="4371983" y="9799718"/>
-            <a:ext cx="2216071" cy="740204"/>
-          </a:xfrm>
-          <a:prstGeom prst="rect">
-            <a:avLst/>
-          </a:prstGeom>
-          <a:solidFill>
-            <a:schemeClr val="accent1">
-              <a:lumMod val="75000"/>
-            </a:schemeClr>
-          </a:solidFill>
-        </p:spPr>
-        <p:style>
-          <a:lnRef idx="2">
-            <a:schemeClr val="accent1">
-              <a:shade val="50000"/>
-            </a:schemeClr>
-          </a:lnRef>
-          <a:fillRef idx="1">
-            <a:schemeClr val="accent1"/>
-          </a:fillRef>
-          <a:effectRef idx="0">
-            <a:schemeClr val="accent1"/>
-          </a:effectRef>
-          <a:fontRef idx="minor">
-            <a:schemeClr val="lt1"/>
-          </a:fontRef>
-        </p:style>
-        <p:txBody>
-          <a:bodyPr rot="0" spcFirstLastPara="0" vertOverflow="overflow" horzOverflow="overflow" vert="horz" wrap="square" lIns="91440" tIns="45721" rIns="91440" bIns="45721" numCol="1" spcCol="0" rtlCol="0" fromWordArt="0" anchor="t" anchorCtr="0" forceAA="0" compatLnSpc="1">
-            <a:prstTxWarp prst="textNoShape">
+            </a:prstGeom>
+            <a:solidFill>
+              <a:schemeClr val="tx1">
+                <a:lumMod val="50000"/>
+                <a:lumOff val="50000"/>
+                <a:alpha val="30000"/>
+              </a:schemeClr>
+            </a:solidFill>
+            <a:ln>
+              <a:noFill/>
+            </a:ln>
+          </p:spPr>
+          <p:style>
+            <a:lnRef idx="2">
+              <a:schemeClr val="accent1">
+                <a:shade val="50000"/>
+              </a:schemeClr>
+            </a:lnRef>
+            <a:fillRef idx="1">
+              <a:schemeClr val="accent1"/>
+            </a:fillRef>
+            <a:effectRef idx="0">
+              <a:schemeClr val="accent1"/>
+            </a:effectRef>
+            <a:fontRef idx="minor">
+              <a:schemeClr val="lt1"/>
+            </a:fontRef>
+          </p:style>
+          <p:txBody>
+            <a:bodyPr rot="0" spcFirstLastPara="0" vertOverflow="overflow" horzOverflow="overflow" vert="horz" wrap="square" lIns="162560" tIns="81280" rIns="162560" bIns="81280" numCol="1" spcCol="0" rtlCol="0" fromWordArt="0" anchor="t" anchorCtr="0" forceAA="0" compatLnSpc="1">
+              <a:prstTxWarp prst="textNoShape">
+                <a:avLst/>
+              </a:prstTxWarp>
+              <a:noAutofit/>
+            </a:bodyPr>
+            <a:lstStyle/>
+            <a:p>
+              <a:pPr algn="ctr"/>
+              <a:endParaRPr lang="en-GB" sz="3200" b="1" dirty="0"/>
+            </a:p>
+          </p:txBody>
+        </p:sp>
+        <p:sp>
+          <p:nvSpPr>
+            <p:cNvPr id="59" name="Rectangle 58"/>
+            <p:cNvSpPr/>
+            <p:nvPr/>
+          </p:nvSpPr>
+          <p:spPr>
+            <a:xfrm>
+              <a:off x="13953687" y="7845285"/>
+              <a:ext cx="358771" cy="280704"/>
+            </a:xfrm>
+            <a:prstGeom prst="rect">
               <a:avLst/>
-            </a:prstTxWarp>
-            <a:noAutofit/>
-          </a:bodyPr>
-          <a:lstStyle/>
-          <a:p>
-            <a:pPr algn="ctr"/>
-            <a:r>
-              <a:rPr lang="en-GB" sz="2133" dirty="0" smtClean="0"/>
-              <a:t>Module</a:t>
-            </a:r>
-            <a:endParaRPr lang="en-GB" sz="2133" dirty="0"/>
-          </a:p>
-          <a:p>
-            <a:pPr algn="ctr"/>
-            <a:endParaRPr lang="en-GB" sz="2133" dirty="0"/>
-          </a:p>
-        </p:txBody>
-      </p:sp>
-      <p:sp>
-        <p:nvSpPr>
-          <p:cNvPr id="77" name="Rectangle 76"/>
-          <p:cNvSpPr/>
-          <p:nvPr/>
-        </p:nvSpPr>
-        <p:spPr>
-          <a:xfrm>
-            <a:off x="6971397" y="9805368"/>
-            <a:ext cx="1967764" cy="734554"/>
-          </a:xfrm>
-          <a:prstGeom prst="rect">
-            <a:avLst/>
-          </a:prstGeom>
-          <a:solidFill>
-            <a:srgbClr val="00B0F0"/>
-          </a:solidFill>
-        </p:spPr>
-        <p:style>
-          <a:lnRef idx="2">
-            <a:schemeClr val="accent1">
-              <a:shade val="50000"/>
-            </a:schemeClr>
-          </a:lnRef>
-          <a:fillRef idx="1">
-            <a:schemeClr val="accent1"/>
-          </a:fillRef>
-          <a:effectRef idx="0">
-            <a:schemeClr val="accent1"/>
-          </a:effectRef>
-          <a:fontRef idx="minor">
-            <a:schemeClr val="lt1"/>
-          </a:fontRef>
-        </p:style>
-        <p:txBody>
-          <a:bodyPr rot="0" spcFirstLastPara="0" vertOverflow="overflow" horzOverflow="overflow" vert="horz" wrap="square" lIns="91440" tIns="45721" rIns="91440" bIns="45721" numCol="1" spcCol="0" rtlCol="0" fromWordArt="0" anchor="t" anchorCtr="0" forceAA="0" compatLnSpc="1">
-            <a:prstTxWarp prst="textNoShape">
+            </a:prstGeom>
+            <a:solidFill>
+              <a:schemeClr val="accent6">
+                <a:alpha val="60000"/>
+              </a:schemeClr>
+            </a:solidFill>
+            <a:ln>
+              <a:noFill/>
+            </a:ln>
+            <a:effectLst>
+              <a:outerShdw blurRad="50800" dist="38100" dir="8100000" algn="tr" rotWithShape="0">
+                <a:prstClr val="black">
+                  <a:alpha val="40000"/>
+                </a:prstClr>
+              </a:outerShdw>
+            </a:effectLst>
+          </p:spPr>
+          <p:style>
+            <a:lnRef idx="2">
+              <a:schemeClr val="accent1">
+                <a:shade val="50000"/>
+              </a:schemeClr>
+            </a:lnRef>
+            <a:fillRef idx="1">
+              <a:schemeClr val="accent1"/>
+            </a:fillRef>
+            <a:effectRef idx="0">
+              <a:schemeClr val="accent1"/>
+            </a:effectRef>
+            <a:fontRef idx="minor">
+              <a:schemeClr val="lt1"/>
+            </a:fontRef>
+          </p:style>
+          <p:txBody>
+            <a:bodyPr rtlCol="0" anchor="ctr"/>
+            <a:lstStyle/>
+            <a:p>
+              <a:pPr algn="ctr"/>
+              <a:endParaRPr lang="en-GB" sz="1956"/>
+            </a:p>
+          </p:txBody>
+        </p:sp>
+        <p:sp>
+          <p:nvSpPr>
+            <p:cNvPr id="60" name="Rectangle 59"/>
+            <p:cNvSpPr/>
+            <p:nvPr/>
+          </p:nvSpPr>
+          <p:spPr>
+            <a:xfrm>
+              <a:off x="13953687" y="6836313"/>
+              <a:ext cx="358771" cy="280704"/>
+            </a:xfrm>
+            <a:prstGeom prst="rect">
               <a:avLst/>
-            </a:prstTxWarp>
-            <a:noAutofit/>
-          </a:bodyPr>
-          <a:lstStyle/>
-          <a:p>
-            <a:pPr algn="ctr"/>
-            <a:r>
-              <a:rPr lang="en-GB" sz="2133" dirty="0" smtClean="0"/>
-              <a:t>Extension</a:t>
-            </a:r>
-            <a:endParaRPr lang="en-GB" sz="2133" dirty="0"/>
-          </a:p>
-        </p:txBody>
-      </p:sp>
-      <p:sp>
-        <p:nvSpPr>
-          <p:cNvPr id="78" name="Rectangle 77"/>
-          <p:cNvSpPr/>
-          <p:nvPr/>
-        </p:nvSpPr>
-        <p:spPr>
-          <a:xfrm>
-            <a:off x="9322504" y="9799718"/>
-            <a:ext cx="2446997" cy="740204"/>
-          </a:xfrm>
-          <a:prstGeom prst="rect">
-            <a:avLst/>
-          </a:prstGeom>
-          <a:solidFill>
-            <a:schemeClr val="tx2">
-              <a:lumMod val="75000"/>
-            </a:schemeClr>
-          </a:solidFill>
-        </p:spPr>
-        <p:style>
-          <a:lnRef idx="2">
-            <a:schemeClr val="accent1">
-              <a:shade val="50000"/>
-            </a:schemeClr>
-          </a:lnRef>
-          <a:fillRef idx="1">
-            <a:schemeClr val="accent1"/>
-          </a:fillRef>
-          <a:effectRef idx="0">
-            <a:schemeClr val="accent1"/>
-          </a:effectRef>
-          <a:fontRef idx="minor">
-            <a:schemeClr val="lt1"/>
-          </a:fontRef>
-        </p:style>
-        <p:txBody>
-          <a:bodyPr rtlCol="0" anchor="ctr"/>
-          <a:lstStyle/>
-          <a:p>
-            <a:pPr algn="ctr"/>
-            <a:r>
-              <a:rPr lang="en-GB" sz="1956" dirty="0" smtClean="0"/>
-              <a:t>Application</a:t>
-            </a:r>
-            <a:endParaRPr lang="en-GB" sz="1956" dirty="0"/>
-          </a:p>
-        </p:txBody>
-      </p:sp>
+            </a:prstGeom>
+            <a:solidFill>
+              <a:schemeClr val="accent1">
+                <a:lumMod val="50000"/>
+              </a:schemeClr>
+            </a:solidFill>
+            <a:ln>
+              <a:noFill/>
+            </a:ln>
+            <a:effectLst>
+              <a:outerShdw blurRad="50800" dist="38100" dir="8100000" algn="tr" rotWithShape="0">
+                <a:prstClr val="black">
+                  <a:alpha val="40000"/>
+                </a:prstClr>
+              </a:outerShdw>
+            </a:effectLst>
+          </p:spPr>
+          <p:style>
+            <a:lnRef idx="2">
+              <a:schemeClr val="accent1">
+                <a:shade val="50000"/>
+              </a:schemeClr>
+            </a:lnRef>
+            <a:fillRef idx="1">
+              <a:schemeClr val="accent1"/>
+            </a:fillRef>
+            <a:effectRef idx="0">
+              <a:schemeClr val="accent1"/>
+            </a:effectRef>
+            <a:fontRef idx="minor">
+              <a:schemeClr val="lt1"/>
+            </a:fontRef>
+          </p:style>
+          <p:txBody>
+            <a:bodyPr rtlCol="0" anchor="ctr"/>
+            <a:lstStyle/>
+            <a:p>
+              <a:pPr algn="ctr"/>
+              <a:endParaRPr lang="en-GB" sz="1956"/>
+            </a:p>
+          </p:txBody>
+        </p:sp>
+        <p:sp>
+          <p:nvSpPr>
+            <p:cNvPr id="5" name="TextBox 4"/>
+            <p:cNvSpPr txBox="1"/>
+            <p:nvPr/>
+          </p:nvSpPr>
+          <p:spPr>
+            <a:xfrm>
+              <a:off x="14348383" y="7800971"/>
+              <a:ext cx="1670183" cy="369332"/>
+            </a:xfrm>
+            <a:prstGeom prst="rect">
+              <a:avLst/>
+            </a:prstGeom>
+            <a:noFill/>
+          </p:spPr>
+          <p:txBody>
+            <a:bodyPr wrap="square" rtlCol="0" anchor="ctr">
+              <a:spAutoFit/>
+            </a:bodyPr>
+            <a:lstStyle/>
+            <a:p>
+              <a:r>
+                <a:rPr lang="en-GB" dirty="0" smtClean="0">
+                  <a:solidFill>
+                    <a:schemeClr val="bg1"/>
+                  </a:solidFill>
+                </a:rPr>
+                <a:t>External library </a:t>
+              </a:r>
+              <a:endParaRPr lang="en-GB" dirty="0">
+                <a:solidFill>
+                  <a:schemeClr val="bg1"/>
+                </a:solidFill>
+              </a:endParaRPr>
+            </a:p>
+          </p:txBody>
+        </p:sp>
+        <p:sp>
+          <p:nvSpPr>
+            <p:cNvPr id="61" name="TextBox 60"/>
+            <p:cNvSpPr txBox="1"/>
+            <p:nvPr/>
+          </p:nvSpPr>
+          <p:spPr>
+            <a:xfrm>
+              <a:off x="14373218" y="6794255"/>
+              <a:ext cx="1436914" cy="369332"/>
+            </a:xfrm>
+            <a:prstGeom prst="rect">
+              <a:avLst/>
+            </a:prstGeom>
+            <a:noFill/>
+          </p:spPr>
+          <p:txBody>
+            <a:bodyPr wrap="square" rtlCol="0" anchor="ctr">
+              <a:spAutoFit/>
+            </a:bodyPr>
+            <a:lstStyle/>
+            <a:p>
+              <a:r>
+                <a:rPr lang="en-GB" dirty="0" smtClean="0">
+                  <a:solidFill>
+                    <a:schemeClr val="bg1"/>
+                  </a:solidFill>
+                </a:rPr>
+                <a:t>Submodule</a:t>
+              </a:r>
+              <a:endParaRPr lang="en-GB" dirty="0">
+                <a:solidFill>
+                  <a:schemeClr val="bg1"/>
+                </a:solidFill>
+              </a:endParaRPr>
+            </a:p>
+          </p:txBody>
+        </p:sp>
+        <p:sp>
+          <p:nvSpPr>
+            <p:cNvPr id="98" name="Rectangle 97"/>
+            <p:cNvSpPr/>
+            <p:nvPr/>
+          </p:nvSpPr>
+          <p:spPr>
+            <a:xfrm>
+              <a:off x="13953687" y="5827341"/>
+              <a:ext cx="358771" cy="280704"/>
+            </a:xfrm>
+            <a:prstGeom prst="rect">
+              <a:avLst/>
+            </a:prstGeom>
+            <a:solidFill>
+              <a:schemeClr val="tx2">
+                <a:lumMod val="75000"/>
+              </a:schemeClr>
+            </a:solidFill>
+            <a:ln>
+              <a:noFill/>
+            </a:ln>
+          </p:spPr>
+          <p:style>
+            <a:lnRef idx="2">
+              <a:schemeClr val="accent1">
+                <a:shade val="50000"/>
+              </a:schemeClr>
+            </a:lnRef>
+            <a:fillRef idx="1">
+              <a:schemeClr val="accent1"/>
+            </a:fillRef>
+            <a:effectRef idx="0">
+              <a:schemeClr val="accent1"/>
+            </a:effectRef>
+            <a:fontRef idx="minor">
+              <a:schemeClr val="lt1"/>
+            </a:fontRef>
+          </p:style>
+          <p:txBody>
+            <a:bodyPr rtlCol="0" anchor="ctr"/>
+            <a:lstStyle/>
+            <a:p>
+              <a:pPr algn="ctr"/>
+              <a:endParaRPr lang="en-GB" sz="1956"/>
+            </a:p>
+          </p:txBody>
+        </p:sp>
+        <p:sp>
+          <p:nvSpPr>
+            <p:cNvPr id="99" name="Rectangle 98"/>
+            <p:cNvSpPr/>
+            <p:nvPr/>
+          </p:nvSpPr>
+          <p:spPr>
+            <a:xfrm>
+              <a:off x="13953687" y="7340799"/>
+              <a:ext cx="358771" cy="280704"/>
+            </a:xfrm>
+            <a:prstGeom prst="rect">
+              <a:avLst/>
+            </a:prstGeom>
+            <a:solidFill>
+              <a:schemeClr val="accent1">
+                <a:lumMod val="60000"/>
+                <a:lumOff val="40000"/>
+                <a:alpha val="30000"/>
+              </a:schemeClr>
+            </a:solidFill>
+            <a:ln>
+              <a:noFill/>
+            </a:ln>
+            <a:effectLst>
+              <a:outerShdw blurRad="50800" dist="38100" dir="8100000" algn="tr" rotWithShape="0">
+                <a:prstClr val="black">
+                  <a:alpha val="40000"/>
+                </a:prstClr>
+              </a:outerShdw>
+            </a:effectLst>
+          </p:spPr>
+          <p:style>
+            <a:lnRef idx="2">
+              <a:schemeClr val="accent1">
+                <a:shade val="50000"/>
+              </a:schemeClr>
+            </a:lnRef>
+            <a:fillRef idx="1">
+              <a:schemeClr val="accent1"/>
+            </a:fillRef>
+            <a:effectRef idx="0">
+              <a:schemeClr val="accent1"/>
+            </a:effectRef>
+            <a:fontRef idx="minor">
+              <a:schemeClr val="lt1"/>
+            </a:fontRef>
+          </p:style>
+          <p:txBody>
+            <a:bodyPr rot="0" spcFirstLastPara="0" vertOverflow="overflow" horzOverflow="overflow" vert="horz" wrap="square" lIns="91440" tIns="45721" rIns="91440" bIns="45721" numCol="1" spcCol="0" rtlCol="0" fromWordArt="0" anchor="t" anchorCtr="0" forceAA="0" compatLnSpc="1">
+              <a:prstTxWarp prst="textNoShape">
+                <a:avLst/>
+              </a:prstTxWarp>
+              <a:noAutofit/>
+            </a:bodyPr>
+            <a:lstStyle/>
+            <a:p>
+              <a:pPr algn="ctr"/>
+              <a:endParaRPr lang="en-GB" sz="2133"/>
+            </a:p>
+          </p:txBody>
+        </p:sp>
+        <p:sp>
+          <p:nvSpPr>
+            <p:cNvPr id="100" name="TextBox 99"/>
+            <p:cNvSpPr txBox="1"/>
+            <p:nvPr/>
+          </p:nvSpPr>
+          <p:spPr>
+            <a:xfrm>
+              <a:off x="14348383" y="5781287"/>
+              <a:ext cx="1436914" cy="369332"/>
+            </a:xfrm>
+            <a:prstGeom prst="rect">
+              <a:avLst/>
+            </a:prstGeom>
+            <a:noFill/>
+          </p:spPr>
+          <p:txBody>
+            <a:bodyPr wrap="square" rtlCol="0" anchor="ctr">
+              <a:spAutoFit/>
+            </a:bodyPr>
+            <a:lstStyle/>
+            <a:p>
+              <a:r>
+                <a:rPr lang="en-US" dirty="0" smtClean="0">
+                  <a:solidFill>
+                    <a:schemeClr val="bg1"/>
+                  </a:solidFill>
+                </a:rPr>
+                <a:t>Application</a:t>
+              </a:r>
+              <a:endParaRPr lang="en-GB" dirty="0">
+                <a:solidFill>
+                  <a:schemeClr val="bg1"/>
+                </a:solidFill>
+              </a:endParaRPr>
+            </a:p>
+          </p:txBody>
+        </p:sp>
+        <p:sp>
+          <p:nvSpPr>
+            <p:cNvPr id="101" name="TextBox 100"/>
+            <p:cNvSpPr txBox="1"/>
+            <p:nvPr/>
+          </p:nvSpPr>
+          <p:spPr>
+            <a:xfrm>
+              <a:off x="14348383" y="7276900"/>
+              <a:ext cx="1436914" cy="369332"/>
+            </a:xfrm>
+            <a:prstGeom prst="rect">
+              <a:avLst/>
+            </a:prstGeom>
+            <a:noFill/>
+          </p:spPr>
+          <p:txBody>
+            <a:bodyPr wrap="square" rtlCol="0" anchor="ctr">
+              <a:spAutoFit/>
+            </a:bodyPr>
+            <a:lstStyle/>
+            <a:p>
+              <a:r>
+                <a:rPr lang="en-US" dirty="0" smtClean="0">
+                  <a:solidFill>
+                    <a:schemeClr val="bg1"/>
+                  </a:solidFill>
+                </a:rPr>
+                <a:t>Module</a:t>
+              </a:r>
+              <a:endParaRPr lang="en-GB" dirty="0">
+                <a:solidFill>
+                  <a:schemeClr val="bg1"/>
+                </a:solidFill>
+              </a:endParaRPr>
+            </a:p>
+          </p:txBody>
+        </p:sp>
+        <p:sp>
+          <p:nvSpPr>
+            <p:cNvPr id="102" name="Rectangle 101"/>
+            <p:cNvSpPr/>
+            <p:nvPr/>
+          </p:nvSpPr>
+          <p:spPr>
+            <a:xfrm>
+              <a:off x="13953687" y="6331827"/>
+              <a:ext cx="358771" cy="280704"/>
+            </a:xfrm>
+            <a:prstGeom prst="rect">
+              <a:avLst/>
+            </a:prstGeom>
+            <a:solidFill>
+              <a:srgbClr val="00B0F0">
+                <a:alpha val="30000"/>
+              </a:srgbClr>
+            </a:solidFill>
+            <a:ln>
+              <a:noFill/>
+            </a:ln>
+            <a:effectLst>
+              <a:outerShdw blurRad="50800" dist="38100" dir="8100000" algn="tr" rotWithShape="0">
+                <a:prstClr val="black">
+                  <a:alpha val="40000"/>
+                </a:prstClr>
+              </a:outerShdw>
+            </a:effectLst>
+          </p:spPr>
+          <p:style>
+            <a:lnRef idx="2">
+              <a:schemeClr val="accent1">
+                <a:shade val="50000"/>
+              </a:schemeClr>
+            </a:lnRef>
+            <a:fillRef idx="1">
+              <a:schemeClr val="accent1"/>
+            </a:fillRef>
+            <a:effectRef idx="0">
+              <a:schemeClr val="accent1"/>
+            </a:effectRef>
+            <a:fontRef idx="minor">
+              <a:schemeClr val="lt1"/>
+            </a:fontRef>
+          </p:style>
+          <p:txBody>
+            <a:bodyPr rot="0" spcFirstLastPara="0" vertOverflow="overflow" horzOverflow="overflow" vert="horz" wrap="square" lIns="91440" tIns="45721" rIns="91440" bIns="45721" numCol="1" spcCol="0" rtlCol="0" fromWordArt="0" anchor="t" anchorCtr="0" forceAA="0" compatLnSpc="1">
+              <a:prstTxWarp prst="textNoShape">
+                <a:avLst/>
+              </a:prstTxWarp>
+              <a:noAutofit/>
+            </a:bodyPr>
+            <a:lstStyle/>
+            <a:p>
+              <a:pPr algn="ctr"/>
+              <a:endParaRPr lang="en-GB" sz="2133"/>
+            </a:p>
+          </p:txBody>
+        </p:sp>
+        <p:sp>
+          <p:nvSpPr>
+            <p:cNvPr id="103" name="TextBox 102"/>
+            <p:cNvSpPr txBox="1"/>
+            <p:nvPr/>
+          </p:nvSpPr>
+          <p:spPr>
+            <a:xfrm>
+              <a:off x="14348383" y="6289769"/>
+              <a:ext cx="1436914" cy="369332"/>
+            </a:xfrm>
+            <a:prstGeom prst="rect">
+              <a:avLst/>
+            </a:prstGeom>
+            <a:noFill/>
+          </p:spPr>
+          <p:txBody>
+            <a:bodyPr wrap="square" rtlCol="0" anchor="ctr">
+              <a:spAutoFit/>
+            </a:bodyPr>
+            <a:lstStyle/>
+            <a:p>
+              <a:r>
+                <a:rPr lang="en-GB" dirty="0" smtClean="0">
+                  <a:solidFill>
+                    <a:schemeClr val="bg1"/>
+                  </a:solidFill>
+                </a:rPr>
+                <a:t>Extension</a:t>
+              </a:r>
+              <a:endParaRPr lang="en-GB" dirty="0">
+                <a:solidFill>
+                  <a:schemeClr val="bg1"/>
+                </a:solidFill>
+              </a:endParaRPr>
+            </a:p>
+          </p:txBody>
+        </p:sp>
+      </p:grpSp>
     </p:spTree>
     <p:extLst>
       <p:ext uri="{BB962C8B-B14F-4D97-AF65-F5344CB8AC3E}">

--- a/images/FeltorStructure.pptx
+++ b/images/FeltorStructure.pptx
@@ -2992,17 +2992,14 @@
         </p:nvSpPr>
         <p:spPr>
           <a:xfrm>
-            <a:off x="-2699337" y="-2038335"/>
-            <a:ext cx="15999573" cy="10453926"/>
+            <a:off x="-2400300" y="-2038335"/>
+            <a:ext cx="15468600" cy="10453926"/>
           </a:xfrm>
           <a:prstGeom prst="rect">
             <a:avLst/>
           </a:prstGeom>
           <a:solidFill>
-            <a:schemeClr val="accent1">
-              <a:lumMod val="40000"/>
-              <a:lumOff val="60000"/>
-            </a:schemeClr>
+            <a:srgbClr val="435269"/>
           </a:solidFill>
           <a:ln>
             <a:noFill/>
@@ -3040,14 +3037,14 @@
       </p:sp>
       <p:sp>
         <p:nvSpPr>
-          <p:cNvPr id="10" name="Rectangle 9"/>
+          <p:cNvPr id="106" name="Rectangle 105"/>
           <p:cNvSpPr/>
           <p:nvPr/>
         </p:nvSpPr>
         <p:spPr>
           <a:xfrm>
-            <a:off x="-2049874" y="-740015"/>
-            <a:ext cx="14773150" cy="1240615"/>
+            <a:off x="-2201073" y="1109551"/>
+            <a:ext cx="15076749" cy="7195145"/>
           </a:xfrm>
           <a:prstGeom prst="rect">
             <a:avLst/>
@@ -3056,7 +3053,7 @@
             <a:schemeClr val="accent1">
               <a:lumMod val="60000"/>
               <a:lumOff val="40000"/>
-              <a:alpha val="30000"/>
+              <a:alpha val="10000"/>
             </a:schemeClr>
           </a:solidFill>
           <a:ln>
@@ -3102,6 +3099,68 @@
       </p:sp>
       <p:sp>
         <p:nvSpPr>
+          <p:cNvPr id="10" name="Rectangle 9"/>
+          <p:cNvSpPr/>
+          <p:nvPr/>
+        </p:nvSpPr>
+        <p:spPr>
+          <a:xfrm>
+            <a:off x="-2049874" y="-740015"/>
+            <a:ext cx="14773150" cy="1240615"/>
+          </a:xfrm>
+          <a:prstGeom prst="rect">
+            <a:avLst/>
+          </a:prstGeom>
+          <a:solidFill>
+            <a:schemeClr val="accent1">
+              <a:lumMod val="60000"/>
+              <a:lumOff val="40000"/>
+              <a:alpha val="20000"/>
+            </a:schemeClr>
+          </a:solidFill>
+          <a:ln>
+            <a:noFill/>
+          </a:ln>
+          <a:effectLst>
+            <a:outerShdw blurRad="50800" dist="38100" dir="8100000" algn="tr" rotWithShape="0">
+              <a:prstClr val="black">
+                <a:alpha val="40000"/>
+              </a:prstClr>
+            </a:outerShdw>
+          </a:effectLst>
+        </p:spPr>
+        <p:style>
+          <a:lnRef idx="2">
+            <a:schemeClr val="accent1">
+              <a:shade val="50000"/>
+            </a:schemeClr>
+          </a:lnRef>
+          <a:fillRef idx="1">
+            <a:schemeClr val="accent1"/>
+          </a:fillRef>
+          <a:effectRef idx="0">
+            <a:schemeClr val="accent1"/>
+          </a:effectRef>
+          <a:fontRef idx="minor">
+            <a:schemeClr val="lt1"/>
+          </a:fontRef>
+        </p:style>
+        <p:txBody>
+          <a:bodyPr rot="0" spcFirstLastPara="0" vertOverflow="overflow" horzOverflow="overflow" vert="horz" wrap="square" lIns="91440" tIns="45721" rIns="91440" bIns="45721" numCol="1" spcCol="0" rtlCol="0" fromWordArt="0" anchor="t" anchorCtr="0" forceAA="0" compatLnSpc="1">
+            <a:prstTxWarp prst="textNoShape">
+              <a:avLst/>
+            </a:prstTxWarp>
+            <a:noAutofit/>
+          </a:bodyPr>
+          <a:lstStyle/>
+          <a:p>
+            <a:pPr algn="ctr"/>
+            <a:endParaRPr lang="en-GB" sz="2133" dirty="0"/>
+          </a:p>
+        </p:txBody>
+      </p:sp>
+      <p:sp>
+        <p:nvSpPr>
           <p:cNvPr id="25" name="Rounded Rectangle 24"/>
           <p:cNvSpPr/>
           <p:nvPr/>
@@ -3116,7 +3175,7 @@
           </a:prstGeom>
           <a:solidFill>
             <a:schemeClr val="accent6">
-              <a:alpha val="60000"/>
+              <a:alpha val="70000"/>
             </a:schemeClr>
           </a:solidFill>
           <a:ln>
@@ -3167,7 +3226,7 @@
           </a:prstGeom>
           <a:solidFill>
             <a:schemeClr val="accent6">
-              <a:alpha val="60000"/>
+              <a:alpha val="70000"/>
             </a:schemeClr>
           </a:solidFill>
           <a:ln>
@@ -3211,7 +3270,7 @@
         </p:nvSpPr>
         <p:spPr>
           <a:xfrm>
-            <a:off x="13782249" y="1855494"/>
+            <a:off x="13401249" y="1855494"/>
             <a:ext cx="1800000" cy="720000"/>
           </a:xfrm>
           <a:prstGeom prst="roundRect">
@@ -3219,7 +3278,7 @@
           </a:prstGeom>
           <a:solidFill>
             <a:schemeClr val="accent6">
-              <a:alpha val="60000"/>
+              <a:alpha val="70000"/>
             </a:schemeClr>
           </a:solidFill>
           <a:ln>
@@ -3263,7 +3322,7 @@
         </p:nvSpPr>
         <p:spPr>
           <a:xfrm>
-            <a:off x="13782249" y="2842250"/>
+            <a:off x="13401249" y="2842250"/>
             <a:ext cx="1800000" cy="720000"/>
           </a:xfrm>
           <a:prstGeom prst="roundRect">
@@ -3271,7 +3330,7 @@
           </a:prstGeom>
           <a:solidFill>
             <a:schemeClr val="accent6">
-              <a:alpha val="60000"/>
+              <a:alpha val="70000"/>
             </a:schemeClr>
           </a:solidFill>
           <a:ln>
@@ -3544,7 +3603,7 @@
           </a:prstGeom>
           <a:solidFill>
             <a:schemeClr val="accent6">
-              <a:alpha val="60000"/>
+              <a:alpha val="70000"/>
             </a:schemeClr>
           </a:solidFill>
           <a:ln>
@@ -3595,7 +3654,7 @@
           </a:prstGeom>
           <a:solidFill>
             <a:schemeClr val="accent6">
-              <a:alpha val="60000"/>
+              <a:alpha val="70000"/>
             </a:schemeClr>
           </a:solidFill>
           <a:ln>
@@ -3646,7 +3705,7 @@
           </a:prstGeom>
           <a:solidFill>
             <a:schemeClr val="accent6">
-              <a:alpha val="60000"/>
+              <a:alpha val="70000"/>
             </a:schemeClr>
           </a:solidFill>
           <a:ln>
@@ -3689,7 +3748,7 @@
         </p:nvSpPr>
         <p:spPr>
           <a:xfrm>
-            <a:off x="-4922073" y="2819644"/>
+            <a:off x="-4483923" y="2819644"/>
             <a:ext cx="1800000" cy="720000"/>
           </a:xfrm>
           <a:prstGeom prst="roundRect">
@@ -3697,7 +3756,7 @@
           </a:prstGeom>
           <a:solidFill>
             <a:schemeClr val="accent6">
-              <a:alpha val="60000"/>
+              <a:alpha val="70000"/>
             </a:schemeClr>
           </a:solidFill>
           <a:ln>
@@ -3741,7 +3800,7 @@
         </p:nvSpPr>
         <p:spPr>
           <a:xfrm>
-            <a:off x="-4922073" y="1855494"/>
+            <a:off x="-4483923" y="1855494"/>
             <a:ext cx="1800000" cy="720000"/>
           </a:xfrm>
           <a:prstGeom prst="roundRect">
@@ -3749,7 +3808,7 @@
           </a:prstGeom>
           <a:solidFill>
             <a:schemeClr val="accent6">
-              <a:alpha val="60000"/>
+              <a:alpha val="70000"/>
             </a:schemeClr>
           </a:solidFill>
           <a:ln>
@@ -3860,11 +3919,6 @@
               </a:rPr>
               <a:t>codes</a:t>
             </a:r>
-            <a:endParaRPr lang="en-GB" sz="2133" b="1" dirty="0">
-              <a:solidFill>
-                <a:prstClr val="white"/>
-              </a:solidFill>
-            </a:endParaRPr>
           </a:p>
         </p:txBody>
       </p:sp>
@@ -4088,11 +4142,6 @@
                   </a:rPr>
                   <a:t>Matrix functions</a:t>
                 </a:r>
-                <a:endParaRPr lang="en-GB" sz="2133" dirty="0">
-                  <a:solidFill>
-                    <a:prstClr val="white"/>
-                  </a:solidFill>
-                </a:endParaRPr>
               </a:p>
             </p:txBody>
           </p:sp>
@@ -4772,7 +4821,6 @@
                   <a:rPr lang="en-GB" sz="1956" dirty="0"/>
                   <a:t>FCI method</a:t>
                 </a:r>
-                <a:endParaRPr lang="en-GB" sz="1956" dirty="0"/>
               </a:p>
             </p:txBody>
           </p:sp>
@@ -4838,7 +4886,6 @@
                     <a:rPr lang="en-GB" sz="1956" dirty="0"/>
                     <a:t>Curvilinear grid generators</a:t>
                   </a:r>
-                  <a:endParaRPr lang="en-GB" sz="1956" dirty="0"/>
                 </a:p>
               </p:txBody>
             </p:sp>
@@ -4890,7 +4937,6 @@
                     <a:rPr lang="en-GB" sz="1956" dirty="0"/>
                     <a:t>Magnetic field representation</a:t>
                   </a:r>
-                  <a:endParaRPr lang="en-GB" sz="1956" dirty="0"/>
                 </a:p>
               </p:txBody>
             </p:sp>
@@ -5079,11 +5125,7 @@
                 </a:r>
                 <a:r>
                   <a:rPr lang="en-GB" sz="1956" dirty="0"/>
-                  <a:t>and </a:t>
-                </a:r>
-                <a:r>
-                  <a:rPr lang="en-GB" sz="1956" dirty="0"/>
-                  <a:t>I</a:t>
+                  <a:t>and I</a:t>
                 </a:r>
                 <a:r>
                   <a:rPr lang="en-GB" sz="1956" dirty="0" smtClean="0"/>
@@ -5983,11 +6025,6 @@
                   </a:rPr>
                   <a:t>Basic Topology and Geometry</a:t>
                 </a:r>
-                <a:endParaRPr lang="en-GB" sz="2133" dirty="0">
-                  <a:solidFill>
-                    <a:prstClr val="white"/>
-                  </a:solidFill>
-                </a:endParaRPr>
               </a:p>
             </p:txBody>
           </p:sp>
@@ -6047,7 +6084,7 @@
           </a:prstGeom>
           <a:solidFill>
             <a:schemeClr val="accent6">
-              <a:alpha val="60000"/>
+              <a:alpha val="70000"/>
             </a:schemeClr>
           </a:solidFill>
           <a:ln>
@@ -6091,7 +6128,7 @@
         </p:nvGrpSpPr>
         <p:grpSpPr>
           <a:xfrm>
-            <a:off x="13779752" y="5858255"/>
+            <a:off x="13360652" y="5858255"/>
             <a:ext cx="2153033" cy="2557336"/>
             <a:chOff x="13865533" y="5723861"/>
             <a:chExt cx="2153033" cy="2557336"/>
@@ -6404,7 +6441,7 @@
               <a:schemeClr val="accent1">
                 <a:lumMod val="60000"/>
                 <a:lumOff val="40000"/>
-                <a:alpha val="30000"/>
+                <a:alpha val="53000"/>
               </a:schemeClr>
             </a:solidFill>
             <a:ln>
@@ -6633,6 +6670,13 @@
   <p:clrMapOvr>
     <a:masterClrMapping/>
   </p:clrMapOvr>
+  <p:timing>
+    <p:tnLst>
+      <p:par>
+        <p:cTn id="1" dur="indefinite" restart="never" nodeType="tmRoot"/>
+      </p:par>
+    </p:tnLst>
+  </p:timing>
 </p:sld>
 </file>
 

--- a/images/FeltorStructure.pptx
+++ b/images/FeltorStructure.pptx
@@ -254,7 +254,7 @@
           <a:p>
             <a:fld id="{957A0BF8-18F9-4EE3-8444-B9D6551ED936}" type="datetimeFigureOut">
               <a:rPr lang="en-GB" smtClean="0"/>
-              <a:t>20/09/2023</a:t>
+              <a:t>25/09/2023</a:t>
             </a:fld>
             <a:endParaRPr lang="en-GB"/>
           </a:p>
@@ -424,7 +424,7 @@
           <a:p>
             <a:fld id="{957A0BF8-18F9-4EE3-8444-B9D6551ED936}" type="datetimeFigureOut">
               <a:rPr lang="en-GB" smtClean="0"/>
-              <a:t>20/09/2023</a:t>
+              <a:t>25/09/2023</a:t>
             </a:fld>
             <a:endParaRPr lang="en-GB"/>
           </a:p>
@@ -604,7 +604,7 @@
           <a:p>
             <a:fld id="{957A0BF8-18F9-4EE3-8444-B9D6551ED936}" type="datetimeFigureOut">
               <a:rPr lang="en-GB" smtClean="0"/>
-              <a:t>20/09/2023</a:t>
+              <a:t>25/09/2023</a:t>
             </a:fld>
             <a:endParaRPr lang="en-GB"/>
           </a:p>
@@ -774,7 +774,7 @@
           <a:p>
             <a:fld id="{957A0BF8-18F9-4EE3-8444-B9D6551ED936}" type="datetimeFigureOut">
               <a:rPr lang="en-GB" smtClean="0"/>
-              <a:t>20/09/2023</a:t>
+              <a:t>25/09/2023</a:t>
             </a:fld>
             <a:endParaRPr lang="en-GB"/>
           </a:p>
@@ -1020,7 +1020,7 @@
           <a:p>
             <a:fld id="{957A0BF8-18F9-4EE3-8444-B9D6551ED936}" type="datetimeFigureOut">
               <a:rPr lang="en-GB" smtClean="0"/>
-              <a:t>20/09/2023</a:t>
+              <a:t>25/09/2023</a:t>
             </a:fld>
             <a:endParaRPr lang="en-GB"/>
           </a:p>
@@ -1252,7 +1252,7 @@
           <a:p>
             <a:fld id="{957A0BF8-18F9-4EE3-8444-B9D6551ED936}" type="datetimeFigureOut">
               <a:rPr lang="en-GB" smtClean="0"/>
-              <a:t>20/09/2023</a:t>
+              <a:t>25/09/2023</a:t>
             </a:fld>
             <a:endParaRPr lang="en-GB"/>
           </a:p>
@@ -1619,7 +1619,7 @@
           <a:p>
             <a:fld id="{957A0BF8-18F9-4EE3-8444-B9D6551ED936}" type="datetimeFigureOut">
               <a:rPr lang="en-GB" smtClean="0"/>
-              <a:t>20/09/2023</a:t>
+              <a:t>25/09/2023</a:t>
             </a:fld>
             <a:endParaRPr lang="en-GB"/>
           </a:p>
@@ -1737,7 +1737,7 @@
           <a:p>
             <a:fld id="{957A0BF8-18F9-4EE3-8444-B9D6551ED936}" type="datetimeFigureOut">
               <a:rPr lang="en-GB" smtClean="0"/>
-              <a:t>20/09/2023</a:t>
+              <a:t>25/09/2023</a:t>
             </a:fld>
             <a:endParaRPr lang="en-GB"/>
           </a:p>
@@ -1832,7 +1832,7 @@
           <a:p>
             <a:fld id="{957A0BF8-18F9-4EE3-8444-B9D6551ED936}" type="datetimeFigureOut">
               <a:rPr lang="en-GB" smtClean="0"/>
-              <a:t>20/09/2023</a:t>
+              <a:t>25/09/2023</a:t>
             </a:fld>
             <a:endParaRPr lang="en-GB"/>
           </a:p>
@@ -2109,7 +2109,7 @@
           <a:p>
             <a:fld id="{957A0BF8-18F9-4EE3-8444-B9D6551ED936}" type="datetimeFigureOut">
               <a:rPr lang="en-GB" smtClean="0"/>
-              <a:t>20/09/2023</a:t>
+              <a:t>25/09/2023</a:t>
             </a:fld>
             <a:endParaRPr lang="en-GB"/>
           </a:p>
@@ -2366,7 +2366,7 @@
           <a:p>
             <a:fld id="{957A0BF8-18F9-4EE3-8444-B9D6551ED936}" type="datetimeFigureOut">
               <a:rPr lang="en-GB" smtClean="0"/>
-              <a:t>20/09/2023</a:t>
+              <a:t>25/09/2023</a:t>
             </a:fld>
             <a:endParaRPr lang="en-GB"/>
           </a:p>
@@ -2579,7 +2579,7 @@
           <a:p>
             <a:fld id="{957A0BF8-18F9-4EE3-8444-B9D6551ED936}" type="datetimeFigureOut">
               <a:rPr lang="en-GB" smtClean="0"/>
-              <a:t>20/09/2023</a:t>
+              <a:t>25/09/2023</a:t>
             </a:fld>
             <a:endParaRPr lang="en-GB"/>
           </a:p>
@@ -3004,6 +3004,13 @@
           <a:ln>
             <a:noFill/>
           </a:ln>
+          <a:effectLst>
+            <a:outerShdw blurRad="50800" dist="38100" dir="8100000" algn="tr" rotWithShape="0">
+              <a:prstClr val="black">
+                <a:alpha val="40000"/>
+              </a:prstClr>
+            </a:outerShdw>
+          </a:effectLst>
         </p:spPr>
         <p:style>
           <a:lnRef idx="2">
@@ -3181,6 +3188,13 @@
           <a:ln>
             <a:noFill/>
           </a:ln>
+          <a:effectLst>
+            <a:outerShdw blurRad="50800" dist="38100" dir="8100000" algn="tr" rotWithShape="0">
+              <a:prstClr val="black">
+                <a:alpha val="40000"/>
+              </a:prstClr>
+            </a:outerShdw>
+          </a:effectLst>
         </p:spPr>
         <p:style>
           <a:lnRef idx="2">
@@ -3232,6 +3246,13 @@
           <a:ln>
             <a:noFill/>
           </a:ln>
+          <a:effectLst>
+            <a:outerShdw blurRad="50800" dist="38100" dir="8100000" algn="tr" rotWithShape="0">
+              <a:prstClr val="black">
+                <a:alpha val="40000"/>
+              </a:prstClr>
+            </a:outerShdw>
+          </a:effectLst>
         </p:spPr>
         <p:style>
           <a:lnRef idx="2">
@@ -3284,6 +3305,13 @@
           <a:ln>
             <a:noFill/>
           </a:ln>
+          <a:effectLst>
+            <a:outerShdw blurRad="50800" dist="38100" dir="8100000" algn="tr" rotWithShape="0">
+              <a:prstClr val="black">
+                <a:alpha val="40000"/>
+              </a:prstClr>
+            </a:outerShdw>
+          </a:effectLst>
         </p:spPr>
         <p:style>
           <a:lnRef idx="2">
@@ -3336,6 +3364,13 @@
           <a:ln>
             <a:noFill/>
           </a:ln>
+          <a:effectLst>
+            <a:outerShdw blurRad="50800" dist="38100" dir="8100000" algn="tr" rotWithShape="0">
+              <a:prstClr val="black">
+                <a:alpha val="40000"/>
+              </a:prstClr>
+            </a:outerShdw>
+          </a:effectLst>
         </p:spPr>
         <p:style>
           <a:lnRef idx="2">
@@ -3402,6 +3437,13 @@
             <a:ln>
               <a:noFill/>
             </a:ln>
+            <a:effectLst>
+              <a:outerShdw blurRad="50800" dist="38100" dir="8100000" algn="tr" rotWithShape="0">
+                <a:prstClr val="black">
+                  <a:alpha val="40000"/>
+                </a:prstClr>
+              </a:outerShdw>
+            </a:effectLst>
           </p:spPr>
           <p:style>
             <a:lnRef idx="2">
@@ -3454,6 +3496,13 @@
             <a:ln>
               <a:noFill/>
             </a:ln>
+            <a:effectLst>
+              <a:outerShdw blurRad="50800" dist="38100" dir="8100000" algn="tr" rotWithShape="0">
+                <a:prstClr val="black">
+                  <a:alpha val="40000"/>
+                </a:prstClr>
+              </a:outerShdw>
+            </a:effectLst>
           </p:spPr>
           <p:style>
             <a:lnRef idx="2">
@@ -3506,6 +3555,13 @@
             <a:ln>
               <a:noFill/>
             </a:ln>
+            <a:effectLst>
+              <a:outerShdw blurRad="50800" dist="38100" dir="8100000" algn="tr" rotWithShape="0">
+                <a:prstClr val="black">
+                  <a:alpha val="40000"/>
+                </a:prstClr>
+              </a:outerShdw>
+            </a:effectLst>
           </p:spPr>
           <p:style>
             <a:lnRef idx="2">
@@ -3557,6 +3613,13 @@
             <a:ln>
               <a:noFill/>
             </a:ln>
+            <a:effectLst>
+              <a:outerShdw blurRad="50800" dist="38100" dir="8100000" algn="tr" rotWithShape="0">
+                <a:prstClr val="black">
+                  <a:alpha val="40000"/>
+                </a:prstClr>
+              </a:outerShdw>
+            </a:effectLst>
           </p:spPr>
           <p:style>
             <a:lnRef idx="2">
@@ -3609,6 +3672,13 @@
           <a:ln>
             <a:noFill/>
           </a:ln>
+          <a:effectLst>
+            <a:outerShdw blurRad="50800" dist="38100" dir="8100000" algn="tr" rotWithShape="0">
+              <a:prstClr val="black">
+                <a:alpha val="40000"/>
+              </a:prstClr>
+            </a:outerShdw>
+          </a:effectLst>
         </p:spPr>
         <p:style>
           <a:lnRef idx="2">
@@ -3660,6 +3730,13 @@
           <a:ln>
             <a:noFill/>
           </a:ln>
+          <a:effectLst>
+            <a:outerShdw blurRad="50800" dist="38100" dir="8100000" algn="tr" rotWithShape="0">
+              <a:prstClr val="black">
+                <a:alpha val="40000"/>
+              </a:prstClr>
+            </a:outerShdw>
+          </a:effectLst>
         </p:spPr>
         <p:style>
           <a:lnRef idx="2">
@@ -3711,6 +3788,13 @@
           <a:ln>
             <a:noFill/>
           </a:ln>
+          <a:effectLst>
+            <a:outerShdw blurRad="50800" dist="38100" dir="8100000" algn="tr" rotWithShape="0">
+              <a:prstClr val="black">
+                <a:alpha val="40000"/>
+              </a:prstClr>
+            </a:outerShdw>
+          </a:effectLst>
         </p:spPr>
         <p:style>
           <a:lnRef idx="2">
@@ -3762,6 +3846,13 @@
           <a:ln>
             <a:noFill/>
           </a:ln>
+          <a:effectLst>
+            <a:outerShdw blurRad="50800" dist="38100" dir="8100000" algn="tr" rotWithShape="0">
+              <a:prstClr val="black">
+                <a:alpha val="40000"/>
+              </a:prstClr>
+            </a:outerShdw>
+          </a:effectLst>
         </p:spPr>
         <p:style>
           <a:lnRef idx="2">
@@ -3814,6 +3905,13 @@
           <a:ln>
             <a:noFill/>
           </a:ln>
+          <a:effectLst>
+            <a:outerShdw blurRad="50800" dist="38100" dir="8100000" algn="tr" rotWithShape="0">
+              <a:prstClr val="black">
+                <a:alpha val="40000"/>
+              </a:prstClr>
+            </a:outerShdw>
+          </a:effectLst>
         </p:spPr>
         <p:style>
           <a:lnRef idx="2">
@@ -4032,6 +4130,13 @@
               <a:ln>
                 <a:noFill/>
               </a:ln>
+              <a:effectLst>
+                <a:outerShdw blurRad="50800" dist="38100" dir="8100000" algn="tr" rotWithShape="0">
+                  <a:prstClr val="black">
+                    <a:alpha val="40000"/>
+                  </a:prstClr>
+                </a:outerShdw>
+              </a:effectLst>
             </p:spPr>
             <p:style>
               <a:lnRef idx="2">
@@ -4083,6 +4188,13 @@
               <a:ln>
                 <a:noFill/>
               </a:ln>
+              <a:effectLst>
+                <a:outerShdw blurRad="50800" dist="38100" dir="8100000" algn="tr" rotWithShape="0">
+                  <a:prstClr val="black">
+                    <a:alpha val="40000"/>
+                  </a:prstClr>
+                </a:outerShdw>
+              </a:effectLst>
             </p:spPr>
             <p:style>
               <a:lnRef idx="2">
@@ -4244,6 +4356,13 @@
               <a:ln>
                 <a:noFill/>
               </a:ln>
+              <a:effectLst>
+                <a:outerShdw blurRad="50800" dist="38100" dir="8100000" algn="tr" rotWithShape="0">
+                  <a:prstClr val="black">
+                    <a:alpha val="40000"/>
+                  </a:prstClr>
+                </a:outerShdw>
+              </a:effectLst>
             </p:spPr>
             <p:style>
               <a:lnRef idx="2">
@@ -4309,6 +4428,13 @@
                 <a:ln>
                   <a:noFill/>
                 </a:ln>
+                <a:effectLst>
+                  <a:outerShdw blurRad="50800" dist="38100" dir="8100000" algn="tr" rotWithShape="0">
+                    <a:prstClr val="black">
+                      <a:alpha val="40000"/>
+                    </a:prstClr>
+                  </a:outerShdw>
+                </a:effectLst>
               </p:spPr>
               <p:style>
                 <a:lnRef idx="2">
@@ -4360,6 +4486,13 @@
                 <a:ln>
                   <a:noFill/>
                 </a:ln>
+                <a:effectLst>
+                  <a:outerShdw blurRad="50800" dist="38100" dir="8100000" algn="tr" rotWithShape="0">
+                    <a:prstClr val="black">
+                      <a:alpha val="40000"/>
+                    </a:prstClr>
+                  </a:outerShdw>
+                </a:effectLst>
               </p:spPr>
               <p:style>
                 <a:lnRef idx="2">
@@ -4541,6 +4674,13 @@
               <a:ln>
                 <a:noFill/>
               </a:ln>
+              <a:effectLst>
+                <a:outerShdw blurRad="50800" dist="38100" dir="8100000" algn="tr" rotWithShape="0">
+                  <a:prstClr val="black">
+                    <a:alpha val="40000"/>
+                  </a:prstClr>
+                </a:outerShdw>
+              </a:effectLst>
             </p:spPr>
             <p:style>
               <a:lnRef idx="2">
@@ -4612,6 +4752,13 @@
               <a:ln>
                 <a:noFill/>
               </a:ln>
+              <a:effectLst>
+                <a:outerShdw blurRad="50800" dist="38100" dir="8100000" algn="tr" rotWithShape="0">
+                  <a:prstClr val="black">
+                    <a:alpha val="40000"/>
+                  </a:prstClr>
+                </a:outerShdw>
+              </a:effectLst>
             </p:spPr>
             <p:style>
               <a:lnRef idx="2">
@@ -4795,6 +4942,13 @@
               <a:ln>
                 <a:noFill/>
               </a:ln>
+              <a:effectLst>
+                <a:outerShdw blurRad="50800" dist="38100" dir="8100000" algn="tr" rotWithShape="0">
+                  <a:prstClr val="black">
+                    <a:alpha val="40000"/>
+                  </a:prstClr>
+                </a:outerShdw>
+              </a:effectLst>
             </p:spPr>
             <p:style>
               <a:lnRef idx="2">
@@ -4860,6 +5014,13 @@
                 <a:ln>
                   <a:noFill/>
                 </a:ln>
+                <a:effectLst>
+                  <a:outerShdw blurRad="50800" dist="38100" dir="8100000" algn="tr" rotWithShape="0">
+                    <a:prstClr val="black">
+                      <a:alpha val="40000"/>
+                    </a:prstClr>
+                  </a:outerShdw>
+                </a:effectLst>
               </p:spPr>
               <p:style>
                 <a:lnRef idx="2">
@@ -4911,6 +5072,13 @@
                 <a:ln>
                   <a:noFill/>
                 </a:ln>
+                <a:effectLst>
+                  <a:outerShdw blurRad="50800" dist="38100" dir="8100000" algn="tr" rotWithShape="0">
+                    <a:prstClr val="black">
+                      <a:alpha val="40000"/>
+                    </a:prstClr>
+                  </a:outerShdw>
+                </a:effectLst>
               </p:spPr>
               <p:style>
                 <a:lnRef idx="2">
@@ -5093,6 +5261,13 @@
               <a:ln>
                 <a:noFill/>
               </a:ln>
+              <a:effectLst>
+                <a:outerShdw blurRad="50800" dist="38100" dir="8100000" algn="tr" rotWithShape="0">
+                  <a:prstClr val="black">
+                    <a:alpha val="40000"/>
+                  </a:prstClr>
+                </a:outerShdw>
+              </a:effectLst>
             </p:spPr>
             <p:style>
               <a:lnRef idx="2">
@@ -5160,6 +5335,13 @@
               <a:ln>
                 <a:noFill/>
               </a:ln>
+              <a:effectLst>
+                <a:outerShdw blurRad="50800" dist="38100" dir="8100000" algn="tr" rotWithShape="0">
+                  <a:prstClr val="black">
+                    <a:alpha val="40000"/>
+                  </a:prstClr>
+                </a:outerShdw>
+              </a:effectLst>
             </p:spPr>
             <p:style>
               <a:lnRef idx="2">
@@ -5357,6 +5539,13 @@
               <a:ln>
                 <a:noFill/>
               </a:ln>
+              <a:effectLst>
+                <a:outerShdw blurRad="50800" dist="38100" dir="8100000" algn="tr" rotWithShape="0">
+                  <a:prstClr val="black">
+                    <a:alpha val="40000"/>
+                  </a:prstClr>
+                </a:outerShdw>
+              </a:effectLst>
             </p:spPr>
             <p:style>
               <a:lnRef idx="2">
@@ -5438,6 +5627,13 @@
                   <a:ln>
                     <a:noFill/>
                   </a:ln>
+                  <a:effectLst>
+                    <a:outerShdw blurRad="50800" dist="38100" dir="8100000" algn="tr" rotWithShape="0">
+                      <a:prstClr val="black">
+                        <a:alpha val="40000"/>
+                      </a:prstClr>
+                    </a:outerShdw>
+                  </a:effectLst>
                 </p:spPr>
                 <p:style>
                   <a:lnRef idx="2">
@@ -5489,6 +5685,13 @@
                   <a:ln>
                     <a:noFill/>
                   </a:ln>
+                  <a:effectLst>
+                    <a:outerShdw blurRad="50800" dist="38100" dir="8100000" algn="tr" rotWithShape="0">
+                      <a:prstClr val="black">
+                        <a:alpha val="40000"/>
+                      </a:prstClr>
+                    </a:outerShdw>
+                  </a:effectLst>
                 </p:spPr>
                 <p:style>
                   <a:lnRef idx="2">
@@ -5540,6 +5743,13 @@
                   <a:ln>
                     <a:noFill/>
                   </a:ln>
+                  <a:effectLst>
+                    <a:outerShdw blurRad="50800" dist="38100" dir="8100000" algn="tr" rotWithShape="0">
+                      <a:prstClr val="black">
+                        <a:alpha val="40000"/>
+                      </a:prstClr>
+                    </a:outerShdw>
+                  </a:effectLst>
                 </p:spPr>
                 <p:style>
                   <a:lnRef idx="2">
@@ -5592,6 +5802,13 @@
                 <a:ln>
                   <a:noFill/>
                 </a:ln>
+                <a:effectLst>
+                  <a:outerShdw blurRad="50800" dist="38100" dir="8100000" algn="tr" rotWithShape="0">
+                    <a:prstClr val="black">
+                      <a:alpha val="40000"/>
+                    </a:prstClr>
+                  </a:outerShdw>
+                </a:effectLst>
               </p:spPr>
               <p:style>
                 <a:lnRef idx="2">
@@ -5792,6 +6009,13 @@
                 <a:ln>
                   <a:noFill/>
                 </a:ln>
+                <a:effectLst>
+                  <a:outerShdw blurRad="50800" dist="38100" dir="8100000" algn="tr" rotWithShape="0">
+                    <a:prstClr val="black">
+                      <a:alpha val="40000"/>
+                    </a:prstClr>
+                  </a:outerShdw>
+                </a:effectLst>
               </p:spPr>
               <p:style>
                 <a:lnRef idx="2">
@@ -5863,6 +6087,13 @@
                 <a:ln>
                   <a:noFill/>
                 </a:ln>
+                <a:effectLst>
+                  <a:outerShdw blurRad="50800" dist="38100" dir="8100000" algn="tr" rotWithShape="0">
+                    <a:prstClr val="black">
+                      <a:alpha val="40000"/>
+                    </a:prstClr>
+                  </a:outerShdw>
+                </a:effectLst>
               </p:spPr>
               <p:style>
                 <a:lnRef idx="2">
@@ -5914,6 +6145,13 @@
                 <a:ln>
                   <a:noFill/>
                 </a:ln>
+                <a:effectLst>
+                  <a:outerShdw blurRad="50800" dist="38100" dir="8100000" algn="tr" rotWithShape="0">
+                    <a:prstClr val="black">
+                      <a:alpha val="40000"/>
+                    </a:prstClr>
+                  </a:outerShdw>
+                </a:effectLst>
               </p:spPr>
               <p:style>
                 <a:lnRef idx="2">
@@ -5965,6 +6203,13 @@
                 <a:ln>
                   <a:noFill/>
                 </a:ln>
+                <a:effectLst>
+                  <a:outerShdw blurRad="50800" dist="38100" dir="8100000" algn="tr" rotWithShape="0">
+                    <a:prstClr val="black">
+                      <a:alpha val="40000"/>
+                    </a:prstClr>
+                  </a:outerShdw>
+                </a:effectLst>
               </p:spPr>
               <p:style>
                 <a:lnRef idx="2">
@@ -6090,6 +6335,13 @@
           <a:ln>
             <a:noFill/>
           </a:ln>
+          <a:effectLst>
+            <a:outerShdw blurRad="50800" dist="38100" dir="8100000" algn="tr" rotWithShape="0">
+              <a:prstClr val="black">
+                <a:alpha val="40000"/>
+              </a:prstClr>
+            </a:outerShdw>
+          </a:effectLst>
         </p:spPr>
         <p:style>
           <a:lnRef idx="2">
@@ -6113,8 +6365,8 @@
           <a:p>
             <a:pPr algn="ctr"/>
             <a:r>
-              <a:rPr lang="en-GB" sz="1956" dirty="0" smtClean="0"/>
-              <a:t>VCL</a:t>
+              <a:rPr lang="en-GB" sz="1956" dirty="0" err="1" smtClean="0"/>
+              <a:t>vcl</a:t>
             </a:r>
             <a:endParaRPr lang="en-GB" sz="1956" dirty="0"/>
           </a:p>
@@ -6133,6 +6385,13 @@
             <a:chOff x="13865533" y="5723861"/>
             <a:chExt cx="2153033" cy="2557336"/>
           </a:xfrm>
+          <a:effectLst>
+            <a:outerShdw blurRad="50800" dist="38100" dir="8100000" algn="tr" rotWithShape="0">
+              <a:prstClr val="black">
+                <a:alpha val="40000"/>
+              </a:prstClr>
+            </a:outerShdw>
+          </a:effectLst>
         </p:grpSpPr>
         <p:sp>
           <p:nvSpPr>
@@ -6149,10 +6408,9 @@
               <a:avLst/>
             </a:prstGeom>
             <a:solidFill>
-              <a:schemeClr val="tx1">
-                <a:lumMod val="50000"/>
-                <a:lumOff val="50000"/>
-                <a:alpha val="30000"/>
+              <a:schemeClr val="bg2">
+                <a:lumMod val="25000"/>
+                <a:alpha val="90000"/>
               </a:schemeClr>
             </a:solidFill>
             <a:ln>
@@ -6397,6 +6655,13 @@
             <a:ln>
               <a:noFill/>
             </a:ln>
+            <a:effectLst>
+              <a:outerShdw blurRad="50800" dist="38100" dir="8100000" algn="tr" rotWithShape="0">
+                <a:prstClr val="black">
+                  <a:alpha val="40000"/>
+                </a:prstClr>
+              </a:outerShdw>
+            </a:effectLst>
           </p:spPr>
           <p:style>
             <a:lnRef idx="2">
@@ -6577,7 +6842,7 @@
             </a:prstGeom>
             <a:solidFill>
               <a:srgbClr val="00B0F0">
-                <a:alpha val="30000"/>
+                <a:alpha val="48000"/>
               </a:srgbClr>
             </a:solidFill>
             <a:ln>

--- a/images/FeltorStructure.pptx
+++ b/images/FeltorStructure.pptx
@@ -254,7 +254,7 @@
           <a:p>
             <a:fld id="{957A0BF8-18F9-4EE3-8444-B9D6551ED936}" type="datetimeFigureOut">
               <a:rPr lang="en-GB" smtClean="0"/>
-              <a:t>25/09/2023</a:t>
+              <a:t>26/09/2023</a:t>
             </a:fld>
             <a:endParaRPr lang="en-GB"/>
           </a:p>
@@ -424,7 +424,7 @@
           <a:p>
             <a:fld id="{957A0BF8-18F9-4EE3-8444-B9D6551ED936}" type="datetimeFigureOut">
               <a:rPr lang="en-GB" smtClean="0"/>
-              <a:t>25/09/2023</a:t>
+              <a:t>26/09/2023</a:t>
             </a:fld>
             <a:endParaRPr lang="en-GB"/>
           </a:p>
@@ -604,7 +604,7 @@
           <a:p>
             <a:fld id="{957A0BF8-18F9-4EE3-8444-B9D6551ED936}" type="datetimeFigureOut">
               <a:rPr lang="en-GB" smtClean="0"/>
-              <a:t>25/09/2023</a:t>
+              <a:t>26/09/2023</a:t>
             </a:fld>
             <a:endParaRPr lang="en-GB"/>
           </a:p>
@@ -774,7 +774,7 @@
           <a:p>
             <a:fld id="{957A0BF8-18F9-4EE3-8444-B9D6551ED936}" type="datetimeFigureOut">
               <a:rPr lang="en-GB" smtClean="0"/>
-              <a:t>25/09/2023</a:t>
+              <a:t>26/09/2023</a:t>
             </a:fld>
             <a:endParaRPr lang="en-GB"/>
           </a:p>
@@ -1020,7 +1020,7 @@
           <a:p>
             <a:fld id="{957A0BF8-18F9-4EE3-8444-B9D6551ED936}" type="datetimeFigureOut">
               <a:rPr lang="en-GB" smtClean="0"/>
-              <a:t>25/09/2023</a:t>
+              <a:t>26/09/2023</a:t>
             </a:fld>
             <a:endParaRPr lang="en-GB"/>
           </a:p>
@@ -1252,7 +1252,7 @@
           <a:p>
             <a:fld id="{957A0BF8-18F9-4EE3-8444-B9D6551ED936}" type="datetimeFigureOut">
               <a:rPr lang="en-GB" smtClean="0"/>
-              <a:t>25/09/2023</a:t>
+              <a:t>26/09/2023</a:t>
             </a:fld>
             <a:endParaRPr lang="en-GB"/>
           </a:p>
@@ -1619,7 +1619,7 @@
           <a:p>
             <a:fld id="{957A0BF8-18F9-4EE3-8444-B9D6551ED936}" type="datetimeFigureOut">
               <a:rPr lang="en-GB" smtClean="0"/>
-              <a:t>25/09/2023</a:t>
+              <a:t>26/09/2023</a:t>
             </a:fld>
             <a:endParaRPr lang="en-GB"/>
           </a:p>
@@ -1737,7 +1737,7 @@
           <a:p>
             <a:fld id="{957A0BF8-18F9-4EE3-8444-B9D6551ED936}" type="datetimeFigureOut">
               <a:rPr lang="en-GB" smtClean="0"/>
-              <a:t>25/09/2023</a:t>
+              <a:t>26/09/2023</a:t>
             </a:fld>
             <a:endParaRPr lang="en-GB"/>
           </a:p>
@@ -1832,7 +1832,7 @@
           <a:p>
             <a:fld id="{957A0BF8-18F9-4EE3-8444-B9D6551ED936}" type="datetimeFigureOut">
               <a:rPr lang="en-GB" smtClean="0"/>
-              <a:t>25/09/2023</a:t>
+              <a:t>26/09/2023</a:t>
             </a:fld>
             <a:endParaRPr lang="en-GB"/>
           </a:p>
@@ -2109,7 +2109,7 @@
           <a:p>
             <a:fld id="{957A0BF8-18F9-4EE3-8444-B9D6551ED936}" type="datetimeFigureOut">
               <a:rPr lang="en-GB" smtClean="0"/>
-              <a:t>25/09/2023</a:t>
+              <a:t>26/09/2023</a:t>
             </a:fld>
             <a:endParaRPr lang="en-GB"/>
           </a:p>
@@ -2366,7 +2366,7 @@
           <a:p>
             <a:fld id="{957A0BF8-18F9-4EE3-8444-B9D6551ED936}" type="datetimeFigureOut">
               <a:rPr lang="en-GB" smtClean="0"/>
-              <a:t>25/09/2023</a:t>
+              <a:t>26/09/2023</a:t>
             </a:fld>
             <a:endParaRPr lang="en-GB"/>
           </a:p>
@@ -2579,7 +2579,7 @@
           <a:p>
             <a:fld id="{957A0BF8-18F9-4EE3-8444-B9D6551ED936}" type="datetimeFigureOut">
               <a:rPr lang="en-GB" smtClean="0"/>
-              <a:t>25/09/2023</a:t>
+              <a:t>26/09/2023</a:t>
             </a:fld>
             <a:endParaRPr lang="en-GB"/>
           </a:p>
@@ -4020,1169 +4020,1417 @@
           </a:p>
         </p:txBody>
       </p:sp>
+      <p:sp>
+        <p:nvSpPr>
+          <p:cNvPr id="54" name="Rectangle 53"/>
+          <p:cNvSpPr/>
+          <p:nvPr/>
+        </p:nvSpPr>
+        <p:spPr>
+          <a:xfrm>
+            <a:off x="-2049874" y="1176616"/>
+            <a:ext cx="2301076" cy="2686658"/>
+          </a:xfrm>
+          <a:prstGeom prst="rect">
+            <a:avLst/>
+          </a:prstGeom>
+          <a:solidFill>
+            <a:srgbClr val="00B0F0">
+              <a:alpha val="20000"/>
+            </a:srgbClr>
+          </a:solidFill>
+          <a:ln>
+            <a:noFill/>
+          </a:ln>
+          <a:effectLst>
+            <a:outerShdw blurRad="50800" dist="38100" dir="8100000" algn="tr" rotWithShape="0">
+              <a:prstClr val="black">
+                <a:alpha val="40000"/>
+              </a:prstClr>
+            </a:outerShdw>
+          </a:effectLst>
+        </p:spPr>
+        <p:style>
+          <a:lnRef idx="2">
+            <a:schemeClr val="accent1">
+              <a:shade val="50000"/>
+            </a:schemeClr>
+          </a:lnRef>
+          <a:fillRef idx="1">
+            <a:schemeClr val="accent1"/>
+          </a:fillRef>
+          <a:effectRef idx="0">
+            <a:schemeClr val="accent1"/>
+          </a:effectRef>
+          <a:fontRef idx="minor">
+            <a:schemeClr val="lt1"/>
+          </a:fontRef>
+        </p:style>
+        <p:txBody>
+          <a:bodyPr rot="0" spcFirstLastPara="0" vertOverflow="overflow" horzOverflow="overflow" vert="horz" wrap="square" lIns="91440" tIns="45721" rIns="91440" bIns="45721" numCol="1" spcCol="0" rtlCol="0" fromWordArt="0" anchor="t" anchorCtr="0" forceAA="0" compatLnSpc="1">
+            <a:prstTxWarp prst="textNoShape">
+              <a:avLst/>
+            </a:prstTxWarp>
+            <a:noAutofit/>
+          </a:bodyPr>
+          <a:lstStyle/>
+          <a:p>
+            <a:pPr algn="ctr"/>
+            <a:endParaRPr lang="en-GB" sz="2133" dirty="0"/>
+          </a:p>
+        </p:txBody>
+      </p:sp>
+      <p:sp>
+        <p:nvSpPr>
+          <p:cNvPr id="56" name="Rounded Rectangle 55"/>
+          <p:cNvSpPr/>
+          <p:nvPr/>
+        </p:nvSpPr>
+        <p:spPr>
+          <a:xfrm>
+            <a:off x="-1801191" y="1863074"/>
+            <a:ext cx="1800000" cy="720000"/>
+          </a:xfrm>
+          <a:prstGeom prst="roundRect">
+            <a:avLst/>
+          </a:prstGeom>
+          <a:solidFill>
+            <a:schemeClr val="accent1">
+              <a:lumMod val="50000"/>
+            </a:schemeClr>
+          </a:solidFill>
+          <a:ln>
+            <a:noFill/>
+          </a:ln>
+          <a:effectLst>
+            <a:outerShdw blurRad="50800" dist="38100" dir="8100000" algn="tr" rotWithShape="0">
+              <a:prstClr val="black">
+                <a:alpha val="40000"/>
+              </a:prstClr>
+            </a:outerShdw>
+          </a:effectLst>
+        </p:spPr>
+        <p:style>
+          <a:lnRef idx="2">
+            <a:schemeClr val="accent1">
+              <a:shade val="50000"/>
+            </a:schemeClr>
+          </a:lnRef>
+          <a:fillRef idx="1">
+            <a:schemeClr val="accent1"/>
+          </a:fillRef>
+          <a:effectRef idx="0">
+            <a:schemeClr val="accent1"/>
+          </a:effectRef>
+          <a:fontRef idx="minor">
+            <a:schemeClr val="lt1"/>
+          </a:fontRef>
+        </p:style>
+        <p:txBody>
+          <a:bodyPr rtlCol="0" anchor="ctr"/>
+          <a:lstStyle/>
+          <a:p>
+            <a:pPr algn="ctr"/>
+            <a:r>
+              <a:rPr lang="en-GB" sz="1956" dirty="0"/>
+              <a:t>Exponential integrators</a:t>
+            </a:r>
+          </a:p>
+        </p:txBody>
+      </p:sp>
+      <p:sp>
+        <p:nvSpPr>
+          <p:cNvPr id="57" name="Rounded Rectangle 56"/>
+          <p:cNvSpPr/>
+          <p:nvPr/>
+        </p:nvSpPr>
+        <p:spPr>
+          <a:xfrm>
+            <a:off x="-1801191" y="2847924"/>
+            <a:ext cx="1800000" cy="720000"/>
+          </a:xfrm>
+          <a:prstGeom prst="roundRect">
+            <a:avLst/>
+          </a:prstGeom>
+          <a:solidFill>
+            <a:schemeClr val="accent1">
+              <a:lumMod val="50000"/>
+            </a:schemeClr>
+          </a:solidFill>
+          <a:ln>
+            <a:noFill/>
+          </a:ln>
+          <a:effectLst>
+            <a:outerShdw blurRad="50800" dist="38100" dir="8100000" algn="tr" rotWithShape="0">
+              <a:prstClr val="black">
+                <a:alpha val="40000"/>
+              </a:prstClr>
+            </a:outerShdw>
+          </a:effectLst>
+        </p:spPr>
+        <p:style>
+          <a:lnRef idx="2">
+            <a:schemeClr val="accent1">
+              <a:shade val="50000"/>
+            </a:schemeClr>
+          </a:lnRef>
+          <a:fillRef idx="1">
+            <a:schemeClr val="accent1"/>
+          </a:fillRef>
+          <a:effectRef idx="0">
+            <a:schemeClr val="accent1"/>
+          </a:effectRef>
+          <a:fontRef idx="minor">
+            <a:schemeClr val="lt1"/>
+          </a:fontRef>
+        </p:style>
+        <p:txBody>
+          <a:bodyPr rtlCol="0" anchor="ctr"/>
+          <a:lstStyle/>
+          <a:p>
+            <a:pPr algn="ctr"/>
+            <a:r>
+              <a:rPr lang="en-GB" sz="1956" dirty="0"/>
+              <a:t>Matrix functions</a:t>
+            </a:r>
+          </a:p>
+        </p:txBody>
+      </p:sp>
+      <p:sp>
+        <p:nvSpPr>
+          <p:cNvPr id="16" name="Rectangle 15"/>
+          <p:cNvSpPr/>
+          <p:nvPr/>
+        </p:nvSpPr>
+        <p:spPr>
+          <a:xfrm>
+            <a:off x="-1904104" y="1348435"/>
+            <a:ext cx="2014334" cy="420564"/>
+          </a:xfrm>
+          <a:prstGeom prst="rect">
+            <a:avLst/>
+          </a:prstGeom>
+        </p:spPr>
+        <p:txBody>
+          <a:bodyPr wrap="none">
+            <a:spAutoFit/>
+          </a:bodyPr>
+          <a:lstStyle/>
+          <a:p>
+            <a:pPr lvl="0" algn="ctr"/>
+            <a:r>
+              <a:rPr lang="en-GB" sz="2133" dirty="0">
+                <a:solidFill>
+                  <a:prstClr val="white"/>
+                </a:solidFill>
+              </a:rPr>
+              <a:t>Matrix functions</a:t>
+            </a:r>
+          </a:p>
+        </p:txBody>
+      </p:sp>
+      <p:sp>
+        <p:nvSpPr>
+          <p:cNvPr id="9" name="Rectangle 8"/>
+          <p:cNvSpPr/>
+          <p:nvPr/>
+        </p:nvSpPr>
+        <p:spPr>
+          <a:xfrm>
+            <a:off x="353899" y="1173963"/>
+            <a:ext cx="4946551" cy="2689310"/>
+          </a:xfrm>
+          <a:prstGeom prst="rect">
+            <a:avLst/>
+          </a:prstGeom>
+          <a:solidFill>
+            <a:schemeClr val="accent1">
+              <a:lumMod val="60000"/>
+              <a:lumOff val="40000"/>
+              <a:alpha val="30000"/>
+            </a:schemeClr>
+          </a:solidFill>
+          <a:ln>
+            <a:noFill/>
+          </a:ln>
+          <a:effectLst>
+            <a:outerShdw blurRad="50800" dist="38100" dir="8100000" algn="tr" rotWithShape="0">
+              <a:prstClr val="black">
+                <a:alpha val="40000"/>
+              </a:prstClr>
+            </a:outerShdw>
+          </a:effectLst>
+        </p:spPr>
+        <p:style>
+          <a:lnRef idx="2">
+            <a:schemeClr val="accent1">
+              <a:shade val="50000"/>
+            </a:schemeClr>
+          </a:lnRef>
+          <a:fillRef idx="1">
+            <a:schemeClr val="accent1"/>
+          </a:fillRef>
+          <a:effectRef idx="0">
+            <a:schemeClr val="accent1"/>
+          </a:effectRef>
+          <a:fontRef idx="minor">
+            <a:schemeClr val="lt1"/>
+          </a:fontRef>
+        </p:style>
+        <p:txBody>
+          <a:bodyPr rot="0" spcFirstLastPara="0" vertOverflow="overflow" horzOverflow="overflow" vert="horz" wrap="square" lIns="91440" tIns="45721" rIns="91440" bIns="45721" numCol="1" spcCol="0" rtlCol="0" fromWordArt="0" anchor="t" anchorCtr="0" forceAA="0" compatLnSpc="1">
+            <a:prstTxWarp prst="textNoShape">
+              <a:avLst/>
+            </a:prstTxWarp>
+            <a:noAutofit/>
+          </a:bodyPr>
+          <a:lstStyle/>
+          <a:p>
+            <a:pPr algn="ctr"/>
+            <a:endParaRPr lang="en-GB" sz="2133" dirty="0"/>
+          </a:p>
+        </p:txBody>
+      </p:sp>
+      <p:sp>
+        <p:nvSpPr>
+          <p:cNvPr id="23" name="Rounded Rectangle 22"/>
+          <p:cNvSpPr/>
+          <p:nvPr/>
+        </p:nvSpPr>
+        <p:spPr>
+          <a:xfrm>
+            <a:off x="1870558" y="1850886"/>
+            <a:ext cx="1800000" cy="713535"/>
+          </a:xfrm>
+          <a:prstGeom prst="roundRect">
+            <a:avLst/>
+          </a:prstGeom>
+          <a:solidFill>
+            <a:schemeClr val="accent1">
+              <a:lumMod val="50000"/>
+            </a:schemeClr>
+          </a:solidFill>
+          <a:ln>
+            <a:noFill/>
+          </a:ln>
+          <a:effectLst>
+            <a:outerShdw blurRad="50800" dist="38100" dir="8100000" algn="tr" rotWithShape="0">
+              <a:prstClr val="black">
+                <a:alpha val="40000"/>
+              </a:prstClr>
+            </a:outerShdw>
+          </a:effectLst>
+        </p:spPr>
+        <p:style>
+          <a:lnRef idx="2">
+            <a:schemeClr val="accent1">
+              <a:shade val="50000"/>
+            </a:schemeClr>
+          </a:lnRef>
+          <a:fillRef idx="1">
+            <a:schemeClr val="accent1"/>
+          </a:fillRef>
+          <a:effectRef idx="0">
+            <a:schemeClr val="accent1"/>
+          </a:effectRef>
+          <a:fontRef idx="minor">
+            <a:schemeClr val="lt1"/>
+          </a:fontRef>
+        </p:style>
+        <p:txBody>
+          <a:bodyPr rtlCol="0" anchor="ctr"/>
+          <a:lstStyle/>
+          <a:p>
+            <a:pPr algn="ctr"/>
+            <a:r>
+              <a:rPr lang="en-GB" sz="1956" dirty="0"/>
+              <a:t>Multigrid methods</a:t>
+            </a:r>
+          </a:p>
+        </p:txBody>
+      </p:sp>
       <p:grpSp>
         <p:nvGrpSpPr>
-          <p:cNvPr id="50" name="Group 49"/>
+          <p:cNvPr id="38" name="Group 37"/>
           <p:cNvGrpSpPr/>
           <p:nvPr/>
         </p:nvGrpSpPr>
         <p:grpSpPr>
           <a:xfrm>
-            <a:off x="-2049874" y="1173963"/>
-            <a:ext cx="14803345" cy="2689311"/>
-            <a:chOff x="-2049874" y="1173440"/>
-            <a:chExt cx="14803345" cy="2689311"/>
+            <a:off x="945416" y="2826109"/>
+            <a:ext cx="3763515" cy="713535"/>
+            <a:chOff x="-7035843" y="-887123"/>
+            <a:chExt cx="3763515" cy="720000"/>
           </a:xfrm>
         </p:grpSpPr>
-        <p:grpSp>
-          <p:nvGrpSpPr>
-            <p:cNvPr id="18" name="Group 17"/>
-            <p:cNvGrpSpPr/>
+        <p:sp>
+          <p:nvSpPr>
+            <p:cNvPr id="21" name="Rounded Rectangle 20"/>
+            <p:cNvSpPr/>
             <p:nvPr/>
-          </p:nvGrpSpPr>
-          <p:grpSpPr>
+          </p:nvSpPr>
+          <p:spPr>
             <a:xfrm>
-              <a:off x="-2049874" y="1176093"/>
-              <a:ext cx="2301076" cy="2686658"/>
-              <a:chOff x="-1831321" y="985941"/>
-              <a:chExt cx="2301076" cy="2686658"/>
+              <a:off x="-7035843" y="-887123"/>
+              <a:ext cx="1800000" cy="720000"/>
             </a:xfrm>
-          </p:grpSpPr>
-          <p:sp>
-            <p:nvSpPr>
-              <p:cNvPr id="54" name="Rectangle 53"/>
-              <p:cNvSpPr/>
-              <p:nvPr/>
-            </p:nvSpPr>
-            <p:spPr>
-              <a:xfrm>
-                <a:off x="-1831321" y="985941"/>
-                <a:ext cx="2301076" cy="2686658"/>
-              </a:xfrm>
-              <a:prstGeom prst="rect">
-                <a:avLst/>
-              </a:prstGeom>
+            <a:prstGeom prst="roundRect">
+              <a:avLst/>
+            </a:prstGeom>
+            <a:solidFill>
+              <a:schemeClr val="accent1">
+                <a:lumMod val="50000"/>
+              </a:schemeClr>
+            </a:solidFill>
+            <a:ln>
+              <a:noFill/>
+            </a:ln>
+            <a:effectLst>
+              <a:outerShdw blurRad="50800" dist="38100" dir="8100000" algn="tr" rotWithShape="0">
+                <a:prstClr val="black">
+                  <a:alpha val="40000"/>
+                </a:prstClr>
+              </a:outerShdw>
+            </a:effectLst>
+          </p:spPr>
+          <p:style>
+            <a:lnRef idx="2">
+              <a:schemeClr val="accent1">
+                <a:shade val="50000"/>
+              </a:schemeClr>
+            </a:lnRef>
+            <a:fillRef idx="1">
+              <a:schemeClr val="accent1"/>
+            </a:fillRef>
+            <a:effectRef idx="0">
+              <a:schemeClr val="accent1"/>
+            </a:effectRef>
+            <a:fontRef idx="minor">
+              <a:schemeClr val="lt1"/>
+            </a:fontRef>
+          </p:style>
+          <p:txBody>
+            <a:bodyPr rtlCol="0" anchor="ctr"/>
+            <a:lstStyle/>
+            <a:p>
+              <a:pPr algn="ctr"/>
+              <a:r>
+                <a:rPr lang="en-GB" sz="1956" dirty="0"/>
+                <a:t>Advection methods</a:t>
+              </a:r>
+            </a:p>
+          </p:txBody>
+        </p:sp>
+        <p:sp>
+          <p:nvSpPr>
+            <p:cNvPr id="22" name="Rounded Rectangle 21"/>
+            <p:cNvSpPr/>
+            <p:nvPr/>
+          </p:nvSpPr>
+          <p:spPr>
+            <a:xfrm>
+              <a:off x="-5072328" y="-887123"/>
+              <a:ext cx="1800000" cy="720000"/>
+            </a:xfrm>
+            <a:prstGeom prst="roundRect">
+              <a:avLst/>
+            </a:prstGeom>
+            <a:solidFill>
+              <a:schemeClr val="accent1">
+                <a:lumMod val="50000"/>
+              </a:schemeClr>
+            </a:solidFill>
+            <a:ln>
+              <a:noFill/>
+            </a:ln>
+            <a:effectLst>
+              <a:outerShdw blurRad="50800" dist="38100" dir="8100000" algn="tr" rotWithShape="0">
+                <a:prstClr val="black">
+                  <a:alpha val="40000"/>
+                </a:prstClr>
+              </a:outerShdw>
+            </a:effectLst>
+          </p:spPr>
+          <p:style>
+            <a:lnRef idx="2">
+              <a:schemeClr val="accent1">
+                <a:shade val="50000"/>
+              </a:schemeClr>
+            </a:lnRef>
+            <a:fillRef idx="1">
+              <a:schemeClr val="accent1"/>
+            </a:fillRef>
+            <a:effectRef idx="0">
+              <a:schemeClr val="accent1"/>
+            </a:effectRef>
+            <a:fontRef idx="minor">
+              <a:schemeClr val="lt1"/>
+            </a:fontRef>
+          </p:style>
+          <p:txBody>
+            <a:bodyPr rtlCol="0" anchor="ctr"/>
+            <a:lstStyle/>
+            <a:p>
+              <a:pPr algn="ctr"/>
+              <a:r>
+                <a:rPr lang="en-GB" sz="1956" dirty="0"/>
+                <a:t>Elliptic operators</a:t>
+              </a:r>
+            </a:p>
+          </p:txBody>
+        </p:sp>
+      </p:grpSp>
+      <p:sp>
+        <p:nvSpPr>
+          <p:cNvPr id="62" name="Rectangle 61"/>
+          <p:cNvSpPr/>
+          <p:nvPr/>
+        </p:nvSpPr>
+        <p:spPr>
+          <a:xfrm>
+            <a:off x="961385" y="1346886"/>
+            <a:ext cx="3693575" cy="416787"/>
+          </a:xfrm>
+          <a:prstGeom prst="rect">
+            <a:avLst/>
+          </a:prstGeom>
+        </p:spPr>
+        <p:txBody>
+          <a:bodyPr wrap="none">
+            <a:spAutoFit/>
+          </a:bodyPr>
+          <a:lstStyle/>
+          <a:p>
+            <a:pPr algn="ctr"/>
+            <a:r>
+              <a:rPr lang="en-GB" sz="2133" dirty="0" smtClean="0">
+                <a:solidFill>
+                  <a:prstClr val="white"/>
+                </a:solidFill>
+              </a:rPr>
+              <a:t>Advanced </a:t>
+            </a:r>
+            <a:r>
+              <a:rPr lang="en-GB" sz="2133" dirty="0">
+                <a:solidFill>
+                  <a:prstClr val="white"/>
+                </a:solidFill>
+              </a:rPr>
+              <a:t>numerical </a:t>
+            </a:r>
+            <a:r>
+              <a:rPr lang="en-GB" sz="2133" dirty="0" smtClean="0">
+                <a:solidFill>
+                  <a:prstClr val="white"/>
+                </a:solidFill>
+              </a:rPr>
+              <a:t>algorithms</a:t>
+            </a:r>
+            <a:endParaRPr lang="en-GB" sz="2133" dirty="0">
               <a:solidFill>
-                <a:srgbClr val="00B0F0">
-                  <a:alpha val="30000"/>
-                </a:srgbClr>
+                <a:prstClr val="white"/>
               </a:solidFill>
-              <a:ln>
-                <a:noFill/>
-              </a:ln>
-              <a:effectLst>
-                <a:outerShdw blurRad="50800" dist="38100" dir="8100000" algn="tr" rotWithShape="0">
-                  <a:prstClr val="black">
-                    <a:alpha val="40000"/>
-                  </a:prstClr>
-                </a:outerShdw>
-              </a:effectLst>
-            </p:spPr>
-            <p:style>
-              <a:lnRef idx="2">
-                <a:schemeClr val="accent1">
-                  <a:shade val="50000"/>
-                </a:schemeClr>
-              </a:lnRef>
-              <a:fillRef idx="1">
-                <a:schemeClr val="accent1"/>
-              </a:fillRef>
-              <a:effectRef idx="0">
-                <a:schemeClr val="accent1"/>
-              </a:effectRef>
-              <a:fontRef idx="minor">
-                <a:schemeClr val="lt1"/>
-              </a:fontRef>
-            </p:style>
-            <p:txBody>
-              <a:bodyPr rot="0" spcFirstLastPara="0" vertOverflow="overflow" horzOverflow="overflow" vert="horz" wrap="square" lIns="91440" tIns="45721" rIns="91440" bIns="45721" numCol="1" spcCol="0" rtlCol="0" fromWordArt="0" anchor="t" anchorCtr="0" forceAA="0" compatLnSpc="1">
-                <a:prstTxWarp prst="textNoShape">
-                  <a:avLst/>
-                </a:prstTxWarp>
-                <a:noAutofit/>
-              </a:bodyPr>
-              <a:lstStyle/>
-              <a:p>
-                <a:pPr algn="ctr"/>
-                <a:endParaRPr lang="en-GB" sz="2133" dirty="0"/>
-              </a:p>
-            </p:txBody>
-          </p:sp>
-          <p:sp>
-            <p:nvSpPr>
-              <p:cNvPr id="56" name="Rounded Rectangle 55"/>
-              <p:cNvSpPr/>
-              <p:nvPr/>
-            </p:nvSpPr>
-            <p:spPr>
-              <a:xfrm>
-                <a:off x="-1582638" y="1672399"/>
-                <a:ext cx="1800000" cy="720000"/>
-              </a:xfrm>
-              <a:prstGeom prst="roundRect">
-                <a:avLst/>
-              </a:prstGeom>
-              <a:solidFill>
-                <a:schemeClr val="accent1">
-                  <a:lumMod val="50000"/>
-                </a:schemeClr>
-              </a:solidFill>
-              <a:ln>
-                <a:noFill/>
-              </a:ln>
-              <a:effectLst>
-                <a:outerShdw blurRad="50800" dist="38100" dir="8100000" algn="tr" rotWithShape="0">
-                  <a:prstClr val="black">
-                    <a:alpha val="40000"/>
-                  </a:prstClr>
-                </a:outerShdw>
-              </a:effectLst>
-            </p:spPr>
-            <p:style>
-              <a:lnRef idx="2">
-                <a:schemeClr val="accent1">
-                  <a:shade val="50000"/>
-                </a:schemeClr>
-              </a:lnRef>
-              <a:fillRef idx="1">
-                <a:schemeClr val="accent1"/>
-              </a:fillRef>
-              <a:effectRef idx="0">
-                <a:schemeClr val="accent1"/>
-              </a:effectRef>
-              <a:fontRef idx="minor">
-                <a:schemeClr val="lt1"/>
-              </a:fontRef>
-            </p:style>
-            <p:txBody>
-              <a:bodyPr rtlCol="0" anchor="ctr"/>
-              <a:lstStyle/>
-              <a:p>
-                <a:pPr algn="ctr"/>
-                <a:r>
-                  <a:rPr lang="en-GB" sz="1956" dirty="0"/>
-                  <a:t>Exponential integrators</a:t>
-                </a:r>
-              </a:p>
-            </p:txBody>
-          </p:sp>
-          <p:sp>
-            <p:nvSpPr>
-              <p:cNvPr id="57" name="Rounded Rectangle 56"/>
-              <p:cNvSpPr/>
-              <p:nvPr/>
-            </p:nvSpPr>
-            <p:spPr>
-              <a:xfrm>
-                <a:off x="-1582638" y="2657249"/>
-                <a:ext cx="1800000" cy="720000"/>
-              </a:xfrm>
-              <a:prstGeom prst="roundRect">
-                <a:avLst/>
-              </a:prstGeom>
-              <a:solidFill>
-                <a:schemeClr val="accent1">
-                  <a:lumMod val="50000"/>
-                </a:schemeClr>
-              </a:solidFill>
-              <a:ln>
-                <a:noFill/>
-              </a:ln>
-              <a:effectLst>
-                <a:outerShdw blurRad="50800" dist="38100" dir="8100000" algn="tr" rotWithShape="0">
-                  <a:prstClr val="black">
-                    <a:alpha val="40000"/>
-                  </a:prstClr>
-                </a:outerShdw>
-              </a:effectLst>
-            </p:spPr>
-            <p:style>
-              <a:lnRef idx="2">
-                <a:schemeClr val="accent1">
-                  <a:shade val="50000"/>
-                </a:schemeClr>
-              </a:lnRef>
-              <a:fillRef idx="1">
-                <a:schemeClr val="accent1"/>
-              </a:fillRef>
-              <a:effectRef idx="0">
-                <a:schemeClr val="accent1"/>
-              </a:effectRef>
-              <a:fontRef idx="minor">
-                <a:schemeClr val="lt1"/>
-              </a:fontRef>
-            </p:style>
-            <p:txBody>
-              <a:bodyPr rtlCol="0" anchor="ctr"/>
-              <a:lstStyle/>
-              <a:p>
-                <a:pPr algn="ctr"/>
-                <a:r>
-                  <a:rPr lang="en-GB" sz="1956" dirty="0"/>
-                  <a:t>Matrix functions</a:t>
-                </a:r>
-              </a:p>
-            </p:txBody>
-          </p:sp>
-          <p:sp>
-            <p:nvSpPr>
-              <p:cNvPr id="16" name="Rectangle 15"/>
-              <p:cNvSpPr/>
-              <p:nvPr/>
-            </p:nvSpPr>
-            <p:spPr>
-              <a:xfrm>
-                <a:off x="-1685551" y="1157760"/>
-                <a:ext cx="2014334" cy="420564"/>
-              </a:xfrm>
-              <a:prstGeom prst="rect">
-                <a:avLst/>
-              </a:prstGeom>
-            </p:spPr>
-            <p:txBody>
-              <a:bodyPr wrap="none">
-                <a:spAutoFit/>
-              </a:bodyPr>
-              <a:lstStyle/>
-              <a:p>
-                <a:pPr lvl="0" algn="ctr"/>
-                <a:r>
-                  <a:rPr lang="en-GB" sz="2133" dirty="0">
-                    <a:solidFill>
-                      <a:prstClr val="white"/>
-                    </a:solidFill>
-                  </a:rPr>
-                  <a:t>Matrix functions</a:t>
-                </a:r>
-              </a:p>
-            </p:txBody>
-          </p:sp>
-        </p:grpSp>
-        <p:grpSp>
-          <p:nvGrpSpPr>
-            <p:cNvPr id="39" name="Group 38"/>
-            <p:cNvGrpSpPr/>
-            <p:nvPr/>
-          </p:nvGrpSpPr>
-          <p:grpSpPr>
-            <a:xfrm>
-              <a:off x="353899" y="1173440"/>
-              <a:ext cx="4946551" cy="2689310"/>
-              <a:chOff x="-7535775" y="-2554564"/>
-              <a:chExt cx="4946551" cy="2713678"/>
-            </a:xfrm>
-          </p:grpSpPr>
-          <p:sp>
-            <p:nvSpPr>
-              <p:cNvPr id="9" name="Rectangle 8"/>
-              <p:cNvSpPr/>
-              <p:nvPr/>
-            </p:nvSpPr>
-            <p:spPr>
-              <a:xfrm>
-                <a:off x="-7535775" y="-2554564"/>
-                <a:ext cx="4946551" cy="2713678"/>
-              </a:xfrm>
-              <a:prstGeom prst="rect">
-                <a:avLst/>
-              </a:prstGeom>
-              <a:solidFill>
-                <a:schemeClr val="accent1">
-                  <a:lumMod val="60000"/>
-                  <a:lumOff val="40000"/>
-                  <a:alpha val="30000"/>
-                </a:schemeClr>
-              </a:solidFill>
-              <a:ln>
-                <a:noFill/>
-              </a:ln>
-              <a:effectLst>
-                <a:outerShdw blurRad="50800" dist="38100" dir="8100000" algn="tr" rotWithShape="0">
-                  <a:prstClr val="black">
-                    <a:alpha val="40000"/>
-                  </a:prstClr>
-                </a:outerShdw>
-              </a:effectLst>
-            </p:spPr>
-            <p:style>
-              <a:lnRef idx="2">
-                <a:schemeClr val="accent1">
-                  <a:shade val="50000"/>
-                </a:schemeClr>
-              </a:lnRef>
-              <a:fillRef idx="1">
-                <a:schemeClr val="accent1"/>
-              </a:fillRef>
-              <a:effectRef idx="0">
-                <a:schemeClr val="accent1"/>
-              </a:effectRef>
-              <a:fontRef idx="minor">
-                <a:schemeClr val="lt1"/>
-              </a:fontRef>
-            </p:style>
-            <p:txBody>
-              <a:bodyPr rot="0" spcFirstLastPara="0" vertOverflow="overflow" horzOverflow="overflow" vert="horz" wrap="square" lIns="91440" tIns="45721" rIns="91440" bIns="45721" numCol="1" spcCol="0" rtlCol="0" fromWordArt="0" anchor="t" anchorCtr="0" forceAA="0" compatLnSpc="1">
-                <a:prstTxWarp prst="textNoShape">
-                  <a:avLst/>
-                </a:prstTxWarp>
-                <a:noAutofit/>
-              </a:bodyPr>
-              <a:lstStyle/>
-              <a:p>
-                <a:pPr algn="ctr"/>
-                <a:endParaRPr lang="en-GB" sz="2133" dirty="0"/>
-              </a:p>
-            </p:txBody>
-          </p:sp>
-          <p:sp>
-            <p:nvSpPr>
-              <p:cNvPr id="23" name="Rounded Rectangle 22"/>
-              <p:cNvSpPr/>
-              <p:nvPr/>
-            </p:nvSpPr>
-            <p:spPr>
-              <a:xfrm>
-                <a:off x="-6019116" y="-1871507"/>
-                <a:ext cx="1800000" cy="720000"/>
-              </a:xfrm>
-              <a:prstGeom prst="roundRect">
-                <a:avLst/>
-              </a:prstGeom>
-              <a:solidFill>
-                <a:schemeClr val="accent1">
-                  <a:lumMod val="50000"/>
-                </a:schemeClr>
-              </a:solidFill>
-              <a:ln>
-                <a:noFill/>
-              </a:ln>
-              <a:effectLst>
-                <a:outerShdw blurRad="50800" dist="38100" dir="8100000" algn="tr" rotWithShape="0">
-                  <a:prstClr val="black">
-                    <a:alpha val="40000"/>
-                  </a:prstClr>
-                </a:outerShdw>
-              </a:effectLst>
-            </p:spPr>
-            <p:style>
-              <a:lnRef idx="2">
-                <a:schemeClr val="accent1">
-                  <a:shade val="50000"/>
-                </a:schemeClr>
-              </a:lnRef>
-              <a:fillRef idx="1">
-                <a:schemeClr val="accent1"/>
-              </a:fillRef>
-              <a:effectRef idx="0">
-                <a:schemeClr val="accent1"/>
-              </a:effectRef>
-              <a:fontRef idx="minor">
-                <a:schemeClr val="lt1"/>
-              </a:fontRef>
-            </p:style>
-            <p:txBody>
-              <a:bodyPr rtlCol="0" anchor="ctr"/>
-              <a:lstStyle/>
-              <a:p>
-                <a:pPr algn="ctr"/>
-                <a:r>
-                  <a:rPr lang="en-GB" sz="1956" dirty="0"/>
-                  <a:t>Multigrid methods</a:t>
-                </a:r>
-              </a:p>
-            </p:txBody>
-          </p:sp>
-          <p:grpSp>
-            <p:nvGrpSpPr>
-              <p:cNvPr id="38" name="Group 37"/>
-              <p:cNvGrpSpPr/>
-              <p:nvPr/>
-            </p:nvGrpSpPr>
-            <p:grpSpPr>
-              <a:xfrm>
-                <a:off x="-6944258" y="-887448"/>
-                <a:ext cx="3763515" cy="720000"/>
-                <a:chOff x="-7035843" y="-887123"/>
-                <a:chExt cx="3763515" cy="720000"/>
-              </a:xfrm>
-            </p:grpSpPr>
-            <p:sp>
-              <p:nvSpPr>
-                <p:cNvPr id="21" name="Rounded Rectangle 20"/>
-                <p:cNvSpPr/>
-                <p:nvPr/>
-              </p:nvSpPr>
-              <p:spPr>
-                <a:xfrm>
-                  <a:off x="-7035843" y="-887123"/>
-                  <a:ext cx="1800000" cy="720000"/>
-                </a:xfrm>
-                <a:prstGeom prst="roundRect">
-                  <a:avLst/>
-                </a:prstGeom>
+            </a:endParaRPr>
+          </a:p>
+        </p:txBody>
+      </p:sp>
+      <p:sp>
+        <p:nvSpPr>
+          <p:cNvPr id="71" name="Rectangle 70"/>
+          <p:cNvSpPr/>
+          <p:nvPr/>
+        </p:nvSpPr>
+        <p:spPr>
+          <a:xfrm>
+            <a:off x="10452395" y="1173963"/>
+            <a:ext cx="2301076" cy="2689310"/>
+          </a:xfrm>
+          <a:prstGeom prst="rect">
+            <a:avLst/>
+          </a:prstGeom>
+          <a:solidFill>
+            <a:srgbClr val="00B0F0">
+              <a:alpha val="20000"/>
+            </a:srgbClr>
+          </a:solidFill>
+          <a:ln>
+            <a:noFill/>
+          </a:ln>
+          <a:effectLst>
+            <a:outerShdw blurRad="50800" dist="38100" dir="8100000" algn="tr" rotWithShape="0">
+              <a:prstClr val="black">
+                <a:alpha val="40000"/>
+              </a:prstClr>
+            </a:outerShdw>
+          </a:effectLst>
+        </p:spPr>
+        <p:style>
+          <a:lnRef idx="2">
+            <a:schemeClr val="accent1">
+              <a:shade val="50000"/>
+            </a:schemeClr>
+          </a:lnRef>
+          <a:fillRef idx="1">
+            <a:schemeClr val="accent1"/>
+          </a:fillRef>
+          <a:effectRef idx="0">
+            <a:schemeClr val="accent1"/>
+          </a:effectRef>
+          <a:fontRef idx="minor">
+            <a:schemeClr val="lt1"/>
+          </a:fontRef>
+        </p:style>
+        <p:txBody>
+          <a:bodyPr rot="0" spcFirstLastPara="0" vertOverflow="overflow" horzOverflow="overflow" vert="horz" wrap="square" lIns="91440" tIns="45721" rIns="91440" bIns="45721" numCol="1" spcCol="0" rtlCol="0" fromWordArt="0" anchor="t" anchorCtr="0" forceAA="0" compatLnSpc="1">
+            <a:prstTxWarp prst="textNoShape">
+              <a:avLst/>
+            </a:prstTxWarp>
+            <a:noAutofit/>
+          </a:bodyPr>
+          <a:lstStyle/>
+          <a:p>
+            <a:pPr algn="ctr"/>
+            <a:endParaRPr lang="en-GB" sz="2133" dirty="0"/>
+          </a:p>
+        </p:txBody>
+      </p:sp>
+      <p:sp>
+        <p:nvSpPr>
+          <p:cNvPr id="80" name="Rounded Rectangle 79"/>
+          <p:cNvSpPr/>
+          <p:nvPr/>
+        </p:nvSpPr>
+        <p:spPr>
+          <a:xfrm>
+            <a:off x="10701078" y="1866482"/>
+            <a:ext cx="1800000" cy="720000"/>
+          </a:xfrm>
+          <a:prstGeom prst="roundRect">
+            <a:avLst/>
+          </a:prstGeom>
+          <a:solidFill>
+            <a:schemeClr val="accent1">
+              <a:lumMod val="50000"/>
+            </a:schemeClr>
+          </a:solidFill>
+          <a:ln>
+            <a:noFill/>
+          </a:ln>
+          <a:effectLst>
+            <a:outerShdw blurRad="50800" dist="38100" dir="8100000" algn="tr" rotWithShape="0">
+              <a:prstClr val="black">
+                <a:alpha val="40000"/>
+              </a:prstClr>
+            </a:outerShdw>
+          </a:effectLst>
+        </p:spPr>
+        <p:style>
+          <a:lnRef idx="2">
+            <a:schemeClr val="accent1">
+              <a:shade val="50000"/>
+            </a:schemeClr>
+          </a:lnRef>
+          <a:fillRef idx="1">
+            <a:schemeClr val="accent1"/>
+          </a:fillRef>
+          <a:effectRef idx="0">
+            <a:schemeClr val="accent1"/>
+          </a:effectRef>
+          <a:fontRef idx="minor">
+            <a:schemeClr val="lt1"/>
+          </a:fontRef>
+        </p:style>
+        <p:txBody>
+          <a:bodyPr rtlCol="0" anchor="ctr"/>
+          <a:lstStyle/>
+          <a:p>
+            <a:pPr algn="ctr"/>
+            <a:endParaRPr lang="en-GB" sz="1956" dirty="0" smtClean="0"/>
+          </a:p>
+          <a:p>
+            <a:pPr algn="ctr"/>
+            <a:r>
+              <a:rPr lang="en-GB" sz="1956" dirty="0" err="1" smtClean="0"/>
+              <a:t>netcdf</a:t>
+            </a:r>
+            <a:r>
+              <a:rPr lang="en-GB" sz="1956" dirty="0" smtClean="0"/>
+              <a:t> </a:t>
+            </a:r>
+          </a:p>
+          <a:p>
+            <a:pPr algn="ctr"/>
+            <a:r>
+              <a:rPr lang="en-GB" sz="1956" dirty="0" smtClean="0"/>
+              <a:t>utilities</a:t>
+            </a:r>
+            <a:endParaRPr lang="en-GB" sz="1956" dirty="0"/>
+          </a:p>
+          <a:p>
+            <a:pPr algn="ctr"/>
+            <a:endParaRPr lang="en-GB" sz="1956" dirty="0"/>
+          </a:p>
+        </p:txBody>
+      </p:sp>
+      <p:sp>
+        <p:nvSpPr>
+          <p:cNvPr id="81" name="Rounded Rectangle 80"/>
+          <p:cNvSpPr/>
+          <p:nvPr/>
+        </p:nvSpPr>
+        <p:spPr>
+          <a:xfrm>
+            <a:off x="10701078" y="2842250"/>
+            <a:ext cx="1800000" cy="720000"/>
+          </a:xfrm>
+          <a:prstGeom prst="roundRect">
+            <a:avLst/>
+          </a:prstGeom>
+          <a:solidFill>
+            <a:schemeClr val="accent1">
+              <a:lumMod val="50000"/>
+            </a:schemeClr>
+          </a:solidFill>
+          <a:ln>
+            <a:noFill/>
+          </a:ln>
+          <a:effectLst>
+            <a:outerShdw blurRad="50800" dist="38100" dir="8100000" algn="tr" rotWithShape="0">
+              <a:prstClr val="black">
+                <a:alpha val="40000"/>
+              </a:prstClr>
+            </a:outerShdw>
+          </a:effectLst>
+        </p:spPr>
+        <p:style>
+          <a:lnRef idx="2">
+            <a:schemeClr val="accent1">
+              <a:shade val="50000"/>
+            </a:schemeClr>
+          </a:lnRef>
+          <a:fillRef idx="1">
+            <a:schemeClr val="accent1"/>
+          </a:fillRef>
+          <a:effectRef idx="0">
+            <a:schemeClr val="accent1"/>
+          </a:effectRef>
+          <a:fontRef idx="minor">
+            <a:schemeClr val="lt1"/>
+          </a:fontRef>
+        </p:style>
+        <p:txBody>
+          <a:bodyPr rtlCol="0" anchor="ctr"/>
+          <a:lstStyle/>
+          <a:p>
+            <a:pPr algn="ctr"/>
+            <a:endParaRPr lang="en-GB" sz="1956" dirty="0" smtClean="0"/>
+          </a:p>
+          <a:p>
+            <a:pPr algn="ctr"/>
+            <a:r>
+              <a:rPr lang="en-GB" sz="1956" dirty="0" err="1" smtClean="0"/>
+              <a:t>jsoncpp</a:t>
+            </a:r>
+            <a:r>
+              <a:rPr lang="en-GB" sz="1956" dirty="0" smtClean="0"/>
+              <a:t> </a:t>
+            </a:r>
+            <a:r>
+              <a:rPr lang="en-GB" sz="1956" dirty="0"/>
+              <a:t>utilities</a:t>
+            </a:r>
+          </a:p>
+          <a:p>
+            <a:pPr algn="ctr"/>
+            <a:endParaRPr lang="en-GB" sz="1956" dirty="0"/>
+          </a:p>
+        </p:txBody>
+      </p:sp>
+      <p:sp>
+        <p:nvSpPr>
+          <p:cNvPr id="82" name="Rectangle 81"/>
+          <p:cNvSpPr/>
+          <p:nvPr/>
+        </p:nvSpPr>
+        <p:spPr>
+          <a:xfrm>
+            <a:off x="10478880" y="1347491"/>
+            <a:ext cx="2244396" cy="422653"/>
+          </a:xfrm>
+          <a:prstGeom prst="rect">
+            <a:avLst/>
+          </a:prstGeom>
+        </p:spPr>
+        <p:txBody>
+          <a:bodyPr wrap="none">
+            <a:spAutoFit/>
+          </a:bodyPr>
+          <a:lstStyle/>
+          <a:p>
+            <a:pPr algn="ctr"/>
+            <a:r>
+              <a:rPr lang="en-GB" sz="2133" dirty="0" smtClean="0">
                 <a:solidFill>
-                  <a:schemeClr val="accent1">
-                    <a:lumMod val="50000"/>
-                  </a:schemeClr>
+                  <a:prstClr val="white"/>
                 </a:solidFill>
-                <a:ln>
-                  <a:noFill/>
-                </a:ln>
-                <a:effectLst>
-                  <a:outerShdw blurRad="50800" dist="38100" dir="8100000" algn="tr" rotWithShape="0">
-                    <a:prstClr val="black">
-                      <a:alpha val="40000"/>
-                    </a:prstClr>
-                  </a:outerShdw>
-                </a:effectLst>
-              </p:spPr>
-              <p:style>
-                <a:lnRef idx="2">
-                  <a:schemeClr val="accent1">
-                    <a:shade val="50000"/>
-                  </a:schemeClr>
-                </a:lnRef>
-                <a:fillRef idx="1">
-                  <a:schemeClr val="accent1"/>
-                </a:fillRef>
-                <a:effectRef idx="0">
-                  <a:schemeClr val="accent1"/>
-                </a:effectRef>
-                <a:fontRef idx="minor">
-                  <a:schemeClr val="lt1"/>
-                </a:fontRef>
-              </p:style>
-              <p:txBody>
-                <a:bodyPr rtlCol="0" anchor="ctr"/>
-                <a:lstStyle/>
-                <a:p>
-                  <a:pPr algn="ctr"/>
-                  <a:r>
-                    <a:rPr lang="en-GB" sz="1956" dirty="0"/>
-                    <a:t>Advection methods</a:t>
-                  </a:r>
-                </a:p>
-              </p:txBody>
-            </p:sp>
-            <p:sp>
-              <p:nvSpPr>
-                <p:cNvPr id="22" name="Rounded Rectangle 21"/>
-                <p:cNvSpPr/>
-                <p:nvPr/>
-              </p:nvSpPr>
-              <p:spPr>
-                <a:xfrm>
-                  <a:off x="-5072328" y="-887123"/>
-                  <a:ext cx="1800000" cy="720000"/>
-                </a:xfrm>
-                <a:prstGeom prst="roundRect">
-                  <a:avLst/>
-                </a:prstGeom>
+              </a:rPr>
+              <a:t>File </a:t>
+            </a:r>
+            <a:r>
+              <a:rPr lang="en-GB" sz="2133" dirty="0">
                 <a:solidFill>
-                  <a:schemeClr val="accent1">
-                    <a:lumMod val="50000"/>
-                  </a:schemeClr>
+                  <a:prstClr val="white"/>
                 </a:solidFill>
-                <a:ln>
-                  <a:noFill/>
-                </a:ln>
-                <a:effectLst>
-                  <a:outerShdw blurRad="50800" dist="38100" dir="8100000" algn="tr" rotWithShape="0">
-                    <a:prstClr val="black">
-                      <a:alpha val="40000"/>
-                    </a:prstClr>
-                  </a:outerShdw>
-                </a:effectLst>
-              </p:spPr>
-              <p:style>
-                <a:lnRef idx="2">
-                  <a:schemeClr val="accent1">
-                    <a:shade val="50000"/>
-                  </a:schemeClr>
-                </a:lnRef>
-                <a:fillRef idx="1">
-                  <a:schemeClr val="accent1"/>
-                </a:fillRef>
-                <a:effectRef idx="0">
-                  <a:schemeClr val="accent1"/>
-                </a:effectRef>
-                <a:fontRef idx="minor">
-                  <a:schemeClr val="lt1"/>
-                </a:fontRef>
-              </p:style>
-              <p:txBody>
-                <a:bodyPr rtlCol="0" anchor="ctr"/>
-                <a:lstStyle/>
-                <a:p>
-                  <a:pPr algn="ctr"/>
-                  <a:r>
-                    <a:rPr lang="en-GB" sz="1956" dirty="0"/>
-                    <a:t>Elliptic operators</a:t>
-                  </a:r>
-                </a:p>
-              </p:txBody>
-            </p:sp>
-          </p:grpSp>
-          <p:sp>
-            <p:nvSpPr>
-              <p:cNvPr id="62" name="Rectangle 61"/>
-              <p:cNvSpPr/>
-              <p:nvPr/>
-            </p:nvSpPr>
-            <p:spPr>
-              <a:xfrm>
-                <a:off x="-6928289" y="-2380074"/>
-                <a:ext cx="3693575" cy="420564"/>
-              </a:xfrm>
-              <a:prstGeom prst="rect">
-                <a:avLst/>
-              </a:prstGeom>
-            </p:spPr>
-            <p:txBody>
-              <a:bodyPr wrap="none">
-                <a:spAutoFit/>
-              </a:bodyPr>
-              <a:lstStyle/>
-              <a:p>
-                <a:pPr algn="ctr"/>
-                <a:r>
-                  <a:rPr lang="en-GB" sz="2133" dirty="0" smtClean="0">
-                    <a:solidFill>
-                      <a:prstClr val="white"/>
-                    </a:solidFill>
-                  </a:rPr>
-                  <a:t>Advanced </a:t>
-                </a:r>
-                <a:r>
-                  <a:rPr lang="en-GB" sz="2133" dirty="0">
-                    <a:solidFill>
-                      <a:prstClr val="white"/>
-                    </a:solidFill>
-                  </a:rPr>
-                  <a:t>numerical </a:t>
-                </a:r>
-                <a:r>
-                  <a:rPr lang="en-GB" sz="2133" dirty="0" smtClean="0">
-                    <a:solidFill>
-                      <a:prstClr val="white"/>
-                    </a:solidFill>
-                  </a:rPr>
-                  <a:t>algorithms</a:t>
-                </a:r>
-                <a:endParaRPr lang="en-GB" sz="2133" dirty="0">
-                  <a:solidFill>
-                    <a:prstClr val="white"/>
-                  </a:solidFill>
-                </a:endParaRPr>
-              </a:p>
-            </p:txBody>
-          </p:sp>
-        </p:grpSp>
-        <p:grpSp>
-          <p:nvGrpSpPr>
-            <p:cNvPr id="70" name="Group 69"/>
-            <p:cNvGrpSpPr/>
-            <p:nvPr/>
-          </p:nvGrpSpPr>
-          <p:grpSpPr>
-            <a:xfrm>
-              <a:off x="10452395" y="1173440"/>
-              <a:ext cx="2301076" cy="2689310"/>
-              <a:chOff x="-1831321" y="983302"/>
-              <a:chExt cx="2301076" cy="2676021"/>
-            </a:xfrm>
-          </p:grpSpPr>
-          <p:sp>
-            <p:nvSpPr>
-              <p:cNvPr id="71" name="Rectangle 70"/>
-              <p:cNvSpPr/>
-              <p:nvPr/>
-            </p:nvSpPr>
-            <p:spPr>
-              <a:xfrm>
-                <a:off x="-1831321" y="983302"/>
-                <a:ext cx="2301076" cy="2676021"/>
-              </a:xfrm>
-              <a:prstGeom prst="rect">
-                <a:avLst/>
-              </a:prstGeom>
-              <a:solidFill>
-                <a:srgbClr val="00B0F0">
-                  <a:alpha val="30000"/>
-                </a:srgbClr>
-              </a:solidFill>
-              <a:ln>
-                <a:noFill/>
-              </a:ln>
-              <a:effectLst>
-                <a:outerShdw blurRad="50800" dist="38100" dir="8100000" algn="tr" rotWithShape="0">
-                  <a:prstClr val="black">
-                    <a:alpha val="40000"/>
-                  </a:prstClr>
-                </a:outerShdw>
-              </a:effectLst>
-            </p:spPr>
-            <p:style>
-              <a:lnRef idx="2">
-                <a:schemeClr val="accent1">
-                  <a:shade val="50000"/>
-                </a:schemeClr>
-              </a:lnRef>
-              <a:fillRef idx="1">
-                <a:schemeClr val="accent1"/>
-              </a:fillRef>
-              <a:effectRef idx="0">
-                <a:schemeClr val="accent1"/>
-              </a:effectRef>
-              <a:fontRef idx="minor">
-                <a:schemeClr val="lt1"/>
-              </a:fontRef>
-            </p:style>
-            <p:txBody>
-              <a:bodyPr rot="0" spcFirstLastPara="0" vertOverflow="overflow" horzOverflow="overflow" vert="horz" wrap="square" lIns="91440" tIns="45721" rIns="91440" bIns="45721" numCol="1" spcCol="0" rtlCol="0" fromWordArt="0" anchor="t" anchorCtr="0" forceAA="0" compatLnSpc="1">
-                <a:prstTxWarp prst="textNoShape">
-                  <a:avLst/>
-                </a:prstTxWarp>
-                <a:noAutofit/>
-              </a:bodyPr>
-              <a:lstStyle/>
-              <a:p>
-                <a:pPr algn="ctr"/>
-                <a:endParaRPr lang="en-GB" sz="2133" dirty="0"/>
-              </a:p>
-            </p:txBody>
-          </p:sp>
-          <p:sp>
-            <p:nvSpPr>
-              <p:cNvPr id="80" name="Rounded Rectangle 79"/>
-              <p:cNvSpPr/>
-              <p:nvPr/>
-            </p:nvSpPr>
-            <p:spPr>
-              <a:xfrm>
-                <a:off x="-1582638" y="1672399"/>
-                <a:ext cx="1800000" cy="716442"/>
-              </a:xfrm>
-              <a:prstGeom prst="roundRect">
-                <a:avLst/>
-              </a:prstGeom>
-              <a:solidFill>
-                <a:schemeClr val="accent1">
-                  <a:lumMod val="50000"/>
-                </a:schemeClr>
-              </a:solidFill>
-              <a:ln>
-                <a:noFill/>
-              </a:ln>
-              <a:effectLst>
-                <a:outerShdw blurRad="50800" dist="38100" dir="8100000" algn="tr" rotWithShape="0">
-                  <a:prstClr val="black">
-                    <a:alpha val="40000"/>
-                  </a:prstClr>
-                </a:outerShdw>
-              </a:effectLst>
-            </p:spPr>
-            <p:style>
-              <a:lnRef idx="2">
-                <a:schemeClr val="accent1">
-                  <a:shade val="50000"/>
-                </a:schemeClr>
-              </a:lnRef>
-              <a:fillRef idx="1">
-                <a:schemeClr val="accent1"/>
-              </a:fillRef>
-              <a:effectRef idx="0">
-                <a:schemeClr val="accent1"/>
-              </a:effectRef>
-              <a:fontRef idx="minor">
-                <a:schemeClr val="lt1"/>
-              </a:fontRef>
-            </p:style>
-            <p:txBody>
-              <a:bodyPr rtlCol="0" anchor="ctr"/>
-              <a:lstStyle/>
-              <a:p>
-                <a:pPr algn="ctr"/>
-                <a:endParaRPr lang="en-GB" sz="1956" dirty="0" smtClean="0"/>
-              </a:p>
-              <a:p>
-                <a:pPr algn="ctr"/>
-                <a:r>
-                  <a:rPr lang="en-GB" sz="1956" dirty="0" err="1" smtClean="0"/>
-                  <a:t>netcdf</a:t>
-                </a:r>
-                <a:r>
-                  <a:rPr lang="en-GB" sz="1956" dirty="0" smtClean="0"/>
-                  <a:t> </a:t>
-                </a:r>
-              </a:p>
-              <a:p>
-                <a:pPr algn="ctr"/>
-                <a:r>
-                  <a:rPr lang="en-GB" sz="1956" dirty="0" smtClean="0"/>
-                  <a:t>utilities</a:t>
-                </a:r>
-                <a:endParaRPr lang="en-GB" sz="1956" dirty="0"/>
-              </a:p>
-              <a:p>
-                <a:pPr algn="ctr"/>
-                <a:endParaRPr lang="en-GB" sz="1956" dirty="0"/>
-              </a:p>
-            </p:txBody>
-          </p:sp>
-          <p:sp>
-            <p:nvSpPr>
-              <p:cNvPr id="81" name="Rounded Rectangle 80"/>
-              <p:cNvSpPr/>
-              <p:nvPr/>
-            </p:nvSpPr>
-            <p:spPr>
-              <a:xfrm>
-                <a:off x="-1582638" y="2643345"/>
-                <a:ext cx="1800000" cy="716442"/>
-              </a:xfrm>
-              <a:prstGeom prst="roundRect">
-                <a:avLst/>
-              </a:prstGeom>
-              <a:solidFill>
-                <a:schemeClr val="accent1">
-                  <a:lumMod val="50000"/>
-                </a:schemeClr>
-              </a:solidFill>
-              <a:ln>
-                <a:noFill/>
-              </a:ln>
-              <a:effectLst>
-                <a:outerShdw blurRad="50800" dist="38100" dir="8100000" algn="tr" rotWithShape="0">
-                  <a:prstClr val="black">
-                    <a:alpha val="40000"/>
-                  </a:prstClr>
-                </a:outerShdw>
-              </a:effectLst>
-            </p:spPr>
-            <p:style>
-              <a:lnRef idx="2">
-                <a:schemeClr val="accent1">
-                  <a:shade val="50000"/>
-                </a:schemeClr>
-              </a:lnRef>
-              <a:fillRef idx="1">
-                <a:schemeClr val="accent1"/>
-              </a:fillRef>
-              <a:effectRef idx="0">
-                <a:schemeClr val="accent1"/>
-              </a:effectRef>
-              <a:fontRef idx="minor">
-                <a:schemeClr val="lt1"/>
-              </a:fontRef>
-            </p:style>
-            <p:txBody>
-              <a:bodyPr rtlCol="0" anchor="ctr"/>
-              <a:lstStyle/>
-              <a:p>
-                <a:pPr algn="ctr"/>
-                <a:endParaRPr lang="en-GB" sz="1956" dirty="0" smtClean="0"/>
-              </a:p>
-              <a:p>
-                <a:pPr algn="ctr"/>
-                <a:r>
-                  <a:rPr lang="en-GB" sz="1956" dirty="0" err="1" smtClean="0"/>
-                  <a:t>jsoncpp</a:t>
-                </a:r>
-                <a:r>
-                  <a:rPr lang="en-GB" sz="1956" dirty="0" smtClean="0"/>
-                  <a:t> </a:t>
-                </a:r>
-                <a:r>
-                  <a:rPr lang="en-GB" sz="1956" dirty="0"/>
-                  <a:t>utilities</a:t>
-                </a:r>
-              </a:p>
-              <a:p>
-                <a:pPr algn="ctr"/>
-                <a:endParaRPr lang="en-GB" sz="1956" dirty="0"/>
-              </a:p>
-            </p:txBody>
-          </p:sp>
-          <p:sp>
-            <p:nvSpPr>
-              <p:cNvPr id="82" name="Rectangle 81"/>
-              <p:cNvSpPr/>
-              <p:nvPr/>
-            </p:nvSpPr>
-            <p:spPr>
-              <a:xfrm>
-                <a:off x="-1804836" y="1155973"/>
-                <a:ext cx="2244396" cy="420564"/>
-              </a:xfrm>
-              <a:prstGeom prst="rect">
-                <a:avLst/>
-              </a:prstGeom>
-            </p:spPr>
-            <p:txBody>
-              <a:bodyPr wrap="none">
-                <a:spAutoFit/>
-              </a:bodyPr>
-              <a:lstStyle/>
-              <a:p>
-                <a:pPr algn="ctr"/>
-                <a:r>
-                  <a:rPr lang="en-GB" sz="2133" dirty="0" smtClean="0">
-                    <a:solidFill>
-                      <a:prstClr val="white"/>
-                    </a:solidFill>
-                  </a:rPr>
-                  <a:t>File </a:t>
-                </a:r>
-                <a:r>
-                  <a:rPr lang="en-GB" sz="2133" dirty="0">
-                    <a:solidFill>
-                      <a:prstClr val="white"/>
-                    </a:solidFill>
-                  </a:rPr>
-                  <a:t>I/O operations</a:t>
-                </a:r>
-              </a:p>
-            </p:txBody>
-          </p:sp>
-        </p:grpSp>
-        <p:grpSp>
-          <p:nvGrpSpPr>
-            <p:cNvPr id="83" name="Group 82"/>
-            <p:cNvGrpSpPr/>
-            <p:nvPr/>
-          </p:nvGrpSpPr>
-          <p:grpSpPr>
-            <a:xfrm>
-              <a:off x="5403147" y="1173441"/>
-              <a:ext cx="4946551" cy="2689309"/>
-              <a:chOff x="-7535775" y="-2555734"/>
-              <a:chExt cx="4946551" cy="2689309"/>
-            </a:xfrm>
-          </p:grpSpPr>
-          <p:sp>
-            <p:nvSpPr>
-              <p:cNvPr id="84" name="Rectangle 83"/>
-              <p:cNvSpPr/>
-              <p:nvPr/>
-            </p:nvSpPr>
-            <p:spPr>
-              <a:xfrm>
-                <a:off x="-7535775" y="-2555734"/>
-                <a:ext cx="4946551" cy="2689309"/>
-              </a:xfrm>
-              <a:prstGeom prst="rect">
-                <a:avLst/>
-              </a:prstGeom>
-              <a:solidFill>
-                <a:srgbClr val="00B0F0">
-                  <a:alpha val="30000"/>
-                </a:srgbClr>
-              </a:solidFill>
-              <a:ln>
-                <a:noFill/>
-              </a:ln>
-              <a:effectLst>
-                <a:outerShdw blurRad="50800" dist="38100" dir="8100000" algn="tr" rotWithShape="0">
-                  <a:prstClr val="black">
-                    <a:alpha val="40000"/>
-                  </a:prstClr>
-                </a:outerShdw>
-              </a:effectLst>
-            </p:spPr>
-            <p:style>
-              <a:lnRef idx="2">
-                <a:schemeClr val="accent1">
-                  <a:shade val="50000"/>
-                </a:schemeClr>
-              </a:lnRef>
-              <a:fillRef idx="1">
-                <a:schemeClr val="accent1"/>
-              </a:fillRef>
-              <a:effectRef idx="0">
-                <a:schemeClr val="accent1"/>
-              </a:effectRef>
-              <a:fontRef idx="minor">
-                <a:schemeClr val="lt1"/>
-              </a:fontRef>
-            </p:style>
-            <p:txBody>
-              <a:bodyPr rot="0" spcFirstLastPara="0" vertOverflow="overflow" horzOverflow="overflow" vert="horz" wrap="square" lIns="91440" tIns="45721" rIns="91440" bIns="45721" numCol="1" spcCol="0" rtlCol="0" fromWordArt="0" anchor="t" anchorCtr="0" forceAA="0" compatLnSpc="1">
-                <a:prstTxWarp prst="textNoShape">
-                  <a:avLst/>
-                </a:prstTxWarp>
-                <a:noAutofit/>
-              </a:bodyPr>
-              <a:lstStyle/>
-              <a:p>
-                <a:pPr algn="ctr"/>
-                <a:endParaRPr lang="en-GB" sz="2133" dirty="0"/>
-              </a:p>
-            </p:txBody>
-          </p:sp>
-          <p:sp>
-            <p:nvSpPr>
-              <p:cNvPr id="85" name="Rounded Rectangle 84"/>
-              <p:cNvSpPr/>
-              <p:nvPr/>
-            </p:nvSpPr>
-            <p:spPr>
-              <a:xfrm>
-                <a:off x="-6019116" y="-1871507"/>
-                <a:ext cx="1800000" cy="720000"/>
-              </a:xfrm>
-              <a:prstGeom prst="roundRect">
-                <a:avLst/>
-              </a:prstGeom>
-              <a:solidFill>
-                <a:schemeClr val="accent1">
-                  <a:lumMod val="50000"/>
-                </a:schemeClr>
-              </a:solidFill>
-              <a:ln>
-                <a:noFill/>
-              </a:ln>
-              <a:effectLst>
-                <a:outerShdw blurRad="50800" dist="38100" dir="8100000" algn="tr" rotWithShape="0">
-                  <a:prstClr val="black">
-                    <a:alpha val="40000"/>
-                  </a:prstClr>
-                </a:outerShdw>
-              </a:effectLst>
-            </p:spPr>
-            <p:style>
-              <a:lnRef idx="2">
-                <a:schemeClr val="accent1">
-                  <a:shade val="50000"/>
-                </a:schemeClr>
-              </a:lnRef>
-              <a:fillRef idx="1">
-                <a:schemeClr val="accent1"/>
-              </a:fillRef>
-              <a:effectRef idx="0">
-                <a:schemeClr val="accent1"/>
-              </a:effectRef>
-              <a:fontRef idx="minor">
-                <a:schemeClr val="lt1"/>
-              </a:fontRef>
-            </p:style>
-            <p:txBody>
-              <a:bodyPr rtlCol="0" anchor="ctr"/>
-              <a:lstStyle/>
-              <a:p>
-                <a:pPr algn="ctr"/>
-                <a:r>
-                  <a:rPr lang="en-GB" sz="1956" dirty="0"/>
-                  <a:t>FCI method</a:t>
-                </a:r>
-              </a:p>
-            </p:txBody>
-          </p:sp>
-          <p:grpSp>
-            <p:nvGrpSpPr>
-              <p:cNvPr id="86" name="Group 85"/>
-              <p:cNvGrpSpPr/>
-              <p:nvPr/>
-            </p:nvGrpSpPr>
-            <p:grpSpPr>
-              <a:xfrm>
-                <a:off x="-6944258" y="-887448"/>
-                <a:ext cx="3763515" cy="720000"/>
-                <a:chOff x="-7035843" y="-887123"/>
-                <a:chExt cx="3763515" cy="720000"/>
-              </a:xfrm>
-            </p:grpSpPr>
-            <p:sp>
-              <p:nvSpPr>
-                <p:cNvPr id="88" name="Rounded Rectangle 87"/>
-                <p:cNvSpPr/>
-                <p:nvPr/>
-              </p:nvSpPr>
-              <p:spPr>
-                <a:xfrm>
-                  <a:off x="-7035843" y="-887123"/>
-                  <a:ext cx="1800000" cy="720000"/>
-                </a:xfrm>
-                <a:prstGeom prst="roundRect">
-                  <a:avLst/>
-                </a:prstGeom>
-                <a:solidFill>
-                  <a:schemeClr val="accent1">
-                    <a:lumMod val="50000"/>
-                  </a:schemeClr>
-                </a:solidFill>
-                <a:ln>
-                  <a:noFill/>
-                </a:ln>
-                <a:effectLst>
-                  <a:outerShdw blurRad="50800" dist="38100" dir="8100000" algn="tr" rotWithShape="0">
-                    <a:prstClr val="black">
-                      <a:alpha val="40000"/>
-                    </a:prstClr>
-                  </a:outerShdw>
-                </a:effectLst>
-              </p:spPr>
-              <p:style>
-                <a:lnRef idx="2">
-                  <a:schemeClr val="accent1">
-                    <a:shade val="50000"/>
-                  </a:schemeClr>
-                </a:lnRef>
-                <a:fillRef idx="1">
-                  <a:schemeClr val="accent1"/>
-                </a:fillRef>
-                <a:effectRef idx="0">
-                  <a:schemeClr val="accent1"/>
-                </a:effectRef>
-                <a:fontRef idx="minor">
-                  <a:schemeClr val="lt1"/>
-                </a:fontRef>
-              </p:style>
-              <p:txBody>
-                <a:bodyPr rtlCol="0" anchor="ctr"/>
-                <a:lstStyle/>
-                <a:p>
-                  <a:pPr algn="ctr"/>
-                  <a:r>
-                    <a:rPr lang="en-GB" sz="1956" dirty="0"/>
-                    <a:t>Curvilinear grid generators</a:t>
-                  </a:r>
-                </a:p>
-              </p:txBody>
-            </p:sp>
-            <p:sp>
-              <p:nvSpPr>
-                <p:cNvPr id="89" name="Rounded Rectangle 88"/>
-                <p:cNvSpPr/>
-                <p:nvPr/>
-              </p:nvSpPr>
-              <p:spPr>
-                <a:xfrm>
-                  <a:off x="-5072328" y="-887123"/>
-                  <a:ext cx="1800000" cy="720000"/>
-                </a:xfrm>
-                <a:prstGeom prst="roundRect">
-                  <a:avLst/>
-                </a:prstGeom>
-                <a:solidFill>
-                  <a:schemeClr val="accent1">
-                    <a:lumMod val="50000"/>
-                  </a:schemeClr>
-                </a:solidFill>
-                <a:ln>
-                  <a:noFill/>
-                </a:ln>
-                <a:effectLst>
-                  <a:outerShdw blurRad="50800" dist="38100" dir="8100000" algn="tr" rotWithShape="0">
-                    <a:prstClr val="black">
-                      <a:alpha val="40000"/>
-                    </a:prstClr>
-                  </a:outerShdw>
-                </a:effectLst>
-              </p:spPr>
-              <p:style>
-                <a:lnRef idx="2">
-                  <a:schemeClr val="accent1">
-                    <a:shade val="50000"/>
-                  </a:schemeClr>
-                </a:lnRef>
-                <a:fillRef idx="1">
-                  <a:schemeClr val="accent1"/>
-                </a:fillRef>
-                <a:effectRef idx="0">
-                  <a:schemeClr val="accent1"/>
-                </a:effectRef>
-                <a:fontRef idx="minor">
-                  <a:schemeClr val="lt1"/>
-                </a:fontRef>
-              </p:style>
-              <p:txBody>
-                <a:bodyPr rtlCol="0" anchor="ctr"/>
-                <a:lstStyle/>
-                <a:p>
-                  <a:pPr algn="ctr"/>
-                  <a:r>
-                    <a:rPr lang="en-GB" sz="1956" dirty="0"/>
-                    <a:t>Magnetic field representation</a:t>
-                  </a:r>
-                </a:p>
-              </p:txBody>
-            </p:sp>
-          </p:grpSp>
-          <p:sp>
-            <p:nvSpPr>
-              <p:cNvPr id="87" name="Rectangle 86"/>
-              <p:cNvSpPr/>
-              <p:nvPr/>
-            </p:nvSpPr>
-            <p:spPr>
-              <a:xfrm>
-                <a:off x="-6431431" y="-2382812"/>
-                <a:ext cx="2624629" cy="420564"/>
-              </a:xfrm>
-              <a:prstGeom prst="rect">
-                <a:avLst/>
-              </a:prstGeom>
-            </p:spPr>
-            <p:txBody>
-              <a:bodyPr wrap="none">
-                <a:spAutoFit/>
-              </a:bodyPr>
-              <a:lstStyle/>
-              <a:p>
-                <a:pPr algn="ctr"/>
-                <a:r>
-                  <a:rPr lang="en-GB" sz="2133" dirty="0" smtClean="0">
-                    <a:solidFill>
-                      <a:prstClr val="white"/>
-                    </a:solidFill>
-                  </a:rPr>
-                  <a:t>Geometries extension</a:t>
-                </a:r>
-                <a:endParaRPr lang="en-GB" sz="2133" dirty="0">
-                  <a:solidFill>
-                    <a:prstClr val="white"/>
-                  </a:solidFill>
-                </a:endParaRPr>
-              </a:p>
-            </p:txBody>
-          </p:sp>
-        </p:grpSp>
-      </p:grpSp>
+              </a:rPr>
+              <a:t>I/O operations</a:t>
+            </a:r>
+          </a:p>
+        </p:txBody>
+      </p:sp>
+      <p:sp>
+        <p:nvSpPr>
+          <p:cNvPr id="84" name="Rectangle 83"/>
+          <p:cNvSpPr/>
+          <p:nvPr/>
+        </p:nvSpPr>
+        <p:spPr>
+          <a:xfrm>
+            <a:off x="5403147" y="1173964"/>
+            <a:ext cx="4946551" cy="2689309"/>
+          </a:xfrm>
+          <a:prstGeom prst="rect">
+            <a:avLst/>
+          </a:prstGeom>
+          <a:solidFill>
+            <a:srgbClr val="00B0F0">
+              <a:alpha val="20000"/>
+            </a:srgbClr>
+          </a:solidFill>
+          <a:ln>
+            <a:noFill/>
+          </a:ln>
+          <a:effectLst>
+            <a:outerShdw blurRad="50800" dist="38100" dir="8100000" algn="tr" rotWithShape="0">
+              <a:prstClr val="black">
+                <a:alpha val="40000"/>
+              </a:prstClr>
+            </a:outerShdw>
+          </a:effectLst>
+        </p:spPr>
+        <p:style>
+          <a:lnRef idx="2">
+            <a:schemeClr val="accent1">
+              <a:shade val="50000"/>
+            </a:schemeClr>
+          </a:lnRef>
+          <a:fillRef idx="1">
+            <a:schemeClr val="accent1"/>
+          </a:fillRef>
+          <a:effectRef idx="0">
+            <a:schemeClr val="accent1"/>
+          </a:effectRef>
+          <a:fontRef idx="minor">
+            <a:schemeClr val="lt1"/>
+          </a:fontRef>
+        </p:style>
+        <p:txBody>
+          <a:bodyPr rot="0" spcFirstLastPara="0" vertOverflow="overflow" horzOverflow="overflow" vert="horz" wrap="square" lIns="91440" tIns="45721" rIns="91440" bIns="45721" numCol="1" spcCol="0" rtlCol="0" fromWordArt="0" anchor="t" anchorCtr="0" forceAA="0" compatLnSpc="1">
+            <a:prstTxWarp prst="textNoShape">
+              <a:avLst/>
+            </a:prstTxWarp>
+            <a:noAutofit/>
+          </a:bodyPr>
+          <a:lstStyle/>
+          <a:p>
+            <a:pPr algn="ctr"/>
+            <a:endParaRPr lang="en-GB" sz="2133" dirty="0"/>
+          </a:p>
+        </p:txBody>
+      </p:sp>
+      <p:sp>
+        <p:nvSpPr>
+          <p:cNvPr id="85" name="Rounded Rectangle 84"/>
+          <p:cNvSpPr/>
+          <p:nvPr/>
+        </p:nvSpPr>
+        <p:spPr>
+          <a:xfrm>
+            <a:off x="6919806" y="1858191"/>
+            <a:ext cx="1800000" cy="720000"/>
+          </a:xfrm>
+          <a:prstGeom prst="roundRect">
+            <a:avLst/>
+          </a:prstGeom>
+          <a:solidFill>
+            <a:schemeClr val="accent1">
+              <a:lumMod val="50000"/>
+            </a:schemeClr>
+          </a:solidFill>
+          <a:ln>
+            <a:noFill/>
+          </a:ln>
+          <a:effectLst>
+            <a:outerShdw blurRad="50800" dist="38100" dir="8100000" algn="tr" rotWithShape="0">
+              <a:prstClr val="black">
+                <a:alpha val="40000"/>
+              </a:prstClr>
+            </a:outerShdw>
+          </a:effectLst>
+        </p:spPr>
+        <p:style>
+          <a:lnRef idx="2">
+            <a:schemeClr val="accent1">
+              <a:shade val="50000"/>
+            </a:schemeClr>
+          </a:lnRef>
+          <a:fillRef idx="1">
+            <a:schemeClr val="accent1"/>
+          </a:fillRef>
+          <a:effectRef idx="0">
+            <a:schemeClr val="accent1"/>
+          </a:effectRef>
+          <a:fontRef idx="minor">
+            <a:schemeClr val="lt1"/>
+          </a:fontRef>
+        </p:style>
+        <p:txBody>
+          <a:bodyPr rtlCol="0" anchor="ctr"/>
+          <a:lstStyle/>
+          <a:p>
+            <a:pPr algn="ctr"/>
+            <a:r>
+              <a:rPr lang="en-GB" sz="1956" dirty="0"/>
+              <a:t>FCI method</a:t>
+            </a:r>
+          </a:p>
+        </p:txBody>
+      </p:sp>
       <p:grpSp>
         <p:nvGrpSpPr>
-          <p:cNvPr id="41" name="Group 40"/>
+          <p:cNvPr id="86" name="Group 85"/>
           <p:cNvGrpSpPr/>
           <p:nvPr/>
         </p:nvGrpSpPr>
         <p:grpSpPr>
           <a:xfrm>
-            <a:off x="-2049874" y="3973638"/>
-            <a:ext cx="7350324" cy="1716733"/>
-            <a:chOff x="1116450" y="-4340417"/>
-            <a:chExt cx="7389615" cy="1716733"/>
+            <a:off x="5994664" y="2842250"/>
+            <a:ext cx="3763515" cy="720000"/>
+            <a:chOff x="-7035843" y="-887123"/>
+            <a:chExt cx="3763515" cy="720000"/>
           </a:xfrm>
         </p:grpSpPr>
         <p:sp>
           <p:nvSpPr>
-            <p:cNvPr id="7" name="Rectangle 6"/>
+            <p:cNvPr id="88" name="Rounded Rectangle 87"/>
             <p:cNvSpPr/>
             <p:nvPr/>
           </p:nvSpPr>
           <p:spPr>
             <a:xfrm>
-              <a:off x="1116450" y="-4340417"/>
-              <a:ext cx="7389615" cy="1716733"/>
+              <a:off x="-7035843" y="-887123"/>
+              <a:ext cx="1800000" cy="720000"/>
+            </a:xfrm>
+            <a:prstGeom prst="roundRect">
+              <a:avLst/>
+            </a:prstGeom>
+            <a:solidFill>
+              <a:schemeClr val="accent1">
+                <a:lumMod val="50000"/>
+              </a:schemeClr>
+            </a:solidFill>
+            <a:ln>
+              <a:noFill/>
+            </a:ln>
+            <a:effectLst>
+              <a:outerShdw blurRad="50800" dist="38100" dir="8100000" algn="tr" rotWithShape="0">
+                <a:prstClr val="black">
+                  <a:alpha val="40000"/>
+                </a:prstClr>
+              </a:outerShdw>
+            </a:effectLst>
+          </p:spPr>
+          <p:style>
+            <a:lnRef idx="2">
+              <a:schemeClr val="accent1">
+                <a:shade val="50000"/>
+              </a:schemeClr>
+            </a:lnRef>
+            <a:fillRef idx="1">
+              <a:schemeClr val="accent1"/>
+            </a:fillRef>
+            <a:effectRef idx="0">
+              <a:schemeClr val="accent1"/>
+            </a:effectRef>
+            <a:fontRef idx="minor">
+              <a:schemeClr val="lt1"/>
+            </a:fontRef>
+          </p:style>
+          <p:txBody>
+            <a:bodyPr rtlCol="0" anchor="ctr"/>
+            <a:lstStyle/>
+            <a:p>
+              <a:pPr algn="ctr"/>
+              <a:r>
+                <a:rPr lang="en-GB" sz="1956" dirty="0"/>
+                <a:t>Curvilinear grid generators</a:t>
+              </a:r>
+            </a:p>
+          </p:txBody>
+        </p:sp>
+        <p:sp>
+          <p:nvSpPr>
+            <p:cNvPr id="89" name="Rounded Rectangle 88"/>
+            <p:cNvSpPr/>
+            <p:nvPr/>
+          </p:nvSpPr>
+          <p:spPr>
+            <a:xfrm>
+              <a:off x="-5072328" y="-887123"/>
+              <a:ext cx="1800000" cy="720000"/>
+            </a:xfrm>
+            <a:prstGeom prst="roundRect">
+              <a:avLst/>
+            </a:prstGeom>
+            <a:solidFill>
+              <a:schemeClr val="accent1">
+                <a:lumMod val="50000"/>
+              </a:schemeClr>
+            </a:solidFill>
+            <a:ln>
+              <a:noFill/>
+            </a:ln>
+            <a:effectLst>
+              <a:outerShdw blurRad="50800" dist="38100" dir="8100000" algn="tr" rotWithShape="0">
+                <a:prstClr val="black">
+                  <a:alpha val="40000"/>
+                </a:prstClr>
+              </a:outerShdw>
+            </a:effectLst>
+          </p:spPr>
+          <p:style>
+            <a:lnRef idx="2">
+              <a:schemeClr val="accent1">
+                <a:shade val="50000"/>
+              </a:schemeClr>
+            </a:lnRef>
+            <a:fillRef idx="1">
+              <a:schemeClr val="accent1"/>
+            </a:fillRef>
+            <a:effectRef idx="0">
+              <a:schemeClr val="accent1"/>
+            </a:effectRef>
+            <a:fontRef idx="minor">
+              <a:schemeClr val="lt1"/>
+            </a:fontRef>
+          </p:style>
+          <p:txBody>
+            <a:bodyPr rtlCol="0" anchor="ctr"/>
+            <a:lstStyle/>
+            <a:p>
+              <a:pPr algn="ctr"/>
+              <a:r>
+                <a:rPr lang="en-GB" sz="1956" dirty="0"/>
+                <a:t>Magnetic field representation</a:t>
+              </a:r>
+            </a:p>
+          </p:txBody>
+        </p:sp>
+      </p:grpSp>
+      <p:sp>
+        <p:nvSpPr>
+          <p:cNvPr id="87" name="Rectangle 86"/>
+          <p:cNvSpPr/>
+          <p:nvPr/>
+        </p:nvSpPr>
+        <p:spPr>
+          <a:xfrm>
+            <a:off x="6507491" y="1346886"/>
+            <a:ext cx="2624629" cy="420564"/>
+          </a:xfrm>
+          <a:prstGeom prst="rect">
+            <a:avLst/>
+          </a:prstGeom>
+        </p:spPr>
+        <p:txBody>
+          <a:bodyPr wrap="none">
+            <a:spAutoFit/>
+          </a:bodyPr>
+          <a:lstStyle/>
+          <a:p>
+            <a:pPr algn="ctr"/>
+            <a:r>
+              <a:rPr lang="en-GB" sz="2133" dirty="0" smtClean="0">
+                <a:solidFill>
+                  <a:prstClr val="white"/>
+                </a:solidFill>
+              </a:rPr>
+              <a:t>Geometries extension</a:t>
+            </a:r>
+            <a:endParaRPr lang="en-GB" sz="2133" dirty="0">
+              <a:solidFill>
+                <a:prstClr val="white"/>
+              </a:solidFill>
+            </a:endParaRPr>
+          </a:p>
+        </p:txBody>
+      </p:sp>
+      <p:sp>
+        <p:nvSpPr>
+          <p:cNvPr id="7" name="Rectangle 6"/>
+          <p:cNvSpPr/>
+          <p:nvPr/>
+        </p:nvSpPr>
+        <p:spPr>
+          <a:xfrm>
+            <a:off x="-2049874" y="3973638"/>
+            <a:ext cx="7350324" cy="1716733"/>
+          </a:xfrm>
+          <a:prstGeom prst="rect">
+            <a:avLst/>
+          </a:prstGeom>
+          <a:solidFill>
+            <a:schemeClr val="accent1">
+              <a:lumMod val="60000"/>
+              <a:lumOff val="40000"/>
+              <a:alpha val="30000"/>
+            </a:schemeClr>
+          </a:solidFill>
+          <a:ln>
+            <a:noFill/>
+          </a:ln>
+          <a:effectLst>
+            <a:outerShdw blurRad="50800" dist="38100" dir="8100000" algn="tr" rotWithShape="0">
+              <a:prstClr val="black">
+                <a:alpha val="40000"/>
+              </a:prstClr>
+            </a:outerShdw>
+          </a:effectLst>
+        </p:spPr>
+        <p:style>
+          <a:lnRef idx="2">
+            <a:schemeClr val="accent1">
+              <a:shade val="50000"/>
+            </a:schemeClr>
+          </a:lnRef>
+          <a:fillRef idx="1">
+            <a:schemeClr val="accent1"/>
+          </a:fillRef>
+          <a:effectRef idx="0">
+            <a:schemeClr val="accent1"/>
+          </a:effectRef>
+          <a:fontRef idx="minor">
+            <a:schemeClr val="lt1"/>
+          </a:fontRef>
+        </p:style>
+        <p:txBody>
+          <a:bodyPr rot="0" spcFirstLastPara="0" vertOverflow="overflow" horzOverflow="overflow" vert="horz" wrap="square" lIns="91440" tIns="45721" rIns="91440" bIns="45721" numCol="1" spcCol="0" rtlCol="0" fromWordArt="0" anchor="t" anchorCtr="0" forceAA="0" compatLnSpc="1">
+            <a:prstTxWarp prst="textNoShape">
+              <a:avLst/>
+            </a:prstTxWarp>
+            <a:noAutofit/>
+          </a:bodyPr>
+          <a:lstStyle/>
+          <a:p>
+            <a:pPr algn="ctr"/>
+            <a:endParaRPr lang="en-GB" sz="2133" dirty="0"/>
+          </a:p>
+        </p:txBody>
+      </p:sp>
+      <p:grpSp>
+        <p:nvGrpSpPr>
+          <p:cNvPr id="40" name="Group 39"/>
+          <p:cNvGrpSpPr/>
+          <p:nvPr/>
+        </p:nvGrpSpPr>
+        <p:grpSpPr>
+          <a:xfrm>
+            <a:off x="-1064239" y="4610678"/>
+            <a:ext cx="5128487" cy="720000"/>
+            <a:chOff x="1969068" y="-3667758"/>
+            <a:chExt cx="5155901" cy="720000"/>
+          </a:xfrm>
+        </p:grpSpPr>
+        <p:sp>
+          <p:nvSpPr>
+            <p:cNvPr id="14" name="Rounded Rectangle 13"/>
+            <p:cNvSpPr/>
+            <p:nvPr/>
+          </p:nvSpPr>
+          <p:spPr>
+            <a:xfrm>
+              <a:off x="4748969" y="-3667758"/>
+              <a:ext cx="2376000" cy="720000"/>
+            </a:xfrm>
+            <a:prstGeom prst="roundRect">
+              <a:avLst/>
+            </a:prstGeom>
+            <a:solidFill>
+              <a:schemeClr val="accent1">
+                <a:lumMod val="50000"/>
+              </a:schemeClr>
+            </a:solidFill>
+            <a:ln>
+              <a:noFill/>
+            </a:ln>
+            <a:effectLst>
+              <a:outerShdw blurRad="50800" dist="38100" dir="8100000" algn="tr" rotWithShape="0">
+                <a:prstClr val="black">
+                  <a:alpha val="40000"/>
+                </a:prstClr>
+              </a:outerShdw>
+            </a:effectLst>
+          </p:spPr>
+          <p:style>
+            <a:lnRef idx="2">
+              <a:schemeClr val="accent1">
+                <a:shade val="50000"/>
+              </a:schemeClr>
+            </a:lnRef>
+            <a:fillRef idx="1">
+              <a:schemeClr val="accent1"/>
+            </a:fillRef>
+            <a:effectRef idx="0">
+              <a:schemeClr val="accent1"/>
+            </a:effectRef>
+            <a:fontRef idx="minor">
+              <a:schemeClr val="lt1"/>
+            </a:fontRef>
+          </p:style>
+          <p:txBody>
+            <a:bodyPr rtlCol="0" anchor="ctr"/>
+            <a:lstStyle/>
+            <a:p>
+              <a:pPr algn="ctr"/>
+              <a:r>
+                <a:rPr lang="en-GB" sz="1956" dirty="0"/>
+                <a:t>E</a:t>
+              </a:r>
+              <a:r>
+                <a:rPr lang="en-GB" sz="1956" dirty="0" smtClean="0"/>
+                <a:t>xplicit </a:t>
+              </a:r>
+              <a:r>
+                <a:rPr lang="en-GB" sz="1956" dirty="0"/>
+                <a:t>and I</a:t>
+              </a:r>
+              <a:r>
+                <a:rPr lang="en-GB" sz="1956" dirty="0" smtClean="0"/>
+                <a:t>mplicit </a:t>
+              </a:r>
+              <a:r>
+                <a:rPr lang="en-GB" sz="1956" dirty="0"/>
+                <a:t>ODE integrators</a:t>
+              </a:r>
+            </a:p>
+          </p:txBody>
+        </p:sp>
+        <p:sp>
+          <p:nvSpPr>
+            <p:cNvPr id="15" name="Rounded Rectangle 14"/>
+            <p:cNvSpPr/>
+            <p:nvPr/>
+          </p:nvSpPr>
+          <p:spPr>
+            <a:xfrm>
+              <a:off x="1969068" y="-3667758"/>
+              <a:ext cx="2376000" cy="720000"/>
+            </a:xfrm>
+            <a:prstGeom prst="roundRect">
+              <a:avLst/>
+            </a:prstGeom>
+            <a:solidFill>
+              <a:schemeClr val="accent1">
+                <a:lumMod val="50000"/>
+              </a:schemeClr>
+            </a:solidFill>
+            <a:ln>
+              <a:noFill/>
+            </a:ln>
+            <a:effectLst>
+              <a:outerShdw blurRad="50800" dist="38100" dir="8100000" algn="tr" rotWithShape="0">
+                <a:prstClr val="black">
+                  <a:alpha val="40000"/>
+                </a:prstClr>
+              </a:outerShdw>
+            </a:effectLst>
+          </p:spPr>
+          <p:style>
+            <a:lnRef idx="2">
+              <a:schemeClr val="accent1">
+                <a:shade val="50000"/>
+              </a:schemeClr>
+            </a:lnRef>
+            <a:fillRef idx="1">
+              <a:schemeClr val="accent1"/>
+            </a:fillRef>
+            <a:effectRef idx="0">
+              <a:schemeClr val="accent1"/>
+            </a:effectRef>
+            <a:fontRef idx="minor">
+              <a:schemeClr val="lt1"/>
+            </a:fontRef>
+          </p:style>
+          <p:txBody>
+            <a:bodyPr rtlCol="0" anchor="ctr"/>
+            <a:lstStyle/>
+            <a:p>
+              <a:pPr algn="ctr"/>
+              <a:r>
+                <a:rPr lang="en-GB" sz="1956" dirty="0"/>
+                <a:t>Linear and non-linear solvers</a:t>
+              </a:r>
+            </a:p>
+          </p:txBody>
+        </p:sp>
+      </p:grpSp>
+      <p:sp>
+        <p:nvSpPr>
+          <p:cNvPr id="90" name="Rectangle 89"/>
+          <p:cNvSpPr/>
+          <p:nvPr/>
+        </p:nvSpPr>
+        <p:spPr>
+          <a:xfrm>
+            <a:off x="-134723" y="4065244"/>
+            <a:ext cx="3148524" cy="420564"/>
+          </a:xfrm>
+          <a:prstGeom prst="rect">
+            <a:avLst/>
+          </a:prstGeom>
+        </p:spPr>
+        <p:txBody>
+          <a:bodyPr wrap="none">
+            <a:spAutoFit/>
+          </a:bodyPr>
+          <a:lstStyle/>
+          <a:p>
+            <a:pPr algn="ctr"/>
+            <a:r>
+              <a:rPr lang="en-GB" sz="2133" dirty="0" smtClean="0">
+                <a:solidFill>
+                  <a:prstClr val="white"/>
+                </a:solidFill>
+              </a:rPr>
+              <a:t>Basic </a:t>
+            </a:r>
+            <a:r>
+              <a:rPr lang="en-GB" sz="2133" dirty="0">
+                <a:solidFill>
+                  <a:prstClr val="white"/>
+                </a:solidFill>
+              </a:rPr>
+              <a:t>numerical </a:t>
+            </a:r>
+            <a:r>
+              <a:rPr lang="en-GB" sz="2133" dirty="0" smtClean="0">
+                <a:solidFill>
+                  <a:prstClr val="white"/>
+                </a:solidFill>
+              </a:rPr>
+              <a:t>algorithms</a:t>
+            </a:r>
+            <a:endParaRPr lang="en-GB" sz="2133" dirty="0">
+              <a:solidFill>
+                <a:prstClr val="white"/>
+              </a:solidFill>
+            </a:endParaRPr>
+          </a:p>
+        </p:txBody>
+      </p:sp>
+      <p:sp>
+        <p:nvSpPr>
+          <p:cNvPr id="4" name="Rectangle 3"/>
+          <p:cNvSpPr/>
+          <p:nvPr/>
+        </p:nvSpPr>
+        <p:spPr>
+          <a:xfrm>
+            <a:off x="-2049874" y="5800736"/>
+            <a:ext cx="7350324" cy="2351702"/>
+          </a:xfrm>
+          <a:prstGeom prst="rect">
+            <a:avLst/>
+          </a:prstGeom>
+          <a:solidFill>
+            <a:schemeClr val="accent1">
+              <a:lumMod val="60000"/>
+              <a:lumOff val="40000"/>
+              <a:alpha val="30000"/>
+            </a:schemeClr>
+          </a:solidFill>
+          <a:ln>
+            <a:noFill/>
+          </a:ln>
+          <a:effectLst>
+            <a:outerShdw blurRad="50800" dist="38100" dir="8100000" algn="tr" rotWithShape="0">
+              <a:prstClr val="black">
+                <a:alpha val="40000"/>
+              </a:prstClr>
+            </a:outerShdw>
+          </a:effectLst>
+        </p:spPr>
+        <p:style>
+          <a:lnRef idx="2">
+            <a:schemeClr val="accent1">
+              <a:shade val="50000"/>
+            </a:schemeClr>
+          </a:lnRef>
+          <a:fillRef idx="1">
+            <a:schemeClr val="accent1"/>
+          </a:fillRef>
+          <a:effectRef idx="0">
+            <a:schemeClr val="accent1"/>
+          </a:effectRef>
+          <a:fontRef idx="minor">
+            <a:schemeClr val="lt1"/>
+          </a:fontRef>
+        </p:style>
+        <p:txBody>
+          <a:bodyPr rot="0" spcFirstLastPara="0" vertOverflow="overflow" horzOverflow="overflow" vert="horz" wrap="square" lIns="91440" tIns="45721" rIns="91440" bIns="45721" numCol="1" spcCol="0" rtlCol="0" fromWordArt="0" anchor="t" anchorCtr="0" forceAA="0" compatLnSpc="1">
+            <a:prstTxWarp prst="textNoShape">
+              <a:avLst/>
+            </a:prstTxWarp>
+            <a:noAutofit/>
+          </a:bodyPr>
+          <a:lstStyle/>
+          <a:p>
+            <a:pPr algn="ctr"/>
+            <a:endParaRPr lang="en-GB" sz="2133" dirty="0"/>
+          </a:p>
+        </p:txBody>
+      </p:sp>
+      <p:grpSp>
+        <p:nvGrpSpPr>
+          <p:cNvPr id="44" name="Group 43"/>
+          <p:cNvGrpSpPr/>
+          <p:nvPr/>
+        </p:nvGrpSpPr>
+        <p:grpSpPr>
+          <a:xfrm>
+            <a:off x="-1570358" y="6420108"/>
+            <a:ext cx="6391293" cy="1647566"/>
+            <a:chOff x="9602721" y="-4047675"/>
+            <a:chExt cx="6357310" cy="1647566"/>
+          </a:xfrm>
+        </p:grpSpPr>
+        <p:sp>
+          <p:nvSpPr>
+            <p:cNvPr id="79" name="Rectangle 78"/>
+            <p:cNvSpPr/>
+            <p:nvPr/>
+          </p:nvSpPr>
+          <p:spPr>
+            <a:xfrm>
+              <a:off x="11714242" y="-3239124"/>
+              <a:ext cx="2141973" cy="839015"/>
             </a:xfrm>
             <a:prstGeom prst="rect">
               <a:avLst/>
             </a:prstGeom>
             <a:solidFill>
-              <a:schemeClr val="accent1">
-                <a:lumMod val="60000"/>
-                <a:lumOff val="40000"/>
-                <a:alpha val="30000"/>
-              </a:schemeClr>
+              <a:srgbClr val="00B0F0">
+                <a:alpha val="20000"/>
+              </a:srgbClr>
             </a:solidFill>
             <a:ln>
               <a:noFill/>
@@ -5227,853 +5475,41 @@
         </p:sp>
         <p:grpSp>
           <p:nvGrpSpPr>
-            <p:cNvPr id="40" name="Group 39"/>
+            <p:cNvPr id="43" name="Group 42"/>
             <p:cNvGrpSpPr/>
             <p:nvPr/>
           </p:nvGrpSpPr>
           <p:grpSpPr>
             <a:xfrm>
-              <a:off x="2107354" y="-3703377"/>
-              <a:ext cx="5155901" cy="720000"/>
-              <a:chOff x="1969068" y="-3667758"/>
-              <a:chExt cx="5155901" cy="720000"/>
+              <a:off x="9602721" y="-4047675"/>
+              <a:ext cx="6357310" cy="1568429"/>
+              <a:chOff x="9602721" y="-4085469"/>
+              <a:chExt cx="6357310" cy="1568429"/>
             </a:xfrm>
           </p:grpSpPr>
-          <p:sp>
-            <p:nvSpPr>
-              <p:cNvPr id="14" name="Rounded Rectangle 13"/>
-              <p:cNvSpPr/>
-              <p:nvPr/>
-            </p:nvSpPr>
-            <p:spPr>
-              <a:xfrm>
-                <a:off x="4748969" y="-3667758"/>
-                <a:ext cx="2376000" cy="720000"/>
-              </a:xfrm>
-              <a:prstGeom prst="roundRect">
-                <a:avLst/>
-              </a:prstGeom>
-              <a:solidFill>
-                <a:schemeClr val="accent1">
-                  <a:lumMod val="50000"/>
-                </a:schemeClr>
-              </a:solidFill>
-              <a:ln>
-                <a:noFill/>
-              </a:ln>
-              <a:effectLst>
-                <a:outerShdw blurRad="50800" dist="38100" dir="8100000" algn="tr" rotWithShape="0">
-                  <a:prstClr val="black">
-                    <a:alpha val="40000"/>
-                  </a:prstClr>
-                </a:outerShdw>
-              </a:effectLst>
-            </p:spPr>
-            <p:style>
-              <a:lnRef idx="2">
-                <a:schemeClr val="accent1">
-                  <a:shade val="50000"/>
-                </a:schemeClr>
-              </a:lnRef>
-              <a:fillRef idx="1">
-                <a:schemeClr val="accent1"/>
-              </a:fillRef>
-              <a:effectRef idx="0">
-                <a:schemeClr val="accent1"/>
-              </a:effectRef>
-              <a:fontRef idx="minor">
-                <a:schemeClr val="lt1"/>
-              </a:fontRef>
-            </p:style>
-            <p:txBody>
-              <a:bodyPr rtlCol="0" anchor="ctr"/>
-              <a:lstStyle/>
-              <a:p>
-                <a:pPr algn="ctr"/>
-                <a:r>
-                  <a:rPr lang="en-GB" sz="1956" dirty="0"/>
-                  <a:t>E</a:t>
-                </a:r>
-                <a:r>
-                  <a:rPr lang="en-GB" sz="1956" dirty="0" smtClean="0"/>
-                  <a:t>xplicit </a:t>
-                </a:r>
-                <a:r>
-                  <a:rPr lang="en-GB" sz="1956" dirty="0"/>
-                  <a:t>and I</a:t>
-                </a:r>
-                <a:r>
-                  <a:rPr lang="en-GB" sz="1956" dirty="0" smtClean="0"/>
-                  <a:t>mplicit </a:t>
-                </a:r>
-                <a:r>
-                  <a:rPr lang="en-GB" sz="1956" dirty="0"/>
-                  <a:t>ODE integrators</a:t>
-                </a:r>
-              </a:p>
-            </p:txBody>
-          </p:sp>
-          <p:sp>
-            <p:nvSpPr>
-              <p:cNvPr id="15" name="Rounded Rectangle 14"/>
-              <p:cNvSpPr/>
-              <p:nvPr/>
-            </p:nvSpPr>
-            <p:spPr>
-              <a:xfrm>
-                <a:off x="1969068" y="-3667758"/>
-                <a:ext cx="2376000" cy="720000"/>
-              </a:xfrm>
-              <a:prstGeom prst="roundRect">
-                <a:avLst/>
-              </a:prstGeom>
-              <a:solidFill>
-                <a:schemeClr val="accent1">
-                  <a:lumMod val="50000"/>
-                </a:schemeClr>
-              </a:solidFill>
-              <a:ln>
-                <a:noFill/>
-              </a:ln>
-              <a:effectLst>
-                <a:outerShdw blurRad="50800" dist="38100" dir="8100000" algn="tr" rotWithShape="0">
-                  <a:prstClr val="black">
-                    <a:alpha val="40000"/>
-                  </a:prstClr>
-                </a:outerShdw>
-              </a:effectLst>
-            </p:spPr>
-            <p:style>
-              <a:lnRef idx="2">
-                <a:schemeClr val="accent1">
-                  <a:shade val="50000"/>
-                </a:schemeClr>
-              </a:lnRef>
-              <a:fillRef idx="1">
-                <a:schemeClr val="accent1"/>
-              </a:fillRef>
-              <a:effectRef idx="0">
-                <a:schemeClr val="accent1"/>
-              </a:effectRef>
-              <a:fontRef idx="minor">
-                <a:schemeClr val="lt1"/>
-              </a:fontRef>
-            </p:style>
-            <p:txBody>
-              <a:bodyPr rtlCol="0" anchor="ctr"/>
-              <a:lstStyle/>
-              <a:p>
-                <a:pPr algn="ctr"/>
-                <a:r>
-                  <a:rPr lang="en-GB" sz="1956" dirty="0"/>
-                  <a:t>Linear and non-linear solvers</a:t>
-                </a:r>
-              </a:p>
-            </p:txBody>
-          </p:sp>
-        </p:grpSp>
-        <p:sp>
-          <p:nvSpPr>
-            <p:cNvPr id="90" name="Rectangle 89"/>
-            <p:cNvSpPr/>
-            <p:nvPr/>
-          </p:nvSpPr>
-          <p:spPr>
-            <a:xfrm>
-              <a:off x="3041838" y="-4248811"/>
-              <a:ext cx="3165354" cy="420564"/>
-            </a:xfrm>
-            <a:prstGeom prst="rect">
-              <a:avLst/>
-            </a:prstGeom>
-          </p:spPr>
-          <p:txBody>
-            <a:bodyPr wrap="none">
-              <a:spAutoFit/>
-            </a:bodyPr>
-            <a:lstStyle/>
-            <a:p>
-              <a:pPr algn="ctr"/>
-              <a:r>
-                <a:rPr lang="en-GB" sz="2133" dirty="0" smtClean="0">
-                  <a:solidFill>
-                    <a:prstClr val="white"/>
-                  </a:solidFill>
-                </a:rPr>
-                <a:t>Basic </a:t>
-              </a:r>
-              <a:r>
-                <a:rPr lang="en-GB" sz="2133" dirty="0">
-                  <a:solidFill>
-                    <a:prstClr val="white"/>
-                  </a:solidFill>
-                </a:rPr>
-                <a:t>numerical </a:t>
-              </a:r>
-              <a:r>
-                <a:rPr lang="en-GB" sz="2133" dirty="0" smtClean="0">
-                  <a:solidFill>
-                    <a:prstClr val="white"/>
-                  </a:solidFill>
-                </a:rPr>
-                <a:t>algorithms</a:t>
-              </a:r>
-              <a:endParaRPr lang="en-GB" sz="2133" dirty="0">
-                <a:solidFill>
-                  <a:prstClr val="white"/>
-                </a:solidFill>
-              </a:endParaRPr>
-            </a:p>
-          </p:txBody>
-        </p:sp>
-      </p:grpSp>
-      <p:grpSp>
-        <p:nvGrpSpPr>
-          <p:cNvPr id="95" name="Group 94"/>
-          <p:cNvGrpSpPr/>
-          <p:nvPr/>
-        </p:nvGrpSpPr>
-        <p:grpSpPr>
-          <a:xfrm>
-            <a:off x="-2049874" y="5800736"/>
-            <a:ext cx="7350324" cy="2351702"/>
-            <a:chOff x="-2049874" y="5952059"/>
-            <a:chExt cx="7311242" cy="2351702"/>
-          </a:xfrm>
-        </p:grpSpPr>
-        <p:sp>
-          <p:nvSpPr>
-            <p:cNvPr id="4" name="Rectangle 3"/>
-            <p:cNvSpPr/>
-            <p:nvPr/>
-          </p:nvSpPr>
-          <p:spPr>
-            <a:xfrm>
-              <a:off x="-2049874" y="5952059"/>
-              <a:ext cx="7311242" cy="2351702"/>
-            </a:xfrm>
-            <a:prstGeom prst="rect">
-              <a:avLst/>
-            </a:prstGeom>
-            <a:solidFill>
-              <a:schemeClr val="accent1">
-                <a:lumMod val="60000"/>
-                <a:lumOff val="40000"/>
-                <a:alpha val="30000"/>
-              </a:schemeClr>
-            </a:solidFill>
-            <a:ln>
-              <a:noFill/>
-            </a:ln>
-            <a:effectLst>
-              <a:outerShdw blurRad="50800" dist="38100" dir="8100000" algn="tr" rotWithShape="0">
-                <a:prstClr val="black">
-                  <a:alpha val="40000"/>
-                </a:prstClr>
-              </a:outerShdw>
-            </a:effectLst>
-          </p:spPr>
-          <p:style>
-            <a:lnRef idx="2">
-              <a:schemeClr val="accent1">
-                <a:shade val="50000"/>
-              </a:schemeClr>
-            </a:lnRef>
-            <a:fillRef idx="1">
-              <a:schemeClr val="accent1"/>
-            </a:fillRef>
-            <a:effectRef idx="0">
-              <a:schemeClr val="accent1"/>
-            </a:effectRef>
-            <a:fontRef idx="minor">
-              <a:schemeClr val="lt1"/>
-            </a:fontRef>
-          </p:style>
-          <p:txBody>
-            <a:bodyPr rot="0" spcFirstLastPara="0" vertOverflow="overflow" horzOverflow="overflow" vert="horz" wrap="square" lIns="91440" tIns="45721" rIns="91440" bIns="45721" numCol="1" spcCol="0" rtlCol="0" fromWordArt="0" anchor="t" anchorCtr="0" forceAA="0" compatLnSpc="1">
-              <a:prstTxWarp prst="textNoShape">
-                <a:avLst/>
-              </a:prstTxWarp>
-              <a:noAutofit/>
-            </a:bodyPr>
-            <a:lstStyle/>
-            <a:p>
-              <a:pPr algn="ctr"/>
-              <a:endParaRPr lang="en-GB" sz="2133" dirty="0"/>
-            </a:p>
-          </p:txBody>
-        </p:sp>
-        <p:grpSp>
-          <p:nvGrpSpPr>
-            <p:cNvPr id="44" name="Group 43"/>
-            <p:cNvGrpSpPr/>
-            <p:nvPr/>
-          </p:nvGrpSpPr>
-          <p:grpSpPr>
-            <a:xfrm>
-              <a:off x="-1572908" y="6571431"/>
-              <a:ext cx="6357310" cy="1600552"/>
-              <a:chOff x="9602721" y="-4047675"/>
-              <a:chExt cx="6357310" cy="1600552"/>
-            </a:xfrm>
-          </p:grpSpPr>
-          <p:sp>
-            <p:nvSpPr>
-              <p:cNvPr id="79" name="Rectangle 78"/>
-              <p:cNvSpPr/>
-              <p:nvPr/>
-            </p:nvSpPr>
-            <p:spPr>
-              <a:xfrm>
-                <a:off x="11768215" y="-3239123"/>
-                <a:ext cx="2088000" cy="792000"/>
-              </a:xfrm>
-              <a:prstGeom prst="rect">
-                <a:avLst/>
-              </a:prstGeom>
-              <a:solidFill>
-                <a:srgbClr val="00B0F0">
-                  <a:alpha val="30000"/>
-                </a:srgbClr>
-              </a:solidFill>
-              <a:ln>
-                <a:noFill/>
-              </a:ln>
-              <a:effectLst>
-                <a:outerShdw blurRad="50800" dist="38100" dir="8100000" algn="tr" rotWithShape="0">
-                  <a:prstClr val="black">
-                    <a:alpha val="40000"/>
-                  </a:prstClr>
-                </a:outerShdw>
-              </a:effectLst>
-            </p:spPr>
-            <p:style>
-              <a:lnRef idx="2">
-                <a:schemeClr val="accent1">
-                  <a:shade val="50000"/>
-                </a:schemeClr>
-              </a:lnRef>
-              <a:fillRef idx="1">
-                <a:schemeClr val="accent1"/>
-              </a:fillRef>
-              <a:effectRef idx="0">
-                <a:schemeClr val="accent1"/>
-              </a:effectRef>
-              <a:fontRef idx="minor">
-                <a:schemeClr val="lt1"/>
-              </a:fontRef>
-            </p:style>
-            <p:txBody>
-              <a:bodyPr rot="0" spcFirstLastPara="0" vertOverflow="overflow" horzOverflow="overflow" vert="horz" wrap="square" lIns="91440" tIns="45721" rIns="91440" bIns="45721" numCol="1" spcCol="0" rtlCol="0" fromWordArt="0" anchor="t" anchorCtr="0" forceAA="0" compatLnSpc="1">
-                <a:prstTxWarp prst="textNoShape">
-                  <a:avLst/>
-                </a:prstTxWarp>
-                <a:noAutofit/>
-              </a:bodyPr>
-              <a:lstStyle/>
-              <a:p>
-                <a:pPr algn="ctr"/>
-                <a:endParaRPr lang="en-GB" sz="2133" dirty="0"/>
-              </a:p>
-            </p:txBody>
-          </p:sp>
           <p:grpSp>
             <p:nvGrpSpPr>
-              <p:cNvPr id="43" name="Group 42"/>
+              <p:cNvPr id="42" name="Group 41"/>
               <p:cNvGrpSpPr/>
               <p:nvPr/>
             </p:nvGrpSpPr>
             <p:grpSpPr>
               <a:xfrm>
-                <a:off x="9602721" y="-4047675"/>
-                <a:ext cx="6357310" cy="1568429"/>
-                <a:chOff x="9602721" y="-4085469"/>
-                <a:chExt cx="6357310" cy="1568429"/>
+                <a:off x="9602721" y="-4085469"/>
+                <a:ext cx="6357310" cy="720000"/>
+                <a:chOff x="9828498" y="-4198021"/>
+                <a:chExt cx="6357310" cy="720000"/>
               </a:xfrm>
             </p:grpSpPr>
-            <p:grpSp>
-              <p:nvGrpSpPr>
-                <p:cNvPr id="42" name="Group 41"/>
-                <p:cNvGrpSpPr/>
-                <p:nvPr/>
-              </p:nvGrpSpPr>
-              <p:grpSpPr>
-                <a:xfrm>
-                  <a:off x="9602721" y="-4085469"/>
-                  <a:ext cx="6357310" cy="720000"/>
-                  <a:chOff x="9828498" y="-4198021"/>
-                  <a:chExt cx="6357310" cy="720000"/>
-                </a:xfrm>
-              </p:grpSpPr>
-              <p:sp>
-                <p:nvSpPr>
-                  <p:cNvPr id="11" name="Rounded Rectangle 10"/>
-                  <p:cNvSpPr/>
-                  <p:nvPr/>
-                </p:nvSpPr>
-                <p:spPr>
-                  <a:xfrm>
-                    <a:off x="12017153" y="-4198021"/>
-                    <a:ext cx="1980000" cy="720000"/>
-                  </a:xfrm>
-                  <a:prstGeom prst="roundRect">
-                    <a:avLst/>
-                  </a:prstGeom>
-                  <a:solidFill>
-                    <a:schemeClr val="accent1">
-                      <a:lumMod val="50000"/>
-                    </a:schemeClr>
-                  </a:solidFill>
-                  <a:ln>
-                    <a:noFill/>
-                  </a:ln>
-                  <a:effectLst>
-                    <a:outerShdw blurRad="50800" dist="38100" dir="8100000" algn="tr" rotWithShape="0">
-                      <a:prstClr val="black">
-                        <a:alpha val="40000"/>
-                      </a:prstClr>
-                    </a:outerShdw>
-                  </a:effectLst>
-                </p:spPr>
-                <p:style>
-                  <a:lnRef idx="2">
-                    <a:schemeClr val="accent1">
-                      <a:shade val="50000"/>
-                    </a:schemeClr>
-                  </a:lnRef>
-                  <a:fillRef idx="1">
-                    <a:schemeClr val="accent1"/>
-                  </a:fillRef>
-                  <a:effectRef idx="0">
-                    <a:schemeClr val="accent1"/>
-                  </a:effectRef>
-                  <a:fontRef idx="minor">
-                    <a:schemeClr val="lt1"/>
-                  </a:fontRef>
-                </p:style>
-                <p:txBody>
-                  <a:bodyPr rtlCol="0" anchor="ctr"/>
-                  <a:lstStyle/>
-                  <a:p>
-                    <a:pPr algn="ctr"/>
-                    <a:r>
-                      <a:rPr lang="en-GB" sz="1956" dirty="0"/>
-                      <a:t>Reduction</a:t>
-                    </a:r>
-                  </a:p>
-                </p:txBody>
-              </p:sp>
-              <p:sp>
-                <p:nvSpPr>
-                  <p:cNvPr id="12" name="Rounded Rectangle 11"/>
-                  <p:cNvSpPr/>
-                  <p:nvPr/>
-                </p:nvSpPr>
-                <p:spPr>
-                  <a:xfrm>
-                    <a:off x="9828498" y="-4198021"/>
-                    <a:ext cx="1980000" cy="720000"/>
-                  </a:xfrm>
-                  <a:prstGeom prst="roundRect">
-                    <a:avLst/>
-                  </a:prstGeom>
-                  <a:solidFill>
-                    <a:schemeClr val="accent1">
-                      <a:lumMod val="50000"/>
-                    </a:schemeClr>
-                  </a:solidFill>
-                  <a:ln>
-                    <a:noFill/>
-                  </a:ln>
-                  <a:effectLst>
-                    <a:outerShdw blurRad="50800" dist="38100" dir="8100000" algn="tr" rotWithShape="0">
-                      <a:prstClr val="black">
-                        <a:alpha val="40000"/>
-                      </a:prstClr>
-                    </a:outerShdw>
-                  </a:effectLst>
-                </p:spPr>
-                <p:style>
-                  <a:lnRef idx="2">
-                    <a:schemeClr val="accent1">
-                      <a:shade val="50000"/>
-                    </a:schemeClr>
-                  </a:lnRef>
-                  <a:fillRef idx="1">
-                    <a:schemeClr val="accent1"/>
-                  </a:fillRef>
-                  <a:effectRef idx="0">
-                    <a:schemeClr val="accent1"/>
-                  </a:effectRef>
-                  <a:fontRef idx="minor">
-                    <a:schemeClr val="lt1"/>
-                  </a:fontRef>
-                </p:style>
-                <p:txBody>
-                  <a:bodyPr rtlCol="0" anchor="ctr"/>
-                  <a:lstStyle/>
-                  <a:p>
-                    <a:pPr algn="ctr"/>
-                    <a:r>
-                      <a:rPr lang="en-GB" sz="1956" dirty="0"/>
-                      <a:t>Vector-Vector</a:t>
-                    </a:r>
-                  </a:p>
-                </p:txBody>
-              </p:sp>
-              <p:sp>
-                <p:nvSpPr>
-                  <p:cNvPr id="13" name="Rounded Rectangle 12"/>
-                  <p:cNvSpPr/>
-                  <p:nvPr/>
-                </p:nvSpPr>
-                <p:spPr>
-                  <a:xfrm>
-                    <a:off x="14205808" y="-4198021"/>
-                    <a:ext cx="1980000" cy="720000"/>
-                  </a:xfrm>
-                  <a:prstGeom prst="roundRect">
-                    <a:avLst/>
-                  </a:prstGeom>
-                  <a:solidFill>
-                    <a:schemeClr val="accent1">
-                      <a:lumMod val="50000"/>
-                    </a:schemeClr>
-                  </a:solidFill>
-                  <a:ln>
-                    <a:noFill/>
-                  </a:ln>
-                  <a:effectLst>
-                    <a:outerShdw blurRad="50800" dist="38100" dir="8100000" algn="tr" rotWithShape="0">
-                      <a:prstClr val="black">
-                        <a:alpha val="40000"/>
-                      </a:prstClr>
-                    </a:outerShdw>
-                  </a:effectLst>
-                </p:spPr>
-                <p:style>
-                  <a:lnRef idx="2">
-                    <a:schemeClr val="accent1">
-                      <a:shade val="50000"/>
-                    </a:schemeClr>
-                  </a:lnRef>
-                  <a:fillRef idx="1">
-                    <a:schemeClr val="accent1"/>
-                  </a:fillRef>
-                  <a:effectRef idx="0">
-                    <a:schemeClr val="accent1"/>
-                  </a:effectRef>
-                  <a:fontRef idx="minor">
-                    <a:schemeClr val="lt1"/>
-                  </a:fontRef>
-                </p:style>
-                <p:txBody>
-                  <a:bodyPr rtlCol="0" anchor="ctr"/>
-                  <a:lstStyle/>
-                  <a:p>
-                    <a:pPr algn="ctr"/>
-                    <a:r>
-                      <a:rPr lang="en-GB" sz="1956" dirty="0"/>
-                      <a:t>Matrix-Vector</a:t>
-                    </a:r>
-                  </a:p>
-                </p:txBody>
-              </p:sp>
-            </p:grpSp>
             <p:sp>
               <p:nvSpPr>
-                <p:cNvPr id="24" name="Rounded Rectangle 23"/>
+                <p:cNvPr id="11" name="Rounded Rectangle 10"/>
                 <p:cNvSpPr/>
                 <p:nvPr/>
               </p:nvSpPr>
               <p:spPr>
                 <a:xfrm>
-                  <a:off x="11819247" y="-3237040"/>
-                  <a:ext cx="1980000" cy="720000"/>
-                </a:xfrm>
-                <a:prstGeom prst="roundRect">
-                  <a:avLst/>
-                </a:prstGeom>
-                <a:solidFill>
-                  <a:schemeClr val="accent1">
-                    <a:lumMod val="50000"/>
-                  </a:schemeClr>
-                </a:solidFill>
-                <a:ln>
-                  <a:noFill/>
-                </a:ln>
-                <a:effectLst>
-                  <a:outerShdw blurRad="50800" dist="38100" dir="8100000" algn="tr" rotWithShape="0">
-                    <a:prstClr val="black">
-                      <a:alpha val="40000"/>
-                    </a:prstClr>
-                  </a:outerShdw>
-                </a:effectLst>
-              </p:spPr>
-              <p:style>
-                <a:lnRef idx="2">
-                  <a:schemeClr val="accent1">
-                    <a:shade val="50000"/>
-                  </a:schemeClr>
-                </a:lnRef>
-                <a:fillRef idx="1">
-                  <a:schemeClr val="accent1"/>
-                </a:fillRef>
-                <a:effectRef idx="0">
-                  <a:schemeClr val="accent1"/>
-                </a:effectRef>
-                <a:fontRef idx="minor">
-                  <a:schemeClr val="lt1"/>
-                </a:fontRef>
-              </p:style>
-              <p:txBody>
-                <a:bodyPr rtlCol="0" anchor="ctr"/>
-                <a:lstStyle/>
-                <a:p>
-                  <a:pPr algn="ctr"/>
-                  <a:r>
-                    <a:rPr lang="en-GB" sz="1956" dirty="0" err="1"/>
-                    <a:t>ExBlas</a:t>
-                  </a:r>
-                  <a:endParaRPr lang="en-GB" sz="1956" dirty="0"/>
-                </a:p>
-              </p:txBody>
-            </p:sp>
-          </p:grpSp>
-        </p:grpSp>
-        <p:sp>
-          <p:nvSpPr>
-            <p:cNvPr id="91" name="Rectangle 90"/>
-            <p:cNvSpPr/>
-            <p:nvPr/>
-          </p:nvSpPr>
-          <p:spPr>
-            <a:xfrm>
-              <a:off x="-23031" y="6058170"/>
-              <a:ext cx="2888034" cy="420564"/>
-            </a:xfrm>
-            <a:prstGeom prst="rect">
-              <a:avLst/>
-            </a:prstGeom>
-          </p:spPr>
-          <p:txBody>
-            <a:bodyPr wrap="none">
-              <a:spAutoFit/>
-            </a:bodyPr>
-            <a:lstStyle/>
-            <a:p>
-              <a:pPr algn="ctr"/>
-              <a:r>
-                <a:rPr lang="en-GB" sz="2133" dirty="0" smtClean="0">
-                  <a:solidFill>
-                    <a:prstClr val="white"/>
-                  </a:solidFill>
-                </a:rPr>
-                <a:t>Basic </a:t>
-              </a:r>
-              <a:r>
-                <a:rPr lang="en-GB" sz="2133" dirty="0">
-                  <a:solidFill>
-                    <a:prstClr val="white"/>
-                  </a:solidFill>
-                </a:rPr>
-                <a:t>parallel operations</a:t>
-              </a:r>
-            </a:p>
-          </p:txBody>
-        </p:sp>
-      </p:grpSp>
-      <p:grpSp>
-        <p:nvGrpSpPr>
-          <p:cNvPr id="94" name="Group 93"/>
-          <p:cNvGrpSpPr/>
-          <p:nvPr/>
-        </p:nvGrpSpPr>
-        <p:grpSpPr>
-          <a:xfrm>
-            <a:off x="5403147" y="3973638"/>
-            <a:ext cx="7350324" cy="4178800"/>
-            <a:chOff x="5403147" y="4124961"/>
-            <a:chExt cx="7350324" cy="4178800"/>
-          </a:xfrm>
-        </p:grpSpPr>
-        <p:sp>
-          <p:nvSpPr>
-            <p:cNvPr id="8" name="Rectangle 7"/>
-            <p:cNvSpPr/>
-            <p:nvPr/>
-          </p:nvSpPr>
-          <p:spPr>
-            <a:xfrm>
-              <a:off x="5403147" y="4124961"/>
-              <a:ext cx="7350324" cy="4178800"/>
-            </a:xfrm>
-            <a:prstGeom prst="rect">
-              <a:avLst/>
-            </a:prstGeom>
-            <a:solidFill>
-              <a:schemeClr val="accent1">
-                <a:lumMod val="60000"/>
-                <a:lumOff val="40000"/>
-                <a:alpha val="30000"/>
-              </a:schemeClr>
-            </a:solidFill>
-            <a:ln>
-              <a:noFill/>
-            </a:ln>
-            <a:effectLst>
-              <a:outerShdw blurRad="50800" dist="38100" dir="8100000" algn="tr" rotWithShape="0">
-                <a:prstClr val="black">
-                  <a:alpha val="40000"/>
-                </a:prstClr>
-              </a:outerShdw>
-            </a:effectLst>
-          </p:spPr>
-          <p:style>
-            <a:lnRef idx="2">
-              <a:schemeClr val="accent1">
-                <a:shade val="50000"/>
-              </a:schemeClr>
-            </a:lnRef>
-            <a:fillRef idx="1">
-              <a:schemeClr val="accent1"/>
-            </a:fillRef>
-            <a:effectRef idx="0">
-              <a:schemeClr val="accent1"/>
-            </a:effectRef>
-            <a:fontRef idx="minor">
-              <a:schemeClr val="lt1"/>
-            </a:fontRef>
-          </p:style>
-          <p:txBody>
-            <a:bodyPr rot="0" spcFirstLastPara="0" vertOverflow="overflow" horzOverflow="overflow" vert="horz" wrap="square" lIns="91440" tIns="45721" rIns="91440" bIns="45721" numCol="1" spcCol="0" rtlCol="0" fromWordArt="0" anchor="t" anchorCtr="0" forceAA="0" compatLnSpc="1">
-              <a:prstTxWarp prst="textNoShape">
-                <a:avLst/>
-              </a:prstTxWarp>
-              <a:noAutofit/>
-            </a:bodyPr>
-            <a:lstStyle/>
-            <a:p>
-              <a:pPr algn="ctr"/>
-              <a:endParaRPr lang="en-GB" sz="2133" dirty="0"/>
-            </a:p>
-          </p:txBody>
-        </p:sp>
-        <p:grpSp>
-          <p:nvGrpSpPr>
-            <p:cNvPr id="93" name="Group 92"/>
-            <p:cNvGrpSpPr/>
-            <p:nvPr/>
-          </p:nvGrpSpPr>
-          <p:grpSpPr>
-            <a:xfrm>
-              <a:off x="5968444" y="4484284"/>
-              <a:ext cx="6223556" cy="2652650"/>
-              <a:chOff x="5968444" y="4484284"/>
-              <a:chExt cx="6223556" cy="2652650"/>
-            </a:xfrm>
-          </p:grpSpPr>
-          <p:grpSp>
-            <p:nvGrpSpPr>
-              <p:cNvPr id="46" name="Group 45"/>
-              <p:cNvGrpSpPr/>
-              <p:nvPr/>
-            </p:nvGrpSpPr>
-            <p:grpSpPr>
-              <a:xfrm>
-                <a:off x="5968444" y="5504259"/>
-                <a:ext cx="6223556" cy="1632675"/>
-                <a:chOff x="13426269" y="1261595"/>
-                <a:chExt cx="6223556" cy="1632675"/>
-              </a:xfrm>
-            </p:grpSpPr>
-            <p:sp>
-              <p:nvSpPr>
-                <p:cNvPr id="17" name="Rounded Rectangle 16"/>
-                <p:cNvSpPr/>
-                <p:nvPr/>
-              </p:nvSpPr>
-              <p:spPr>
-                <a:xfrm>
-                  <a:off x="13426269" y="2174270"/>
-                  <a:ext cx="6223556" cy="720000"/>
-                </a:xfrm>
-                <a:prstGeom prst="roundRect">
-                  <a:avLst/>
-                </a:prstGeom>
-                <a:solidFill>
-                  <a:schemeClr val="accent1">
-                    <a:lumMod val="50000"/>
-                  </a:schemeClr>
-                </a:solidFill>
-                <a:ln>
-                  <a:noFill/>
-                </a:ln>
-                <a:effectLst>
-                  <a:outerShdw blurRad="50800" dist="38100" dir="8100000" algn="tr" rotWithShape="0">
-                    <a:prstClr val="black">
-                      <a:alpha val="40000"/>
-                    </a:prstClr>
-                  </a:outerShdw>
-                </a:effectLst>
-              </p:spPr>
-              <p:style>
-                <a:lnRef idx="2">
-                  <a:schemeClr val="accent1">
-                    <a:shade val="50000"/>
-                  </a:schemeClr>
-                </a:lnRef>
-                <a:fillRef idx="1">
-                  <a:schemeClr val="accent1"/>
-                </a:fillRef>
-                <a:effectRef idx="0">
-                  <a:schemeClr val="accent1"/>
-                </a:effectRef>
-                <a:fontRef idx="minor">
-                  <a:schemeClr val="lt1"/>
-                </a:fontRef>
-              </p:style>
-              <p:txBody>
-                <a:bodyPr rtlCol="0" anchor="ctr"/>
-                <a:lstStyle/>
-                <a:p>
-                  <a:pPr algn="ctr"/>
-                  <a:r>
-                    <a:rPr lang="en-GB" sz="1956" dirty="0"/>
-                    <a:t>Structured discontinuous </a:t>
-                  </a:r>
-                  <a:r>
-                    <a:rPr lang="en-GB" sz="1956" dirty="0" err="1"/>
-                    <a:t>Galerkin</a:t>
-                  </a:r>
-                  <a:r>
-                    <a:rPr lang="en-GB" sz="1956" dirty="0"/>
-                    <a:t> </a:t>
-                  </a:r>
-                  <a:endParaRPr lang="en-GB" sz="1956" dirty="0" smtClean="0"/>
-                </a:p>
-                <a:p>
-                  <a:pPr algn="ctr"/>
-                  <a:r>
-                    <a:rPr lang="en-GB" sz="1956" dirty="0" smtClean="0"/>
-                    <a:t>Topology </a:t>
-                  </a:r>
-                  <a:r>
-                    <a:rPr lang="en-GB" sz="1956" dirty="0"/>
-                    <a:t>1d, 2d, 3d</a:t>
-                  </a:r>
-                </a:p>
-              </p:txBody>
-            </p:sp>
-            <p:sp>
-              <p:nvSpPr>
-                <p:cNvPr id="20" name="Rounded Rectangle 19"/>
-                <p:cNvSpPr/>
-                <p:nvPr/>
-              </p:nvSpPr>
-              <p:spPr>
-                <a:xfrm>
-                  <a:off x="13426269" y="1261595"/>
+                  <a:off x="12017153" y="-4198021"/>
                   <a:ext cx="1980000" cy="720000"/>
                 </a:xfrm>
                 <a:prstGeom prst="roundRect">
@@ -6118,20 +5554,20 @@
                   <a:pPr algn="ctr"/>
                   <a:r>
                     <a:rPr lang="en-GB" sz="1956" dirty="0"/>
-                    <a:t>Simple derivatives</a:t>
+                    <a:t>Reduction</a:t>
                   </a:r>
                 </a:p>
               </p:txBody>
             </p:sp>
             <p:sp>
               <p:nvSpPr>
-                <p:cNvPr id="36" name="Rounded Rectangle 35"/>
+                <p:cNvPr id="12" name="Rounded Rectangle 11"/>
                 <p:cNvSpPr/>
                 <p:nvPr/>
               </p:nvSpPr>
               <p:spPr>
                 <a:xfrm>
-                  <a:off x="15548047" y="1261595"/>
+                  <a:off x="9828498" y="-4198021"/>
                   <a:ext cx="1980000" cy="720000"/>
                 </a:xfrm>
                 <a:prstGeom prst="roundRect">
@@ -6176,20 +5612,20 @@
                   <a:pPr algn="ctr"/>
                   <a:r>
                     <a:rPr lang="en-GB" sz="1956" dirty="0"/>
-                    <a:t>Geometry and metric tensor</a:t>
+                    <a:t>Vector-Vector</a:t>
                   </a:r>
                 </a:p>
               </p:txBody>
             </p:sp>
             <p:sp>
               <p:nvSpPr>
-                <p:cNvPr id="37" name="Rounded Rectangle 36"/>
+                <p:cNvPr id="13" name="Rounded Rectangle 12"/>
                 <p:cNvSpPr/>
                 <p:nvPr/>
               </p:nvSpPr>
               <p:spPr>
                 <a:xfrm>
-                  <a:off x="17669825" y="1261595"/>
+                  <a:off x="14205808" y="-4198021"/>
                   <a:ext cx="1980000" cy="720000"/>
                 </a:xfrm>
                 <a:prstGeom prst="roundRect">
@@ -6234,7 +5670,7 @@
                   <a:pPr algn="ctr"/>
                   <a:r>
                     <a:rPr lang="en-GB" sz="1956" dirty="0"/>
-                    <a:t>Interpolation and projection</a:t>
+                    <a:t>Matrix-Vector</a:t>
                   </a:r>
                 </a:p>
               </p:txBody>
@@ -6242,38 +5678,482 @@
           </p:grpSp>
           <p:sp>
             <p:nvSpPr>
-              <p:cNvPr id="92" name="Rectangle 91"/>
+              <p:cNvPr id="24" name="Rounded Rectangle 23"/>
               <p:cNvSpPr/>
               <p:nvPr/>
             </p:nvSpPr>
             <p:spPr>
               <a:xfrm>
-                <a:off x="7334699" y="4484284"/>
-                <a:ext cx="3475247" cy="420564"/>
+                <a:off x="11819247" y="-3237040"/>
+                <a:ext cx="1980000" cy="720000"/>
               </a:xfrm>
-              <a:prstGeom prst="rect">
+              <a:prstGeom prst="roundRect">
                 <a:avLst/>
               </a:prstGeom>
+              <a:solidFill>
+                <a:schemeClr val="accent1">
+                  <a:lumMod val="50000"/>
+                </a:schemeClr>
+              </a:solidFill>
+              <a:ln>
+                <a:noFill/>
+              </a:ln>
+              <a:effectLst>
+                <a:outerShdw blurRad="50800" dist="38100" dir="8100000" algn="tr" rotWithShape="0">
+                  <a:prstClr val="black">
+                    <a:alpha val="40000"/>
+                  </a:prstClr>
+                </a:outerShdw>
+              </a:effectLst>
             </p:spPr>
+            <p:style>
+              <a:lnRef idx="2">
+                <a:schemeClr val="accent1">
+                  <a:shade val="50000"/>
+                </a:schemeClr>
+              </a:lnRef>
+              <a:fillRef idx="1">
+                <a:schemeClr val="accent1"/>
+              </a:fillRef>
+              <a:effectRef idx="0">
+                <a:schemeClr val="accent1"/>
+              </a:effectRef>
+              <a:fontRef idx="minor">
+                <a:schemeClr val="lt1"/>
+              </a:fontRef>
+            </p:style>
             <p:txBody>
-              <a:bodyPr wrap="none">
-                <a:spAutoFit/>
-              </a:bodyPr>
+              <a:bodyPr rtlCol="0" anchor="ctr"/>
               <a:lstStyle/>
               <a:p>
-                <a:pPr lvl="0" algn="ctr"/>
+                <a:pPr algn="ctr"/>
                 <a:r>
-                  <a:rPr lang="en-GB" sz="2133" dirty="0">
-                    <a:solidFill>
-                      <a:prstClr val="white"/>
-                    </a:solidFill>
-                  </a:rPr>
-                  <a:t>Basic Topology and Geometry</a:t>
+                  <a:rPr lang="en-GB" sz="1956" dirty="0" err="1"/>
+                  <a:t>ExBlas</a:t>
+                </a:r>
+                <a:endParaRPr lang="en-GB" sz="1956" dirty="0"/>
+              </a:p>
+            </p:txBody>
+          </p:sp>
+        </p:grpSp>
+      </p:grpSp>
+      <p:sp>
+        <p:nvSpPr>
+          <p:cNvPr id="91" name="Rectangle 90"/>
+          <p:cNvSpPr/>
+          <p:nvPr/>
+        </p:nvSpPr>
+        <p:spPr>
+          <a:xfrm>
+            <a:off x="-12197" y="5906847"/>
+            <a:ext cx="2903472" cy="420564"/>
+          </a:xfrm>
+          <a:prstGeom prst="rect">
+            <a:avLst/>
+          </a:prstGeom>
+        </p:spPr>
+        <p:txBody>
+          <a:bodyPr wrap="none">
+            <a:spAutoFit/>
+          </a:bodyPr>
+          <a:lstStyle/>
+          <a:p>
+            <a:pPr algn="ctr"/>
+            <a:r>
+              <a:rPr lang="en-GB" sz="2133" dirty="0" smtClean="0">
+                <a:solidFill>
+                  <a:prstClr val="white"/>
+                </a:solidFill>
+              </a:rPr>
+              <a:t>Basic </a:t>
+            </a:r>
+            <a:r>
+              <a:rPr lang="en-GB" sz="2133" dirty="0">
+                <a:solidFill>
+                  <a:prstClr val="white"/>
+                </a:solidFill>
+              </a:rPr>
+              <a:t>parallel operations</a:t>
+            </a:r>
+          </a:p>
+        </p:txBody>
+      </p:sp>
+      <p:sp>
+        <p:nvSpPr>
+          <p:cNvPr id="8" name="Rectangle 7"/>
+          <p:cNvSpPr/>
+          <p:nvPr/>
+        </p:nvSpPr>
+        <p:spPr>
+          <a:xfrm>
+            <a:off x="5403147" y="3973638"/>
+            <a:ext cx="7350324" cy="4178800"/>
+          </a:xfrm>
+          <a:prstGeom prst="rect">
+            <a:avLst/>
+          </a:prstGeom>
+          <a:solidFill>
+            <a:schemeClr val="accent1">
+              <a:lumMod val="60000"/>
+              <a:lumOff val="40000"/>
+              <a:alpha val="30000"/>
+            </a:schemeClr>
+          </a:solidFill>
+          <a:ln>
+            <a:noFill/>
+          </a:ln>
+          <a:effectLst>
+            <a:outerShdw blurRad="50800" dist="38100" dir="8100000" algn="tr" rotWithShape="0">
+              <a:prstClr val="black">
+                <a:alpha val="40000"/>
+              </a:prstClr>
+            </a:outerShdw>
+          </a:effectLst>
+        </p:spPr>
+        <p:style>
+          <a:lnRef idx="2">
+            <a:schemeClr val="accent1">
+              <a:shade val="50000"/>
+            </a:schemeClr>
+          </a:lnRef>
+          <a:fillRef idx="1">
+            <a:schemeClr val="accent1"/>
+          </a:fillRef>
+          <a:effectRef idx="0">
+            <a:schemeClr val="accent1"/>
+          </a:effectRef>
+          <a:fontRef idx="minor">
+            <a:schemeClr val="lt1"/>
+          </a:fontRef>
+        </p:style>
+        <p:txBody>
+          <a:bodyPr rot="0" spcFirstLastPara="0" vertOverflow="overflow" horzOverflow="overflow" vert="horz" wrap="square" lIns="91440" tIns="45721" rIns="91440" bIns="45721" numCol="1" spcCol="0" rtlCol="0" fromWordArt="0" anchor="t" anchorCtr="0" forceAA="0" compatLnSpc="1">
+            <a:prstTxWarp prst="textNoShape">
+              <a:avLst/>
+            </a:prstTxWarp>
+            <a:noAutofit/>
+          </a:bodyPr>
+          <a:lstStyle/>
+          <a:p>
+            <a:pPr algn="ctr"/>
+            <a:endParaRPr lang="en-GB" sz="2133" dirty="0"/>
+          </a:p>
+        </p:txBody>
+      </p:sp>
+      <p:grpSp>
+        <p:nvGrpSpPr>
+          <p:cNvPr id="93" name="Group 92"/>
+          <p:cNvGrpSpPr/>
+          <p:nvPr/>
+        </p:nvGrpSpPr>
+        <p:grpSpPr>
+          <a:xfrm>
+            <a:off x="5968444" y="4332961"/>
+            <a:ext cx="6223556" cy="2652650"/>
+            <a:chOff x="5968444" y="4484284"/>
+            <a:chExt cx="6223556" cy="2652650"/>
+          </a:xfrm>
+        </p:grpSpPr>
+        <p:grpSp>
+          <p:nvGrpSpPr>
+            <p:cNvPr id="46" name="Group 45"/>
+            <p:cNvGrpSpPr/>
+            <p:nvPr/>
+          </p:nvGrpSpPr>
+          <p:grpSpPr>
+            <a:xfrm>
+              <a:off x="5968444" y="5504259"/>
+              <a:ext cx="6223556" cy="1632675"/>
+              <a:chOff x="13426269" y="1261595"/>
+              <a:chExt cx="6223556" cy="1632675"/>
+            </a:xfrm>
+          </p:grpSpPr>
+          <p:sp>
+            <p:nvSpPr>
+              <p:cNvPr id="17" name="Rounded Rectangle 16"/>
+              <p:cNvSpPr/>
+              <p:nvPr/>
+            </p:nvSpPr>
+            <p:spPr>
+              <a:xfrm>
+                <a:off x="13426269" y="2174270"/>
+                <a:ext cx="6223556" cy="720000"/>
+              </a:xfrm>
+              <a:prstGeom prst="roundRect">
+                <a:avLst/>
+              </a:prstGeom>
+              <a:solidFill>
+                <a:schemeClr val="accent1">
+                  <a:lumMod val="50000"/>
+                </a:schemeClr>
+              </a:solidFill>
+              <a:ln>
+                <a:noFill/>
+              </a:ln>
+              <a:effectLst>
+                <a:outerShdw blurRad="50800" dist="38100" dir="8100000" algn="tr" rotWithShape="0">
+                  <a:prstClr val="black">
+                    <a:alpha val="40000"/>
+                  </a:prstClr>
+                </a:outerShdw>
+              </a:effectLst>
+            </p:spPr>
+            <p:style>
+              <a:lnRef idx="2">
+                <a:schemeClr val="accent1">
+                  <a:shade val="50000"/>
+                </a:schemeClr>
+              </a:lnRef>
+              <a:fillRef idx="1">
+                <a:schemeClr val="accent1"/>
+              </a:fillRef>
+              <a:effectRef idx="0">
+                <a:schemeClr val="accent1"/>
+              </a:effectRef>
+              <a:fontRef idx="minor">
+                <a:schemeClr val="lt1"/>
+              </a:fontRef>
+            </p:style>
+            <p:txBody>
+              <a:bodyPr rtlCol="0" anchor="ctr"/>
+              <a:lstStyle/>
+              <a:p>
+                <a:pPr algn="ctr"/>
+                <a:r>
+                  <a:rPr lang="en-GB" sz="1956" dirty="0"/>
+                  <a:t>Structured discontinuous </a:t>
+                </a:r>
+                <a:r>
+                  <a:rPr lang="en-GB" sz="1956" dirty="0" err="1"/>
+                  <a:t>Galerkin</a:t>
+                </a:r>
+                <a:r>
+                  <a:rPr lang="en-GB" sz="1956" dirty="0"/>
+                  <a:t> </a:t>
+                </a:r>
+                <a:endParaRPr lang="en-GB" sz="1956" dirty="0" smtClean="0"/>
+              </a:p>
+              <a:p>
+                <a:pPr algn="ctr"/>
+                <a:r>
+                  <a:rPr lang="en-GB" sz="1956" dirty="0" smtClean="0"/>
+                  <a:t>Topology </a:t>
+                </a:r>
+                <a:r>
+                  <a:rPr lang="en-GB" sz="1956" dirty="0"/>
+                  <a:t>1d, 2d, 3d</a:t>
+                </a:r>
+              </a:p>
+            </p:txBody>
+          </p:sp>
+          <p:sp>
+            <p:nvSpPr>
+              <p:cNvPr id="20" name="Rounded Rectangle 19"/>
+              <p:cNvSpPr/>
+              <p:nvPr/>
+            </p:nvSpPr>
+            <p:spPr>
+              <a:xfrm>
+                <a:off x="13426269" y="1261595"/>
+                <a:ext cx="1980000" cy="720000"/>
+              </a:xfrm>
+              <a:prstGeom prst="roundRect">
+                <a:avLst/>
+              </a:prstGeom>
+              <a:solidFill>
+                <a:schemeClr val="accent1">
+                  <a:lumMod val="50000"/>
+                </a:schemeClr>
+              </a:solidFill>
+              <a:ln>
+                <a:noFill/>
+              </a:ln>
+              <a:effectLst>
+                <a:outerShdw blurRad="50800" dist="38100" dir="8100000" algn="tr" rotWithShape="0">
+                  <a:prstClr val="black">
+                    <a:alpha val="40000"/>
+                  </a:prstClr>
+                </a:outerShdw>
+              </a:effectLst>
+            </p:spPr>
+            <p:style>
+              <a:lnRef idx="2">
+                <a:schemeClr val="accent1">
+                  <a:shade val="50000"/>
+                </a:schemeClr>
+              </a:lnRef>
+              <a:fillRef idx="1">
+                <a:schemeClr val="accent1"/>
+              </a:fillRef>
+              <a:effectRef idx="0">
+                <a:schemeClr val="accent1"/>
+              </a:effectRef>
+              <a:fontRef idx="minor">
+                <a:schemeClr val="lt1"/>
+              </a:fontRef>
+            </p:style>
+            <p:txBody>
+              <a:bodyPr rtlCol="0" anchor="ctr"/>
+              <a:lstStyle/>
+              <a:p>
+                <a:pPr algn="ctr"/>
+                <a:r>
+                  <a:rPr lang="en-GB" sz="1956" dirty="0"/>
+                  <a:t>Simple derivatives</a:t>
+                </a:r>
+              </a:p>
+            </p:txBody>
+          </p:sp>
+          <p:sp>
+            <p:nvSpPr>
+              <p:cNvPr id="36" name="Rounded Rectangle 35"/>
+              <p:cNvSpPr/>
+              <p:nvPr/>
+            </p:nvSpPr>
+            <p:spPr>
+              <a:xfrm>
+                <a:off x="15548047" y="1261595"/>
+                <a:ext cx="1980000" cy="720000"/>
+              </a:xfrm>
+              <a:prstGeom prst="roundRect">
+                <a:avLst/>
+              </a:prstGeom>
+              <a:solidFill>
+                <a:schemeClr val="accent1">
+                  <a:lumMod val="50000"/>
+                </a:schemeClr>
+              </a:solidFill>
+              <a:ln>
+                <a:noFill/>
+              </a:ln>
+              <a:effectLst>
+                <a:outerShdw blurRad="50800" dist="38100" dir="8100000" algn="tr" rotWithShape="0">
+                  <a:prstClr val="black">
+                    <a:alpha val="40000"/>
+                  </a:prstClr>
+                </a:outerShdw>
+              </a:effectLst>
+            </p:spPr>
+            <p:style>
+              <a:lnRef idx="2">
+                <a:schemeClr val="accent1">
+                  <a:shade val="50000"/>
+                </a:schemeClr>
+              </a:lnRef>
+              <a:fillRef idx="1">
+                <a:schemeClr val="accent1"/>
+              </a:fillRef>
+              <a:effectRef idx="0">
+                <a:schemeClr val="accent1"/>
+              </a:effectRef>
+              <a:fontRef idx="minor">
+                <a:schemeClr val="lt1"/>
+              </a:fontRef>
+            </p:style>
+            <p:txBody>
+              <a:bodyPr rtlCol="0" anchor="ctr"/>
+              <a:lstStyle/>
+              <a:p>
+                <a:pPr algn="ctr"/>
+                <a:r>
+                  <a:rPr lang="en-GB" sz="1956" dirty="0"/>
+                  <a:t>Geometry and metric tensor</a:t>
+                </a:r>
+              </a:p>
+            </p:txBody>
+          </p:sp>
+          <p:sp>
+            <p:nvSpPr>
+              <p:cNvPr id="37" name="Rounded Rectangle 36"/>
+              <p:cNvSpPr/>
+              <p:nvPr/>
+            </p:nvSpPr>
+            <p:spPr>
+              <a:xfrm>
+                <a:off x="17669825" y="1261595"/>
+                <a:ext cx="1980000" cy="720000"/>
+              </a:xfrm>
+              <a:prstGeom prst="roundRect">
+                <a:avLst/>
+              </a:prstGeom>
+              <a:solidFill>
+                <a:schemeClr val="accent1">
+                  <a:lumMod val="50000"/>
+                </a:schemeClr>
+              </a:solidFill>
+              <a:ln>
+                <a:noFill/>
+              </a:ln>
+              <a:effectLst>
+                <a:outerShdw blurRad="50800" dist="38100" dir="8100000" algn="tr" rotWithShape="0">
+                  <a:prstClr val="black">
+                    <a:alpha val="40000"/>
+                  </a:prstClr>
+                </a:outerShdw>
+              </a:effectLst>
+            </p:spPr>
+            <p:style>
+              <a:lnRef idx="2">
+                <a:schemeClr val="accent1">
+                  <a:shade val="50000"/>
+                </a:schemeClr>
+              </a:lnRef>
+              <a:fillRef idx="1">
+                <a:schemeClr val="accent1"/>
+              </a:fillRef>
+              <a:effectRef idx="0">
+                <a:schemeClr val="accent1"/>
+              </a:effectRef>
+              <a:fontRef idx="minor">
+                <a:schemeClr val="lt1"/>
+              </a:fontRef>
+            </p:style>
+            <p:txBody>
+              <a:bodyPr rtlCol="0" anchor="ctr"/>
+              <a:lstStyle/>
+              <a:p>
+                <a:pPr algn="ctr"/>
+                <a:r>
+                  <a:rPr lang="en-GB" sz="1956" dirty="0"/>
+                  <a:t>Interpolation and projection</a:t>
                 </a:r>
               </a:p>
             </p:txBody>
           </p:sp>
         </p:grpSp>
+        <p:sp>
+          <p:nvSpPr>
+            <p:cNvPr id="92" name="Rectangle 91"/>
+            <p:cNvSpPr/>
+            <p:nvPr/>
+          </p:nvSpPr>
+          <p:spPr>
+            <a:xfrm>
+              <a:off x="7334699" y="4484284"/>
+              <a:ext cx="3475247" cy="420564"/>
+            </a:xfrm>
+            <a:prstGeom prst="rect">
+              <a:avLst/>
+            </a:prstGeom>
+          </p:spPr>
+          <p:txBody>
+            <a:bodyPr wrap="none">
+              <a:spAutoFit/>
+            </a:bodyPr>
+            <a:lstStyle/>
+            <a:p>
+              <a:pPr lvl="0" algn="ctr"/>
+              <a:r>
+                <a:rPr lang="en-GB" sz="2133" dirty="0">
+                  <a:solidFill>
+                    <a:prstClr val="white"/>
+                  </a:solidFill>
+                </a:rPr>
+                <a:t>Basic Topology and Geometry</a:t>
+              </a:r>
+            </a:p>
+          </p:txBody>
+        </p:sp>
       </p:grpSp>
       <p:sp>
         <p:nvSpPr>
@@ -6706,7 +6586,7 @@
               <a:schemeClr val="accent1">
                 <a:lumMod val="60000"/>
                 <a:lumOff val="40000"/>
-                <a:alpha val="53000"/>
+                <a:alpha val="40000"/>
               </a:schemeClr>
             </a:solidFill>
             <a:ln>
@@ -6842,7 +6722,7 @@
             </a:prstGeom>
             <a:solidFill>
               <a:srgbClr val="00B0F0">
-                <a:alpha val="48000"/>
+                <a:alpha val="37000"/>
               </a:srgbClr>
             </a:solidFill>
             <a:ln>

--- a/images/FeltorStructure.pptx
+++ b/images/FeltorStructure.pptx
@@ -123,6 +123,283 @@
 </p:presentation>
 </file>
 
+<file path=ppt/revisionInfo.xml><?xml version="1.0" encoding="utf-8"?>
+<p1510:revInfo xmlns:a="http://schemas.openxmlformats.org/drawingml/2006/main" xmlns:r="http://schemas.openxmlformats.org/officeDocument/2006/relationships" xmlns:p1510="http://schemas.microsoft.com/office/powerpoint/2015/10/main">
+  <p1510:revLst>
+    <p1510:client id="{6C93FBF6-401F-430E-8C80-3465665F24FE}" v="4" dt="2025-03-25T14:36:38.785"/>
+  </p1510:revLst>
+</p1510:revInfo>
+</file>
+
+<file path=ppt/changesInfos/changesInfo1.xml><?xml version="1.0" encoding="utf-8"?>
+<pc:chgInfo xmlns:a="http://schemas.openxmlformats.org/drawingml/2006/main" xmlns:r="http://schemas.openxmlformats.org/officeDocument/2006/relationships" xmlns:ac="http://schemas.microsoft.com/office/drawing/2013/main/command" xmlns:pc="http://schemas.microsoft.com/office/powerpoint/2013/main/command">
+  <pc:docChgLst>
+    <pc:chgData name="Matthias Wiesenberger" userId="f1b754cb-c359-4b41-b165-8c08cbd0ddb4" providerId="ADAL" clId="{6C93FBF6-401F-430E-8C80-3465665F24FE}"/>
+    <pc:docChg chg="undo redo custSel modSld">
+      <pc:chgData name="Matthias Wiesenberger" userId="f1b754cb-c359-4b41-b165-8c08cbd0ddb4" providerId="ADAL" clId="{6C93FBF6-401F-430E-8C80-3465665F24FE}" dt="2025-03-25T14:36:54.329" v="24" actId="20577"/>
+      <pc:docMkLst>
+        <pc:docMk/>
+      </pc:docMkLst>
+      <pc:sldChg chg="addSp delSp modSp mod">
+        <pc:chgData name="Matthias Wiesenberger" userId="f1b754cb-c359-4b41-b165-8c08cbd0ddb4" providerId="ADAL" clId="{6C93FBF6-401F-430E-8C80-3465665F24FE}" dt="2025-03-25T14:36:54.329" v="24" actId="20577"/>
+        <pc:sldMkLst>
+          <pc:docMk/>
+          <pc:sldMk cId="3760719299" sldId="257"/>
+        </pc:sldMkLst>
+        <pc:spChg chg="add del">
+          <ac:chgData name="Matthias Wiesenberger" userId="f1b754cb-c359-4b41-b165-8c08cbd0ddb4" providerId="ADAL" clId="{6C93FBF6-401F-430E-8C80-3465665F24FE}" dt="2025-03-25T14:36:38.555" v="11" actId="21"/>
+          <ac:spMkLst>
+            <pc:docMk/>
+            <pc:sldMk cId="3760719299" sldId="257"/>
+            <ac:spMk id="3" creationId="{00000000-0000-0000-0000-000000000000}"/>
+          </ac:spMkLst>
+        </pc:spChg>
+        <pc:spChg chg="add del">
+          <ac:chgData name="Matthias Wiesenberger" userId="f1b754cb-c359-4b41-b165-8c08cbd0ddb4" providerId="ADAL" clId="{6C93FBF6-401F-430E-8C80-3465665F24FE}" dt="2025-03-25T14:36:38.555" v="11" actId="21"/>
+          <ac:spMkLst>
+            <pc:docMk/>
+            <pc:sldMk cId="3760719299" sldId="257"/>
+            <ac:spMk id="6" creationId="{00000000-0000-0000-0000-000000000000}"/>
+          </ac:spMkLst>
+        </pc:spChg>
+        <pc:spChg chg="add del">
+          <ac:chgData name="Matthias Wiesenberger" userId="f1b754cb-c359-4b41-b165-8c08cbd0ddb4" providerId="ADAL" clId="{6C93FBF6-401F-430E-8C80-3465665F24FE}" dt="2025-03-25T14:36:38.961" v="12" actId="21"/>
+          <ac:spMkLst>
+            <pc:docMk/>
+            <pc:sldMk cId="3760719299" sldId="257"/>
+            <ac:spMk id="8" creationId="{00000000-0000-0000-0000-000000000000}"/>
+          </ac:spMkLst>
+        </pc:spChg>
+        <pc:spChg chg="add del">
+          <ac:chgData name="Matthias Wiesenberger" userId="f1b754cb-c359-4b41-b165-8c08cbd0ddb4" providerId="ADAL" clId="{6C93FBF6-401F-430E-8C80-3465665F24FE}" dt="2025-03-25T14:36:38.555" v="11" actId="21"/>
+          <ac:spMkLst>
+            <pc:docMk/>
+            <pc:sldMk cId="3760719299" sldId="257"/>
+            <ac:spMk id="19" creationId="{00000000-0000-0000-0000-000000000000}"/>
+          </ac:spMkLst>
+        </pc:spChg>
+        <pc:spChg chg="add del mod">
+          <ac:chgData name="Matthias Wiesenberger" userId="f1b754cb-c359-4b41-b165-8c08cbd0ddb4" providerId="ADAL" clId="{6C93FBF6-401F-430E-8C80-3465665F24FE}" dt="2025-03-25T14:36:54.329" v="24" actId="20577"/>
+          <ac:spMkLst>
+            <pc:docMk/>
+            <pc:sldMk cId="3760719299" sldId="257"/>
+            <ac:spMk id="26" creationId="{00000000-0000-0000-0000-000000000000}"/>
+          </ac:spMkLst>
+        </pc:spChg>
+        <pc:spChg chg="add del">
+          <ac:chgData name="Matthias Wiesenberger" userId="f1b754cb-c359-4b41-b165-8c08cbd0ddb4" providerId="ADAL" clId="{6C93FBF6-401F-430E-8C80-3465665F24FE}" dt="2025-03-25T14:36:38.555" v="11" actId="21"/>
+          <ac:spMkLst>
+            <pc:docMk/>
+            <pc:sldMk cId="3760719299" sldId="257"/>
+            <ac:spMk id="28" creationId="{00000000-0000-0000-0000-000000000000}"/>
+          </ac:spMkLst>
+        </pc:spChg>
+        <pc:spChg chg="add del">
+          <ac:chgData name="Matthias Wiesenberger" userId="f1b754cb-c359-4b41-b165-8c08cbd0ddb4" providerId="ADAL" clId="{6C93FBF6-401F-430E-8C80-3465665F24FE}" dt="2025-03-25T14:36:38.961" v="12" actId="21"/>
+          <ac:spMkLst>
+            <pc:docMk/>
+            <pc:sldMk cId="3760719299" sldId="257"/>
+            <ac:spMk id="51" creationId="{00000000-0000-0000-0000-000000000000}"/>
+          </ac:spMkLst>
+        </pc:spChg>
+        <pc:spChg chg="add del">
+          <ac:chgData name="Matthias Wiesenberger" userId="f1b754cb-c359-4b41-b165-8c08cbd0ddb4" providerId="ADAL" clId="{6C93FBF6-401F-430E-8C80-3465665F24FE}" dt="2025-03-25T14:36:38.961" v="12" actId="21"/>
+          <ac:spMkLst>
+            <pc:docMk/>
+            <pc:sldMk cId="3760719299" sldId="257"/>
+            <ac:spMk id="52" creationId="{00000000-0000-0000-0000-000000000000}"/>
+          </ac:spMkLst>
+        </pc:spChg>
+        <pc:spChg chg="add del">
+          <ac:chgData name="Matthias Wiesenberger" userId="f1b754cb-c359-4b41-b165-8c08cbd0ddb4" providerId="ADAL" clId="{6C93FBF6-401F-430E-8C80-3465665F24FE}" dt="2025-03-25T14:36:38.961" v="12" actId="21"/>
+          <ac:spMkLst>
+            <pc:docMk/>
+            <pc:sldMk cId="3760719299" sldId="257"/>
+            <ac:spMk id="53" creationId="{00000000-0000-0000-0000-000000000000}"/>
+          </ac:spMkLst>
+        </pc:spChg>
+        <pc:spChg chg="add del">
+          <ac:chgData name="Matthias Wiesenberger" userId="f1b754cb-c359-4b41-b165-8c08cbd0ddb4" providerId="ADAL" clId="{6C93FBF6-401F-430E-8C80-3465665F24FE}" dt="2025-03-25T14:36:38.961" v="12" actId="21"/>
+          <ac:spMkLst>
+            <pc:docMk/>
+            <pc:sldMk cId="3760719299" sldId="257"/>
+            <ac:spMk id="54" creationId="{00000000-0000-0000-0000-000000000000}"/>
+          </ac:spMkLst>
+        </pc:spChg>
+        <pc:spChg chg="add del">
+          <ac:chgData name="Matthias Wiesenberger" userId="f1b754cb-c359-4b41-b165-8c08cbd0ddb4" providerId="ADAL" clId="{6C93FBF6-401F-430E-8C80-3465665F24FE}" dt="2025-03-25T14:36:38.961" v="12" actId="21"/>
+          <ac:spMkLst>
+            <pc:docMk/>
+            <pc:sldMk cId="3760719299" sldId="257"/>
+            <ac:spMk id="55" creationId="{00000000-0000-0000-0000-000000000000}"/>
+          </ac:spMkLst>
+        </pc:spChg>
+        <pc:spChg chg="add del">
+          <ac:chgData name="Matthias Wiesenberger" userId="f1b754cb-c359-4b41-b165-8c08cbd0ddb4" providerId="ADAL" clId="{6C93FBF6-401F-430E-8C80-3465665F24FE}" dt="2025-03-25T14:36:38.961" v="12" actId="21"/>
+          <ac:spMkLst>
+            <pc:docMk/>
+            <pc:sldMk cId="3760719299" sldId="257"/>
+            <ac:spMk id="58" creationId="{00000000-0000-0000-0000-000000000000}"/>
+          </ac:spMkLst>
+        </pc:spChg>
+        <pc:spChg chg="add del">
+          <ac:chgData name="Matthias Wiesenberger" userId="f1b754cb-c359-4b41-b165-8c08cbd0ddb4" providerId="ADAL" clId="{6C93FBF6-401F-430E-8C80-3465665F24FE}" dt="2025-03-25T14:36:38.961" v="12" actId="21"/>
+          <ac:spMkLst>
+            <pc:docMk/>
+            <pc:sldMk cId="3760719299" sldId="257"/>
+            <ac:spMk id="62" creationId="{00000000-0000-0000-0000-000000000000}"/>
+          </ac:spMkLst>
+        </pc:spChg>
+        <pc:spChg chg="add del">
+          <ac:chgData name="Matthias Wiesenberger" userId="f1b754cb-c359-4b41-b165-8c08cbd0ddb4" providerId="ADAL" clId="{6C93FBF6-401F-430E-8C80-3465665F24FE}" dt="2025-03-25T14:36:38.555" v="11" actId="21"/>
+          <ac:spMkLst>
+            <pc:docMk/>
+            <pc:sldMk cId="3760719299" sldId="257"/>
+            <ac:spMk id="63" creationId="{00000000-0000-0000-0000-000000000000}"/>
+          </ac:spMkLst>
+        </pc:spChg>
+        <pc:spChg chg="add del">
+          <ac:chgData name="Matthias Wiesenberger" userId="f1b754cb-c359-4b41-b165-8c08cbd0ddb4" providerId="ADAL" clId="{6C93FBF6-401F-430E-8C80-3465665F24FE}" dt="2025-03-25T14:36:38.555" v="11" actId="21"/>
+          <ac:spMkLst>
+            <pc:docMk/>
+            <pc:sldMk cId="3760719299" sldId="257"/>
+            <ac:spMk id="70" creationId="{00000000-0000-0000-0000-000000000000}"/>
+          </ac:spMkLst>
+        </pc:spChg>
+        <pc:spChg chg="add del">
+          <ac:chgData name="Matthias Wiesenberger" userId="f1b754cb-c359-4b41-b165-8c08cbd0ddb4" providerId="ADAL" clId="{6C93FBF6-401F-430E-8C80-3465665F24FE}" dt="2025-03-25T14:36:38.555" v="11" actId="21"/>
+          <ac:spMkLst>
+            <pc:docMk/>
+            <pc:sldMk cId="3760719299" sldId="257"/>
+            <ac:spMk id="72" creationId="{00000000-0000-0000-0000-000000000000}"/>
+          </ac:spMkLst>
+        </pc:spChg>
+        <pc:spChg chg="add del">
+          <ac:chgData name="Matthias Wiesenberger" userId="f1b754cb-c359-4b41-b165-8c08cbd0ddb4" providerId="ADAL" clId="{6C93FBF6-401F-430E-8C80-3465665F24FE}" dt="2025-03-25T14:36:38.555" v="11" actId="21"/>
+          <ac:spMkLst>
+            <pc:docMk/>
+            <pc:sldMk cId="3760719299" sldId="257"/>
+            <ac:spMk id="75" creationId="{00000000-0000-0000-0000-000000000000}"/>
+          </ac:spMkLst>
+        </pc:spChg>
+        <pc:spChg chg="add mod">
+          <ac:chgData name="Matthias Wiesenberger" userId="f1b754cb-c359-4b41-b165-8c08cbd0ddb4" providerId="ADAL" clId="{6C93FBF6-401F-430E-8C80-3465665F24FE}" dt="2025-03-25T14:35:40.354" v="9"/>
+          <ac:spMkLst>
+            <pc:docMk/>
+            <pc:sldMk cId="3760719299" sldId="257"/>
+            <ac:spMk id="76" creationId="{00000000-0000-0000-0000-000000000000}"/>
+          </ac:spMkLst>
+        </pc:spChg>
+        <pc:spChg chg="add del">
+          <ac:chgData name="Matthias Wiesenberger" userId="f1b754cb-c359-4b41-b165-8c08cbd0ddb4" providerId="ADAL" clId="{6C93FBF6-401F-430E-8C80-3465665F24FE}" dt="2025-03-25T14:36:38.961" v="12" actId="21"/>
+          <ac:spMkLst>
+            <pc:docMk/>
+            <pc:sldMk cId="3760719299" sldId="257"/>
+            <ac:spMk id="106" creationId="{00000000-0000-0000-0000-000000000000}"/>
+          </ac:spMkLst>
+        </pc:spChg>
+        <pc:spChg chg="add del">
+          <ac:chgData name="Matthias Wiesenberger" userId="f1b754cb-c359-4b41-b165-8c08cbd0ddb4" providerId="ADAL" clId="{6C93FBF6-401F-430E-8C80-3465665F24FE}" dt="2025-03-25T14:36:38.555" v="11" actId="21"/>
+          <ac:spMkLst>
+            <pc:docMk/>
+            <pc:sldMk cId="3760719299" sldId="257"/>
+            <ac:spMk id="107" creationId="{00000000-0000-0000-0000-000000000000}"/>
+          </ac:spMkLst>
+        </pc:spChg>
+        <pc:spChg chg="mod">
+          <ac:chgData name="Matthias Wiesenberger" userId="f1b754cb-c359-4b41-b165-8c08cbd0ddb4" providerId="ADAL" clId="{6C93FBF6-401F-430E-8C80-3465665F24FE}" dt="2025-03-25T14:35:40.354" v="9"/>
+          <ac:spMkLst>
+            <pc:docMk/>
+            <pc:sldMk cId="3760719299" sldId="257"/>
+            <ac:spMk id="114" creationId="{00000000-0000-0000-0000-000000000000}"/>
+          </ac:spMkLst>
+        </pc:spChg>
+        <pc:spChg chg="del">
+          <ac:chgData name="Matthias Wiesenberger" userId="f1b754cb-c359-4b41-b165-8c08cbd0ddb4" providerId="ADAL" clId="{6C93FBF6-401F-430E-8C80-3465665F24FE}" dt="2025-03-25T14:35:46.148" v="10" actId="21"/>
+          <ac:spMkLst>
+            <pc:docMk/>
+            <pc:sldMk cId="3760719299" sldId="257"/>
+            <ac:spMk id="117" creationId="{00000000-0000-0000-0000-000000000000}"/>
+          </ac:spMkLst>
+        </pc:spChg>
+        <pc:spChg chg="mod">
+          <ac:chgData name="Matthias Wiesenberger" userId="f1b754cb-c359-4b41-b165-8c08cbd0ddb4" providerId="ADAL" clId="{6C93FBF6-401F-430E-8C80-3465665F24FE}" dt="2025-03-25T14:35:40.354" v="9"/>
+          <ac:spMkLst>
+            <pc:docMk/>
+            <pc:sldMk cId="3760719299" sldId="257"/>
+            <ac:spMk id="120" creationId="{00000000-0000-0000-0000-000000000000}"/>
+          </ac:spMkLst>
+        </pc:spChg>
+        <pc:spChg chg="add">
+          <ac:chgData name="Matthias Wiesenberger" userId="f1b754cb-c359-4b41-b165-8c08cbd0ddb4" providerId="ADAL" clId="{6C93FBF6-401F-430E-8C80-3465665F24FE}" dt="2025-03-25T14:36:38.555" v="11" actId="21"/>
+          <ac:spMkLst>
+            <pc:docMk/>
+            <pc:sldMk cId="3760719299" sldId="257"/>
+            <ac:spMk id="121" creationId="{00000000-0000-0000-0000-000000000000}"/>
+          </ac:spMkLst>
+        </pc:spChg>
+        <pc:spChg chg="add mod">
+          <ac:chgData name="Matthias Wiesenberger" userId="f1b754cb-c359-4b41-b165-8c08cbd0ddb4" providerId="ADAL" clId="{6C93FBF6-401F-430E-8C80-3465665F24FE}" dt="2025-03-25T14:35:40.354" v="9"/>
+          <ac:spMkLst>
+            <pc:docMk/>
+            <pc:sldMk cId="3760719299" sldId="257"/>
+            <ac:spMk id="122" creationId="{00000000-0000-0000-0000-000000000000}"/>
+          </ac:spMkLst>
+        </pc:spChg>
+        <pc:spChg chg="mod">
+          <ac:chgData name="Matthias Wiesenberger" userId="f1b754cb-c359-4b41-b165-8c08cbd0ddb4" providerId="ADAL" clId="{6C93FBF6-401F-430E-8C80-3465665F24FE}" dt="2025-03-25T14:35:40.354" v="9"/>
+          <ac:spMkLst>
+            <pc:docMk/>
+            <pc:sldMk cId="3760719299" sldId="257"/>
+            <ac:spMk id="138" creationId="{00000000-0000-0000-0000-000000000000}"/>
+          </ac:spMkLst>
+        </pc:spChg>
+        <pc:spChg chg="mod">
+          <ac:chgData name="Matthias Wiesenberger" userId="f1b754cb-c359-4b41-b165-8c08cbd0ddb4" providerId="ADAL" clId="{6C93FBF6-401F-430E-8C80-3465665F24FE}" dt="2025-03-25T14:35:40.354" v="9"/>
+          <ac:spMkLst>
+            <pc:docMk/>
+            <pc:sldMk cId="3760719299" sldId="257"/>
+            <ac:spMk id="145" creationId="{00000000-0000-0000-0000-000000000000}"/>
+          </ac:spMkLst>
+        </pc:spChg>
+        <pc:spChg chg="mod">
+          <ac:chgData name="Matthias Wiesenberger" userId="f1b754cb-c359-4b41-b165-8c08cbd0ddb4" providerId="ADAL" clId="{6C93FBF6-401F-430E-8C80-3465665F24FE}" dt="2025-03-25T14:35:40.354" v="9"/>
+          <ac:spMkLst>
+            <pc:docMk/>
+            <pc:sldMk cId="3760719299" sldId="257"/>
+            <ac:spMk id="146" creationId="{00000000-0000-0000-0000-000000000000}"/>
+          </ac:spMkLst>
+        </pc:spChg>
+        <pc:spChg chg="mod">
+          <ac:chgData name="Matthias Wiesenberger" userId="f1b754cb-c359-4b41-b165-8c08cbd0ddb4" providerId="ADAL" clId="{6C93FBF6-401F-430E-8C80-3465665F24FE}" dt="2025-03-25T14:35:40.354" v="9"/>
+          <ac:spMkLst>
+            <pc:docMk/>
+            <pc:sldMk cId="3760719299" sldId="257"/>
+            <ac:spMk id="149" creationId="{00000000-0000-0000-0000-000000000000}"/>
+          </ac:spMkLst>
+        </pc:spChg>
+        <pc:spChg chg="mod">
+          <ac:chgData name="Matthias Wiesenberger" userId="f1b754cb-c359-4b41-b165-8c08cbd0ddb4" providerId="ADAL" clId="{6C93FBF6-401F-430E-8C80-3465665F24FE}" dt="2025-03-25T14:35:40.354" v="9"/>
+          <ac:spMkLst>
+            <pc:docMk/>
+            <pc:sldMk cId="3760719299" sldId="257"/>
+            <ac:spMk id="152" creationId="{00000000-0000-0000-0000-000000000000}"/>
+          </ac:spMkLst>
+        </pc:spChg>
+        <pc:spChg chg="mod">
+          <ac:chgData name="Matthias Wiesenberger" userId="f1b754cb-c359-4b41-b165-8c08cbd0ddb4" providerId="ADAL" clId="{6C93FBF6-401F-430E-8C80-3465665F24FE}" dt="2025-03-25T14:35:40.354" v="9"/>
+          <ac:spMkLst>
+            <pc:docMk/>
+            <pc:sldMk cId="3760719299" sldId="257"/>
+            <ac:spMk id="153" creationId="{00000000-0000-0000-0000-000000000000}"/>
+          </ac:spMkLst>
+        </pc:spChg>
+      </pc:sldChg>
+    </pc:docChg>
+  </pc:docChgLst>
+</pc:chgInfo>
+</file>
+
 <file path=ppt/slideLayouts/slideLayout1.xml><?xml version="1.0" encoding="utf-8"?>
 <p:sldLayout xmlns:a="http://schemas.openxmlformats.org/drawingml/2006/main" xmlns:r="http://schemas.openxmlformats.org/officeDocument/2006/relationships" xmlns:p="http://schemas.openxmlformats.org/presentationml/2006/main" type="title" preserve="1">
   <p:cSld name="Title Slide">
@@ -165,7 +442,7 @@
           </a:lstStyle>
           <a:p>
             <a:r>
-              <a:rPr lang="en-US" smtClean="0"/>
+              <a:rPr lang="en-US"/>
               <a:t>Click to edit Master title style</a:t>
             </a:r>
             <a:endParaRPr lang="en-US" dirty="0"/>
@@ -230,7 +507,7 @@
           </a:lstStyle>
           <a:p>
             <a:r>
-              <a:rPr lang="en-US" smtClean="0"/>
+              <a:rPr lang="en-US"/>
               <a:t>Click to edit Master subtitle style</a:t>
             </a:r>
             <a:endParaRPr lang="en-US" dirty="0"/>
@@ -254,7 +531,7 @@
           <a:p>
             <a:fld id="{957A0BF8-18F9-4EE3-8444-B9D6551ED936}" type="datetimeFigureOut">
               <a:rPr lang="en-GB" smtClean="0"/>
-              <a:t>26/09/2023</a:t>
+              <a:t>25/03/2025</a:t>
             </a:fld>
             <a:endParaRPr lang="en-GB"/>
           </a:p>
@@ -348,7 +625,7 @@
           <a:lstStyle/>
           <a:p>
             <a:r>
-              <a:rPr lang="en-US" smtClean="0"/>
+              <a:rPr lang="en-US"/>
               <a:t>Click to edit Master title style</a:t>
             </a:r>
             <a:endParaRPr lang="en-US" dirty="0"/>
@@ -372,35 +649,35 @@
           <a:p>
             <a:pPr lvl="0"/>
             <a:r>
-              <a:rPr lang="en-US" smtClean="0"/>
+              <a:rPr lang="en-US"/>
               <a:t>Edit Master text styles</a:t>
             </a:r>
           </a:p>
           <a:p>
             <a:pPr lvl="1"/>
             <a:r>
-              <a:rPr lang="en-US" smtClean="0"/>
+              <a:rPr lang="en-US"/>
               <a:t>Second level</a:t>
             </a:r>
           </a:p>
           <a:p>
             <a:pPr lvl="2"/>
             <a:r>
-              <a:rPr lang="en-US" smtClean="0"/>
+              <a:rPr lang="en-US"/>
               <a:t>Third level</a:t>
             </a:r>
           </a:p>
           <a:p>
             <a:pPr lvl="3"/>
             <a:r>
-              <a:rPr lang="en-US" smtClean="0"/>
+              <a:rPr lang="en-US"/>
               <a:t>Fourth level</a:t>
             </a:r>
           </a:p>
           <a:p>
             <a:pPr lvl="4"/>
             <a:r>
-              <a:rPr lang="en-US" smtClean="0"/>
+              <a:rPr lang="en-US"/>
               <a:t>Fifth level</a:t>
             </a:r>
             <a:endParaRPr lang="en-US" dirty="0"/>
@@ -424,7 +701,7 @@
           <a:p>
             <a:fld id="{957A0BF8-18F9-4EE3-8444-B9D6551ED936}" type="datetimeFigureOut">
               <a:rPr lang="en-GB" smtClean="0"/>
-              <a:t>26/09/2023</a:t>
+              <a:t>25/03/2025</a:t>
             </a:fld>
             <a:endParaRPr lang="en-GB"/>
           </a:p>
@@ -523,7 +800,7 @@
           <a:lstStyle/>
           <a:p>
             <a:r>
-              <a:rPr lang="en-US" smtClean="0"/>
+              <a:rPr lang="en-US"/>
               <a:t>Click to edit Master title style</a:t>
             </a:r>
             <a:endParaRPr lang="en-US" dirty="0"/>
@@ -552,35 +829,35 @@
           <a:p>
             <a:pPr lvl="0"/>
             <a:r>
-              <a:rPr lang="en-US" smtClean="0"/>
+              <a:rPr lang="en-US"/>
               <a:t>Edit Master text styles</a:t>
             </a:r>
           </a:p>
           <a:p>
             <a:pPr lvl="1"/>
             <a:r>
-              <a:rPr lang="en-US" smtClean="0"/>
+              <a:rPr lang="en-US"/>
               <a:t>Second level</a:t>
             </a:r>
           </a:p>
           <a:p>
             <a:pPr lvl="2"/>
             <a:r>
-              <a:rPr lang="en-US" smtClean="0"/>
+              <a:rPr lang="en-US"/>
               <a:t>Third level</a:t>
             </a:r>
           </a:p>
           <a:p>
             <a:pPr lvl="3"/>
             <a:r>
-              <a:rPr lang="en-US" smtClean="0"/>
+              <a:rPr lang="en-US"/>
               <a:t>Fourth level</a:t>
             </a:r>
           </a:p>
           <a:p>
             <a:pPr lvl="4"/>
             <a:r>
-              <a:rPr lang="en-US" smtClean="0"/>
+              <a:rPr lang="en-US"/>
               <a:t>Fifth level</a:t>
             </a:r>
             <a:endParaRPr lang="en-US" dirty="0"/>
@@ -604,7 +881,7 @@
           <a:p>
             <a:fld id="{957A0BF8-18F9-4EE3-8444-B9D6551ED936}" type="datetimeFigureOut">
               <a:rPr lang="en-GB" smtClean="0"/>
-              <a:t>26/09/2023</a:t>
+              <a:t>25/03/2025</a:t>
             </a:fld>
             <a:endParaRPr lang="en-GB"/>
           </a:p>
@@ -698,7 +975,7 @@
           <a:lstStyle/>
           <a:p>
             <a:r>
-              <a:rPr lang="en-US" smtClean="0"/>
+              <a:rPr lang="en-US"/>
               <a:t>Click to edit Master title style</a:t>
             </a:r>
             <a:endParaRPr lang="en-US" dirty="0"/>
@@ -722,35 +999,35 @@
           <a:p>
             <a:pPr lvl="0"/>
             <a:r>
-              <a:rPr lang="en-US" smtClean="0"/>
+              <a:rPr lang="en-US"/>
               <a:t>Edit Master text styles</a:t>
             </a:r>
           </a:p>
           <a:p>
             <a:pPr lvl="1"/>
             <a:r>
-              <a:rPr lang="en-US" smtClean="0"/>
+              <a:rPr lang="en-US"/>
               <a:t>Second level</a:t>
             </a:r>
           </a:p>
           <a:p>
             <a:pPr lvl="2"/>
             <a:r>
-              <a:rPr lang="en-US" smtClean="0"/>
+              <a:rPr lang="en-US"/>
               <a:t>Third level</a:t>
             </a:r>
           </a:p>
           <a:p>
             <a:pPr lvl="3"/>
             <a:r>
-              <a:rPr lang="en-US" smtClean="0"/>
+              <a:rPr lang="en-US"/>
               <a:t>Fourth level</a:t>
             </a:r>
           </a:p>
           <a:p>
             <a:pPr lvl="4"/>
             <a:r>
-              <a:rPr lang="en-US" smtClean="0"/>
+              <a:rPr lang="en-US"/>
               <a:t>Fifth level</a:t>
             </a:r>
             <a:endParaRPr lang="en-US" dirty="0"/>
@@ -774,7 +1051,7 @@
           <a:p>
             <a:fld id="{957A0BF8-18F9-4EE3-8444-B9D6551ED936}" type="datetimeFigureOut">
               <a:rPr lang="en-GB" smtClean="0"/>
-              <a:t>26/09/2023</a:t>
+              <a:t>25/03/2025</a:t>
             </a:fld>
             <a:endParaRPr lang="en-GB"/>
           </a:p>
@@ -877,7 +1154,7 @@
           </a:lstStyle>
           <a:p>
             <a:r>
-              <a:rPr lang="en-US" smtClean="0"/>
+              <a:rPr lang="en-US"/>
               <a:t>Click to edit Master title style</a:t>
             </a:r>
             <a:endParaRPr lang="en-US" dirty="0"/>
@@ -997,7 +1274,7 @@
           <a:p>
             <a:pPr lvl="0"/>
             <a:r>
-              <a:rPr lang="en-US" smtClean="0"/>
+              <a:rPr lang="en-US"/>
               <a:t>Edit Master text styles</a:t>
             </a:r>
           </a:p>
@@ -1020,7 +1297,7 @@
           <a:p>
             <a:fld id="{957A0BF8-18F9-4EE3-8444-B9D6551ED936}" type="datetimeFigureOut">
               <a:rPr lang="en-GB" smtClean="0"/>
-              <a:t>26/09/2023</a:t>
+              <a:t>25/03/2025</a:t>
             </a:fld>
             <a:endParaRPr lang="en-GB"/>
           </a:p>
@@ -1114,7 +1391,7 @@
           <a:lstStyle/>
           <a:p>
             <a:r>
-              <a:rPr lang="en-US" smtClean="0"/>
+              <a:rPr lang="en-US"/>
               <a:t>Click to edit Master title style</a:t>
             </a:r>
             <a:endParaRPr lang="en-US" dirty="0"/>
@@ -1143,35 +1420,35 @@
           <a:p>
             <a:pPr lvl="0"/>
             <a:r>
-              <a:rPr lang="en-US" smtClean="0"/>
+              <a:rPr lang="en-US"/>
               <a:t>Edit Master text styles</a:t>
             </a:r>
           </a:p>
           <a:p>
             <a:pPr lvl="1"/>
             <a:r>
-              <a:rPr lang="en-US" smtClean="0"/>
+              <a:rPr lang="en-US"/>
               <a:t>Second level</a:t>
             </a:r>
           </a:p>
           <a:p>
             <a:pPr lvl="2"/>
             <a:r>
-              <a:rPr lang="en-US" smtClean="0"/>
+              <a:rPr lang="en-US"/>
               <a:t>Third level</a:t>
             </a:r>
           </a:p>
           <a:p>
             <a:pPr lvl="3"/>
             <a:r>
-              <a:rPr lang="en-US" smtClean="0"/>
+              <a:rPr lang="en-US"/>
               <a:t>Fourth level</a:t>
             </a:r>
           </a:p>
           <a:p>
             <a:pPr lvl="4"/>
             <a:r>
-              <a:rPr lang="en-US" smtClean="0"/>
+              <a:rPr lang="en-US"/>
               <a:t>Fifth level</a:t>
             </a:r>
             <a:endParaRPr lang="en-US" dirty="0"/>
@@ -1200,35 +1477,35 @@
           <a:p>
             <a:pPr lvl="0"/>
             <a:r>
-              <a:rPr lang="en-US" smtClean="0"/>
+              <a:rPr lang="en-US"/>
               <a:t>Edit Master text styles</a:t>
             </a:r>
           </a:p>
           <a:p>
             <a:pPr lvl="1"/>
             <a:r>
-              <a:rPr lang="en-US" smtClean="0"/>
+              <a:rPr lang="en-US"/>
               <a:t>Second level</a:t>
             </a:r>
           </a:p>
           <a:p>
             <a:pPr lvl="2"/>
             <a:r>
-              <a:rPr lang="en-US" smtClean="0"/>
+              <a:rPr lang="en-US"/>
               <a:t>Third level</a:t>
             </a:r>
           </a:p>
           <a:p>
             <a:pPr lvl="3"/>
             <a:r>
-              <a:rPr lang="en-US" smtClean="0"/>
+              <a:rPr lang="en-US"/>
               <a:t>Fourth level</a:t>
             </a:r>
           </a:p>
           <a:p>
             <a:pPr lvl="4"/>
             <a:r>
-              <a:rPr lang="en-US" smtClean="0"/>
+              <a:rPr lang="en-US"/>
               <a:t>Fifth level</a:t>
             </a:r>
             <a:endParaRPr lang="en-US" dirty="0"/>
@@ -1252,7 +1529,7 @@
           <a:p>
             <a:fld id="{957A0BF8-18F9-4EE3-8444-B9D6551ED936}" type="datetimeFigureOut">
               <a:rPr lang="en-GB" smtClean="0"/>
-              <a:t>26/09/2023</a:t>
+              <a:t>25/03/2025</a:t>
             </a:fld>
             <a:endParaRPr lang="en-GB"/>
           </a:p>
@@ -1351,7 +1628,7 @@
           <a:lstStyle/>
           <a:p>
             <a:r>
-              <a:rPr lang="en-US" smtClean="0"/>
+              <a:rPr lang="en-US"/>
               <a:t>Click to edit Master title style</a:t>
             </a:r>
             <a:endParaRPr lang="en-US" dirty="0"/>
@@ -1417,7 +1694,7 @@
           <a:p>
             <a:pPr lvl="0"/>
             <a:r>
-              <a:rPr lang="en-US" smtClean="0"/>
+              <a:rPr lang="en-US"/>
               <a:t>Edit Master text styles</a:t>
             </a:r>
           </a:p>
@@ -1445,35 +1722,35 @@
           <a:p>
             <a:pPr lvl="0"/>
             <a:r>
-              <a:rPr lang="en-US" smtClean="0"/>
+              <a:rPr lang="en-US"/>
               <a:t>Edit Master text styles</a:t>
             </a:r>
           </a:p>
           <a:p>
             <a:pPr lvl="1"/>
             <a:r>
-              <a:rPr lang="en-US" smtClean="0"/>
+              <a:rPr lang="en-US"/>
               <a:t>Second level</a:t>
             </a:r>
           </a:p>
           <a:p>
             <a:pPr lvl="2"/>
             <a:r>
-              <a:rPr lang="en-US" smtClean="0"/>
+              <a:rPr lang="en-US"/>
               <a:t>Third level</a:t>
             </a:r>
           </a:p>
           <a:p>
             <a:pPr lvl="3"/>
             <a:r>
-              <a:rPr lang="en-US" smtClean="0"/>
+              <a:rPr lang="en-US"/>
               <a:t>Fourth level</a:t>
             </a:r>
           </a:p>
           <a:p>
             <a:pPr lvl="4"/>
             <a:r>
-              <a:rPr lang="en-US" smtClean="0"/>
+              <a:rPr lang="en-US"/>
               <a:t>Fifth level</a:t>
             </a:r>
             <a:endParaRPr lang="en-US" dirty="0"/>
@@ -1539,7 +1816,7 @@
           <a:p>
             <a:pPr lvl="0"/>
             <a:r>
-              <a:rPr lang="en-US" smtClean="0"/>
+              <a:rPr lang="en-US"/>
               <a:t>Edit Master text styles</a:t>
             </a:r>
           </a:p>
@@ -1567,35 +1844,35 @@
           <a:p>
             <a:pPr lvl="0"/>
             <a:r>
-              <a:rPr lang="en-US" smtClean="0"/>
+              <a:rPr lang="en-US"/>
               <a:t>Edit Master text styles</a:t>
             </a:r>
           </a:p>
           <a:p>
             <a:pPr lvl="1"/>
             <a:r>
-              <a:rPr lang="en-US" smtClean="0"/>
+              <a:rPr lang="en-US"/>
               <a:t>Second level</a:t>
             </a:r>
           </a:p>
           <a:p>
             <a:pPr lvl="2"/>
             <a:r>
-              <a:rPr lang="en-US" smtClean="0"/>
+              <a:rPr lang="en-US"/>
               <a:t>Third level</a:t>
             </a:r>
           </a:p>
           <a:p>
             <a:pPr lvl="3"/>
             <a:r>
-              <a:rPr lang="en-US" smtClean="0"/>
+              <a:rPr lang="en-US"/>
               <a:t>Fourth level</a:t>
             </a:r>
           </a:p>
           <a:p>
             <a:pPr lvl="4"/>
             <a:r>
-              <a:rPr lang="en-US" smtClean="0"/>
+              <a:rPr lang="en-US"/>
               <a:t>Fifth level</a:t>
             </a:r>
             <a:endParaRPr lang="en-US" dirty="0"/>
@@ -1619,7 +1896,7 @@
           <a:p>
             <a:fld id="{957A0BF8-18F9-4EE3-8444-B9D6551ED936}" type="datetimeFigureOut">
               <a:rPr lang="en-GB" smtClean="0"/>
-              <a:t>26/09/2023</a:t>
+              <a:t>25/03/2025</a:t>
             </a:fld>
             <a:endParaRPr lang="en-GB"/>
           </a:p>
@@ -1713,7 +1990,7 @@
           <a:lstStyle/>
           <a:p>
             <a:r>
-              <a:rPr lang="en-US" smtClean="0"/>
+              <a:rPr lang="en-US"/>
               <a:t>Click to edit Master title style</a:t>
             </a:r>
             <a:endParaRPr lang="en-US" dirty="0"/>
@@ -1737,7 +2014,7 @@
           <a:p>
             <a:fld id="{957A0BF8-18F9-4EE3-8444-B9D6551ED936}" type="datetimeFigureOut">
               <a:rPr lang="en-GB" smtClean="0"/>
-              <a:t>26/09/2023</a:t>
+              <a:t>25/03/2025</a:t>
             </a:fld>
             <a:endParaRPr lang="en-GB"/>
           </a:p>
@@ -1832,7 +2109,7 @@
           <a:p>
             <a:fld id="{957A0BF8-18F9-4EE3-8444-B9D6551ED936}" type="datetimeFigureOut">
               <a:rPr lang="en-GB" smtClean="0"/>
-              <a:t>26/09/2023</a:t>
+              <a:t>25/03/2025</a:t>
             </a:fld>
             <a:endParaRPr lang="en-GB"/>
           </a:p>
@@ -1935,7 +2212,7 @@
           </a:lstStyle>
           <a:p>
             <a:r>
-              <a:rPr lang="en-US" smtClean="0"/>
+              <a:rPr lang="en-US"/>
               <a:t>Click to edit Master title style</a:t>
             </a:r>
             <a:endParaRPr lang="en-US" dirty="0"/>
@@ -1992,35 +2269,35 @@
           <a:p>
             <a:pPr lvl="0"/>
             <a:r>
-              <a:rPr lang="en-US" smtClean="0"/>
+              <a:rPr lang="en-US"/>
               <a:t>Edit Master text styles</a:t>
             </a:r>
           </a:p>
           <a:p>
             <a:pPr lvl="1"/>
             <a:r>
-              <a:rPr lang="en-US" smtClean="0"/>
+              <a:rPr lang="en-US"/>
               <a:t>Second level</a:t>
             </a:r>
           </a:p>
           <a:p>
             <a:pPr lvl="2"/>
             <a:r>
-              <a:rPr lang="en-US" smtClean="0"/>
+              <a:rPr lang="en-US"/>
               <a:t>Third level</a:t>
             </a:r>
           </a:p>
           <a:p>
             <a:pPr lvl="3"/>
             <a:r>
-              <a:rPr lang="en-US" smtClean="0"/>
+              <a:rPr lang="en-US"/>
               <a:t>Fourth level</a:t>
             </a:r>
           </a:p>
           <a:p>
             <a:pPr lvl="4"/>
             <a:r>
-              <a:rPr lang="en-US" smtClean="0"/>
+              <a:rPr lang="en-US"/>
               <a:t>Fifth level</a:t>
             </a:r>
             <a:endParaRPr lang="en-US" dirty="0"/>
@@ -2086,7 +2363,7 @@
           <a:p>
             <a:pPr lvl="0"/>
             <a:r>
-              <a:rPr lang="en-US" smtClean="0"/>
+              <a:rPr lang="en-US"/>
               <a:t>Edit Master text styles</a:t>
             </a:r>
           </a:p>
@@ -2109,7 +2386,7 @@
           <a:p>
             <a:fld id="{957A0BF8-18F9-4EE3-8444-B9D6551ED936}" type="datetimeFigureOut">
               <a:rPr lang="en-GB" smtClean="0"/>
-              <a:t>26/09/2023</a:t>
+              <a:t>25/03/2025</a:t>
             </a:fld>
             <a:endParaRPr lang="en-GB"/>
           </a:p>
@@ -2212,7 +2489,7 @@
           </a:lstStyle>
           <a:p>
             <a:r>
-              <a:rPr lang="en-US" smtClean="0"/>
+              <a:rPr lang="en-US"/>
               <a:t>Click to edit Master title style</a:t>
             </a:r>
             <a:endParaRPr lang="en-US" dirty="0"/>
@@ -2277,7 +2554,7 @@
           </a:lstStyle>
           <a:p>
             <a:r>
-              <a:rPr lang="en-US" smtClean="0"/>
+              <a:rPr lang="en-US"/>
               <a:t>Click icon to add picture</a:t>
             </a:r>
             <a:endParaRPr lang="en-US" dirty="0"/>
@@ -2343,7 +2620,7 @@
           <a:p>
             <a:pPr lvl="0"/>
             <a:r>
-              <a:rPr lang="en-US" smtClean="0"/>
+              <a:rPr lang="en-US"/>
               <a:t>Edit Master text styles</a:t>
             </a:r>
           </a:p>
@@ -2366,7 +2643,7 @@
           <a:p>
             <a:fld id="{957A0BF8-18F9-4EE3-8444-B9D6551ED936}" type="datetimeFigureOut">
               <a:rPr lang="en-GB" smtClean="0"/>
-              <a:t>26/09/2023</a:t>
+              <a:t>25/03/2025</a:t>
             </a:fld>
             <a:endParaRPr lang="en-GB"/>
           </a:p>
@@ -2475,7 +2752,7 @@
           <a:lstStyle/>
           <a:p>
             <a:r>
-              <a:rPr lang="en-US" smtClean="0"/>
+              <a:rPr lang="en-US"/>
               <a:t>Click to edit Master title style</a:t>
             </a:r>
             <a:endParaRPr lang="en-US" dirty="0"/>
@@ -2509,35 +2786,35 @@
           <a:p>
             <a:pPr lvl="0"/>
             <a:r>
-              <a:rPr lang="en-US" smtClean="0"/>
+              <a:rPr lang="en-US"/>
               <a:t>Edit Master text styles</a:t>
             </a:r>
           </a:p>
           <a:p>
             <a:pPr lvl="1"/>
             <a:r>
-              <a:rPr lang="en-US" smtClean="0"/>
+              <a:rPr lang="en-US"/>
               <a:t>Second level</a:t>
             </a:r>
           </a:p>
           <a:p>
             <a:pPr lvl="2"/>
             <a:r>
-              <a:rPr lang="en-US" smtClean="0"/>
+              <a:rPr lang="en-US"/>
               <a:t>Third level</a:t>
             </a:r>
           </a:p>
           <a:p>
             <a:pPr lvl="3"/>
             <a:r>
-              <a:rPr lang="en-US" smtClean="0"/>
+              <a:rPr lang="en-US"/>
               <a:t>Fourth level</a:t>
             </a:r>
           </a:p>
           <a:p>
             <a:pPr lvl="4"/>
             <a:r>
-              <a:rPr lang="en-US" smtClean="0"/>
+              <a:rPr lang="en-US"/>
               <a:t>Fifth level</a:t>
             </a:r>
             <a:endParaRPr lang="en-US" dirty="0"/>
@@ -2579,7 +2856,7 @@
           <a:p>
             <a:fld id="{957A0BF8-18F9-4EE3-8444-B9D6551ED936}" type="datetimeFigureOut">
               <a:rPr lang="en-GB" smtClean="0"/>
-              <a:t>26/09/2023</a:t>
+              <a:t>25/03/2025</a:t>
             </a:fld>
             <a:endParaRPr lang="en-GB"/>
           </a:p>
@@ -3277,7 +3554,7 @@
             <a:pPr algn="ctr"/>
             <a:r>
               <a:rPr lang="en-GB" sz="1956" dirty="0" err="1"/>
-              <a:t>cusplibrary</a:t>
+              <a:t>cusparse</a:t>
             </a:r>
             <a:endParaRPr lang="en-GB" sz="1956" dirty="0"/>
           </a:p>
@@ -3964,7 +4241,7 @@
           <a:p>
             <a:pPr algn="ctr"/>
             <a:r>
-              <a:rPr lang="en-US" sz="2133" b="1" dirty="0" smtClean="0">
+              <a:rPr lang="en-US" sz="2133" b="1" dirty="0">
                 <a:solidFill>
                   <a:prstClr val="white"/>
                 </a:solidFill>
@@ -4002,20 +4279,12 @@
           <a:p>
             <a:pPr algn="ctr"/>
             <a:r>
-              <a:rPr lang="en-GB" sz="2133" b="1" dirty="0" smtClean="0">
-                <a:solidFill>
-                  <a:prstClr val="white"/>
-                </a:solidFill>
-              </a:rPr>
-              <a:t>Application </a:t>
-            </a:r>
-            <a:r>
               <a:rPr lang="en-GB" sz="2133" b="1" dirty="0">
                 <a:solidFill>
                   <a:prstClr val="white"/>
                 </a:solidFill>
               </a:rPr>
-              <a:t>codes</a:t>
+              <a:t>Application codes</a:t>
             </a:r>
           </a:p>
         </p:txBody>
@@ -4503,34 +4772,13 @@
           <a:p>
             <a:pPr algn="ctr"/>
             <a:r>
-              <a:rPr lang="en-GB" sz="2133" dirty="0" smtClean="0">
-                <a:solidFill>
-                  <a:prstClr val="white"/>
-                </a:solidFill>
-              </a:rPr>
-              <a:t>Advanced </a:t>
-            </a:r>
-            <a:r>
               <a:rPr lang="en-GB" sz="2133" dirty="0">
                 <a:solidFill>
                   <a:prstClr val="white"/>
                 </a:solidFill>
               </a:rPr>
-              <a:t>numerical </a:t>
-            </a:r>
-            <a:r>
-              <a:rPr lang="en-GB" sz="2133" dirty="0" smtClean="0">
-                <a:solidFill>
-                  <a:prstClr val="white"/>
-                </a:solidFill>
-              </a:rPr>
-              <a:t>algorithms</a:t>
-            </a:r>
-            <a:endParaRPr lang="en-GB" sz="2133" dirty="0">
-              <a:solidFill>
-                <a:prstClr val="white"/>
-              </a:solidFill>
-            </a:endParaRPr>
+              <a:t>Advanced numerical algorithms</a:t>
+            </a:r>
           </a:p>
         </p:txBody>
       </p:sp>
@@ -4645,26 +4893,25 @@
           <a:lstStyle/>
           <a:p>
             <a:pPr algn="ctr"/>
-            <a:endParaRPr lang="en-GB" sz="1956" dirty="0" smtClean="0"/>
+            <a:endParaRPr lang="en-GB" sz="1956" dirty="0"/>
           </a:p>
           <a:p>
             <a:pPr algn="ctr"/>
             <a:r>
-              <a:rPr lang="en-GB" sz="1956" dirty="0" err="1" smtClean="0"/>
+              <a:rPr lang="en-GB" sz="1956" dirty="0" err="1"/>
               <a:t>netcdf</a:t>
             </a:r>
             <a:r>
-              <a:rPr lang="en-GB" sz="1956" dirty="0" smtClean="0"/>
+              <a:rPr lang="en-GB" sz="1956" dirty="0"/>
               <a:t> </a:t>
             </a:r>
           </a:p>
           <a:p>
             <a:pPr algn="ctr"/>
             <a:r>
-              <a:rPr lang="en-GB" sz="1956" dirty="0" smtClean="0"/>
+              <a:rPr lang="en-GB" sz="1956" dirty="0"/>
               <a:t>utilities</a:t>
             </a:r>
-            <a:endParaRPr lang="en-GB" sz="1956" dirty="0"/>
           </a:p>
           <a:p>
             <a:pPr algn="ctr"/>
@@ -4723,21 +4970,17 @@
           <a:lstStyle/>
           <a:p>
             <a:pPr algn="ctr"/>
-            <a:endParaRPr lang="en-GB" sz="1956" dirty="0" smtClean="0"/>
+            <a:endParaRPr lang="en-GB" sz="1956" dirty="0"/>
           </a:p>
           <a:p>
             <a:pPr algn="ctr"/>
             <a:r>
-              <a:rPr lang="en-GB" sz="1956" dirty="0" err="1" smtClean="0"/>
+              <a:rPr lang="en-GB" sz="1956" dirty="0" err="1"/>
               <a:t>jsoncpp</a:t>
             </a:r>
             <a:r>
-              <a:rPr lang="en-GB" sz="1956" dirty="0" smtClean="0"/>
-              <a:t> </a:t>
-            </a:r>
-            <a:r>
               <a:rPr lang="en-GB" sz="1956" dirty="0"/>
-              <a:t>utilities</a:t>
+              <a:t> utilities</a:t>
             </a:r>
           </a:p>
           <a:p>
@@ -4769,20 +5012,12 @@
           <a:p>
             <a:pPr algn="ctr"/>
             <a:r>
-              <a:rPr lang="en-GB" sz="2133" dirty="0" smtClean="0">
-                <a:solidFill>
-                  <a:prstClr val="white"/>
-                </a:solidFill>
-              </a:rPr>
-              <a:t>File </a:t>
-            </a:r>
-            <a:r>
               <a:rPr lang="en-GB" sz="2133" dirty="0">
                 <a:solidFill>
                   <a:prstClr val="white"/>
                 </a:solidFill>
               </a:rPr>
-              <a:t>I/O operations</a:t>
+              <a:t>File I/O operations</a:t>
             </a:r>
           </a:p>
         </p:txBody>
@@ -5059,18 +5294,13 @@
           <a:p>
             <a:pPr algn="ctr"/>
             <a:r>
-              <a:rPr lang="en-GB" sz="2133" dirty="0" smtClean="0">
+              <a:rPr lang="en-GB" sz="2133" dirty="0">
                 <a:solidFill>
                   <a:prstClr val="white"/>
                 </a:solidFill>
               </a:rPr>
               <a:t>Geometries extension</a:t>
             </a:r>
-            <a:endParaRPr lang="en-GB" sz="2133" dirty="0">
-              <a:solidFill>
-                <a:prstClr val="white"/>
-              </a:solidFill>
-            </a:endParaRPr>
           </a:p>
         </p:txBody>
       </p:sp>
@@ -5203,23 +5433,7 @@
               <a:pPr algn="ctr"/>
               <a:r>
                 <a:rPr lang="en-GB" sz="1956" dirty="0"/>
-                <a:t>E</a:t>
-              </a:r>
-              <a:r>
-                <a:rPr lang="en-GB" sz="1956" dirty="0" smtClean="0"/>
-                <a:t>xplicit </a:t>
-              </a:r>
-              <a:r>
-                <a:rPr lang="en-GB" sz="1956" dirty="0"/>
-                <a:t>and I</a:t>
-              </a:r>
-              <a:r>
-                <a:rPr lang="en-GB" sz="1956" dirty="0" smtClean="0"/>
-                <a:t>mplicit </a:t>
-              </a:r>
-              <a:r>
-                <a:rPr lang="en-GB" sz="1956" dirty="0"/>
-                <a:t>ODE integrators</a:t>
+                <a:t>Explicit and Implicit ODE integrators</a:t>
               </a:r>
             </a:p>
           </p:txBody>
@@ -5306,34 +5520,13 @@
           <a:p>
             <a:pPr algn="ctr"/>
             <a:r>
-              <a:rPr lang="en-GB" sz="2133" dirty="0" smtClean="0">
-                <a:solidFill>
-                  <a:prstClr val="white"/>
-                </a:solidFill>
-              </a:rPr>
-              <a:t>Basic </a:t>
-            </a:r>
-            <a:r>
               <a:rPr lang="en-GB" sz="2133" dirty="0">
                 <a:solidFill>
                   <a:prstClr val="white"/>
                 </a:solidFill>
               </a:rPr>
-              <a:t>numerical </a:t>
-            </a:r>
-            <a:r>
-              <a:rPr lang="en-GB" sz="2133" dirty="0" smtClean="0">
-                <a:solidFill>
-                  <a:prstClr val="white"/>
-                </a:solidFill>
-              </a:rPr>
-              <a:t>algorithms</a:t>
-            </a:r>
-            <a:endParaRPr lang="en-GB" sz="2133" dirty="0">
-              <a:solidFill>
-                <a:prstClr val="white"/>
-              </a:solidFill>
-            </a:endParaRPr>
+              <a:t>Basic numerical algorithms</a:t>
+            </a:r>
           </a:p>
         </p:txBody>
       </p:sp>
@@ -5760,20 +5953,12 @@
           <a:p>
             <a:pPr algn="ctr"/>
             <a:r>
-              <a:rPr lang="en-GB" sz="2133" dirty="0" smtClean="0">
-                <a:solidFill>
-                  <a:prstClr val="white"/>
-                </a:solidFill>
-              </a:rPr>
-              <a:t>Basic </a:t>
-            </a:r>
-            <a:r>
               <a:rPr lang="en-GB" sz="2133" dirty="0">
                 <a:solidFill>
                   <a:prstClr val="white"/>
                 </a:solidFill>
               </a:rPr>
-              <a:t>parallel operations</a:t>
+              <a:t>Basic parallel operations</a:t>
             </a:r>
           </a:p>
         </p:txBody>
@@ -5931,17 +6116,12 @@
                   <a:rPr lang="en-GB" sz="1956" dirty="0"/>
                   <a:t> </a:t>
                 </a:r>
-                <a:endParaRPr lang="en-GB" sz="1956" dirty="0" smtClean="0"/>
               </a:p>
               <a:p>
                 <a:pPr algn="ctr"/>
                 <a:r>
-                  <a:rPr lang="en-GB" sz="1956" dirty="0" smtClean="0"/>
-                  <a:t>Topology </a:t>
-                </a:r>
-                <a:r>
                   <a:rPr lang="en-GB" sz="1956" dirty="0"/>
-                  <a:t>1d, 2d, 3d</a:t>
+                  <a:t>Topology 1d, 2d, 3d</a:t>
                 </a:r>
               </a:p>
             </p:txBody>
@@ -6178,18 +6358,13 @@
           <a:p>
             <a:pPr algn="ctr"/>
             <a:r>
-              <a:rPr lang="en-GB" sz="2800" b="1" dirty="0" smtClean="0">
+              <a:rPr lang="en-GB" sz="2800" b="1" dirty="0">
                 <a:solidFill>
                   <a:prstClr val="white"/>
                 </a:solidFill>
               </a:rPr>
               <a:t>FELTOR</a:t>
             </a:r>
-            <a:endParaRPr lang="en-GB" sz="2800" b="1" dirty="0">
-              <a:solidFill>
-                <a:prstClr val="white"/>
-              </a:solidFill>
-            </a:endParaRPr>
           </a:p>
         </p:txBody>
       </p:sp>
@@ -6245,7 +6420,7 @@
           <a:p>
             <a:pPr algn="ctr"/>
             <a:r>
-              <a:rPr lang="en-GB" sz="1956" dirty="0" err="1" smtClean="0"/>
+              <a:rPr lang="en-GB" sz="1956" dirty="0" err="1"/>
               <a:t>vcl</a:t>
             </a:r>
             <a:endParaRPr lang="en-GB" sz="1956" dirty="0"/>
@@ -6460,18 +6635,13 @@
             <a:lstStyle/>
             <a:p>
               <a:r>
-                <a:rPr lang="en-GB" dirty="0" smtClean="0">
+                <a:rPr lang="en-GB" dirty="0">
                   <a:solidFill>
                     <a:schemeClr val="bg1"/>
                   </a:solidFill>
                 </a:rPr>
                 <a:t>External library </a:t>
               </a:r>
-              <a:endParaRPr lang="en-GB" dirty="0">
-                <a:solidFill>
-                  <a:schemeClr val="bg1"/>
-                </a:solidFill>
-              </a:endParaRPr>
             </a:p>
           </p:txBody>
         </p:sp>
@@ -6498,18 +6668,13 @@
             <a:lstStyle/>
             <a:p>
               <a:r>
-                <a:rPr lang="en-GB" dirty="0" smtClean="0">
+                <a:rPr lang="en-GB" dirty="0">
                   <a:solidFill>
                     <a:schemeClr val="bg1"/>
                   </a:solidFill>
                 </a:rPr>
                 <a:t>Submodule</a:t>
               </a:r>
-              <a:endParaRPr lang="en-GB" dirty="0">
-                <a:solidFill>
-                  <a:schemeClr val="bg1"/>
-                </a:solidFill>
-              </a:endParaRPr>
             </a:p>
           </p:txBody>
         </p:sp>
@@ -6653,7 +6818,7 @@
             <a:lstStyle/>
             <a:p>
               <a:r>
-                <a:rPr lang="en-US" dirty="0" smtClean="0">
+                <a:rPr lang="en-US" dirty="0">
                   <a:solidFill>
                     <a:schemeClr val="bg1"/>
                   </a:solidFill>
@@ -6691,7 +6856,7 @@
             <a:lstStyle/>
             <a:p>
               <a:r>
-                <a:rPr lang="en-US" dirty="0" smtClean="0">
+                <a:rPr lang="en-US" dirty="0">
                   <a:solidFill>
                     <a:schemeClr val="bg1"/>
                   </a:solidFill>
@@ -6789,18 +6954,13 @@
             <a:lstStyle/>
             <a:p>
               <a:r>
-                <a:rPr lang="en-GB" dirty="0" smtClean="0">
+                <a:rPr lang="en-GB" dirty="0">
                   <a:solidFill>
                     <a:schemeClr val="bg1"/>
                   </a:solidFill>
                 </a:rPr>
                 <a:t>Extension</a:t>
               </a:r>
-              <a:endParaRPr lang="en-GB" dirty="0">
-                <a:solidFill>
-                  <a:schemeClr val="bg1"/>
-                </a:solidFill>
-              </a:endParaRPr>
             </a:p>
           </p:txBody>
         </p:sp>
@@ -6815,13 +6975,6 @@
   <p:clrMapOvr>
     <a:masterClrMapping/>
   </p:clrMapOvr>
-  <p:timing>
-    <p:tnLst>
-      <p:par>
-        <p:cTn id="1" dur="indefinite" restart="never" nodeType="tmRoot"/>
-      </p:par>
-    </p:tnLst>
-  </p:timing>
 </p:sld>
 </file>
 
